--- a/Comprehensive_Cpp_Intro.pptx
+++ b/Comprehensive_Cpp_Intro.pptx
@@ -217,7 +217,7 @@
           <a:p>
             <a:fld id="{3E3CD8AF-6384-4A1A-A56F-34CC2B14AA45}" type="datetimeFigureOut">
               <a:rPr lang="en-US" smtClean="0"/>
-              <a:t>6/23/2017</a:t>
+              <a:t>6/24/2017</a:t>
             </a:fld>
             <a:endParaRPr lang="en-US"/>
           </a:p>
@@ -2953,7 +2953,7 @@
               </a:lnSpc>
             </a:pPr>
             <a:r>
-              <a:rPr lang="en-US" sz="4200" b="0" strike="noStrike" spc="-1">
+              <a:rPr lang="en-US" sz="4200" b="0" strike="noStrike" spc="-1" dirty="0">
                 <a:solidFill>
                   <a:srgbClr val="00BF00"/>
                 </a:solidFill>
@@ -2967,7 +2967,7 @@
               </a:rPr>
               <a:t>Prerequisites</a:t>
             </a:r>
-            <a:endParaRPr lang="en-US" sz="1400" b="0" strike="noStrike" spc="-1">
+            <a:endParaRPr lang="en-US" sz="1400" b="0" strike="noStrike" spc="-1" dirty="0">
               <a:solidFill>
                 <a:srgbClr val="000000"/>
               </a:solidFill>
@@ -5671,7 +5671,7 @@
                               <p:par>
                                 <p:cTn id="16" presetID="1" presetClass="entr" presetSubtype="0" fill="hold" grpId="0" nodeType="afterEffect">
                                   <p:stCondLst>
-                                    <p:cond delay="1000"/>
+                                    <p:cond delay="2000"/>
                                   </p:stCondLst>
                                   <p:childTnLst>
                                     <p:set>
@@ -5950,7 +5950,7 @@
                               <p:par>
                                 <p:cTn id="39" presetID="1" presetClass="entr" presetSubtype="0" fill="hold" grpId="0" nodeType="afterEffect">
                                   <p:stCondLst>
-                                    <p:cond delay="1000"/>
+                                    <p:cond delay="2000"/>
                                   </p:stCondLst>
                                   <p:childTnLst>
                                     <p:set>
@@ -6229,7 +6229,7 @@
                               <p:par>
                                 <p:cTn id="62" presetID="1" presetClass="entr" presetSubtype="0" fill="hold" grpId="0" nodeType="afterEffect">
                                   <p:stCondLst>
-                                    <p:cond delay="1000"/>
+                                    <p:cond delay="2000"/>
                                   </p:stCondLst>
                                   <p:childTnLst>
                                     <p:set>
@@ -6253,15 +6253,24 @@
                                   </p:childTnLst>
                                 </p:cTn>
                               </p:par>
+                            </p:childTnLst>
+                          </p:cTn>
+                        </p:par>
+                        <p:par>
+                          <p:cTn id="64" fill="hold">
+                            <p:stCondLst>
+                              <p:cond delay="2000"/>
+                            </p:stCondLst>
+                            <p:childTnLst>
                               <p:par>
-                                <p:cTn id="64" presetID="1" presetClass="entr" presetSubtype="0" fill="hold" nodeType="withEffect">
+                                <p:cTn id="65" presetID="1" presetClass="entr" presetSubtype="0" fill="hold" nodeType="afterEffect">
                                   <p:stCondLst>
-                                    <p:cond delay="1000"/>
+                                    <p:cond delay="0"/>
                                   </p:stCondLst>
                                   <p:childTnLst>
                                     <p:set>
                                       <p:cBhvr>
-                                        <p:cTn id="65" dur="1" fill="hold">
+                                        <p:cTn id="66" dur="1" fill="hold">
                                           <p:stCondLst>
                                             <p:cond delay="0"/>
                                           </p:stCondLst>
@@ -6287,26 +6296,26 @@
                     </p:cTn>
                   </p:par>
                   <p:par>
-                    <p:cTn id="66" fill="hold">
+                    <p:cTn id="67" fill="hold">
                       <p:stCondLst>
                         <p:cond delay="indefinite"/>
                       </p:stCondLst>
                       <p:childTnLst>
                         <p:par>
-                          <p:cTn id="67" fill="hold">
+                          <p:cTn id="68" fill="hold">
                             <p:stCondLst>
                               <p:cond delay="0"/>
                             </p:stCondLst>
                             <p:childTnLst>
                               <p:par>
-                                <p:cTn id="68" presetID="1" presetClass="exit" presetSubtype="0" fill="hold" grpId="1" nodeType="clickEffect">
+                                <p:cTn id="69" presetID="1" presetClass="exit" presetSubtype="0" fill="hold" grpId="1" nodeType="clickEffect">
                                   <p:stCondLst>
                                     <p:cond delay="0"/>
                                   </p:stCondLst>
                                   <p:childTnLst>
                                     <p:set>
                                       <p:cBhvr>
-                                        <p:cTn id="69" dur="1" fill="hold">
+                                        <p:cTn id="70" dur="1" fill="hold">
                                           <p:stCondLst>
                                             <p:cond delay="0"/>
                                           </p:stCondLst>
@@ -6329,20 +6338,20 @@
                           </p:cTn>
                         </p:par>
                         <p:par>
-                          <p:cTn id="70" fill="hold">
+                          <p:cTn id="71" fill="hold">
                             <p:stCondLst>
                               <p:cond delay="0"/>
                             </p:stCondLst>
                             <p:childTnLst>
                               <p:par>
-                                <p:cTn id="71" presetID="1" presetClass="entr" presetSubtype="0" fill="hold" grpId="0" nodeType="afterEffect">
+                                <p:cTn id="72" presetID="1" presetClass="entr" presetSubtype="0" fill="hold" grpId="0" nodeType="afterEffect">
                                   <p:stCondLst>
-                                    <p:cond delay="1000"/>
+                                    <p:cond delay="2000"/>
                                   </p:stCondLst>
                                   <p:childTnLst>
                                     <p:set>
                                       <p:cBhvr>
-                                        <p:cTn id="72" dur="1" fill="hold">
+                                        <p:cTn id="73" dur="1" fill="hold">
                                           <p:stCondLst>
                                             <p:cond delay="0"/>
                                           </p:stCondLst>
@@ -6498,71 +6507,11 @@
                   </a:solidFill>
                 </a:uFill>
                 <a:latin typeface="Consolas"/>
-                <a:ea typeface="Consolas"/>
-              </a:rPr>
-              <a:t> Object-oriented (and more)</a:t>
-            </a:r>
-            <a:endParaRPr lang="en-US" sz="3000" b="0" strike="noStrike" spc="-1" dirty="0">
-              <a:solidFill>
-                <a:srgbClr val="00BF00"/>
-              </a:solidFill>
-              <a:uFill>
-                <a:solidFill>
-                  <a:srgbClr val="FFFFFF"/>
-                </a:solidFill>
-              </a:uFill>
-              <a:latin typeface="Consolas"/>
-              <a:ea typeface="Consolas"/>
-            </a:endParaRPr>
-          </a:p>
-          <a:p>
-            <a:pPr>
-              <a:lnSpc>
-                <a:spcPct val="100000"/>
-              </a:lnSpc>
-            </a:pPr>
-            <a:r>
-              <a:rPr lang="en-US" sz="3000" spc="-1" dirty="0">
-                <a:solidFill>
-                  <a:srgbClr val="00BF00"/>
-                </a:solidFill>
-                <a:uFill>
-                  <a:solidFill>
-                    <a:srgbClr val="FFFFFF"/>
-                  </a:solidFill>
-                </a:uFill>
-                <a:latin typeface="Consolas"/>
-              </a:rPr>
-              <a:t> Direct data management</a:t>
-            </a:r>
-          </a:p>
-          <a:p>
-            <a:pPr>
-              <a:lnSpc>
-                <a:spcPct val="100000"/>
-              </a:lnSpc>
-            </a:pPr>
-            <a:r>
-              <a:rPr lang="en-US" sz="3000" spc="-1" dirty="0">
-                <a:solidFill>
-                  <a:srgbClr val="00BF00"/>
-                </a:solidFill>
-                <a:uFill>
-                  <a:solidFill>
-                    <a:srgbClr val="FFFFFF"/>
-                  </a:solidFill>
-                </a:uFill>
-                <a:latin typeface="Consolas"/>
               </a:rPr>
               <a:t> Compiled</a:t>
             </a:r>
           </a:p>
           <a:p>
-            <a:pPr>
-              <a:lnSpc>
-                <a:spcPct val="100000"/>
-              </a:lnSpc>
-            </a:pPr>
             <a:r>
               <a:rPr lang="en-US" sz="3000" spc="-1" dirty="0">
                 <a:solidFill>
@@ -6577,17 +6526,6 @@
               </a:rPr>
               <a:t> Constantly evolving</a:t>
             </a:r>
-            <a:endParaRPr lang="en-US" sz="3200" b="0" strike="noStrike" spc="-1" dirty="0">
-              <a:solidFill>
-                <a:srgbClr val="FFFFFF"/>
-              </a:solidFill>
-              <a:uFill>
-                <a:solidFill>
-                  <a:srgbClr val="FFFFFF"/>
-                </a:solidFill>
-              </a:uFill>
-              <a:latin typeface="Cambria"/>
-            </a:endParaRPr>
           </a:p>
         </p:txBody>
       </p:sp>
@@ -6705,7 +6643,60 @@
               </a:rPr>
               <a:t>One question a programmer might ask is: "Why C++? There are thousands of other programming languages out there, so what makes C++ so special?"</a:t>
             </a:r>
+            <a:endParaRPr lang="en-US" sz="2400" b="0" strike="noStrike" spc="-1" dirty="0">
+              <a:solidFill>
+                <a:schemeClr val="bg1"/>
+              </a:solidFill>
+              <a:uFill>
+                <a:solidFill>
+                  <a:srgbClr val="FFFFFF"/>
+                </a:solidFill>
+              </a:uFill>
+              <a:latin typeface="Fira Sans Condensed"/>
+            </a:endParaRPr>
           </a:p>
+        </p:txBody>
+      </p:sp>
+      <p:sp>
+        <p:nvSpPr>
+          <p:cNvPr id="5" name="CustomShape 18">
+            <a:extLst>
+              <a:ext uri="{FF2B5EF4-FFF2-40B4-BE49-F238E27FC236}">
+                <a16:creationId xmlns:a16="http://schemas.microsoft.com/office/drawing/2014/main" id="{F5DA528C-6F5C-40C1-89E3-03AF03FE0C32}"/>
+              </a:ext>
+            </a:extLst>
+          </p:cNvPr>
+          <p:cNvSpPr/>
+          <p:nvPr/>
+        </p:nvSpPr>
+        <p:spPr>
+          <a:xfrm>
+            <a:off x="0" y="3831336"/>
+            <a:ext cx="9143640" cy="1301040"/>
+          </a:xfrm>
+          <a:prstGeom prst="rect">
+            <a:avLst/>
+          </a:prstGeom>
+          <a:noFill/>
+          <a:ln>
+            <a:noFill/>
+          </a:ln>
+        </p:spPr>
+        <p:style>
+          <a:lnRef idx="0">
+            <a:scrgbClr r="0" g="0" b="0"/>
+          </a:lnRef>
+          <a:fillRef idx="0">
+            <a:scrgbClr r="0" g="0" b="0"/>
+          </a:fillRef>
+          <a:effectRef idx="0">
+            <a:scrgbClr r="0" g="0" b="0"/>
+          </a:effectRef>
+          <a:fontRef idx="minor"/>
+        </p:style>
+        <p:txBody>
+          <a:bodyPr tIns="91440" bIns="91440"/>
+          <a:lstStyle/>
           <a:p>
             <a:pPr>
               <a:lnSpc>
@@ -6719,9 +6710,62 @@
                 </a:solidFill>
                 <a:latin typeface="Fira Sans Condensed"/>
               </a:rPr>
-              <a:t> </a:t>
+              <a:t>The short answer is: nothing in particular. However, using C++ forces you to learn parts of programming that other languages try to hide.</a:t>
             </a:r>
+            <a:endParaRPr lang="en-US" sz="2400" b="0" strike="noStrike" spc="-1" dirty="0">
+              <a:solidFill>
+                <a:schemeClr val="bg1"/>
+              </a:solidFill>
+              <a:uFill>
+                <a:solidFill>
+                  <a:srgbClr val="FFFFFF"/>
+                </a:solidFill>
+              </a:uFill>
+              <a:latin typeface="Fira Sans Condensed"/>
+            </a:endParaRPr>
           </a:p>
+        </p:txBody>
+      </p:sp>
+      <p:sp>
+        <p:nvSpPr>
+          <p:cNvPr id="6" name="CustomShape 18">
+            <a:extLst>
+              <a:ext uri="{FF2B5EF4-FFF2-40B4-BE49-F238E27FC236}">
+                <a16:creationId xmlns:a16="http://schemas.microsoft.com/office/drawing/2014/main" id="{5389F14D-C36F-4BBB-9F5D-36F011B9415A}"/>
+              </a:ext>
+            </a:extLst>
+          </p:cNvPr>
+          <p:cNvSpPr/>
+          <p:nvPr/>
+        </p:nvSpPr>
+        <p:spPr>
+          <a:xfrm>
+            <a:off x="0" y="3831336"/>
+            <a:ext cx="9143640" cy="1301040"/>
+          </a:xfrm>
+          <a:prstGeom prst="rect">
+            <a:avLst/>
+          </a:prstGeom>
+          <a:noFill/>
+          <a:ln>
+            <a:noFill/>
+          </a:ln>
+        </p:spPr>
+        <p:style>
+          <a:lnRef idx="0">
+            <a:scrgbClr r="0" g="0" b="0"/>
+          </a:lnRef>
+          <a:fillRef idx="0">
+            <a:scrgbClr r="0" g="0" b="0"/>
+          </a:fillRef>
+          <a:effectRef idx="0">
+            <a:scrgbClr r="0" g="0" b="0"/>
+          </a:effectRef>
+          <a:fontRef idx="minor"/>
+        </p:style>
+        <p:txBody>
+          <a:bodyPr tIns="91440" bIns="91440"/>
+          <a:lstStyle/>
           <a:p>
             <a:pPr>
               <a:lnSpc>
@@ -6735,7 +6779,386 @@
                 </a:solidFill>
                 <a:latin typeface="Fira Sans Condensed"/>
               </a:rPr>
-              <a:t>The short answer is: nothing in particular. However, using C++ forces you to learn parts of programming that other languages try to hide.</a:t>
+              <a:t>After you understand the nature of programming, C++ is more approachable because it is just </a:t>
+            </a:r>
+            <a:r>
+              <a:rPr lang="en-US" sz="2400" dirty="0">
+                <a:solidFill>
+                  <a:schemeClr val="tx1">
+                    <a:lumMod val="95000"/>
+                    <a:lumOff val="5000"/>
+                  </a:schemeClr>
+                </a:solidFill>
+                <a:latin typeface="Fira Sans Condensed"/>
+              </a:rPr>
+              <a:t>a programming language.</a:t>
+            </a:r>
+            <a:endParaRPr lang="en-US" sz="2400" b="0" strike="noStrike" spc="-1" dirty="0">
+              <a:solidFill>
+                <a:schemeClr val="tx1">
+                  <a:lumMod val="95000"/>
+                  <a:lumOff val="5000"/>
+                </a:schemeClr>
+              </a:solidFill>
+              <a:uFill>
+                <a:solidFill>
+                  <a:srgbClr val="FFFFFF"/>
+                </a:solidFill>
+              </a:uFill>
+              <a:latin typeface="Fira Sans Condensed"/>
+            </a:endParaRPr>
+          </a:p>
+        </p:txBody>
+      </p:sp>
+      <p:sp>
+        <p:nvSpPr>
+          <p:cNvPr id="7" name="CustomShape 18">
+            <a:extLst>
+              <a:ext uri="{FF2B5EF4-FFF2-40B4-BE49-F238E27FC236}">
+                <a16:creationId xmlns:a16="http://schemas.microsoft.com/office/drawing/2014/main" id="{E96F98FA-454D-4E01-99B1-6D8FABA38759}"/>
+              </a:ext>
+            </a:extLst>
+          </p:cNvPr>
+          <p:cNvSpPr/>
+          <p:nvPr/>
+        </p:nvSpPr>
+        <p:spPr>
+          <a:xfrm>
+            <a:off x="360" y="3831336"/>
+            <a:ext cx="9143640" cy="1301040"/>
+          </a:xfrm>
+          <a:prstGeom prst="rect">
+            <a:avLst/>
+          </a:prstGeom>
+          <a:noFill/>
+          <a:ln>
+            <a:noFill/>
+          </a:ln>
+        </p:spPr>
+        <p:style>
+          <a:lnRef idx="0">
+            <a:scrgbClr r="0" g="0" b="0"/>
+          </a:lnRef>
+          <a:fillRef idx="0">
+            <a:scrgbClr r="0" g="0" b="0"/>
+          </a:fillRef>
+          <a:effectRef idx="0">
+            <a:scrgbClr r="0" g="0" b="0"/>
+          </a:effectRef>
+          <a:fontRef idx="minor"/>
+        </p:style>
+        <p:txBody>
+          <a:bodyPr tIns="91440" bIns="91440"/>
+          <a:lstStyle/>
+          <a:p>
+            <a:pPr>
+              <a:lnSpc>
+                <a:spcPct val="115000"/>
+              </a:lnSpc>
+            </a:pPr>
+            <a:r>
+              <a:rPr lang="en-US" sz="2400" dirty="0">
+                <a:solidFill>
+                  <a:schemeClr val="bg1"/>
+                </a:solidFill>
+                <a:latin typeface="Fira Sans Condensed"/>
+              </a:rPr>
+              <a:t>C++ is a good starting point for developers who want to understand how computers work; if you just want to code and have everything automagically work, there are definitely better languages.</a:t>
+            </a:r>
+            <a:endParaRPr lang="en-US" sz="2400" b="0" strike="noStrike" spc="-1" dirty="0">
+              <a:solidFill>
+                <a:schemeClr val="bg1"/>
+              </a:solidFill>
+              <a:uFill>
+                <a:solidFill>
+                  <a:srgbClr val="FFFFFF"/>
+                </a:solidFill>
+              </a:uFill>
+              <a:latin typeface="Fira Sans Condensed"/>
+            </a:endParaRPr>
+          </a:p>
+        </p:txBody>
+      </p:sp>
+      <p:sp>
+        <p:nvSpPr>
+          <p:cNvPr id="8" name="CustomShape 18">
+            <a:extLst>
+              <a:ext uri="{FF2B5EF4-FFF2-40B4-BE49-F238E27FC236}">
+                <a16:creationId xmlns:a16="http://schemas.microsoft.com/office/drawing/2014/main" id="{8816D2C1-EEDA-4F8B-A0C0-B7DE6D9466FB}"/>
+              </a:ext>
+            </a:extLst>
+          </p:cNvPr>
+          <p:cNvSpPr/>
+          <p:nvPr/>
+        </p:nvSpPr>
+        <p:spPr>
+          <a:xfrm>
+            <a:off x="0" y="3831336"/>
+            <a:ext cx="9143640" cy="1301040"/>
+          </a:xfrm>
+          <a:prstGeom prst="rect">
+            <a:avLst/>
+          </a:prstGeom>
+          <a:noFill/>
+          <a:ln>
+            <a:noFill/>
+          </a:ln>
+        </p:spPr>
+        <p:style>
+          <a:lnRef idx="0">
+            <a:scrgbClr r="0" g="0" b="0"/>
+          </a:lnRef>
+          <a:fillRef idx="0">
+            <a:scrgbClr r="0" g="0" b="0"/>
+          </a:fillRef>
+          <a:effectRef idx="0">
+            <a:scrgbClr r="0" g="0" b="0"/>
+          </a:effectRef>
+          <a:fontRef idx="minor"/>
+        </p:style>
+        <p:txBody>
+          <a:bodyPr tIns="91440" bIns="91440"/>
+          <a:lstStyle/>
+          <a:p>
+            <a:pPr>
+              <a:lnSpc>
+                <a:spcPct val="115000"/>
+              </a:lnSpc>
+            </a:pPr>
+            <a:r>
+              <a:rPr lang="en-US" sz="2400" dirty="0">
+                <a:solidFill>
+                  <a:schemeClr val="bg1"/>
+                </a:solidFill>
+                <a:latin typeface="Fira Sans Condensed"/>
+              </a:rPr>
+              <a:t>After you understand the nature of programming, C++ is more approachable because it is just a programming language.</a:t>
+            </a:r>
+            <a:endParaRPr lang="en-US" sz="2400" b="0" strike="noStrike" spc="-1" dirty="0">
+              <a:solidFill>
+                <a:schemeClr val="bg1"/>
+              </a:solidFill>
+              <a:uFill>
+                <a:solidFill>
+                  <a:srgbClr val="FFFFFF"/>
+                </a:solidFill>
+              </a:uFill>
+              <a:latin typeface="Fira Sans Condensed"/>
+            </a:endParaRPr>
+          </a:p>
+        </p:txBody>
+      </p:sp>
+      <p:sp>
+        <p:nvSpPr>
+          <p:cNvPr id="9" name="CustomShape 18">
+            <a:extLst>
+              <a:ext uri="{FF2B5EF4-FFF2-40B4-BE49-F238E27FC236}">
+                <a16:creationId xmlns:a16="http://schemas.microsoft.com/office/drawing/2014/main" id="{80B4C527-6BEC-451F-A88A-AA1E81CC01D6}"/>
+              </a:ext>
+            </a:extLst>
+          </p:cNvPr>
+          <p:cNvSpPr/>
+          <p:nvPr/>
+        </p:nvSpPr>
+        <p:spPr>
+          <a:xfrm>
+            <a:off x="0" y="3831336"/>
+            <a:ext cx="9143640" cy="1301040"/>
+          </a:xfrm>
+          <a:prstGeom prst="rect">
+            <a:avLst/>
+          </a:prstGeom>
+          <a:noFill/>
+          <a:ln>
+            <a:noFill/>
+          </a:ln>
+        </p:spPr>
+        <p:style>
+          <a:lnRef idx="0">
+            <a:scrgbClr r="0" g="0" b="0"/>
+          </a:lnRef>
+          <a:fillRef idx="0">
+            <a:scrgbClr r="0" g="0" b="0"/>
+          </a:fillRef>
+          <a:effectRef idx="0">
+            <a:scrgbClr r="0" g="0" b="0"/>
+          </a:effectRef>
+          <a:fontRef idx="minor"/>
+        </p:style>
+        <p:txBody>
+          <a:bodyPr tIns="91440" bIns="91440"/>
+          <a:lstStyle/>
+          <a:p>
+            <a:pPr>
+              <a:lnSpc>
+                <a:spcPct val="115000"/>
+              </a:lnSpc>
+            </a:pPr>
+            <a:r>
+              <a:rPr lang="en-US" sz="2400" dirty="0">
+                <a:solidFill>
+                  <a:schemeClr val="bg1"/>
+                </a:solidFill>
+                <a:latin typeface="Fira Sans Condensed"/>
+              </a:rPr>
+              <a:t>Programming languages are just tools that make working with computers (more) straightforward. It's still not easy, but it's easier. </a:t>
+            </a:r>
+            <a:endParaRPr lang="en-US" sz="2400" b="0" strike="noStrike" spc="-1" dirty="0">
+              <a:solidFill>
+                <a:schemeClr val="bg1"/>
+              </a:solidFill>
+              <a:uFill>
+                <a:solidFill>
+                  <a:srgbClr val="FFFFFF"/>
+                </a:solidFill>
+              </a:uFill>
+              <a:latin typeface="Fira Sans Condensed"/>
+            </a:endParaRPr>
+          </a:p>
+        </p:txBody>
+      </p:sp>
+      <p:sp>
+        <p:nvSpPr>
+          <p:cNvPr id="14" name="CustomShape 18">
+            <a:extLst>
+              <a:ext uri="{FF2B5EF4-FFF2-40B4-BE49-F238E27FC236}">
+                <a16:creationId xmlns:a16="http://schemas.microsoft.com/office/drawing/2014/main" id="{F8D25732-E586-43B8-BA8A-A35C3DDB527B}"/>
+              </a:ext>
+            </a:extLst>
+          </p:cNvPr>
+          <p:cNvSpPr/>
+          <p:nvPr/>
+        </p:nvSpPr>
+        <p:spPr>
+          <a:xfrm>
+            <a:off x="0" y="3831336"/>
+            <a:ext cx="9143640" cy="1301040"/>
+          </a:xfrm>
+          <a:prstGeom prst="rect">
+            <a:avLst/>
+          </a:prstGeom>
+          <a:noFill/>
+          <a:ln>
+            <a:noFill/>
+          </a:ln>
+        </p:spPr>
+        <p:style>
+          <a:lnRef idx="0">
+            <a:scrgbClr r="0" g="0" b="0"/>
+          </a:lnRef>
+          <a:fillRef idx="0">
+            <a:scrgbClr r="0" g="0" b="0"/>
+          </a:fillRef>
+          <a:effectRef idx="0">
+            <a:scrgbClr r="0" g="0" b="0"/>
+          </a:effectRef>
+          <a:fontRef idx="minor"/>
+        </p:style>
+        <p:txBody>
+          <a:bodyPr tIns="91440" bIns="91440"/>
+          <a:lstStyle/>
+          <a:p>
+            <a:pPr>
+              <a:lnSpc>
+                <a:spcPct val="115000"/>
+              </a:lnSpc>
+            </a:pPr>
+            <a:r>
+              <a:rPr lang="en-US" sz="2400" dirty="0">
+                <a:solidFill>
+                  <a:schemeClr val="bg1"/>
+                </a:solidFill>
+                <a:latin typeface="Fira Sans Condensed"/>
+              </a:rPr>
+              <a:t>C++ is compiled, which means that the human-readable code has to be translated into computer-readable code. This process takes anywhere from milliseconds to days and is done before code "works".</a:t>
+            </a:r>
+            <a:endParaRPr lang="en-US" sz="2400" b="0" strike="noStrike" spc="-1" dirty="0">
+              <a:solidFill>
+                <a:schemeClr val="bg1"/>
+              </a:solidFill>
+              <a:uFill>
+                <a:solidFill>
+                  <a:srgbClr val="FFFFFF"/>
+                </a:solidFill>
+              </a:uFill>
+              <a:latin typeface="Fira Sans Condensed"/>
+            </a:endParaRPr>
+          </a:p>
+        </p:txBody>
+      </p:sp>
+      <p:sp>
+        <p:nvSpPr>
+          <p:cNvPr id="16" name="CustomShape 18">
+            <a:extLst>
+              <a:ext uri="{FF2B5EF4-FFF2-40B4-BE49-F238E27FC236}">
+                <a16:creationId xmlns:a16="http://schemas.microsoft.com/office/drawing/2014/main" id="{31650EFA-9412-4CA2-9494-6BA7EB498E58}"/>
+              </a:ext>
+            </a:extLst>
+          </p:cNvPr>
+          <p:cNvSpPr/>
+          <p:nvPr/>
+        </p:nvSpPr>
+        <p:spPr>
+          <a:xfrm>
+            <a:off x="0" y="3831336"/>
+            <a:ext cx="9143640" cy="1301040"/>
+          </a:xfrm>
+          <a:prstGeom prst="rect">
+            <a:avLst/>
+          </a:prstGeom>
+          <a:noFill/>
+          <a:ln>
+            <a:noFill/>
+          </a:ln>
+        </p:spPr>
+        <p:style>
+          <a:lnRef idx="0">
+            <a:scrgbClr r="0" g="0" b="0"/>
+          </a:lnRef>
+          <a:fillRef idx="0">
+            <a:scrgbClr r="0" g="0" b="0"/>
+          </a:fillRef>
+          <a:effectRef idx="0">
+            <a:scrgbClr r="0" g="0" b="0"/>
+          </a:effectRef>
+          <a:fontRef idx="minor"/>
+        </p:style>
+        <p:txBody>
+          <a:bodyPr tIns="91440" bIns="91440"/>
+          <a:lstStyle/>
+          <a:p>
+            <a:pPr>
+              <a:lnSpc>
+                <a:spcPct val="115000"/>
+              </a:lnSpc>
+            </a:pPr>
+            <a:r>
+              <a:rPr lang="en-US" sz="2400" b="0" strike="noStrike" spc="-1" dirty="0">
+                <a:solidFill>
+                  <a:schemeClr val="bg1"/>
+                </a:solidFill>
+                <a:uFill>
+                  <a:solidFill>
+                    <a:srgbClr val="FFFFFF"/>
+                  </a:solidFill>
+                </a:uFill>
+                <a:latin typeface="Fira Sans Condensed"/>
+              </a:rPr>
+              <a:t>Lastly, C++ is </a:t>
+            </a:r>
+            <a:r>
+              <a:rPr lang="en-US" sz="2400" spc="-1" dirty="0">
+                <a:solidFill>
+                  <a:schemeClr val="bg1"/>
+                </a:solidFill>
+                <a:uFill>
+                  <a:solidFill>
+                    <a:srgbClr val="FFFFFF"/>
+                  </a:solidFill>
+                </a:uFill>
+                <a:latin typeface="Fira Sans Condensed"/>
+              </a:rPr>
+              <a:t>constantly evolving. New C++ features are still being released that add (and remove) content from the language. </a:t>
             </a:r>
             <a:endParaRPr lang="en-US" sz="2400" b="0" strike="noStrike" spc="-1" dirty="0">
               <a:solidFill>
@@ -6773,9 +7196,6 @@
                     <p:cTn id="3" fill="hold">
                       <p:stCondLst>
                         <p:cond delay="indefinite"/>
-                        <p:cond evt="onBegin" delay="0">
-                          <p:tn val="2"/>
-                        </p:cond>
                       </p:stCondLst>
                       <p:childTnLst>
                         <p:par>
@@ -6785,9 +7205,9 @@
                             </p:stCondLst>
                             <p:childTnLst>
                               <p:par>
-                                <p:cTn id="5" presetID="1" presetClass="entr" presetSubtype="0" fill="hold" grpId="0" nodeType="afterEffect">
+                                <p:cTn id="5" presetID="1" presetClass="entr" presetSubtype="0" fill="hold" grpId="0" nodeType="clickEffect">
                                   <p:stCondLst>
-                                    <p:cond delay="1000"/>
+                                    <p:cond delay="0"/>
                                   </p:stCondLst>
                                   <p:childTnLst>
                                     <p:set>
@@ -6798,7 +7218,685 @@
                                           </p:stCondLst>
                                         </p:cTn>
                                         <p:tgtEl>
+                                          <p:spTgt spid="6"/>
+                                        </p:tgtEl>
+                                        <p:attrNameLst>
+                                          <p:attrName>style.visibility</p:attrName>
+                                        </p:attrNameLst>
+                                      </p:cBhvr>
+                                      <p:to>
+                                        <p:strVal val="visible"/>
+                                      </p:to>
+                                    </p:set>
+                                  </p:childTnLst>
+                                </p:cTn>
+                              </p:par>
+                            </p:childTnLst>
+                          </p:cTn>
+                        </p:par>
+                      </p:childTnLst>
+                    </p:cTn>
+                  </p:par>
+                  <p:par>
+                    <p:cTn id="7" fill="hold">
+                      <p:stCondLst>
+                        <p:cond delay="indefinite"/>
+                      </p:stCondLst>
+                      <p:childTnLst>
+                        <p:par>
+                          <p:cTn id="8" fill="hold">
+                            <p:stCondLst>
+                              <p:cond delay="0"/>
+                            </p:stCondLst>
+                            <p:childTnLst>
+                              <p:par>
+                                <p:cTn id="9" presetID="1" presetClass="exit" presetSubtype="0" fill="hold" grpId="1" nodeType="clickEffect">
+                                  <p:stCondLst>
+                                    <p:cond delay="0"/>
+                                  </p:stCondLst>
+                                  <p:childTnLst>
+                                    <p:set>
+                                      <p:cBhvr>
+                                        <p:cTn id="10" dur="1" fill="hold">
+                                          <p:stCondLst>
+                                            <p:cond delay="0"/>
+                                          </p:stCondLst>
+                                        </p:cTn>
+                                        <p:tgtEl>
+                                          <p:spTgt spid="6"/>
+                                        </p:tgtEl>
+                                        <p:attrNameLst>
+                                          <p:attrName>style.visibility</p:attrName>
+                                        </p:attrNameLst>
+                                      </p:cBhvr>
+                                      <p:to>
+                                        <p:strVal val="hidden"/>
+                                      </p:to>
+                                    </p:set>
+                                  </p:childTnLst>
+                                </p:cTn>
+                              </p:par>
+                              <p:par>
+                                <p:cTn id="11" presetID="1" presetClass="entr" presetSubtype="0" fill="hold" grpId="0" nodeType="withEffect">
+                                  <p:stCondLst>
+                                    <p:cond delay="0"/>
+                                  </p:stCondLst>
+                                  <p:childTnLst>
+                                    <p:set>
+                                      <p:cBhvr>
+                                        <p:cTn id="12" dur="1" fill="hold">
+                                          <p:stCondLst>
+                                            <p:cond delay="0"/>
+                                          </p:stCondLst>
+                                        </p:cTn>
+                                        <p:tgtEl>
+                                          <p:spTgt spid="8"/>
+                                        </p:tgtEl>
+                                        <p:attrNameLst>
+                                          <p:attrName>style.visibility</p:attrName>
+                                        </p:attrNameLst>
+                                      </p:cBhvr>
+                                      <p:to>
+                                        <p:strVal val="visible"/>
+                                      </p:to>
+                                    </p:set>
+                                  </p:childTnLst>
+                                </p:cTn>
+                              </p:par>
+                            </p:childTnLst>
+                          </p:cTn>
+                        </p:par>
+                        <p:par>
+                          <p:cTn id="13" fill="hold">
+                            <p:stCondLst>
+                              <p:cond delay="0"/>
+                            </p:stCondLst>
+                            <p:childTnLst>
+                              <p:par>
+                                <p:cTn id="14" presetID="1" presetClass="entr" presetSubtype="0" fill="hold" grpId="0" nodeType="afterEffect">
+                                  <p:stCondLst>
+                                    <p:cond delay="0"/>
+                                  </p:stCondLst>
+                                  <p:childTnLst>
+                                    <p:set>
+                                      <p:cBhvr>
+                                        <p:cTn id="15" dur="1" fill="hold">
+                                          <p:stCondLst>
+                                            <p:cond delay="0"/>
+                                          </p:stCondLst>
+                                        </p:cTn>
+                                        <p:tgtEl>
+                                          <p:spTgt spid="105">
+                                            <p:txEl>
+                                              <p:pRg st="0" end="0"/>
+                                            </p:txEl>
+                                          </p:spTgt>
+                                        </p:tgtEl>
+                                        <p:attrNameLst>
+                                          <p:attrName>style.visibility</p:attrName>
+                                        </p:attrNameLst>
+                                      </p:cBhvr>
+                                      <p:to>
+                                        <p:strVal val="visible"/>
+                                      </p:to>
+                                    </p:set>
+                                  </p:childTnLst>
+                                </p:cTn>
+                              </p:par>
+                            </p:childTnLst>
+                          </p:cTn>
+                        </p:par>
+                      </p:childTnLst>
+                    </p:cTn>
+                  </p:par>
+                  <p:par>
+                    <p:cTn id="16" fill="hold">
+                      <p:stCondLst>
+                        <p:cond delay="indefinite"/>
+                      </p:stCondLst>
+                      <p:childTnLst>
+                        <p:par>
+                          <p:cTn id="17" fill="hold">
+                            <p:stCondLst>
+                              <p:cond delay="0"/>
+                            </p:stCondLst>
+                            <p:childTnLst>
+                              <p:par>
+                                <p:cTn id="18" presetID="1" presetClass="exit" presetSubtype="0" fill="hold" grpId="1" nodeType="clickEffect">
+                                  <p:stCondLst>
+                                    <p:cond delay="0"/>
+                                  </p:stCondLst>
+                                  <p:childTnLst>
+                                    <p:set>
+                                      <p:cBhvr>
+                                        <p:cTn id="19" dur="1" fill="hold">
+                                          <p:stCondLst>
+                                            <p:cond delay="0"/>
+                                          </p:stCondLst>
+                                        </p:cTn>
+                                        <p:tgtEl>
+                                          <p:spTgt spid="8"/>
+                                        </p:tgtEl>
+                                        <p:attrNameLst>
+                                          <p:attrName>style.visibility</p:attrName>
+                                        </p:attrNameLst>
+                                      </p:cBhvr>
+                                      <p:to>
+                                        <p:strVal val="hidden"/>
+                                      </p:to>
+                                    </p:set>
+                                  </p:childTnLst>
+                                </p:cTn>
+                              </p:par>
+                            </p:childTnLst>
+                          </p:cTn>
+                        </p:par>
+                        <p:par>
+                          <p:cTn id="20" fill="hold">
+                            <p:stCondLst>
+                              <p:cond delay="0"/>
+                            </p:stCondLst>
+                            <p:childTnLst>
+                              <p:par>
+                                <p:cTn id="21" presetID="1" presetClass="entr" presetSubtype="0" fill="hold" grpId="0" nodeType="afterEffect">
+                                  <p:stCondLst>
+                                    <p:cond delay="300"/>
+                                  </p:stCondLst>
+                                  <p:childTnLst>
+                                    <p:set>
+                                      <p:cBhvr>
+                                        <p:cTn id="22" dur="1" fill="hold">
+                                          <p:stCondLst>
+                                            <p:cond delay="0"/>
+                                          </p:stCondLst>
+                                        </p:cTn>
+                                        <p:tgtEl>
+                                          <p:spTgt spid="9"/>
+                                        </p:tgtEl>
+                                        <p:attrNameLst>
+                                          <p:attrName>style.visibility</p:attrName>
+                                        </p:attrNameLst>
+                                      </p:cBhvr>
+                                      <p:to>
+                                        <p:strVal val="visible"/>
+                                      </p:to>
+                                    </p:set>
+                                  </p:childTnLst>
+                                </p:cTn>
+                              </p:par>
+                            </p:childTnLst>
+                          </p:cTn>
+                        </p:par>
+                      </p:childTnLst>
+                    </p:cTn>
+                  </p:par>
+                  <p:par>
+                    <p:cTn id="23" fill="hold">
+                      <p:stCondLst>
+                        <p:cond delay="indefinite"/>
+                      </p:stCondLst>
+                      <p:childTnLst>
+                        <p:par>
+                          <p:cTn id="24" fill="hold">
+                            <p:stCondLst>
+                              <p:cond delay="0"/>
+                            </p:stCondLst>
+                            <p:childTnLst>
+                              <p:par>
+                                <p:cTn id="25" presetID="1" presetClass="exit" presetSubtype="0" fill="hold" grpId="1" nodeType="clickEffect">
+                                  <p:stCondLst>
+                                    <p:cond delay="0"/>
+                                  </p:stCondLst>
+                                  <p:childTnLst>
+                                    <p:set>
+                                      <p:cBhvr>
+                                        <p:cTn id="26" dur="1" fill="hold">
+                                          <p:stCondLst>
+                                            <p:cond delay="0"/>
+                                          </p:stCondLst>
+                                        </p:cTn>
+                                        <p:tgtEl>
+                                          <p:spTgt spid="9"/>
+                                        </p:tgtEl>
+                                        <p:attrNameLst>
+                                          <p:attrName>style.visibility</p:attrName>
+                                        </p:attrNameLst>
+                                      </p:cBhvr>
+                                      <p:to>
+                                        <p:strVal val="hidden"/>
+                                      </p:to>
+                                    </p:set>
+                                  </p:childTnLst>
+                                </p:cTn>
+                              </p:par>
+                            </p:childTnLst>
+                          </p:cTn>
+                        </p:par>
+                        <p:par>
+                          <p:cTn id="27" fill="hold">
+                            <p:stCondLst>
+                              <p:cond delay="0"/>
+                            </p:stCondLst>
+                            <p:childTnLst>
+                              <p:par>
+                                <p:cTn id="28" presetID="1" presetClass="entr" presetSubtype="0" fill="hold" grpId="0" nodeType="afterEffect">
+                                  <p:stCondLst>
+                                    <p:cond delay="2000"/>
+                                  </p:stCondLst>
+                                  <p:childTnLst>
+                                    <p:set>
+                                      <p:cBhvr>
+                                        <p:cTn id="29" dur="1" fill="hold">
+                                          <p:stCondLst>
+                                            <p:cond delay="0"/>
+                                          </p:stCondLst>
+                                        </p:cTn>
+                                        <p:tgtEl>
+                                          <p:spTgt spid="14"/>
+                                        </p:tgtEl>
+                                        <p:attrNameLst>
+                                          <p:attrName>style.visibility</p:attrName>
+                                        </p:attrNameLst>
+                                      </p:cBhvr>
+                                      <p:to>
+                                        <p:strVal val="visible"/>
+                                      </p:to>
+                                    </p:set>
+                                  </p:childTnLst>
+                                </p:cTn>
+                              </p:par>
+                            </p:childTnLst>
+                          </p:cTn>
+                        </p:par>
+                        <p:par>
+                          <p:cTn id="30" fill="hold">
+                            <p:stCondLst>
+                              <p:cond delay="2000"/>
+                            </p:stCondLst>
+                            <p:childTnLst>
+                              <p:par>
+                                <p:cTn id="31" presetID="1" presetClass="entr" presetSubtype="0" fill="hold" grpId="0" nodeType="afterEffect">
+                                  <p:stCondLst>
+                                    <p:cond delay="0"/>
+                                  </p:stCondLst>
+                                  <p:childTnLst>
+                                    <p:set>
+                                      <p:cBhvr>
+                                        <p:cTn id="32" dur="1" fill="hold">
+                                          <p:stCondLst>
+                                            <p:cond delay="0"/>
+                                          </p:stCondLst>
+                                        </p:cTn>
+                                        <p:tgtEl>
+                                          <p:spTgt spid="105">
+                                            <p:txEl>
+                                              <p:pRg st="1" end="1"/>
+                                            </p:txEl>
+                                          </p:spTgt>
+                                        </p:tgtEl>
+                                        <p:attrNameLst>
+                                          <p:attrName>style.visibility</p:attrName>
+                                        </p:attrNameLst>
+                                      </p:cBhvr>
+                                      <p:to>
+                                        <p:strVal val="visible"/>
+                                      </p:to>
+                                    </p:set>
+                                  </p:childTnLst>
+                                </p:cTn>
+                              </p:par>
+                            </p:childTnLst>
+                          </p:cTn>
+                        </p:par>
+                      </p:childTnLst>
+                    </p:cTn>
+                  </p:par>
+                  <p:par>
+                    <p:cTn id="33" fill="hold">
+                      <p:stCondLst>
+                        <p:cond delay="indefinite"/>
+                      </p:stCondLst>
+                      <p:childTnLst>
+                        <p:par>
+                          <p:cTn id="34" fill="hold">
+                            <p:stCondLst>
+                              <p:cond delay="0"/>
+                            </p:stCondLst>
+                            <p:childTnLst>
+                              <p:par>
+                                <p:cTn id="35" presetID="1" presetClass="exit" presetSubtype="0" fill="hold" grpId="1" nodeType="clickEffect">
+                                  <p:stCondLst>
+                                    <p:cond delay="0"/>
+                                  </p:stCondLst>
+                                  <p:childTnLst>
+                                    <p:set>
+                                      <p:cBhvr>
+                                        <p:cTn id="36" dur="1" fill="hold">
+                                          <p:stCondLst>
+                                            <p:cond delay="0"/>
+                                          </p:stCondLst>
+                                        </p:cTn>
+                                        <p:tgtEl>
+                                          <p:spTgt spid="14"/>
+                                        </p:tgtEl>
+                                        <p:attrNameLst>
+                                          <p:attrName>style.visibility</p:attrName>
+                                        </p:attrNameLst>
+                                      </p:cBhvr>
+                                      <p:to>
+                                        <p:strVal val="hidden"/>
+                                      </p:to>
+                                    </p:set>
+                                  </p:childTnLst>
+                                </p:cTn>
+                              </p:par>
+                            </p:childTnLst>
+                          </p:cTn>
+                        </p:par>
+                        <p:par>
+                          <p:cTn id="37" fill="hold">
+                            <p:stCondLst>
+                              <p:cond delay="0"/>
+                            </p:stCondLst>
+                            <p:childTnLst>
+                              <p:par>
+                                <p:cTn id="38" presetID="1" presetClass="entr" presetSubtype="0" fill="hold" grpId="0" nodeType="afterEffect">
+                                  <p:stCondLst>
+                                    <p:cond delay="2000"/>
+                                  </p:stCondLst>
+                                  <p:childTnLst>
+                                    <p:set>
+                                      <p:cBhvr>
+                                        <p:cTn id="39" dur="1" fill="hold">
+                                          <p:stCondLst>
+                                            <p:cond delay="0"/>
+                                          </p:stCondLst>
+                                        </p:cTn>
+                                        <p:tgtEl>
+                                          <p:spTgt spid="16"/>
+                                        </p:tgtEl>
+                                        <p:attrNameLst>
+                                          <p:attrName>style.visibility</p:attrName>
+                                        </p:attrNameLst>
+                                      </p:cBhvr>
+                                      <p:to>
+                                        <p:strVal val="visible"/>
+                                      </p:to>
+                                    </p:set>
+                                  </p:childTnLst>
+                                </p:cTn>
+                              </p:par>
+                            </p:childTnLst>
+                          </p:cTn>
+                        </p:par>
+                        <p:par>
+                          <p:cTn id="40" fill="hold">
+                            <p:stCondLst>
+                              <p:cond delay="2000"/>
+                            </p:stCondLst>
+                            <p:childTnLst>
+                              <p:par>
+                                <p:cTn id="41" presetID="1" presetClass="entr" presetSubtype="0" fill="hold" grpId="0" nodeType="afterEffect">
+                                  <p:stCondLst>
+                                    <p:cond delay="0"/>
+                                  </p:stCondLst>
+                                  <p:childTnLst>
+                                    <p:set>
+                                      <p:cBhvr>
+                                        <p:cTn id="42" dur="1" fill="hold">
+                                          <p:stCondLst>
+                                            <p:cond delay="0"/>
+                                          </p:stCondLst>
+                                        </p:cTn>
+                                        <p:tgtEl>
+                                          <p:spTgt spid="105">
+                                            <p:txEl>
+                                              <p:pRg st="2" end="2"/>
+                                            </p:txEl>
+                                          </p:spTgt>
+                                        </p:tgtEl>
+                                        <p:attrNameLst>
+                                          <p:attrName>style.visibility</p:attrName>
+                                        </p:attrNameLst>
+                                      </p:cBhvr>
+                                      <p:to>
+                                        <p:strVal val="visible"/>
+                                      </p:to>
+                                    </p:set>
+                                  </p:childTnLst>
+                                </p:cTn>
+                              </p:par>
+                            </p:childTnLst>
+                          </p:cTn>
+                        </p:par>
+                      </p:childTnLst>
+                    </p:cTn>
+                  </p:par>
+                  <p:par>
+                    <p:cTn id="43" fill="hold">
+                      <p:stCondLst>
+                        <p:cond delay="indefinite"/>
+                      </p:stCondLst>
+                      <p:childTnLst>
+                        <p:par>
+                          <p:cTn id="44" fill="hold">
+                            <p:stCondLst>
+                              <p:cond delay="0"/>
+                            </p:stCondLst>
+                            <p:childTnLst>
+                              <p:par>
+                                <p:cTn id="45" presetID="1" presetClass="exit" presetSubtype="0" fill="hold" grpId="1" nodeType="clickEffect">
+                                  <p:stCondLst>
+                                    <p:cond delay="0"/>
+                                  </p:stCondLst>
+                                  <p:childTnLst>
+                                    <p:set>
+                                      <p:cBhvr>
+                                        <p:cTn id="46" dur="1" fill="hold">
+                                          <p:stCondLst>
+                                            <p:cond delay="0"/>
+                                          </p:stCondLst>
+                                        </p:cTn>
+                                        <p:tgtEl>
+                                          <p:spTgt spid="16"/>
+                                        </p:tgtEl>
+                                        <p:attrNameLst>
+                                          <p:attrName>style.visibility</p:attrName>
+                                        </p:attrNameLst>
+                                      </p:cBhvr>
+                                      <p:to>
+                                        <p:strVal val="hidden"/>
+                                      </p:to>
+                                    </p:set>
+                                  </p:childTnLst>
+                                </p:cTn>
+                              </p:par>
+                            </p:childTnLst>
+                          </p:cTn>
+                        </p:par>
+                        <p:par>
+                          <p:cTn id="47" fill="hold">
+                            <p:stCondLst>
+                              <p:cond delay="0"/>
+                            </p:stCondLst>
+                            <p:childTnLst>
+                              <p:par>
+                                <p:cTn id="48" presetID="1" presetClass="entr" presetSubtype="0" fill="hold" grpId="0" nodeType="afterEffect">
+                                  <p:stCondLst>
+                                    <p:cond delay="2000"/>
+                                  </p:stCondLst>
+                                  <p:childTnLst>
+                                    <p:set>
+                                      <p:cBhvr>
+                                        <p:cTn id="49" dur="1" fill="hold">
+                                          <p:stCondLst>
+                                            <p:cond delay="0"/>
+                                          </p:stCondLst>
+                                        </p:cTn>
+                                        <p:tgtEl>
                                           <p:spTgt spid="45"/>
+                                        </p:tgtEl>
+                                        <p:attrNameLst>
+                                          <p:attrName>style.visibility</p:attrName>
+                                        </p:attrNameLst>
+                                      </p:cBhvr>
+                                      <p:to>
+                                        <p:strVal val="visible"/>
+                                      </p:to>
+                                    </p:set>
+                                  </p:childTnLst>
+                                </p:cTn>
+                              </p:par>
+                            </p:childTnLst>
+                          </p:cTn>
+                        </p:par>
+                      </p:childTnLst>
+                    </p:cTn>
+                  </p:par>
+                  <p:par>
+                    <p:cTn id="50" fill="hold">
+                      <p:stCondLst>
+                        <p:cond delay="indefinite"/>
+                      </p:stCondLst>
+                      <p:childTnLst>
+                        <p:par>
+                          <p:cTn id="51" fill="hold">
+                            <p:stCondLst>
+                              <p:cond delay="0"/>
+                            </p:stCondLst>
+                            <p:childTnLst>
+                              <p:par>
+                                <p:cTn id="52" presetID="1" presetClass="exit" presetSubtype="0" fill="hold" grpId="1" nodeType="clickEffect">
+                                  <p:stCondLst>
+                                    <p:cond delay="0"/>
+                                  </p:stCondLst>
+                                  <p:childTnLst>
+                                    <p:set>
+                                      <p:cBhvr>
+                                        <p:cTn id="53" dur="1" fill="hold">
+                                          <p:stCondLst>
+                                            <p:cond delay="0"/>
+                                          </p:stCondLst>
+                                        </p:cTn>
+                                        <p:tgtEl>
+                                          <p:spTgt spid="45"/>
+                                        </p:tgtEl>
+                                        <p:attrNameLst>
+                                          <p:attrName>style.visibility</p:attrName>
+                                        </p:attrNameLst>
+                                      </p:cBhvr>
+                                      <p:to>
+                                        <p:strVal val="hidden"/>
+                                      </p:to>
+                                    </p:set>
+                                  </p:childTnLst>
+                                </p:cTn>
+                              </p:par>
+                            </p:childTnLst>
+                          </p:cTn>
+                        </p:par>
+                        <p:par>
+                          <p:cTn id="54" fill="hold">
+                            <p:stCondLst>
+                              <p:cond delay="0"/>
+                            </p:stCondLst>
+                            <p:childTnLst>
+                              <p:par>
+                                <p:cTn id="55" presetID="1" presetClass="entr" presetSubtype="0" fill="hold" grpId="0" nodeType="afterEffect">
+                                  <p:stCondLst>
+                                    <p:cond delay="1000"/>
+                                  </p:stCondLst>
+                                  <p:childTnLst>
+                                    <p:set>
+                                      <p:cBhvr>
+                                        <p:cTn id="56" dur="1" fill="hold">
+                                          <p:stCondLst>
+                                            <p:cond delay="0"/>
+                                          </p:stCondLst>
+                                        </p:cTn>
+                                        <p:tgtEl>
+                                          <p:spTgt spid="5"/>
+                                        </p:tgtEl>
+                                        <p:attrNameLst>
+                                          <p:attrName>style.visibility</p:attrName>
+                                        </p:attrNameLst>
+                                      </p:cBhvr>
+                                      <p:to>
+                                        <p:strVal val="visible"/>
+                                      </p:to>
+                                    </p:set>
+                                  </p:childTnLst>
+                                </p:cTn>
+                              </p:par>
+                            </p:childTnLst>
+                          </p:cTn>
+                        </p:par>
+                      </p:childTnLst>
+                    </p:cTn>
+                  </p:par>
+                  <p:par>
+                    <p:cTn id="57" fill="hold">
+                      <p:stCondLst>
+                        <p:cond delay="indefinite"/>
+                      </p:stCondLst>
+                      <p:childTnLst>
+                        <p:par>
+                          <p:cTn id="58" fill="hold">
+                            <p:stCondLst>
+                              <p:cond delay="0"/>
+                            </p:stCondLst>
+                            <p:childTnLst>
+                              <p:par>
+                                <p:cTn id="59" presetID="1" presetClass="exit" presetSubtype="0" fill="hold" grpId="1" nodeType="clickEffect">
+                                  <p:stCondLst>
+                                    <p:cond delay="0"/>
+                                  </p:stCondLst>
+                                  <p:childTnLst>
+                                    <p:set>
+                                      <p:cBhvr>
+                                        <p:cTn id="60" dur="1" fill="hold">
+                                          <p:stCondLst>
+                                            <p:cond delay="0"/>
+                                          </p:stCondLst>
+                                        </p:cTn>
+                                        <p:tgtEl>
+                                          <p:spTgt spid="5"/>
+                                        </p:tgtEl>
+                                        <p:attrNameLst>
+                                          <p:attrName>style.visibility</p:attrName>
+                                        </p:attrNameLst>
+                                      </p:cBhvr>
+                                      <p:to>
+                                        <p:strVal val="hidden"/>
+                                      </p:to>
+                                    </p:set>
+                                  </p:childTnLst>
+                                </p:cTn>
+                              </p:par>
+                            </p:childTnLst>
+                          </p:cTn>
+                        </p:par>
+                        <p:par>
+                          <p:cTn id="61" fill="hold">
+                            <p:stCondLst>
+                              <p:cond delay="0"/>
+                            </p:stCondLst>
+                            <p:childTnLst>
+                              <p:par>
+                                <p:cTn id="62" presetID="1" presetClass="entr" presetSubtype="0" fill="hold" grpId="0" nodeType="afterEffect">
+                                  <p:stCondLst>
+                                    <p:cond delay="300"/>
+                                  </p:stCondLst>
+                                  <p:childTnLst>
+                                    <p:set>
+                                      <p:cBhvr>
+                                        <p:cTn id="63" dur="1" fill="hold">
+                                          <p:stCondLst>
+                                            <p:cond delay="0"/>
+                                          </p:stCondLst>
+                                        </p:cTn>
+                                        <p:tgtEl>
+                                          <p:spTgt spid="7"/>
                                         </p:tgtEl>
                                         <p:attrNameLst>
                                           <p:attrName>style.visibility</p:attrName>
@@ -6839,7 +7937,22 @@
       </p:par>
     </p:tnLst>
     <p:bldLst>
+      <p:bldP spid="105" grpId="0" uiExpand="1" build="p"/>
       <p:bldP spid="45" grpId="0"/>
+      <p:bldP spid="45" grpId="1"/>
+      <p:bldP spid="5" grpId="0"/>
+      <p:bldP spid="5" grpId="1"/>
+      <p:bldP spid="6" grpId="0"/>
+      <p:bldP spid="6" grpId="1"/>
+      <p:bldP spid="7" grpId="0"/>
+      <p:bldP spid="8" grpId="0"/>
+      <p:bldP spid="8" grpId="1"/>
+      <p:bldP spid="9" grpId="0"/>
+      <p:bldP spid="9" grpId="1"/>
+      <p:bldP spid="14" grpId="0"/>
+      <p:bldP spid="14" grpId="1"/>
+      <p:bldP spid="16" grpId="0"/>
+      <p:bldP spid="16" grpId="1"/>
     </p:bldLst>
   </p:timing>
 </p:sld>
@@ -7771,7 +8884,7 @@
                 </a:solidFill>
                 <a:latin typeface="Fira Sans Condensed"/>
               </a:rPr>
-              <a:t>This my way of saying code doesn't have an undo button. Once the computer does something, there is no sure-fire way of going back to the way things were since data might have been permanently lost.</a:t>
+              <a:t>This is my way of saying code doesn't have an undo button. Once the computer does something, there is no sure-fire way of going back to the way things were since data might have been permanently lost.</a:t>
             </a:r>
             <a:endParaRPr lang="en-US" sz="2400" strike="noStrike" spc="-1" dirty="0">
               <a:solidFill>
@@ -7840,7 +8953,7 @@
                 </a:solidFill>
                 <a:latin typeface="Fira Sans Condensed"/>
               </a:rPr>
-              <a:t>Programmers should always keep in mind that code can have a ripple effect through your computer.</a:t>
+              <a:t>Programmers should always keep in mind that code can have a ripple effect through computers.</a:t>
             </a:r>
             <a:endParaRPr lang="en-US" sz="2400" strike="noStrike" spc="-1" dirty="0">
               <a:solidFill>
@@ -8034,7 +9147,7 @@
                               <p:par>
                                 <p:cTn id="12" presetID="1" presetClass="entr" presetSubtype="0" fill="hold" grpId="0" nodeType="afterEffect">
                                   <p:stCondLst>
-                                    <p:cond delay="1000"/>
+                                    <p:cond delay="2000"/>
                                   </p:stCondLst>
                                   <p:childTnLst>
                                     <p:set>
@@ -8058,15 +9171,24 @@
                                   </p:childTnLst>
                                 </p:cTn>
                               </p:par>
+                            </p:childTnLst>
+                          </p:cTn>
+                        </p:par>
+                        <p:par>
+                          <p:cTn id="14" fill="hold">
+                            <p:stCondLst>
+                              <p:cond delay="2000"/>
+                            </p:stCondLst>
+                            <p:childTnLst>
                               <p:par>
-                                <p:cTn id="14" presetID="1" presetClass="entr" presetSubtype="0" fill="hold" grpId="0" nodeType="withEffect">
+                                <p:cTn id="15" presetID="1" presetClass="entr" presetSubtype="0" fill="hold" grpId="0" nodeType="afterEffect">
                                   <p:stCondLst>
-                                    <p:cond delay="1000"/>
+                                    <p:cond delay="0"/>
                                   </p:stCondLst>
                                   <p:childTnLst>
                                     <p:set>
                                       <p:cBhvr>
-                                        <p:cTn id="15" dur="1" fill="hold">
+                                        <p:cTn id="16" dur="1" fill="hold">
                                           <p:stCondLst>
                                             <p:cond delay="0"/>
                                           </p:stCondLst>
@@ -8096,26 +9218,26 @@
                     </p:cTn>
                   </p:par>
                   <p:par>
-                    <p:cTn id="16" fill="hold">
+                    <p:cTn id="17" fill="hold">
                       <p:stCondLst>
                         <p:cond delay="indefinite"/>
                       </p:stCondLst>
                       <p:childTnLst>
                         <p:par>
-                          <p:cTn id="17" fill="hold">
+                          <p:cTn id="18" fill="hold">
                             <p:stCondLst>
                               <p:cond delay="0"/>
                             </p:stCondLst>
                             <p:childTnLst>
                               <p:par>
-                                <p:cTn id="18" presetID="1" presetClass="exit" presetSubtype="0" fill="hold" grpId="1" nodeType="clickEffect">
+                                <p:cTn id="19" presetID="1" presetClass="exit" presetSubtype="0" fill="hold" grpId="1" nodeType="clickEffect">
                                   <p:stCondLst>
                                     <p:cond delay="0"/>
                                   </p:stCondLst>
                                   <p:childTnLst>
                                     <p:set>
                                       <p:cBhvr>
-                                        <p:cTn id="19" dur="1" fill="hold">
+                                        <p:cTn id="20" dur="1" fill="hold">
                                           <p:stCondLst>
                                             <p:cond delay="0"/>
                                           </p:stCondLst>
@@ -8138,20 +9260,20 @@
                           </p:cTn>
                         </p:par>
                         <p:par>
-                          <p:cTn id="20" fill="hold">
+                          <p:cTn id="21" fill="hold">
                             <p:stCondLst>
                               <p:cond delay="0"/>
                             </p:stCondLst>
                             <p:childTnLst>
                               <p:par>
-                                <p:cTn id="21" presetID="1" presetClass="entr" presetSubtype="0" fill="hold" grpId="0" nodeType="afterEffect">
+                                <p:cTn id="22" presetID="1" presetClass="entr" presetSubtype="0" fill="hold" grpId="0" nodeType="afterEffect">
                                   <p:stCondLst>
-                                    <p:cond delay="1000"/>
+                                    <p:cond delay="300"/>
                                   </p:stCondLst>
                                   <p:childTnLst>
                                     <p:set>
                                       <p:cBhvr>
-                                        <p:cTn id="22" dur="1" fill="hold">
+                                        <p:cTn id="23" dur="1" fill="hold">
                                           <p:stCondLst>
                                             <p:cond delay="0"/>
                                           </p:stCondLst>
@@ -8177,26 +9299,26 @@
                     </p:cTn>
                   </p:par>
                   <p:par>
-                    <p:cTn id="23" fill="hold">
+                    <p:cTn id="24" fill="hold">
                       <p:stCondLst>
                         <p:cond delay="indefinite"/>
                       </p:stCondLst>
                       <p:childTnLst>
                         <p:par>
-                          <p:cTn id="24" fill="hold">
+                          <p:cTn id="25" fill="hold">
                             <p:stCondLst>
                               <p:cond delay="0"/>
                             </p:stCondLst>
                             <p:childTnLst>
                               <p:par>
-                                <p:cTn id="25" presetID="1" presetClass="exit" presetSubtype="0" fill="hold" grpId="1" nodeType="clickEffect">
+                                <p:cTn id="26" presetID="1" presetClass="exit" presetSubtype="0" fill="hold" grpId="1" nodeType="clickEffect">
                                   <p:stCondLst>
                                     <p:cond delay="0"/>
                                   </p:stCondLst>
                                   <p:childTnLst>
                                     <p:set>
                                       <p:cBhvr>
-                                        <p:cTn id="26" dur="1" fill="hold">
+                                        <p:cTn id="27" dur="1" fill="hold">
                                           <p:stCondLst>
                                             <p:cond delay="0"/>
                                           </p:stCondLst>
@@ -8219,20 +9341,20 @@
                           </p:cTn>
                         </p:par>
                         <p:par>
-                          <p:cTn id="27" fill="hold">
+                          <p:cTn id="28" fill="hold">
                             <p:stCondLst>
                               <p:cond delay="0"/>
                             </p:stCondLst>
                             <p:childTnLst>
                               <p:par>
-                                <p:cTn id="28" presetID="1" presetClass="entr" presetSubtype="0" fill="hold" grpId="0" nodeType="afterEffect">
+                                <p:cTn id="29" presetID="1" presetClass="entr" presetSubtype="0" fill="hold" grpId="0" nodeType="afterEffect">
                                   <p:stCondLst>
-                                    <p:cond delay="1000"/>
+                                    <p:cond delay="2000"/>
                                   </p:stCondLst>
                                   <p:childTnLst>
                                     <p:set>
                                       <p:cBhvr>
-                                        <p:cTn id="29" dur="1" fill="hold">
+                                        <p:cTn id="30" dur="1" fill="hold">
                                           <p:stCondLst>
                                             <p:cond delay="0"/>
                                           </p:stCondLst>
@@ -8251,15 +9373,24 @@
                                   </p:childTnLst>
                                 </p:cTn>
                               </p:par>
+                            </p:childTnLst>
+                          </p:cTn>
+                        </p:par>
+                        <p:par>
+                          <p:cTn id="31" fill="hold">
+                            <p:stCondLst>
+                              <p:cond delay="2000"/>
+                            </p:stCondLst>
+                            <p:childTnLst>
                               <p:par>
-                                <p:cTn id="30" presetID="1" presetClass="entr" presetSubtype="0" fill="hold" grpId="0" nodeType="withEffect">
+                                <p:cTn id="32" presetID="1" presetClass="entr" presetSubtype="0" fill="hold" grpId="0" nodeType="afterEffect">
                                   <p:stCondLst>
-                                    <p:cond delay="1000"/>
+                                    <p:cond delay="0"/>
                                   </p:stCondLst>
                                   <p:childTnLst>
                                     <p:set>
                                       <p:cBhvr>
-                                        <p:cTn id="31" dur="1" fill="hold">
+                                        <p:cTn id="33" dur="1" fill="hold">
                                           <p:stCondLst>
                                             <p:cond delay="0"/>
                                           </p:stCondLst>
@@ -8289,26 +9420,26 @@
                     </p:cTn>
                   </p:par>
                   <p:par>
-                    <p:cTn id="32" fill="hold">
+                    <p:cTn id="34" fill="hold">
                       <p:stCondLst>
                         <p:cond delay="indefinite"/>
                       </p:stCondLst>
                       <p:childTnLst>
                         <p:par>
-                          <p:cTn id="33" fill="hold">
+                          <p:cTn id="35" fill="hold">
                             <p:stCondLst>
                               <p:cond delay="0"/>
                             </p:stCondLst>
                             <p:childTnLst>
                               <p:par>
-                                <p:cTn id="34" presetID="1" presetClass="exit" presetSubtype="0" fill="hold" grpId="1" nodeType="clickEffect">
+                                <p:cTn id="36" presetID="1" presetClass="exit" presetSubtype="0" fill="hold" grpId="1" nodeType="clickEffect">
                                   <p:stCondLst>
                                     <p:cond delay="0"/>
                                   </p:stCondLst>
                                   <p:childTnLst>
                                     <p:set>
                                       <p:cBhvr>
-                                        <p:cTn id="35" dur="1" fill="hold">
+                                        <p:cTn id="37" dur="1" fill="hold">
                                           <p:stCondLst>
                                             <p:cond delay="0"/>
                                           </p:stCondLst>
@@ -8331,20 +9462,20 @@
                           </p:cTn>
                         </p:par>
                         <p:par>
-                          <p:cTn id="36" fill="hold">
+                          <p:cTn id="38" fill="hold">
                             <p:stCondLst>
                               <p:cond delay="0"/>
                             </p:stCondLst>
                             <p:childTnLst>
                               <p:par>
-                                <p:cTn id="37" presetID="1" presetClass="entr" presetSubtype="0" fill="hold" grpId="0" nodeType="afterEffect">
+                                <p:cTn id="39" presetID="1" presetClass="entr" presetSubtype="0" fill="hold" grpId="0" nodeType="afterEffect">
                                   <p:stCondLst>
-                                    <p:cond delay="1000"/>
+                                    <p:cond delay="300"/>
                                   </p:stCondLst>
                                   <p:childTnLst>
                                     <p:set>
                                       <p:cBhvr>
-                                        <p:cTn id="38" dur="1" fill="hold">
+                                        <p:cTn id="40" dur="1" fill="hold">
                                           <p:stCondLst>
                                             <p:cond delay="0"/>
                                           </p:stCondLst>
@@ -8370,26 +9501,26 @@
                     </p:cTn>
                   </p:par>
                   <p:par>
-                    <p:cTn id="39" fill="hold">
+                    <p:cTn id="41" fill="hold">
                       <p:stCondLst>
                         <p:cond delay="indefinite"/>
                       </p:stCondLst>
                       <p:childTnLst>
                         <p:par>
-                          <p:cTn id="40" fill="hold">
+                          <p:cTn id="42" fill="hold">
                             <p:stCondLst>
                               <p:cond delay="0"/>
                             </p:stCondLst>
                             <p:childTnLst>
                               <p:par>
-                                <p:cTn id="41" presetID="1" presetClass="exit" presetSubtype="0" fill="hold" grpId="1" nodeType="clickEffect">
+                                <p:cTn id="43" presetID="1" presetClass="exit" presetSubtype="0" fill="hold" grpId="1" nodeType="clickEffect">
                                   <p:stCondLst>
                                     <p:cond delay="0"/>
                                   </p:stCondLst>
                                   <p:childTnLst>
                                     <p:set>
                                       <p:cBhvr>
-                                        <p:cTn id="42" dur="1" fill="hold">
+                                        <p:cTn id="44" dur="1" fill="hold">
                                           <p:stCondLst>
                                             <p:cond delay="0"/>
                                           </p:stCondLst>
@@ -8412,20 +9543,20 @@
                           </p:cTn>
                         </p:par>
                         <p:par>
-                          <p:cTn id="43" fill="hold">
+                          <p:cTn id="45" fill="hold">
                             <p:stCondLst>
                               <p:cond delay="0"/>
                             </p:stCondLst>
                             <p:childTnLst>
                               <p:par>
-                                <p:cTn id="44" presetID="1" presetClass="entr" presetSubtype="0" fill="hold" grpId="0" nodeType="afterEffect">
+                                <p:cTn id="46" presetID="1" presetClass="entr" presetSubtype="0" fill="hold" grpId="0" nodeType="afterEffect">
                                   <p:stCondLst>
-                                    <p:cond delay="1000"/>
+                                    <p:cond delay="300"/>
                                   </p:stCondLst>
                                   <p:childTnLst>
                                     <p:set>
                                       <p:cBhvr>
-                                        <p:cTn id="45" dur="1" fill="hold">
+                                        <p:cTn id="47" dur="1" fill="hold">
                                           <p:stCondLst>
                                             <p:cond delay="0"/>
                                           </p:stCondLst>
@@ -8451,26 +9582,26 @@
                     </p:cTn>
                   </p:par>
                   <p:par>
-                    <p:cTn id="46" fill="hold">
+                    <p:cTn id="48" fill="hold">
                       <p:stCondLst>
                         <p:cond delay="indefinite"/>
                       </p:stCondLst>
                       <p:childTnLst>
                         <p:par>
-                          <p:cTn id="47" fill="hold">
+                          <p:cTn id="49" fill="hold">
                             <p:stCondLst>
                               <p:cond delay="0"/>
                             </p:stCondLst>
                             <p:childTnLst>
                               <p:par>
-                                <p:cTn id="48" presetID="1" presetClass="exit" presetSubtype="0" fill="hold" grpId="1" nodeType="clickEffect">
+                                <p:cTn id="50" presetID="1" presetClass="exit" presetSubtype="0" fill="hold" grpId="1" nodeType="clickEffect">
                                   <p:stCondLst>
                                     <p:cond delay="0"/>
                                   </p:stCondLst>
                                   <p:childTnLst>
                                     <p:set>
                                       <p:cBhvr>
-                                        <p:cTn id="49" dur="1" fill="hold">
+                                        <p:cTn id="51" dur="1" fill="hold">
                                           <p:stCondLst>
                                             <p:cond delay="0"/>
                                           </p:stCondLst>
@@ -8493,20 +9624,20 @@
                           </p:cTn>
                         </p:par>
                         <p:par>
-                          <p:cTn id="50" fill="hold">
+                          <p:cTn id="52" fill="hold">
                             <p:stCondLst>
                               <p:cond delay="0"/>
                             </p:stCondLst>
                             <p:childTnLst>
                               <p:par>
-                                <p:cTn id="51" presetID="1" presetClass="entr" presetSubtype="0" fill="hold" grpId="0" nodeType="afterEffect">
+                                <p:cTn id="53" presetID="1" presetClass="entr" presetSubtype="0" fill="hold" grpId="0" nodeType="afterEffect">
                                   <p:stCondLst>
-                                    <p:cond delay="1000"/>
+                                    <p:cond delay="2000"/>
                                   </p:stCondLst>
                                   <p:childTnLst>
                                     <p:set>
                                       <p:cBhvr>
-                                        <p:cTn id="52" dur="1" fill="hold">
+                                        <p:cTn id="54" dur="1" fill="hold">
                                           <p:stCondLst>
                                             <p:cond delay="0"/>
                                           </p:stCondLst>
@@ -8525,15 +9656,24 @@
                                   </p:childTnLst>
                                 </p:cTn>
                               </p:par>
+                            </p:childTnLst>
+                          </p:cTn>
+                        </p:par>
+                        <p:par>
+                          <p:cTn id="55" fill="hold">
+                            <p:stCondLst>
+                              <p:cond delay="2000"/>
+                            </p:stCondLst>
+                            <p:childTnLst>
                               <p:par>
-                                <p:cTn id="53" presetID="1" presetClass="entr" presetSubtype="0" fill="hold" grpId="0" nodeType="withEffect">
+                                <p:cTn id="56" presetID="1" presetClass="entr" presetSubtype="0" fill="hold" grpId="0" nodeType="afterEffect">
                                   <p:stCondLst>
-                                    <p:cond delay="1000"/>
+                                    <p:cond delay="0"/>
                                   </p:stCondLst>
                                   <p:childTnLst>
                                     <p:set>
                                       <p:cBhvr>
-                                        <p:cTn id="54" dur="1" fill="hold">
+                                        <p:cTn id="57" dur="1" fill="hold">
                                           <p:stCondLst>
                                             <p:cond delay="0"/>
                                           </p:stCondLst>
@@ -8563,26 +9703,26 @@
                     </p:cTn>
                   </p:par>
                   <p:par>
-                    <p:cTn id="55" fill="hold">
+                    <p:cTn id="58" fill="hold">
                       <p:stCondLst>
                         <p:cond delay="indefinite"/>
                       </p:stCondLst>
                       <p:childTnLst>
                         <p:par>
-                          <p:cTn id="56" fill="hold">
+                          <p:cTn id="59" fill="hold">
                             <p:stCondLst>
                               <p:cond delay="0"/>
                             </p:stCondLst>
                             <p:childTnLst>
                               <p:par>
-                                <p:cTn id="57" presetID="1" presetClass="exit" presetSubtype="0" fill="hold" grpId="1" nodeType="clickEffect">
+                                <p:cTn id="60" presetID="1" presetClass="exit" presetSubtype="0" fill="hold" grpId="1" nodeType="clickEffect">
                                   <p:stCondLst>
                                     <p:cond delay="0"/>
                                   </p:stCondLst>
                                   <p:childTnLst>
                                     <p:set>
                                       <p:cBhvr>
-                                        <p:cTn id="58" dur="1" fill="hold">
+                                        <p:cTn id="61" dur="1" fill="hold">
                                           <p:stCondLst>
                                             <p:cond delay="0"/>
                                           </p:stCondLst>
@@ -8605,20 +9745,20 @@
                           </p:cTn>
                         </p:par>
                         <p:par>
-                          <p:cTn id="59" fill="hold">
+                          <p:cTn id="62" fill="hold">
                             <p:stCondLst>
                               <p:cond delay="0"/>
                             </p:stCondLst>
                             <p:childTnLst>
                               <p:par>
-                                <p:cTn id="60" presetID="1" presetClass="entr" presetSubtype="0" fill="hold" grpId="0" nodeType="afterEffect">
+                                <p:cTn id="63" presetID="1" presetClass="entr" presetSubtype="0" fill="hold" grpId="0" nodeType="afterEffect">
                                   <p:stCondLst>
-                                    <p:cond delay="1000"/>
+                                    <p:cond delay="300"/>
                                   </p:stCondLst>
                                   <p:childTnLst>
                                     <p:set>
                                       <p:cBhvr>
-                                        <p:cTn id="61" dur="1" fill="hold">
+                                        <p:cTn id="64" dur="1" fill="hold">
                                           <p:stCondLst>
                                             <p:cond delay="0"/>
                                           </p:stCondLst>
@@ -8644,26 +9784,26 @@
                     </p:cTn>
                   </p:par>
                   <p:par>
-                    <p:cTn id="62" fill="hold">
+                    <p:cTn id="65" fill="hold">
                       <p:stCondLst>
                         <p:cond delay="indefinite"/>
                       </p:stCondLst>
                       <p:childTnLst>
                         <p:par>
-                          <p:cTn id="63" fill="hold">
+                          <p:cTn id="66" fill="hold">
                             <p:stCondLst>
                               <p:cond delay="0"/>
                             </p:stCondLst>
                             <p:childTnLst>
                               <p:par>
-                                <p:cTn id="64" presetID="1" presetClass="exit" presetSubtype="0" fill="hold" grpId="1" nodeType="clickEffect">
+                                <p:cTn id="67" presetID="1" presetClass="exit" presetSubtype="0" fill="hold" grpId="1" nodeType="clickEffect">
                                   <p:stCondLst>
                                     <p:cond delay="0"/>
                                   </p:stCondLst>
                                   <p:childTnLst>
                                     <p:set>
                                       <p:cBhvr>
-                                        <p:cTn id="65" dur="1" fill="hold">
+                                        <p:cTn id="68" dur="1" fill="hold">
                                           <p:stCondLst>
                                             <p:cond delay="0"/>
                                           </p:stCondLst>
@@ -8686,20 +9826,20 @@
                           </p:cTn>
                         </p:par>
                         <p:par>
-                          <p:cTn id="66" fill="hold">
+                          <p:cTn id="69" fill="hold">
                             <p:stCondLst>
                               <p:cond delay="0"/>
                             </p:stCondLst>
                             <p:childTnLst>
                               <p:par>
-                                <p:cTn id="67" presetID="1" presetClass="entr" presetSubtype="0" fill="hold" grpId="0" nodeType="afterEffect">
+                                <p:cTn id="70" presetID="1" presetClass="entr" presetSubtype="0" fill="hold" grpId="0" nodeType="afterEffect">
                                   <p:stCondLst>
-                                    <p:cond delay="1000"/>
+                                    <p:cond delay="2000"/>
                                   </p:stCondLst>
                                   <p:childTnLst>
                                     <p:set>
                                       <p:cBhvr>
-                                        <p:cTn id="68" dur="1" fill="hold">
+                                        <p:cTn id="71" dur="1" fill="hold">
                                           <p:stCondLst>
                                             <p:cond delay="0"/>
                                           </p:stCondLst>
@@ -8718,15 +9858,24 @@
                                   </p:childTnLst>
                                 </p:cTn>
                               </p:par>
+                            </p:childTnLst>
+                          </p:cTn>
+                        </p:par>
+                        <p:par>
+                          <p:cTn id="72" fill="hold">
+                            <p:stCondLst>
+                              <p:cond delay="2000"/>
+                            </p:stCondLst>
+                            <p:childTnLst>
                               <p:par>
-                                <p:cTn id="69" presetID="1" presetClass="entr" presetSubtype="0" fill="hold" grpId="0" nodeType="withEffect">
+                                <p:cTn id="73" presetID="1" presetClass="entr" presetSubtype="0" fill="hold" grpId="0" nodeType="afterEffect">
                                   <p:stCondLst>
-                                    <p:cond delay="1000"/>
+                                    <p:cond delay="0"/>
                                   </p:stCondLst>
                                   <p:childTnLst>
                                     <p:set>
                                       <p:cBhvr>
-                                        <p:cTn id="70" dur="1" fill="hold">
+                                        <p:cTn id="74" dur="1" fill="hold">
                                           <p:stCondLst>
                                             <p:cond delay="0"/>
                                           </p:stCondLst>
@@ -8756,26 +9905,26 @@
                     </p:cTn>
                   </p:par>
                   <p:par>
-                    <p:cTn id="71" fill="hold">
+                    <p:cTn id="75" fill="hold">
                       <p:stCondLst>
                         <p:cond delay="indefinite"/>
                       </p:stCondLst>
                       <p:childTnLst>
                         <p:par>
-                          <p:cTn id="72" fill="hold">
+                          <p:cTn id="76" fill="hold">
                             <p:stCondLst>
                               <p:cond delay="0"/>
                             </p:stCondLst>
                             <p:childTnLst>
                               <p:par>
-                                <p:cTn id="73" presetID="1" presetClass="exit" presetSubtype="0" fill="hold" grpId="1" nodeType="clickEffect">
+                                <p:cTn id="77" presetID="1" presetClass="exit" presetSubtype="0" fill="hold" grpId="1" nodeType="clickEffect">
                                   <p:stCondLst>
                                     <p:cond delay="0"/>
                                   </p:stCondLst>
                                   <p:childTnLst>
                                     <p:set>
                                       <p:cBhvr>
-                                        <p:cTn id="74" dur="1" fill="hold">
+                                        <p:cTn id="78" dur="1" fill="hold">
                                           <p:stCondLst>
                                             <p:cond delay="0"/>
                                           </p:stCondLst>
@@ -8798,20 +9947,20 @@
                           </p:cTn>
                         </p:par>
                         <p:par>
-                          <p:cTn id="75" fill="hold">
+                          <p:cTn id="79" fill="hold">
                             <p:stCondLst>
                               <p:cond delay="0"/>
                             </p:stCondLst>
                             <p:childTnLst>
                               <p:par>
-                                <p:cTn id="76" presetID="1" presetClass="entr" presetSubtype="0" fill="hold" grpId="0" nodeType="afterEffect">
+                                <p:cTn id="80" presetID="1" presetClass="entr" presetSubtype="0" fill="hold" grpId="0" nodeType="afterEffect">
                                   <p:stCondLst>
-                                    <p:cond delay="1000"/>
+                                    <p:cond delay="300"/>
                                   </p:stCondLst>
                                   <p:childTnLst>
                                     <p:set>
                                       <p:cBhvr>
-                                        <p:cTn id="77" dur="1" fill="hold">
+                                        <p:cTn id="81" dur="1" fill="hold">
                                           <p:stCondLst>
                                             <p:cond delay="0"/>
                                           </p:stCondLst>
@@ -8837,26 +9986,26 @@
                     </p:cTn>
                   </p:par>
                   <p:par>
-                    <p:cTn id="78" fill="hold">
+                    <p:cTn id="82" fill="hold">
                       <p:stCondLst>
                         <p:cond delay="indefinite"/>
                       </p:stCondLst>
                       <p:childTnLst>
                         <p:par>
-                          <p:cTn id="79" fill="hold">
+                          <p:cTn id="83" fill="hold">
                             <p:stCondLst>
                               <p:cond delay="0"/>
                             </p:stCondLst>
                             <p:childTnLst>
                               <p:par>
-                                <p:cTn id="80" presetID="1" presetClass="exit" presetSubtype="0" fill="hold" grpId="1" nodeType="clickEffect">
+                                <p:cTn id="84" presetID="1" presetClass="exit" presetSubtype="0" fill="hold" grpId="1" nodeType="clickEffect">
                                   <p:stCondLst>
                                     <p:cond delay="0"/>
                                   </p:stCondLst>
                                   <p:childTnLst>
                                     <p:set>
                                       <p:cBhvr>
-                                        <p:cTn id="81" dur="1" fill="hold">
+                                        <p:cTn id="85" dur="1" fill="hold">
                                           <p:stCondLst>
                                             <p:cond delay="0"/>
                                           </p:stCondLst>
@@ -8879,20 +10028,20 @@
                           </p:cTn>
                         </p:par>
                         <p:par>
-                          <p:cTn id="82" fill="hold">
+                          <p:cTn id="86" fill="hold">
                             <p:stCondLst>
                               <p:cond delay="0"/>
                             </p:stCondLst>
                             <p:childTnLst>
                               <p:par>
-                                <p:cTn id="83" presetID="1" presetClass="entr" presetSubtype="0" fill="hold" grpId="0" nodeType="afterEffect">
+                                <p:cTn id="87" presetID="1" presetClass="entr" presetSubtype="0" fill="hold" grpId="0" nodeType="afterEffect">
                                   <p:stCondLst>
-                                    <p:cond delay="1000"/>
+                                    <p:cond delay="300"/>
                                   </p:stCondLst>
                                   <p:childTnLst>
                                     <p:set>
                                       <p:cBhvr>
-                                        <p:cTn id="84" dur="1" fill="hold">
+                                        <p:cTn id="88" dur="1" fill="hold">
                                           <p:stCondLst>
                                             <p:cond delay="0"/>
                                           </p:stCondLst>
@@ -8918,26 +10067,26 @@
                     </p:cTn>
                   </p:par>
                   <p:par>
-                    <p:cTn id="85" fill="hold">
+                    <p:cTn id="89" fill="hold">
                       <p:stCondLst>
                         <p:cond delay="indefinite"/>
                       </p:stCondLst>
                       <p:childTnLst>
                         <p:par>
-                          <p:cTn id="86" fill="hold">
+                          <p:cTn id="90" fill="hold">
                             <p:stCondLst>
                               <p:cond delay="0"/>
                             </p:stCondLst>
                             <p:childTnLst>
                               <p:par>
-                                <p:cTn id="87" presetID="1" presetClass="exit" presetSubtype="0" fill="hold" grpId="1" nodeType="clickEffect">
+                                <p:cTn id="91" presetID="1" presetClass="exit" presetSubtype="0" fill="hold" grpId="1" nodeType="clickEffect">
                                   <p:stCondLst>
                                     <p:cond delay="0"/>
                                   </p:stCondLst>
                                   <p:childTnLst>
                                     <p:set>
                                       <p:cBhvr>
-                                        <p:cTn id="88" dur="1" fill="hold">
+                                        <p:cTn id="92" dur="1" fill="hold">
                                           <p:stCondLst>
                                             <p:cond delay="0"/>
                                           </p:stCondLst>
@@ -8960,20 +10109,20 @@
                           </p:cTn>
                         </p:par>
                         <p:par>
-                          <p:cTn id="89" fill="hold">
+                          <p:cTn id="93" fill="hold">
                             <p:stCondLst>
                               <p:cond delay="0"/>
                             </p:stCondLst>
                             <p:childTnLst>
                               <p:par>
-                                <p:cTn id="90" presetID="1" presetClass="entr" presetSubtype="0" fill="hold" grpId="0" nodeType="afterEffect">
+                                <p:cTn id="94" presetID="1" presetClass="entr" presetSubtype="0" fill="hold" grpId="0" nodeType="afterEffect">
                                   <p:stCondLst>
-                                    <p:cond delay="1000"/>
+                                    <p:cond delay="2000"/>
                                   </p:stCondLst>
                                   <p:childTnLst>
                                     <p:set>
                                       <p:cBhvr>
-                                        <p:cTn id="91" dur="1" fill="hold">
+                                        <p:cTn id="95" dur="1" fill="hold">
                                           <p:stCondLst>
                                             <p:cond delay="0"/>
                                           </p:stCondLst>
@@ -9211,7 +10360,7 @@
                   <a:latin typeface="Consolas"/>
                   <a:ea typeface="Consolas"/>
                 </a:rPr>
-                <a:t>High-Level                       (●)</a:t>
+                <a:t>High-Level                easiest  (●)</a:t>
               </a:r>
               <a:endParaRPr lang="en-US" sz="3200" b="0" strike="noStrike" spc="-1" dirty="0">
                 <a:solidFill>
@@ -9364,7 +10513,37 @@
                   <a:latin typeface="Consolas"/>
                   <a:ea typeface="Consolas"/>
                 </a:rPr>
-                <a:t>Middle-Level                     (</a:t>
+                <a:t>Middle-Level              </a:t>
+              </a:r>
+              <a:r>
+                <a:rPr lang="en-US" sz="3000" spc="-1" dirty="0">
+                  <a:solidFill>
+                    <a:srgbClr val="00BF00"/>
+                  </a:solidFill>
+                  <a:uFill>
+                    <a:solidFill>
+                      <a:srgbClr val="FFFFFF"/>
+                    </a:solidFill>
+                  </a:uFill>
+                  <a:latin typeface="Consolas"/>
+                  <a:ea typeface="Consolas"/>
+                </a:rPr>
+                <a:t>        </a:t>
+              </a:r>
+              <a:r>
+                <a:rPr lang="en-US" sz="3000" b="0" strike="noStrike" spc="-1" dirty="0">
+                  <a:solidFill>
+                    <a:srgbClr val="00BF00"/>
+                  </a:solidFill>
+                  <a:uFill>
+                    <a:solidFill>
+                      <a:srgbClr val="FFFFFF"/>
+                    </a:solidFill>
+                  </a:uFill>
+                  <a:latin typeface="Consolas"/>
+                  <a:ea typeface="Consolas"/>
+                </a:rPr>
+                <a:t> (</a:t>
               </a:r>
               <a:r>
                 <a:rPr lang="en-US" sz="3000" b="0" strike="noStrike" spc="-1" dirty="0">
@@ -9535,7 +10714,7 @@
                 </a:lnSpc>
               </a:pPr>
               <a:r>
-                <a:rPr lang="en-US" sz="3000" b="0" strike="noStrike" spc="-1">
+                <a:rPr lang="en-US" sz="3000" b="0" strike="noStrike" spc="-1" dirty="0">
                   <a:solidFill>
                     <a:srgbClr val="00BF00"/>
                   </a:solidFill>
@@ -9547,10 +10726,10 @@
                   <a:latin typeface="Consolas"/>
                   <a:ea typeface="Consolas"/>
                 </a:rPr>
-                <a:t>Low-Level                        (</a:t>
+                <a:t>Low-Level                          (</a:t>
               </a:r>
               <a:r>
-                <a:rPr lang="en-US" sz="3000" b="0" strike="noStrike" spc="-1">
+                <a:rPr lang="en-US" sz="3000" b="0" strike="noStrike" spc="-1" dirty="0">
                   <a:solidFill>
                     <a:srgbClr val="212121"/>
                   </a:solidFill>
@@ -9565,7 +10744,7 @@
                 <a:t>◆</a:t>
               </a:r>
               <a:r>
-                <a:rPr lang="en-US" sz="3000" b="0" strike="noStrike" spc="-1">
+                <a:rPr lang="en-US" sz="3000" b="0" strike="noStrike" spc="-1" dirty="0">
                   <a:solidFill>
                     <a:srgbClr val="00BF00"/>
                   </a:solidFill>
@@ -9579,7 +10758,7 @@
                 </a:rPr>
                 <a:t>)</a:t>
               </a:r>
-              <a:endParaRPr lang="en-US" sz="3200" b="0" strike="noStrike" spc="-1">
+              <a:endParaRPr lang="en-US" sz="3200" b="0" strike="noStrike" spc="-1" dirty="0">
                 <a:solidFill>
                   <a:srgbClr val="FFFFFF"/>
                 </a:solidFill>
@@ -9597,7 +10776,7 @@
                   <a:spcPct val="100000"/>
                 </a:lnSpc>
               </a:pPr>
-              <a:endParaRPr lang="en-US" sz="3200" b="0" strike="noStrike" spc="-1">
+              <a:endParaRPr lang="en-US" sz="3200" b="0" strike="noStrike" spc="-1" dirty="0">
                 <a:solidFill>
                   <a:srgbClr val="FFFFFF"/>
                 </a:solidFill>
@@ -9712,7 +10891,7 @@
                   <a:latin typeface="Consolas"/>
                   <a:ea typeface="Consolas"/>
                 </a:rPr>
-                <a:t>Hardware-Level                   (</a:t>
+                <a:t>Hardware-Level            hardest  (</a:t>
               </a:r>
               <a:r>
                 <a:rPr lang="en-US" sz="3000" b="0" strike="noStrike" spc="-1" dirty="0">
@@ -10450,7 +11629,7 @@
         </p:nvSpPr>
         <p:spPr>
           <a:xfrm>
-            <a:off x="360" y="3831336"/>
+            <a:off x="0" y="3831336"/>
             <a:ext cx="9143640" cy="1301040"/>
           </a:xfrm>
           <a:prstGeom prst="rect">
@@ -10489,7 +11668,7 @@
                 </a:solidFill>
                 <a:latin typeface="Fira Sans Condensed"/>
               </a:rPr>
-              <a:t>High-level programming languages reduce the amount of heavy lifting and offer more powerful tools. High-level languages often work without any pre-computation, so you don't have to wait to see your code work.</a:t>
+              <a:t>High-level programming languages reduce the amount of heavy lifting and offer more powerful tools. High-level languages often work without compiling, so you don't have to wait to see your code work.</a:t>
             </a:r>
             <a:endParaRPr lang="en-US" sz="2400" strike="noStrike" spc="-1" dirty="0">
               <a:solidFill>
@@ -10752,7 +11931,7 @@
                               <p:par>
                                 <p:cTn id="12" presetID="1" presetClass="entr" presetSubtype="0" fill="hold" grpId="0" nodeType="afterEffect">
                                   <p:stCondLst>
-                                    <p:cond delay="1000"/>
+                                    <p:cond delay="2000"/>
                                   </p:stCondLst>
                                   <p:childTnLst>
                                     <p:set>
@@ -10833,7 +12012,7 @@
                               <p:par>
                                 <p:cTn id="19" presetID="1" presetClass="entr" presetSubtype="0" fill="hold" grpId="0" nodeType="afterEffect">
                                   <p:stCondLst>
-                                    <p:cond delay="1000"/>
+                                    <p:cond delay="2000"/>
                                   </p:stCondLst>
                                   <p:childTnLst>
                                     <p:set>
@@ -10914,7 +12093,7 @@
                               <p:par>
                                 <p:cTn id="26" presetID="1" presetClass="entr" presetSubtype="0" fill="hold" grpId="0" nodeType="afterEffect">
                                   <p:stCondLst>
-                                    <p:cond delay="1000"/>
+                                    <p:cond delay="2000"/>
                                   </p:stCondLst>
                                   <p:childTnLst>
                                     <p:set>
@@ -10938,15 +12117,24 @@
                                   </p:childTnLst>
                                 </p:cTn>
                               </p:par>
+                            </p:childTnLst>
+                          </p:cTn>
+                        </p:par>
+                        <p:par>
+                          <p:cTn id="28" fill="hold">
+                            <p:stCondLst>
+                              <p:cond delay="2000"/>
+                            </p:stCondLst>
+                            <p:childTnLst>
                               <p:par>
-                                <p:cTn id="28" presetID="1" presetClass="entr" presetSubtype="0" fill="hold" nodeType="withEffect">
+                                <p:cTn id="29" presetID="1" presetClass="entr" presetSubtype="0" fill="hold" nodeType="afterEffect">
                                   <p:stCondLst>
-                                    <p:cond delay="1000"/>
+                                    <p:cond delay="0"/>
                                   </p:stCondLst>
                                   <p:childTnLst>
                                     <p:set>
                                       <p:cBhvr>
-                                        <p:cTn id="29" dur="1" fill="hold">
+                                        <p:cTn id="30" dur="1" fill="hold">
                                           <p:stCondLst>
                                             <p:cond delay="0"/>
                                           </p:stCondLst>
@@ -10972,26 +12160,26 @@
                     </p:cTn>
                   </p:par>
                   <p:par>
-                    <p:cTn id="30" fill="hold">
+                    <p:cTn id="31" fill="hold">
                       <p:stCondLst>
                         <p:cond delay="indefinite"/>
                       </p:stCondLst>
                       <p:childTnLst>
                         <p:par>
-                          <p:cTn id="31" fill="hold">
+                          <p:cTn id="32" fill="hold">
                             <p:stCondLst>
                               <p:cond delay="0"/>
                             </p:stCondLst>
                             <p:childTnLst>
                               <p:par>
-                                <p:cTn id="32" presetID="1" presetClass="exit" presetSubtype="0" fill="hold" grpId="1" nodeType="clickEffect">
+                                <p:cTn id="33" presetID="1" presetClass="exit" presetSubtype="0" fill="hold" grpId="1" nodeType="clickEffect">
                                   <p:stCondLst>
                                     <p:cond delay="0"/>
                                   </p:stCondLst>
                                   <p:childTnLst>
                                     <p:set>
                                       <p:cBhvr>
-                                        <p:cTn id="33" dur="1" fill="hold">
+                                        <p:cTn id="34" dur="1" fill="hold">
                                           <p:stCondLst>
                                             <p:cond delay="0"/>
                                           </p:stCondLst>
@@ -11014,20 +12202,20 @@
                           </p:cTn>
                         </p:par>
                         <p:par>
-                          <p:cTn id="34" fill="hold">
+                          <p:cTn id="35" fill="hold">
                             <p:stCondLst>
                               <p:cond delay="0"/>
                             </p:stCondLst>
                             <p:childTnLst>
                               <p:par>
-                                <p:cTn id="35" presetID="1" presetClass="entr" presetSubtype="0" fill="hold" grpId="0" nodeType="afterEffect">
+                                <p:cTn id="36" presetID="1" presetClass="entr" presetSubtype="0" fill="hold" grpId="0" nodeType="afterEffect">
                                   <p:stCondLst>
-                                    <p:cond delay="1000"/>
+                                    <p:cond delay="300"/>
                                   </p:stCondLst>
                                   <p:childTnLst>
                                     <p:set>
                                       <p:cBhvr>
-                                        <p:cTn id="36" dur="1" fill="hold">
+                                        <p:cTn id="37" dur="1" fill="hold">
                                           <p:stCondLst>
                                             <p:cond delay="0"/>
                                           </p:stCondLst>
@@ -11053,26 +12241,26 @@
                     </p:cTn>
                   </p:par>
                   <p:par>
-                    <p:cTn id="37" fill="hold">
+                    <p:cTn id="38" fill="hold">
                       <p:stCondLst>
                         <p:cond delay="indefinite"/>
                       </p:stCondLst>
                       <p:childTnLst>
                         <p:par>
-                          <p:cTn id="38" fill="hold">
+                          <p:cTn id="39" fill="hold">
                             <p:stCondLst>
                               <p:cond delay="0"/>
                             </p:stCondLst>
                             <p:childTnLst>
                               <p:par>
-                                <p:cTn id="39" presetID="1" presetClass="exit" presetSubtype="0" fill="hold" grpId="1" nodeType="clickEffect">
+                                <p:cTn id="40" presetID="1" presetClass="exit" presetSubtype="0" fill="hold" grpId="1" nodeType="clickEffect">
                                   <p:stCondLst>
                                     <p:cond delay="0"/>
                                   </p:stCondLst>
                                   <p:childTnLst>
                                     <p:set>
                                       <p:cBhvr>
-                                        <p:cTn id="40" dur="1" fill="hold">
+                                        <p:cTn id="41" dur="1" fill="hold">
                                           <p:stCondLst>
                                             <p:cond delay="0"/>
                                           </p:stCondLst>
@@ -11095,20 +12283,20 @@
                           </p:cTn>
                         </p:par>
                         <p:par>
-                          <p:cTn id="41" fill="hold">
+                          <p:cTn id="42" fill="hold">
                             <p:stCondLst>
                               <p:cond delay="0"/>
                             </p:stCondLst>
                             <p:childTnLst>
                               <p:par>
-                                <p:cTn id="42" presetID="1" presetClass="entr" presetSubtype="0" fill="hold" grpId="0" nodeType="afterEffect">
+                                <p:cTn id="43" presetID="1" presetClass="entr" presetSubtype="0" fill="hold" grpId="0" nodeType="afterEffect">
                                   <p:stCondLst>
-                                    <p:cond delay="1000"/>
+                                    <p:cond delay="2000"/>
                                   </p:stCondLst>
                                   <p:childTnLst>
                                     <p:set>
                                       <p:cBhvr>
-                                        <p:cTn id="43" dur="1" fill="hold">
+                                        <p:cTn id="44" dur="1" fill="hold">
                                           <p:stCondLst>
                                             <p:cond delay="0"/>
                                           </p:stCondLst>
@@ -11127,15 +12315,24 @@
                                   </p:childTnLst>
                                 </p:cTn>
                               </p:par>
+                            </p:childTnLst>
+                          </p:cTn>
+                        </p:par>
+                        <p:par>
+                          <p:cTn id="45" fill="hold">
+                            <p:stCondLst>
+                              <p:cond delay="2000"/>
+                            </p:stCondLst>
+                            <p:childTnLst>
                               <p:par>
-                                <p:cTn id="44" presetID="1" presetClass="entr" presetSubtype="0" fill="hold" nodeType="withEffect">
+                                <p:cTn id="46" presetID="1" presetClass="entr" presetSubtype="0" fill="hold" nodeType="afterEffect">
                                   <p:stCondLst>
-                                    <p:cond delay="1000"/>
+                                    <p:cond delay="0"/>
                                   </p:stCondLst>
                                   <p:childTnLst>
                                     <p:set>
                                       <p:cBhvr>
-                                        <p:cTn id="45" dur="1" fill="hold">
+                                        <p:cTn id="47" dur="1" fill="hold">
                                           <p:stCondLst>
                                             <p:cond delay="0"/>
                                           </p:stCondLst>
@@ -11161,26 +12358,26 @@
                     </p:cTn>
                   </p:par>
                   <p:par>
-                    <p:cTn id="46" fill="hold">
+                    <p:cTn id="48" fill="hold">
                       <p:stCondLst>
                         <p:cond delay="indefinite"/>
                       </p:stCondLst>
                       <p:childTnLst>
                         <p:par>
-                          <p:cTn id="47" fill="hold">
+                          <p:cTn id="49" fill="hold">
                             <p:stCondLst>
                               <p:cond delay="0"/>
                             </p:stCondLst>
                             <p:childTnLst>
                               <p:par>
-                                <p:cTn id="48" presetID="1" presetClass="exit" presetSubtype="0" fill="hold" grpId="1" nodeType="clickEffect">
+                                <p:cTn id="50" presetID="1" presetClass="exit" presetSubtype="0" fill="hold" grpId="1" nodeType="clickEffect">
                                   <p:stCondLst>
                                     <p:cond delay="0"/>
                                   </p:stCondLst>
                                   <p:childTnLst>
                                     <p:set>
                                       <p:cBhvr>
-                                        <p:cTn id="49" dur="1" fill="hold">
+                                        <p:cTn id="51" dur="1" fill="hold">
                                           <p:stCondLst>
                                             <p:cond delay="0"/>
                                           </p:stCondLst>
@@ -11203,20 +12400,20 @@
                           </p:cTn>
                         </p:par>
                         <p:par>
-                          <p:cTn id="50" fill="hold">
+                          <p:cTn id="52" fill="hold">
                             <p:stCondLst>
                               <p:cond delay="0"/>
                             </p:stCondLst>
                             <p:childTnLst>
                               <p:par>
-                                <p:cTn id="51" presetID="1" presetClass="entr" presetSubtype="0" fill="hold" grpId="0" nodeType="afterEffect">
+                                <p:cTn id="53" presetID="1" presetClass="entr" presetSubtype="0" fill="hold" grpId="0" nodeType="afterEffect">
                                   <p:stCondLst>
-                                    <p:cond delay="1000"/>
+                                    <p:cond delay="300"/>
                                   </p:stCondLst>
                                   <p:childTnLst>
                                     <p:set>
                                       <p:cBhvr>
-                                        <p:cTn id="52" dur="1" fill="hold">
+                                        <p:cTn id="54" dur="1" fill="hold">
                                           <p:stCondLst>
                                             <p:cond delay="0"/>
                                           </p:stCondLst>
@@ -11242,26 +12439,26 @@
                     </p:cTn>
                   </p:par>
                   <p:par>
-                    <p:cTn id="53" fill="hold">
+                    <p:cTn id="55" fill="hold">
                       <p:stCondLst>
                         <p:cond delay="indefinite"/>
                       </p:stCondLst>
                       <p:childTnLst>
                         <p:par>
-                          <p:cTn id="54" fill="hold">
+                          <p:cTn id="56" fill="hold">
                             <p:stCondLst>
                               <p:cond delay="0"/>
                             </p:stCondLst>
                             <p:childTnLst>
                               <p:par>
-                                <p:cTn id="55" presetID="1" presetClass="exit" presetSubtype="0" fill="hold" grpId="1" nodeType="clickEffect">
+                                <p:cTn id="57" presetID="1" presetClass="exit" presetSubtype="0" fill="hold" grpId="1" nodeType="clickEffect">
                                   <p:stCondLst>
                                     <p:cond delay="0"/>
                                   </p:stCondLst>
                                   <p:childTnLst>
                                     <p:set>
                                       <p:cBhvr>
-                                        <p:cTn id="56" dur="1" fill="hold">
+                                        <p:cTn id="58" dur="1" fill="hold">
                                           <p:stCondLst>
                                             <p:cond delay="0"/>
                                           </p:stCondLst>
@@ -11284,20 +12481,20 @@
                           </p:cTn>
                         </p:par>
                         <p:par>
-                          <p:cTn id="57" fill="hold">
+                          <p:cTn id="59" fill="hold">
                             <p:stCondLst>
                               <p:cond delay="0"/>
                             </p:stCondLst>
                             <p:childTnLst>
                               <p:par>
-                                <p:cTn id="58" presetID="1" presetClass="entr" presetSubtype="0" fill="hold" grpId="0" nodeType="afterEffect">
+                                <p:cTn id="60" presetID="1" presetClass="entr" presetSubtype="0" fill="hold" grpId="0" nodeType="afterEffect">
                                   <p:stCondLst>
-                                    <p:cond delay="1000"/>
+                                    <p:cond delay="2000"/>
                                   </p:stCondLst>
                                   <p:childTnLst>
                                     <p:set>
                                       <p:cBhvr>
-                                        <p:cTn id="59" dur="1" fill="hold">
+                                        <p:cTn id="61" dur="1" fill="hold">
                                           <p:stCondLst>
                                             <p:cond delay="0"/>
                                           </p:stCondLst>
@@ -11323,26 +12520,26 @@
                     </p:cTn>
                   </p:par>
                   <p:par>
-                    <p:cTn id="60" fill="hold">
+                    <p:cTn id="62" fill="hold">
                       <p:stCondLst>
                         <p:cond delay="indefinite"/>
                       </p:stCondLst>
                       <p:childTnLst>
                         <p:par>
-                          <p:cTn id="61" fill="hold">
+                          <p:cTn id="63" fill="hold">
                             <p:stCondLst>
                               <p:cond delay="0"/>
                             </p:stCondLst>
                             <p:childTnLst>
                               <p:par>
-                                <p:cTn id="62" presetID="1" presetClass="exit" presetSubtype="0" fill="hold" grpId="1" nodeType="clickEffect">
+                                <p:cTn id="64" presetID="1" presetClass="exit" presetSubtype="0" fill="hold" grpId="1" nodeType="clickEffect">
                                   <p:stCondLst>
                                     <p:cond delay="0"/>
                                   </p:stCondLst>
                                   <p:childTnLst>
                                     <p:set>
                                       <p:cBhvr>
-                                        <p:cTn id="63" dur="1" fill="hold">
+                                        <p:cTn id="65" dur="1" fill="hold">
                                           <p:stCondLst>
                                             <p:cond delay="0"/>
                                           </p:stCondLst>
@@ -11365,20 +12562,20 @@
                           </p:cTn>
                         </p:par>
                         <p:par>
-                          <p:cTn id="64" fill="hold">
+                          <p:cTn id="66" fill="hold">
                             <p:stCondLst>
                               <p:cond delay="0"/>
                             </p:stCondLst>
                             <p:childTnLst>
                               <p:par>
-                                <p:cTn id="65" presetID="1" presetClass="entr" presetSubtype="0" fill="hold" grpId="0" nodeType="afterEffect">
+                                <p:cTn id="67" presetID="1" presetClass="entr" presetSubtype="0" fill="hold" grpId="0" nodeType="afterEffect">
                                   <p:stCondLst>
-                                    <p:cond delay="1000"/>
+                                    <p:cond delay="2000"/>
                                   </p:stCondLst>
                                   <p:childTnLst>
                                     <p:set>
                                       <p:cBhvr>
-                                        <p:cTn id="66" dur="1" fill="hold">
+                                        <p:cTn id="68" dur="1" fill="hold">
                                           <p:stCondLst>
                                             <p:cond delay="0"/>
                                           </p:stCondLst>
@@ -11397,15 +12594,24 @@
                                   </p:childTnLst>
                                 </p:cTn>
                               </p:par>
+                            </p:childTnLst>
+                          </p:cTn>
+                        </p:par>
+                        <p:par>
+                          <p:cTn id="69" fill="hold">
+                            <p:stCondLst>
+                              <p:cond delay="2000"/>
+                            </p:stCondLst>
+                            <p:childTnLst>
                               <p:par>
-                                <p:cTn id="67" presetID="1" presetClass="entr" presetSubtype="0" fill="hold" nodeType="withEffect">
+                                <p:cTn id="70" presetID="1" presetClass="entr" presetSubtype="0" fill="hold" nodeType="afterEffect">
                                   <p:stCondLst>
-                                    <p:cond delay="1000"/>
+                                    <p:cond delay="0"/>
                                   </p:stCondLst>
                                   <p:childTnLst>
                                     <p:set>
                                       <p:cBhvr>
-                                        <p:cTn id="68" dur="1" fill="hold">
+                                        <p:cTn id="71" dur="1" fill="hold">
                                           <p:stCondLst>
                                             <p:cond delay="0"/>
                                           </p:stCondLst>
@@ -11431,26 +12637,26 @@
                     </p:cTn>
                   </p:par>
                   <p:par>
-                    <p:cTn id="69" fill="hold">
+                    <p:cTn id="72" fill="hold">
                       <p:stCondLst>
                         <p:cond delay="indefinite"/>
                       </p:stCondLst>
                       <p:childTnLst>
                         <p:par>
-                          <p:cTn id="70" fill="hold">
+                          <p:cTn id="73" fill="hold">
                             <p:stCondLst>
                               <p:cond delay="0"/>
                             </p:stCondLst>
                             <p:childTnLst>
                               <p:par>
-                                <p:cTn id="71" presetID="1" presetClass="exit" presetSubtype="0" fill="hold" grpId="1" nodeType="clickEffect">
+                                <p:cTn id="74" presetID="1" presetClass="exit" presetSubtype="0" fill="hold" grpId="1" nodeType="clickEffect">
                                   <p:stCondLst>
                                     <p:cond delay="0"/>
                                   </p:stCondLst>
                                   <p:childTnLst>
                                     <p:set>
                                       <p:cBhvr>
-                                        <p:cTn id="72" dur="1" fill="hold">
+                                        <p:cTn id="75" dur="1" fill="hold">
                                           <p:stCondLst>
                                             <p:cond delay="0"/>
                                           </p:stCondLst>
@@ -11473,20 +12679,20 @@
                           </p:cTn>
                         </p:par>
                         <p:par>
-                          <p:cTn id="73" fill="hold">
+                          <p:cTn id="76" fill="hold">
                             <p:stCondLst>
                               <p:cond delay="0"/>
                             </p:stCondLst>
                             <p:childTnLst>
                               <p:par>
-                                <p:cTn id="74" presetID="1" presetClass="entr" presetSubtype="0" fill="hold" grpId="0" nodeType="afterEffect">
+                                <p:cTn id="77" presetID="1" presetClass="entr" presetSubtype="0" fill="hold" grpId="0" nodeType="afterEffect">
                                   <p:stCondLst>
-                                    <p:cond delay="1000"/>
+                                    <p:cond delay="2000"/>
                                   </p:stCondLst>
                                   <p:childTnLst>
                                     <p:set>
                                       <p:cBhvr>
-                                        <p:cTn id="75" dur="1" fill="hold">
+                                        <p:cTn id="78" dur="1" fill="hold">
                                           <p:stCondLst>
                                             <p:cond delay="0"/>
                                           </p:stCondLst>
@@ -11505,15 +12711,24 @@
                                   </p:childTnLst>
                                 </p:cTn>
                               </p:par>
+                            </p:childTnLst>
+                          </p:cTn>
+                        </p:par>
+                        <p:par>
+                          <p:cTn id="79" fill="hold">
+                            <p:stCondLst>
+                              <p:cond delay="2000"/>
+                            </p:stCondLst>
+                            <p:childTnLst>
                               <p:par>
-                                <p:cTn id="76" presetID="1" presetClass="entr" presetSubtype="0" fill="hold" nodeType="withEffect">
+                                <p:cTn id="80" presetID="1" presetClass="entr" presetSubtype="0" fill="hold" nodeType="afterEffect">
                                   <p:stCondLst>
-                                    <p:cond delay="1000"/>
+                                    <p:cond delay="0"/>
                                   </p:stCondLst>
                                   <p:childTnLst>
                                     <p:set>
                                       <p:cBhvr>
-                                        <p:cTn id="77" dur="1" fill="hold">
+                                        <p:cTn id="81" dur="1" fill="hold">
                                           <p:stCondLst>
                                             <p:cond delay="0"/>
                                           </p:stCondLst>
@@ -11539,26 +12754,26 @@
                     </p:cTn>
                   </p:par>
                   <p:par>
-                    <p:cTn id="78" fill="hold">
+                    <p:cTn id="82" fill="hold">
                       <p:stCondLst>
                         <p:cond delay="indefinite"/>
                       </p:stCondLst>
                       <p:childTnLst>
                         <p:par>
-                          <p:cTn id="79" fill="hold">
+                          <p:cTn id="83" fill="hold">
                             <p:stCondLst>
                               <p:cond delay="0"/>
                             </p:stCondLst>
                             <p:childTnLst>
                               <p:par>
-                                <p:cTn id="80" presetID="1" presetClass="exit" presetSubtype="0" fill="hold" grpId="1" nodeType="clickEffect">
+                                <p:cTn id="84" presetID="1" presetClass="exit" presetSubtype="0" fill="hold" grpId="1" nodeType="clickEffect">
                                   <p:stCondLst>
                                     <p:cond delay="0"/>
                                   </p:stCondLst>
                                   <p:childTnLst>
                                     <p:set>
                                       <p:cBhvr>
-                                        <p:cTn id="81" dur="1" fill="hold">
+                                        <p:cTn id="85" dur="1" fill="hold">
                                           <p:stCondLst>
                                             <p:cond delay="0"/>
                                           </p:stCondLst>
@@ -11581,20 +12796,20 @@
                           </p:cTn>
                         </p:par>
                         <p:par>
-                          <p:cTn id="82" fill="hold">
+                          <p:cTn id="86" fill="hold">
                             <p:stCondLst>
                               <p:cond delay="0"/>
                             </p:stCondLst>
                             <p:childTnLst>
                               <p:par>
-                                <p:cTn id="83" presetID="1" presetClass="entr" presetSubtype="0" fill="hold" grpId="0" nodeType="afterEffect">
+                                <p:cTn id="87" presetID="1" presetClass="entr" presetSubtype="0" fill="hold" grpId="0" nodeType="afterEffect">
                                   <p:stCondLst>
-                                    <p:cond delay="1000"/>
+                                    <p:cond delay="2000"/>
                                   </p:stCondLst>
                                   <p:childTnLst>
                                     <p:set>
                                       <p:cBhvr>
-                                        <p:cTn id="84" dur="1" fill="hold">
+                                        <p:cTn id="88" dur="1" fill="hold">
                                           <p:stCondLst>
                                             <p:cond delay="0"/>
                                           </p:stCondLst>
@@ -11620,26 +12835,26 @@
                     </p:cTn>
                   </p:par>
                   <p:par>
-                    <p:cTn id="85" fill="hold">
+                    <p:cTn id="89" fill="hold">
                       <p:stCondLst>
                         <p:cond delay="indefinite"/>
                       </p:stCondLst>
                       <p:childTnLst>
                         <p:par>
-                          <p:cTn id="86" fill="hold">
+                          <p:cTn id="90" fill="hold">
                             <p:stCondLst>
                               <p:cond delay="0"/>
                             </p:stCondLst>
                             <p:childTnLst>
                               <p:par>
-                                <p:cTn id="87" presetID="1" presetClass="exit" presetSubtype="0" fill="hold" grpId="1" nodeType="clickEffect">
+                                <p:cTn id="91" presetID="1" presetClass="exit" presetSubtype="0" fill="hold" grpId="1" nodeType="clickEffect">
                                   <p:stCondLst>
                                     <p:cond delay="0"/>
                                   </p:stCondLst>
                                   <p:childTnLst>
                                     <p:set>
                                       <p:cBhvr>
-                                        <p:cTn id="88" dur="1" fill="hold">
+                                        <p:cTn id="92" dur="1" fill="hold">
                                           <p:stCondLst>
                                             <p:cond delay="0"/>
                                           </p:stCondLst>
@@ -11662,60 +12877,15 @@
                           </p:cTn>
                         </p:par>
                         <p:par>
-                          <p:cTn id="89" fill="hold">
-                            <p:stCondLst>
-                              <p:cond delay="0"/>
-                            </p:stCondLst>
-                            <p:childTnLst>
-                              <p:par>
-                                <p:cTn id="90" presetID="1" presetClass="entr" presetSubtype="0" fill="hold" grpId="0" nodeType="afterEffect">
-                                  <p:stCondLst>
-                                    <p:cond delay="1000"/>
-                                  </p:stCondLst>
-                                  <p:childTnLst>
-                                    <p:set>
-                                      <p:cBhvr>
-                                        <p:cTn id="91" dur="1" fill="hold">
-                                          <p:stCondLst>
-                                            <p:cond delay="0"/>
-                                          </p:stCondLst>
-                                        </p:cTn>
-                                        <p:tgtEl>
-                                          <p:spTgt spid="45"/>
-                                        </p:tgtEl>
-                                        <p:attrNameLst>
-                                          <p:attrName>style.visibility</p:attrName>
-                                        </p:attrNameLst>
-                                      </p:cBhvr>
-                                      <p:to>
-                                        <p:strVal val="visible"/>
-                                      </p:to>
-                                    </p:set>
-                                  </p:childTnLst>
-                                </p:cTn>
-                              </p:par>
-                            </p:childTnLst>
-                          </p:cTn>
-                        </p:par>
-                      </p:childTnLst>
-                    </p:cTn>
-                  </p:par>
-                  <p:par>
-                    <p:cTn id="92" fill="hold">
-                      <p:stCondLst>
-                        <p:cond delay="indefinite"/>
-                      </p:stCondLst>
-                      <p:childTnLst>
-                        <p:par>
                           <p:cTn id="93" fill="hold">
                             <p:stCondLst>
                               <p:cond delay="0"/>
                             </p:stCondLst>
                             <p:childTnLst>
                               <p:par>
-                                <p:cTn id="94" presetID="1" presetClass="exit" presetSubtype="0" fill="hold" grpId="1" nodeType="clickEffect">
+                                <p:cTn id="94" presetID="1" presetClass="entr" presetSubtype="0" fill="hold" grpId="0" nodeType="afterEffect">
                                   <p:stCondLst>
-                                    <p:cond delay="0"/>
+                                    <p:cond delay="300"/>
                                   </p:stCondLst>
                                   <p:childTnLst>
                                     <p:set>
@@ -11733,7 +12903,7 @@
                                         </p:attrNameLst>
                                       </p:cBhvr>
                                       <p:to>
-                                        <p:strVal val="hidden"/>
+                                        <p:strVal val="visible"/>
                                       </p:to>
                                     </p:set>
                                   </p:childTnLst>
@@ -11790,7 +12960,6 @@
       <p:bldP spid="44" grpId="0"/>
       <p:bldP spid="44" grpId="1"/>
       <p:bldP spid="45" grpId="0"/>
-      <p:bldP spid="45" grpId="1"/>
     </p:bldLst>
   </p:timing>
 </p:sld>
@@ -12468,75 +13637,6 @@
                 <a:latin typeface="Fira Sans Condensed"/>
               </a:rPr>
               <a:t>Compiling is a process in many programming languages that takes the human-readable code and translates it into computer-readable code.</a:t>
-            </a:r>
-            <a:endParaRPr lang="en-US" sz="2400" strike="noStrike" spc="-1" dirty="0">
-              <a:solidFill>
-                <a:schemeClr val="bg1"/>
-              </a:solidFill>
-              <a:uFill>
-                <a:solidFill>
-                  <a:srgbClr val="FFFFFF"/>
-                </a:solidFill>
-              </a:uFill>
-              <a:latin typeface="Fira Sans Condensed"/>
-            </a:endParaRPr>
-          </a:p>
-        </p:txBody>
-      </p:sp>
-      <p:sp>
-        <p:nvSpPr>
-          <p:cNvPr id="11" name="CustomShape 4">
-            <a:extLst>
-              <a:ext uri="{FF2B5EF4-FFF2-40B4-BE49-F238E27FC236}">
-                <a16:creationId xmlns:a16="http://schemas.microsoft.com/office/drawing/2014/main" id="{6FCB42E7-9A4B-4E3E-96C8-1F5A727F87A8}"/>
-              </a:ext>
-            </a:extLst>
-          </p:cNvPr>
-          <p:cNvSpPr/>
-          <p:nvPr/>
-        </p:nvSpPr>
-        <p:spPr>
-          <a:xfrm>
-            <a:off x="0" y="3831336"/>
-            <a:ext cx="9143640" cy="1301040"/>
-          </a:xfrm>
-          <a:prstGeom prst="rect">
-            <a:avLst/>
-          </a:prstGeom>
-          <a:noFill/>
-          <a:ln>
-            <a:noFill/>
-          </a:ln>
-        </p:spPr>
-        <p:style>
-          <a:lnRef idx="0">
-            <a:scrgbClr r="0" g="0" b="0"/>
-          </a:lnRef>
-          <a:fillRef idx="0">
-            <a:scrgbClr r="0" g="0" b="0"/>
-          </a:fillRef>
-          <a:effectRef idx="0">
-            <a:scrgbClr r="0" g="0" b="0"/>
-          </a:effectRef>
-          <a:fontRef idx="minor"/>
-        </p:style>
-        <p:txBody>
-          <a:bodyPr tIns="91440" bIns="91440"/>
-          <a:lstStyle/>
-          <a:p>
-            <a:pPr>
-              <a:lnSpc>
-                <a:spcPct val="115000"/>
-              </a:lnSpc>
-            </a:pPr>
-            <a:r>
-              <a:rPr lang="en-US" sz="2400" dirty="0">
-                <a:solidFill>
-                  <a:schemeClr val="bg1"/>
-                </a:solidFill>
-                <a:latin typeface="Fira Sans Condensed"/>
-              </a:rPr>
-              <a:t>C++ needs to be compiled, but there is a group of programming languages called scripting languages that do not need to be compiled.</a:t>
             </a:r>
             <a:endParaRPr lang="en-US" sz="2400" strike="noStrike" spc="-1" dirty="0">
               <a:solidFill>
@@ -12937,7 +14037,7 @@
                               <p:par>
                                 <p:cTn id="12" presetID="1" presetClass="entr" presetSubtype="0" fill="hold" grpId="0" nodeType="afterEffect">
                                   <p:stCondLst>
-                                    <p:cond delay="1000"/>
+                                    <p:cond delay="300"/>
                                   </p:stCondLst>
                                   <p:childTnLst>
                                     <p:set>
@@ -13018,7 +14118,7 @@
                               <p:par>
                                 <p:cTn id="19" presetID="1" presetClass="entr" presetSubtype="0" fill="hold" grpId="0" nodeType="afterEffect">
                                   <p:stCondLst>
-                                    <p:cond delay="1000"/>
+                                    <p:cond delay="300"/>
                                   </p:stCondLst>
                                   <p:childTnLst>
                                     <p:set>
@@ -13099,7 +14199,7 @@
                               <p:par>
                                 <p:cTn id="26" presetID="1" presetClass="entr" presetSubtype="0" fill="hold" grpId="0" nodeType="afterEffect">
                                   <p:stCondLst>
-                                    <p:cond delay="1000"/>
+                                    <p:cond delay="2000"/>
                                   </p:stCondLst>
                                   <p:childTnLst>
                                     <p:set>
@@ -13180,7 +14280,7 @@
                               <p:par>
                                 <p:cTn id="33" presetID="1" presetClass="entr" presetSubtype="0" fill="hold" grpId="0" nodeType="afterEffect">
                                   <p:stCondLst>
-                                    <p:cond delay="1000"/>
+                                    <p:cond delay="2000"/>
                                   </p:stCondLst>
                                   <p:childTnLst>
                                     <p:set>
@@ -13261,7 +14361,7 @@
                               <p:par>
                                 <p:cTn id="40" presetID="1" presetClass="entr" presetSubtype="0" fill="hold" grpId="0" nodeType="afterEffect">
                                   <p:stCondLst>
-                                    <p:cond delay="1000"/>
+                                    <p:cond delay="2000"/>
                                   </p:stCondLst>
                                   <p:childTnLst>
                                     <p:set>
@@ -13285,15 +14385,24 @@
                                   </p:childTnLst>
                                 </p:cTn>
                               </p:par>
+                            </p:childTnLst>
+                          </p:cTn>
+                        </p:par>
+                        <p:par>
+                          <p:cTn id="42" fill="hold">
+                            <p:stCondLst>
+                              <p:cond delay="2000"/>
+                            </p:stCondLst>
+                            <p:childTnLst>
                               <p:par>
-                                <p:cTn id="42" presetID="1" presetClass="entr" presetSubtype="0" fill="hold" grpId="0" nodeType="withEffect">
+                                <p:cTn id="43" presetID="1" presetClass="entr" presetSubtype="0" fill="hold" grpId="0" nodeType="afterEffect">
                                   <p:stCondLst>
-                                    <p:cond delay="1000"/>
+                                    <p:cond delay="0"/>
                                   </p:stCondLst>
                                   <p:childTnLst>
                                     <p:set>
                                       <p:cBhvr>
-                                        <p:cTn id="43" dur="1" fill="hold">
+                                        <p:cTn id="44" dur="1" fill="hold">
                                           <p:stCondLst>
                                             <p:cond delay="0"/>
                                           </p:stCondLst>
@@ -13323,26 +14432,26 @@
                     </p:cTn>
                   </p:par>
                   <p:par>
-                    <p:cTn id="44" fill="hold">
+                    <p:cTn id="45" fill="hold">
                       <p:stCondLst>
                         <p:cond delay="indefinite"/>
                       </p:stCondLst>
                       <p:childTnLst>
                         <p:par>
-                          <p:cTn id="45" fill="hold">
+                          <p:cTn id="46" fill="hold">
                             <p:stCondLst>
                               <p:cond delay="0"/>
                             </p:stCondLst>
                             <p:childTnLst>
                               <p:par>
-                                <p:cTn id="46" presetID="1" presetClass="exit" presetSubtype="0" fill="hold" grpId="1" nodeType="clickEffect">
+                                <p:cTn id="47" presetID="1" presetClass="exit" presetSubtype="0" fill="hold" grpId="1" nodeType="clickEffect">
                                   <p:stCondLst>
                                     <p:cond delay="0"/>
                                   </p:stCondLst>
                                   <p:childTnLst>
                                     <p:set>
                                       <p:cBhvr>
-                                        <p:cTn id="47" dur="1" fill="hold">
+                                        <p:cTn id="48" dur="1" fill="hold">
                                           <p:stCondLst>
                                             <p:cond delay="0"/>
                                           </p:stCondLst>
@@ -13365,20 +14474,20 @@
                           </p:cTn>
                         </p:par>
                         <p:par>
-                          <p:cTn id="48" fill="hold">
+                          <p:cTn id="49" fill="hold">
                             <p:stCondLst>
                               <p:cond delay="0"/>
                             </p:stCondLst>
                             <p:childTnLst>
                               <p:par>
-                                <p:cTn id="49" presetID="1" presetClass="entr" presetSubtype="0" fill="hold" grpId="0" nodeType="afterEffect">
+                                <p:cTn id="50" presetID="1" presetClass="entr" presetSubtype="0" fill="hold" grpId="0" nodeType="afterEffect">
                                   <p:stCondLst>
-                                    <p:cond delay="1000"/>
+                                    <p:cond delay="300"/>
                                   </p:stCondLst>
                                   <p:childTnLst>
                                     <p:set>
                                       <p:cBhvr>
-                                        <p:cTn id="50" dur="1" fill="hold">
+                                        <p:cTn id="51" dur="1" fill="hold">
                                           <p:stCondLst>
                                             <p:cond delay="0"/>
                                           </p:stCondLst>
@@ -13404,26 +14513,26 @@
                     </p:cTn>
                   </p:par>
                   <p:par>
-                    <p:cTn id="51" fill="hold">
+                    <p:cTn id="52" fill="hold">
                       <p:stCondLst>
                         <p:cond delay="indefinite"/>
                       </p:stCondLst>
                       <p:childTnLst>
                         <p:par>
-                          <p:cTn id="52" fill="hold">
+                          <p:cTn id="53" fill="hold">
                             <p:stCondLst>
                               <p:cond delay="0"/>
                             </p:stCondLst>
                             <p:childTnLst>
                               <p:par>
-                                <p:cTn id="53" presetID="1" presetClass="exit" presetSubtype="0" fill="hold" grpId="1" nodeType="clickEffect">
+                                <p:cTn id="54" presetID="1" presetClass="exit" presetSubtype="0" fill="hold" grpId="1" nodeType="clickEffect">
                                   <p:stCondLst>
                                     <p:cond delay="0"/>
                                   </p:stCondLst>
                                   <p:childTnLst>
                                     <p:set>
                                       <p:cBhvr>
-                                        <p:cTn id="54" dur="1" fill="hold">
+                                        <p:cTn id="55" dur="1" fill="hold">
                                           <p:stCondLst>
                                             <p:cond delay="0"/>
                                           </p:stCondLst>
@@ -13446,101 +14555,20 @@
                           </p:cTn>
                         </p:par>
                         <p:par>
-                          <p:cTn id="55" fill="hold">
+                          <p:cTn id="56" fill="hold">
                             <p:stCondLst>
                               <p:cond delay="0"/>
                             </p:stCondLst>
                             <p:childTnLst>
                               <p:par>
-                                <p:cTn id="56" presetID="1" presetClass="entr" presetSubtype="0" fill="hold" grpId="0" nodeType="afterEffect">
+                                <p:cTn id="57" presetID="1" presetClass="entr" presetSubtype="0" fill="hold" grpId="0" nodeType="afterEffect">
                                   <p:stCondLst>
-                                    <p:cond delay="1000"/>
+                                    <p:cond delay="2000"/>
                                   </p:stCondLst>
                                   <p:childTnLst>
                                     <p:set>
                                       <p:cBhvr>
-                                        <p:cTn id="57" dur="1" fill="hold">
-                                          <p:stCondLst>
-                                            <p:cond delay="0"/>
-                                          </p:stCondLst>
-                                        </p:cTn>
-                                        <p:tgtEl>
-                                          <p:spTgt spid="11"/>
-                                        </p:tgtEl>
-                                        <p:attrNameLst>
-                                          <p:attrName>style.visibility</p:attrName>
-                                        </p:attrNameLst>
-                                      </p:cBhvr>
-                                      <p:to>
-                                        <p:strVal val="visible"/>
-                                      </p:to>
-                                    </p:set>
-                                  </p:childTnLst>
-                                </p:cTn>
-                              </p:par>
-                            </p:childTnLst>
-                          </p:cTn>
-                        </p:par>
-                      </p:childTnLst>
-                    </p:cTn>
-                  </p:par>
-                  <p:par>
-                    <p:cTn id="58" fill="hold">
-                      <p:stCondLst>
-                        <p:cond delay="indefinite"/>
-                      </p:stCondLst>
-                      <p:childTnLst>
-                        <p:par>
-                          <p:cTn id="59" fill="hold">
-                            <p:stCondLst>
-                              <p:cond delay="0"/>
-                            </p:stCondLst>
-                            <p:childTnLst>
-                              <p:par>
-                                <p:cTn id="60" presetID="1" presetClass="exit" presetSubtype="0" fill="hold" grpId="1" nodeType="clickEffect">
-                                  <p:stCondLst>
-                                    <p:cond delay="0"/>
-                                  </p:stCondLst>
-                                  <p:childTnLst>
-                                    <p:set>
-                                      <p:cBhvr>
-                                        <p:cTn id="61" dur="1" fill="hold">
-                                          <p:stCondLst>
-                                            <p:cond delay="0"/>
-                                          </p:stCondLst>
-                                        </p:cTn>
-                                        <p:tgtEl>
-                                          <p:spTgt spid="11"/>
-                                        </p:tgtEl>
-                                        <p:attrNameLst>
-                                          <p:attrName>style.visibility</p:attrName>
-                                        </p:attrNameLst>
-                                      </p:cBhvr>
-                                      <p:to>
-                                        <p:strVal val="hidden"/>
-                                      </p:to>
-                                    </p:set>
-                                  </p:childTnLst>
-                                </p:cTn>
-                              </p:par>
-                            </p:childTnLst>
-                          </p:cTn>
-                        </p:par>
-                        <p:par>
-                          <p:cTn id="62" fill="hold">
-                            <p:stCondLst>
-                              <p:cond delay="0"/>
-                            </p:stCondLst>
-                            <p:childTnLst>
-                              <p:par>
-                                <p:cTn id="63" presetID="1" presetClass="entr" presetSubtype="0" fill="hold" grpId="0" nodeType="afterEffect">
-                                  <p:stCondLst>
-                                    <p:cond delay="1000"/>
-                                  </p:stCondLst>
-                                  <p:childTnLst>
-                                    <p:set>
-                                      <p:cBhvr>
-                                        <p:cTn id="64" dur="1" fill="hold">
+                                        <p:cTn id="58" dur="1" fill="hold">
                                           <p:stCondLst>
                                             <p:cond delay="0"/>
                                           </p:stCondLst>
@@ -13559,15 +14587,24 @@
                                   </p:childTnLst>
                                 </p:cTn>
                               </p:par>
+                            </p:childTnLst>
+                          </p:cTn>
+                        </p:par>
+                        <p:par>
+                          <p:cTn id="59" fill="hold">
+                            <p:stCondLst>
+                              <p:cond delay="2000"/>
+                            </p:stCondLst>
+                            <p:childTnLst>
                               <p:par>
-                                <p:cTn id="65" presetID="1" presetClass="entr" presetSubtype="0" fill="hold" grpId="0" nodeType="withEffect">
+                                <p:cTn id="60" presetID="1" presetClass="entr" presetSubtype="0" fill="hold" grpId="0" nodeType="afterEffect">
                                   <p:stCondLst>
-                                    <p:cond delay="1000"/>
+                                    <p:cond delay="0"/>
                                   </p:stCondLst>
                                   <p:childTnLst>
                                     <p:set>
                                       <p:cBhvr>
-                                        <p:cTn id="66" dur="1" fill="hold">
+                                        <p:cTn id="61" dur="1" fill="hold">
                                           <p:stCondLst>
                                             <p:cond delay="0"/>
                                           </p:stCondLst>
@@ -13597,26 +14634,26 @@
                     </p:cTn>
                   </p:par>
                   <p:par>
-                    <p:cTn id="67" fill="hold">
+                    <p:cTn id="62" fill="hold">
                       <p:stCondLst>
                         <p:cond delay="indefinite"/>
                       </p:stCondLst>
                       <p:childTnLst>
                         <p:par>
-                          <p:cTn id="68" fill="hold">
+                          <p:cTn id="63" fill="hold">
                             <p:stCondLst>
                               <p:cond delay="0"/>
                             </p:stCondLst>
                             <p:childTnLst>
                               <p:par>
-                                <p:cTn id="69" presetID="1" presetClass="exit" presetSubtype="0" fill="hold" grpId="1" nodeType="clickEffect">
+                                <p:cTn id="64" presetID="1" presetClass="exit" presetSubtype="0" fill="hold" grpId="1" nodeType="clickEffect">
                                   <p:stCondLst>
                                     <p:cond delay="0"/>
                                   </p:stCondLst>
                                   <p:childTnLst>
                                     <p:set>
                                       <p:cBhvr>
-                                        <p:cTn id="70" dur="1" fill="hold">
+                                        <p:cTn id="65" dur="1" fill="hold">
                                           <p:stCondLst>
                                             <p:cond delay="0"/>
                                           </p:stCondLst>
@@ -13639,20 +14676,20 @@
                           </p:cTn>
                         </p:par>
                         <p:par>
-                          <p:cTn id="71" fill="hold">
+                          <p:cTn id="66" fill="hold">
                             <p:stCondLst>
                               <p:cond delay="0"/>
                             </p:stCondLst>
                             <p:childTnLst>
                               <p:par>
-                                <p:cTn id="72" presetID="1" presetClass="entr" presetSubtype="0" fill="hold" grpId="0" nodeType="afterEffect">
+                                <p:cTn id="67" presetID="1" presetClass="entr" presetSubtype="0" fill="hold" grpId="0" nodeType="afterEffect">
                                   <p:stCondLst>
-                                    <p:cond delay="1000"/>
+                                    <p:cond delay="300"/>
                                   </p:stCondLst>
                                   <p:childTnLst>
                                     <p:set>
                                       <p:cBhvr>
-                                        <p:cTn id="73" dur="1" fill="hold">
+                                        <p:cTn id="68" dur="1" fill="hold">
                                           <p:stCondLst>
                                             <p:cond delay="0"/>
                                           </p:stCondLst>
@@ -13678,26 +14715,26 @@
                     </p:cTn>
                   </p:par>
                   <p:par>
-                    <p:cTn id="74" fill="hold">
+                    <p:cTn id="69" fill="hold">
                       <p:stCondLst>
                         <p:cond delay="indefinite"/>
                       </p:stCondLst>
                       <p:childTnLst>
                         <p:par>
-                          <p:cTn id="75" fill="hold">
+                          <p:cTn id="70" fill="hold">
                             <p:stCondLst>
                               <p:cond delay="0"/>
                             </p:stCondLst>
                             <p:childTnLst>
                               <p:par>
-                                <p:cTn id="76" presetID="1" presetClass="exit" presetSubtype="0" fill="hold" grpId="1" nodeType="clickEffect">
+                                <p:cTn id="71" presetID="1" presetClass="exit" presetSubtype="0" fill="hold" grpId="1" nodeType="clickEffect">
                                   <p:stCondLst>
                                     <p:cond delay="0"/>
                                   </p:stCondLst>
                                   <p:childTnLst>
                                     <p:set>
                                       <p:cBhvr>
-                                        <p:cTn id="77" dur="1" fill="hold">
+                                        <p:cTn id="72" dur="1" fill="hold">
                                           <p:stCondLst>
                                             <p:cond delay="0"/>
                                           </p:stCondLst>
@@ -13720,20 +14757,20 @@
                           </p:cTn>
                         </p:par>
                         <p:par>
-                          <p:cTn id="78" fill="hold">
+                          <p:cTn id="73" fill="hold">
                             <p:stCondLst>
                               <p:cond delay="0"/>
                             </p:stCondLst>
                             <p:childTnLst>
                               <p:par>
-                                <p:cTn id="79" presetID="1" presetClass="entr" presetSubtype="0" fill="hold" grpId="0" nodeType="afterEffect">
+                                <p:cTn id="74" presetID="1" presetClass="entr" presetSubtype="0" fill="hold" grpId="0" nodeType="afterEffect">
                                   <p:stCondLst>
-                                    <p:cond delay="1000"/>
+                                    <p:cond delay="2000"/>
                                   </p:stCondLst>
                                   <p:childTnLst>
                                     <p:set>
                                       <p:cBhvr>
-                                        <p:cTn id="80" dur="1" fill="hold">
+                                        <p:cTn id="75" dur="1" fill="hold">
                                           <p:stCondLst>
                                             <p:cond delay="0"/>
                                           </p:stCondLst>
@@ -13759,26 +14796,26 @@
                     </p:cTn>
                   </p:par>
                   <p:par>
-                    <p:cTn id="81" fill="hold">
+                    <p:cTn id="76" fill="hold">
                       <p:stCondLst>
                         <p:cond delay="indefinite"/>
                       </p:stCondLst>
                       <p:childTnLst>
                         <p:par>
-                          <p:cTn id="82" fill="hold">
+                          <p:cTn id="77" fill="hold">
                             <p:stCondLst>
                               <p:cond delay="0"/>
                             </p:stCondLst>
                             <p:childTnLst>
                               <p:par>
-                                <p:cTn id="83" presetID="1" presetClass="exit" presetSubtype="0" fill="hold" grpId="1" nodeType="clickEffect">
+                                <p:cTn id="78" presetID="1" presetClass="exit" presetSubtype="0" fill="hold" grpId="1" nodeType="clickEffect">
                                   <p:stCondLst>
                                     <p:cond delay="0"/>
                                   </p:stCondLst>
                                   <p:childTnLst>
                                     <p:set>
                                       <p:cBhvr>
-                                        <p:cTn id="84" dur="1" fill="hold">
+                                        <p:cTn id="79" dur="1" fill="hold">
                                           <p:stCondLst>
                                             <p:cond delay="0"/>
                                           </p:stCondLst>
@@ -13801,20 +14838,20 @@
                           </p:cTn>
                         </p:par>
                         <p:par>
-                          <p:cTn id="85" fill="hold">
+                          <p:cTn id="80" fill="hold">
                             <p:stCondLst>
                               <p:cond delay="0"/>
                             </p:stCondLst>
                             <p:childTnLst>
                               <p:par>
-                                <p:cTn id="86" presetID="1" presetClass="entr" presetSubtype="0" fill="hold" grpId="0" nodeType="afterEffect">
+                                <p:cTn id="81" presetID="1" presetClass="entr" presetSubtype="0" fill="hold" grpId="0" nodeType="afterEffect">
                                   <p:stCondLst>
-                                    <p:cond delay="1000"/>
+                                    <p:cond delay="300"/>
                                   </p:stCondLst>
                                   <p:childTnLst>
                                     <p:set>
                                       <p:cBhvr>
-                                        <p:cTn id="87" dur="1" fill="hold">
+                                        <p:cTn id="82" dur="1" fill="hold">
                                           <p:stCondLst>
                                             <p:cond delay="0"/>
                                           </p:stCondLst>
@@ -13876,8 +14913,6 @@
       <p:bldP spid="9" grpId="1"/>
       <p:bldP spid="10" grpId="0"/>
       <p:bldP spid="10" grpId="1"/>
-      <p:bldP spid="11" grpId="0"/>
-      <p:bldP spid="11" grpId="1"/>
       <p:bldP spid="12" grpId="0"/>
       <p:bldP spid="12" grpId="1"/>
       <p:bldP spid="13" grpId="0"/>
@@ -14038,75 +15073,6 @@
                 <a:latin typeface="Fira Sans Condensed"/>
               </a:rPr>
               <a:t>Testing or double-checking your work is an extremely important aspect of coding because you should always check if your code is doing what you want.</a:t>
-            </a:r>
-            <a:endParaRPr lang="en-US" sz="2400" strike="noStrike" spc="-1" dirty="0">
-              <a:solidFill>
-                <a:schemeClr val="bg1"/>
-              </a:solidFill>
-              <a:uFill>
-                <a:solidFill>
-                  <a:srgbClr val="FFFFFF"/>
-                </a:solidFill>
-              </a:uFill>
-              <a:latin typeface="Fira Sans Condensed"/>
-            </a:endParaRPr>
-          </a:p>
-        </p:txBody>
-      </p:sp>
-      <p:sp>
-        <p:nvSpPr>
-          <p:cNvPr id="24" name="CustomShape 4">
-            <a:extLst>
-              <a:ext uri="{FF2B5EF4-FFF2-40B4-BE49-F238E27FC236}">
-                <a16:creationId xmlns:a16="http://schemas.microsoft.com/office/drawing/2014/main" id="{DA769BCB-8C9A-41B0-A296-7D4C9B090C83}"/>
-              </a:ext>
-            </a:extLst>
-          </p:cNvPr>
-          <p:cNvSpPr/>
-          <p:nvPr/>
-        </p:nvSpPr>
-        <p:spPr>
-          <a:xfrm>
-            <a:off x="360" y="3831336"/>
-            <a:ext cx="9143640" cy="1301040"/>
-          </a:xfrm>
-          <a:prstGeom prst="rect">
-            <a:avLst/>
-          </a:prstGeom>
-          <a:noFill/>
-          <a:ln>
-            <a:noFill/>
-          </a:ln>
-        </p:spPr>
-        <p:style>
-          <a:lnRef idx="0">
-            <a:scrgbClr r="0" g="0" b="0"/>
-          </a:lnRef>
-          <a:fillRef idx="0">
-            <a:scrgbClr r="0" g="0" b="0"/>
-          </a:fillRef>
-          <a:effectRef idx="0">
-            <a:scrgbClr r="0" g="0" b="0"/>
-          </a:effectRef>
-          <a:fontRef idx="minor"/>
-        </p:style>
-        <p:txBody>
-          <a:bodyPr tIns="91440" bIns="91440"/>
-          <a:lstStyle/>
-          <a:p>
-            <a:pPr>
-              <a:lnSpc>
-                <a:spcPct val="115000"/>
-              </a:lnSpc>
-            </a:pPr>
-            <a:r>
-              <a:rPr lang="en-US" sz="2400" dirty="0">
-                <a:solidFill>
-                  <a:schemeClr val="bg1"/>
-                </a:solidFill>
-                <a:latin typeface="Fira Sans Condensed"/>
-              </a:rPr>
-              <a:t>Don't overlook this one.</a:t>
             </a:r>
             <a:endParaRPr lang="en-US" sz="2400" strike="noStrike" spc="-1" dirty="0">
               <a:solidFill>
@@ -15149,7 +16115,7 @@
                               <p:par>
                                 <p:cTn id="10" presetID="1" presetClass="entr" presetSubtype="0" fill="hold" grpId="0" nodeType="afterEffect">
                                   <p:stCondLst>
-                                    <p:cond delay="1000"/>
+                                    <p:cond delay="2000"/>
                                   </p:stCondLst>
                                   <p:childTnLst>
                                     <p:set>
@@ -15173,15 +16139,24 @@
                                   </p:childTnLst>
                                 </p:cTn>
                               </p:par>
+                            </p:childTnLst>
+                          </p:cTn>
+                        </p:par>
+                        <p:par>
+                          <p:cTn id="12" fill="hold">
+                            <p:stCondLst>
+                              <p:cond delay="2000"/>
+                            </p:stCondLst>
+                            <p:childTnLst>
                               <p:par>
-                                <p:cTn id="12" presetID="1" presetClass="entr" presetSubtype="0" fill="hold" grpId="0" nodeType="withEffect">
+                                <p:cTn id="13" presetID="1" presetClass="entr" presetSubtype="0" fill="hold" grpId="0" nodeType="afterEffect">
                                   <p:stCondLst>
-                                    <p:cond delay="1000"/>
+                                    <p:cond delay="0"/>
                                   </p:stCondLst>
                                   <p:childTnLst>
                                     <p:set>
                                       <p:cBhvr>
-                                        <p:cTn id="13" dur="1" fill="hold">
+                                        <p:cTn id="14" dur="1" fill="hold">
                                           <p:stCondLst>
                                             <p:cond delay="0"/>
                                           </p:stCondLst>
@@ -15211,26 +16186,26 @@
                     </p:cTn>
                   </p:par>
                   <p:par>
-                    <p:cTn id="14" fill="hold">
+                    <p:cTn id="15" fill="hold">
                       <p:stCondLst>
                         <p:cond delay="indefinite"/>
                       </p:stCondLst>
                       <p:childTnLst>
                         <p:par>
-                          <p:cTn id="15" fill="hold">
+                          <p:cTn id="16" fill="hold">
                             <p:stCondLst>
                               <p:cond delay="0"/>
                             </p:stCondLst>
                             <p:childTnLst>
                               <p:par>
-                                <p:cTn id="16" presetID="1" presetClass="exit" presetSubtype="0" fill="hold" grpId="1" nodeType="clickEffect">
+                                <p:cTn id="17" presetID="1" presetClass="exit" presetSubtype="0" fill="hold" grpId="1" nodeType="clickEffect">
                                   <p:stCondLst>
                                     <p:cond delay="0"/>
                                   </p:stCondLst>
                                   <p:childTnLst>
                                     <p:set>
                                       <p:cBhvr>
-                                        <p:cTn id="17" dur="1" fill="hold">
+                                        <p:cTn id="18" dur="1" fill="hold">
                                           <p:stCondLst>
                                             <p:cond delay="0"/>
                                           </p:stCondLst>
@@ -15253,20 +16228,20 @@
                           </p:cTn>
                         </p:par>
                         <p:par>
-                          <p:cTn id="18" fill="hold">
+                          <p:cTn id="19" fill="hold">
                             <p:stCondLst>
                               <p:cond delay="0"/>
                             </p:stCondLst>
                             <p:childTnLst>
                               <p:par>
-                                <p:cTn id="19" presetID="1" presetClass="entr" presetSubtype="0" fill="hold" grpId="0" nodeType="afterEffect">
+                                <p:cTn id="20" presetID="1" presetClass="entr" presetSubtype="0" fill="hold" grpId="0" nodeType="afterEffect">
                                   <p:stCondLst>
-                                    <p:cond delay="1000"/>
+                                    <p:cond delay="300"/>
                                   </p:stCondLst>
                                   <p:childTnLst>
                                     <p:set>
                                       <p:cBhvr>
-                                        <p:cTn id="20" dur="1" fill="hold">
+                                        <p:cTn id="21" dur="1" fill="hold">
                                           <p:stCondLst>
                                             <p:cond delay="0"/>
                                           </p:stCondLst>
@@ -15292,26 +16267,26 @@
                     </p:cTn>
                   </p:par>
                   <p:par>
-                    <p:cTn id="21" fill="hold">
+                    <p:cTn id="22" fill="hold">
                       <p:stCondLst>
                         <p:cond delay="indefinite"/>
                       </p:stCondLst>
                       <p:childTnLst>
                         <p:par>
-                          <p:cTn id="22" fill="hold">
+                          <p:cTn id="23" fill="hold">
                             <p:stCondLst>
                               <p:cond delay="0"/>
                             </p:stCondLst>
                             <p:childTnLst>
                               <p:par>
-                                <p:cTn id="23" presetID="1" presetClass="exit" presetSubtype="0" fill="hold" grpId="1" nodeType="clickEffect">
+                                <p:cTn id="24" presetID="1" presetClass="exit" presetSubtype="0" fill="hold" grpId="1" nodeType="clickEffect">
                                   <p:stCondLst>
                                     <p:cond delay="0"/>
                                   </p:stCondLst>
                                   <p:childTnLst>
                                     <p:set>
                                       <p:cBhvr>
-                                        <p:cTn id="24" dur="1" fill="hold">
+                                        <p:cTn id="25" dur="1" fill="hold">
                                           <p:stCondLst>
                                             <p:cond delay="0"/>
                                           </p:stCondLst>
@@ -15334,20 +16309,20 @@
                           </p:cTn>
                         </p:par>
                         <p:par>
-                          <p:cTn id="25" fill="hold">
+                          <p:cTn id="26" fill="hold">
                             <p:stCondLst>
                               <p:cond delay="0"/>
                             </p:stCondLst>
                             <p:childTnLst>
                               <p:par>
-                                <p:cTn id="26" presetID="1" presetClass="entr" presetSubtype="0" fill="hold" grpId="0" nodeType="afterEffect">
+                                <p:cTn id="27" presetID="1" presetClass="entr" presetSubtype="0" fill="hold" grpId="0" nodeType="afterEffect">
                                   <p:stCondLst>
-                                    <p:cond delay="1000"/>
+                                    <p:cond delay="2000"/>
                                   </p:stCondLst>
                                   <p:childTnLst>
                                     <p:set>
                                       <p:cBhvr>
-                                        <p:cTn id="27" dur="1" fill="hold">
+                                        <p:cTn id="28" dur="1" fill="hold">
                                           <p:stCondLst>
                                             <p:cond delay="0"/>
                                           </p:stCondLst>
@@ -15366,15 +16341,24 @@
                                   </p:childTnLst>
                                 </p:cTn>
                               </p:par>
+                            </p:childTnLst>
+                          </p:cTn>
+                        </p:par>
+                        <p:par>
+                          <p:cTn id="29" fill="hold">
+                            <p:stCondLst>
+                              <p:cond delay="2000"/>
+                            </p:stCondLst>
+                            <p:childTnLst>
                               <p:par>
-                                <p:cTn id="28" presetID="1" presetClass="entr" presetSubtype="0" fill="hold" grpId="0" nodeType="withEffect">
+                                <p:cTn id="30" presetID="1" presetClass="entr" presetSubtype="0" fill="hold" grpId="0" nodeType="afterEffect">
                                   <p:stCondLst>
-                                    <p:cond delay="1000"/>
+                                    <p:cond delay="0"/>
                                   </p:stCondLst>
                                   <p:childTnLst>
                                     <p:set>
                                       <p:cBhvr>
-                                        <p:cTn id="29" dur="1" fill="hold">
+                                        <p:cTn id="31" dur="1" fill="hold">
                                           <p:stCondLst>
                                             <p:cond delay="0"/>
                                           </p:stCondLst>
@@ -15404,26 +16388,26 @@
                     </p:cTn>
                   </p:par>
                   <p:par>
-                    <p:cTn id="30" fill="hold">
+                    <p:cTn id="32" fill="hold">
                       <p:stCondLst>
                         <p:cond delay="indefinite"/>
                       </p:stCondLst>
                       <p:childTnLst>
                         <p:par>
-                          <p:cTn id="31" fill="hold">
+                          <p:cTn id="33" fill="hold">
                             <p:stCondLst>
                               <p:cond delay="0"/>
                             </p:stCondLst>
                             <p:childTnLst>
                               <p:par>
-                                <p:cTn id="32" presetID="1" presetClass="exit" presetSubtype="0" fill="hold" grpId="1" nodeType="clickEffect">
+                                <p:cTn id="34" presetID="1" presetClass="exit" presetSubtype="0" fill="hold" grpId="1" nodeType="clickEffect">
                                   <p:stCondLst>
                                     <p:cond delay="0"/>
                                   </p:stCondLst>
                                   <p:childTnLst>
                                     <p:set>
                                       <p:cBhvr>
-                                        <p:cTn id="33" dur="1" fill="hold">
+                                        <p:cTn id="35" dur="1" fill="hold">
                                           <p:stCondLst>
                                             <p:cond delay="0"/>
                                           </p:stCondLst>
@@ -15446,20 +16430,20 @@
                           </p:cTn>
                         </p:par>
                         <p:par>
-                          <p:cTn id="34" fill="hold">
+                          <p:cTn id="36" fill="hold">
                             <p:stCondLst>
                               <p:cond delay="0"/>
                             </p:stCondLst>
                             <p:childTnLst>
                               <p:par>
-                                <p:cTn id="35" presetID="1" presetClass="entr" presetSubtype="0" fill="hold" grpId="0" nodeType="afterEffect">
+                                <p:cTn id="37" presetID="1" presetClass="entr" presetSubtype="0" fill="hold" grpId="0" nodeType="afterEffect">
                                   <p:stCondLst>
-                                    <p:cond delay="1000"/>
+                                    <p:cond delay="300"/>
                                   </p:stCondLst>
                                   <p:childTnLst>
                                     <p:set>
                                       <p:cBhvr>
-                                        <p:cTn id="36" dur="1" fill="hold">
+                                        <p:cTn id="38" dur="1" fill="hold">
                                           <p:stCondLst>
                                             <p:cond delay="0"/>
                                           </p:stCondLst>
@@ -15485,26 +16469,26 @@
                     </p:cTn>
                   </p:par>
                   <p:par>
-                    <p:cTn id="37" fill="hold">
+                    <p:cTn id="39" fill="hold">
                       <p:stCondLst>
                         <p:cond delay="indefinite"/>
                       </p:stCondLst>
                       <p:childTnLst>
                         <p:par>
-                          <p:cTn id="38" fill="hold">
+                          <p:cTn id="40" fill="hold">
                             <p:stCondLst>
                               <p:cond delay="0"/>
                             </p:stCondLst>
                             <p:childTnLst>
                               <p:par>
-                                <p:cTn id="39" presetID="1" presetClass="exit" presetSubtype="0" fill="hold" grpId="1" nodeType="clickEffect">
+                                <p:cTn id="41" presetID="1" presetClass="exit" presetSubtype="0" fill="hold" grpId="1" nodeType="clickEffect">
                                   <p:stCondLst>
                                     <p:cond delay="0"/>
                                   </p:stCondLst>
                                   <p:childTnLst>
                                     <p:set>
                                       <p:cBhvr>
-                                        <p:cTn id="40" dur="1" fill="hold">
+                                        <p:cTn id="42" dur="1" fill="hold">
                                           <p:stCondLst>
                                             <p:cond delay="0"/>
                                           </p:stCondLst>
@@ -15527,20 +16511,20 @@
                           </p:cTn>
                         </p:par>
                         <p:par>
-                          <p:cTn id="41" fill="hold">
+                          <p:cTn id="43" fill="hold">
                             <p:stCondLst>
                               <p:cond delay="0"/>
                             </p:stCondLst>
                             <p:childTnLst>
                               <p:par>
-                                <p:cTn id="42" presetID="1" presetClass="entr" presetSubtype="0" fill="hold" grpId="0" nodeType="afterEffect">
+                                <p:cTn id="44" presetID="1" presetClass="entr" presetSubtype="0" fill="hold" grpId="0" nodeType="afterEffect">
                                   <p:stCondLst>
-                                    <p:cond delay="1000"/>
+                                    <p:cond delay="300"/>
                                   </p:stCondLst>
                                   <p:childTnLst>
                                     <p:set>
                                       <p:cBhvr>
-                                        <p:cTn id="43" dur="1" fill="hold">
+                                        <p:cTn id="45" dur="1" fill="hold">
                                           <p:stCondLst>
                                             <p:cond delay="0"/>
                                           </p:stCondLst>
@@ -15566,26 +16550,26 @@
                     </p:cTn>
                   </p:par>
                   <p:par>
-                    <p:cTn id="44" fill="hold">
+                    <p:cTn id="46" fill="hold">
                       <p:stCondLst>
                         <p:cond delay="indefinite"/>
                       </p:stCondLst>
                       <p:childTnLst>
                         <p:par>
-                          <p:cTn id="45" fill="hold">
+                          <p:cTn id="47" fill="hold">
                             <p:stCondLst>
                               <p:cond delay="0"/>
                             </p:stCondLst>
                             <p:childTnLst>
                               <p:par>
-                                <p:cTn id="46" presetID="1" presetClass="exit" presetSubtype="0" fill="hold" grpId="1" nodeType="clickEffect">
+                                <p:cTn id="48" presetID="1" presetClass="exit" presetSubtype="0" fill="hold" grpId="1" nodeType="clickEffect">
                                   <p:stCondLst>
                                     <p:cond delay="0"/>
                                   </p:stCondLst>
                                   <p:childTnLst>
                                     <p:set>
                                       <p:cBhvr>
-                                        <p:cTn id="47" dur="1" fill="hold">
+                                        <p:cTn id="49" dur="1" fill="hold">
                                           <p:stCondLst>
                                             <p:cond delay="0"/>
                                           </p:stCondLst>
@@ -15608,20 +16592,20 @@
                           </p:cTn>
                         </p:par>
                         <p:par>
-                          <p:cTn id="48" fill="hold">
+                          <p:cTn id="50" fill="hold">
                             <p:stCondLst>
                               <p:cond delay="0"/>
                             </p:stCondLst>
                             <p:childTnLst>
                               <p:par>
-                                <p:cTn id="49" presetID="1" presetClass="entr" presetSubtype="0" fill="hold" grpId="0" nodeType="afterEffect">
+                                <p:cTn id="51" presetID="1" presetClass="entr" presetSubtype="0" fill="hold" grpId="0" nodeType="afterEffect">
                                   <p:stCondLst>
-                                    <p:cond delay="1000"/>
+                                    <p:cond delay="2000"/>
                                   </p:stCondLst>
                                   <p:childTnLst>
                                     <p:set>
                                       <p:cBhvr>
-                                        <p:cTn id="50" dur="1" fill="hold">
+                                        <p:cTn id="52" dur="1" fill="hold">
                                           <p:stCondLst>
                                             <p:cond delay="0"/>
                                           </p:stCondLst>
@@ -15647,26 +16631,26 @@
                     </p:cTn>
                   </p:par>
                   <p:par>
-                    <p:cTn id="51" fill="hold">
+                    <p:cTn id="53" fill="hold">
                       <p:stCondLst>
                         <p:cond delay="indefinite"/>
                       </p:stCondLst>
                       <p:childTnLst>
                         <p:par>
-                          <p:cTn id="52" fill="hold">
+                          <p:cTn id="54" fill="hold">
                             <p:stCondLst>
                               <p:cond delay="0"/>
                             </p:stCondLst>
                             <p:childTnLst>
                               <p:par>
-                                <p:cTn id="53" presetID="1" presetClass="exit" presetSubtype="0" fill="hold" grpId="1" nodeType="clickEffect">
+                                <p:cTn id="55" presetID="1" presetClass="exit" presetSubtype="0" fill="hold" grpId="1" nodeType="clickEffect">
                                   <p:stCondLst>
                                     <p:cond delay="0"/>
                                   </p:stCondLst>
                                   <p:childTnLst>
                                     <p:set>
                                       <p:cBhvr>
-                                        <p:cTn id="54" dur="1" fill="hold">
+                                        <p:cTn id="56" dur="1" fill="hold">
                                           <p:stCondLst>
                                             <p:cond delay="0"/>
                                           </p:stCondLst>
@@ -15689,20 +16673,20 @@
                           </p:cTn>
                         </p:par>
                         <p:par>
-                          <p:cTn id="55" fill="hold">
+                          <p:cTn id="57" fill="hold">
                             <p:stCondLst>
                               <p:cond delay="0"/>
                             </p:stCondLst>
                             <p:childTnLst>
                               <p:par>
-                                <p:cTn id="56" presetID="1" presetClass="entr" presetSubtype="0" fill="hold" grpId="0" nodeType="afterEffect">
+                                <p:cTn id="58" presetID="1" presetClass="entr" presetSubtype="0" fill="hold" grpId="0" nodeType="afterEffect">
                                   <p:stCondLst>
-                                    <p:cond delay="1000"/>
+                                    <p:cond delay="2000"/>
                                   </p:stCondLst>
                                   <p:childTnLst>
                                     <p:set>
                                       <p:cBhvr>
-                                        <p:cTn id="57" dur="1" fill="hold">
+                                        <p:cTn id="59" dur="1" fill="hold">
                                           <p:stCondLst>
                                             <p:cond delay="0"/>
                                           </p:stCondLst>
@@ -15721,15 +16705,24 @@
                                   </p:childTnLst>
                                 </p:cTn>
                               </p:par>
+                            </p:childTnLst>
+                          </p:cTn>
+                        </p:par>
+                        <p:par>
+                          <p:cTn id="60" fill="hold">
+                            <p:stCondLst>
+                              <p:cond delay="2000"/>
+                            </p:stCondLst>
+                            <p:childTnLst>
                               <p:par>
-                                <p:cTn id="58" presetID="1" presetClass="entr" presetSubtype="0" fill="hold" grpId="0" nodeType="withEffect">
+                                <p:cTn id="61" presetID="1" presetClass="entr" presetSubtype="0" fill="hold" grpId="0" nodeType="afterEffect">
                                   <p:stCondLst>
-                                    <p:cond delay="1000"/>
+                                    <p:cond delay="0"/>
                                   </p:stCondLst>
                                   <p:childTnLst>
                                     <p:set>
                                       <p:cBhvr>
-                                        <p:cTn id="59" dur="1" fill="hold">
+                                        <p:cTn id="62" dur="1" fill="hold">
                                           <p:stCondLst>
                                             <p:cond delay="0"/>
                                           </p:stCondLst>
@@ -15759,26 +16752,26 @@
                     </p:cTn>
                   </p:par>
                   <p:par>
-                    <p:cTn id="60" fill="hold">
+                    <p:cTn id="63" fill="hold">
                       <p:stCondLst>
                         <p:cond delay="indefinite"/>
                       </p:stCondLst>
                       <p:childTnLst>
                         <p:par>
-                          <p:cTn id="61" fill="hold">
+                          <p:cTn id="64" fill="hold">
                             <p:stCondLst>
                               <p:cond delay="0"/>
                             </p:stCondLst>
                             <p:childTnLst>
                               <p:par>
-                                <p:cTn id="62" presetID="1" presetClass="exit" presetSubtype="0" fill="hold" grpId="1" nodeType="clickEffect">
+                                <p:cTn id="65" presetID="1" presetClass="exit" presetSubtype="0" fill="hold" grpId="1" nodeType="clickEffect">
                                   <p:stCondLst>
                                     <p:cond delay="0"/>
                                   </p:stCondLst>
                                   <p:childTnLst>
                                     <p:set>
                                       <p:cBhvr>
-                                        <p:cTn id="63" dur="1" fill="hold">
+                                        <p:cTn id="66" dur="1" fill="hold">
                                           <p:stCondLst>
                                             <p:cond delay="0"/>
                                           </p:stCondLst>
@@ -15801,101 +16794,20 @@
                           </p:cTn>
                         </p:par>
                         <p:par>
-                          <p:cTn id="64" fill="hold">
+                          <p:cTn id="67" fill="hold">
                             <p:stCondLst>
                               <p:cond delay="0"/>
                             </p:stCondLst>
                             <p:childTnLst>
                               <p:par>
-                                <p:cTn id="65" presetID="1" presetClass="entr" presetSubtype="0" fill="hold" grpId="0" nodeType="afterEffect">
+                                <p:cTn id="68" presetID="1" presetClass="entr" presetSubtype="0" fill="hold" grpId="0" nodeType="afterEffect">
                                   <p:stCondLst>
                                     <p:cond delay="1000"/>
                                   </p:stCondLst>
                                   <p:childTnLst>
                                     <p:set>
                                       <p:cBhvr>
-                                        <p:cTn id="66" dur="1" fill="hold">
-                                          <p:stCondLst>
-                                            <p:cond delay="0"/>
-                                          </p:stCondLst>
-                                        </p:cTn>
-                                        <p:tgtEl>
-                                          <p:spTgt spid="24"/>
-                                        </p:tgtEl>
-                                        <p:attrNameLst>
-                                          <p:attrName>style.visibility</p:attrName>
-                                        </p:attrNameLst>
-                                      </p:cBhvr>
-                                      <p:to>
-                                        <p:strVal val="visible"/>
-                                      </p:to>
-                                    </p:set>
-                                  </p:childTnLst>
-                                </p:cTn>
-                              </p:par>
-                            </p:childTnLst>
-                          </p:cTn>
-                        </p:par>
-                      </p:childTnLst>
-                    </p:cTn>
-                  </p:par>
-                  <p:par>
-                    <p:cTn id="67" fill="hold">
-                      <p:stCondLst>
-                        <p:cond delay="indefinite"/>
-                      </p:stCondLst>
-                      <p:childTnLst>
-                        <p:par>
-                          <p:cTn id="68" fill="hold">
-                            <p:stCondLst>
-                              <p:cond delay="0"/>
-                            </p:stCondLst>
-                            <p:childTnLst>
-                              <p:par>
-                                <p:cTn id="69" presetID="1" presetClass="exit" presetSubtype="0" fill="hold" grpId="1" nodeType="clickEffect">
-                                  <p:stCondLst>
-                                    <p:cond delay="0"/>
-                                  </p:stCondLst>
-                                  <p:childTnLst>
-                                    <p:set>
-                                      <p:cBhvr>
-                                        <p:cTn id="70" dur="1" fill="hold">
-                                          <p:stCondLst>
-                                            <p:cond delay="0"/>
-                                          </p:stCondLst>
-                                        </p:cTn>
-                                        <p:tgtEl>
-                                          <p:spTgt spid="24"/>
-                                        </p:tgtEl>
-                                        <p:attrNameLst>
-                                          <p:attrName>style.visibility</p:attrName>
-                                        </p:attrNameLst>
-                                      </p:cBhvr>
-                                      <p:to>
-                                        <p:strVal val="hidden"/>
-                                      </p:to>
-                                    </p:set>
-                                  </p:childTnLst>
-                                </p:cTn>
-                              </p:par>
-                            </p:childTnLst>
-                          </p:cTn>
-                        </p:par>
-                        <p:par>
-                          <p:cTn id="71" fill="hold">
-                            <p:stCondLst>
-                              <p:cond delay="0"/>
-                            </p:stCondLst>
-                            <p:childTnLst>
-                              <p:par>
-                                <p:cTn id="72" presetID="1" presetClass="entr" presetSubtype="0" fill="hold" grpId="0" nodeType="afterEffect">
-                                  <p:stCondLst>
-                                    <p:cond delay="1000"/>
-                                  </p:stCondLst>
-                                  <p:childTnLst>
-                                    <p:set>
-                                      <p:cBhvr>
-                                        <p:cTn id="73" dur="1" fill="hold">
+                                        <p:cTn id="69" dur="1" fill="hold">
                                           <p:stCondLst>
                                             <p:cond delay="0"/>
                                           </p:stCondLst>
@@ -15921,26 +16833,26 @@
                     </p:cTn>
                   </p:par>
                   <p:par>
-                    <p:cTn id="74" fill="hold">
+                    <p:cTn id="70" fill="hold">
                       <p:stCondLst>
                         <p:cond delay="indefinite"/>
                       </p:stCondLst>
                       <p:childTnLst>
                         <p:par>
-                          <p:cTn id="75" fill="hold">
+                          <p:cTn id="71" fill="hold">
                             <p:stCondLst>
                               <p:cond delay="0"/>
                             </p:stCondLst>
                             <p:childTnLst>
                               <p:par>
-                                <p:cTn id="76" presetID="1" presetClass="exit" presetSubtype="0" fill="hold" grpId="1" nodeType="clickEffect">
+                                <p:cTn id="72" presetID="1" presetClass="exit" presetSubtype="0" fill="hold" grpId="1" nodeType="clickEffect">
                                   <p:stCondLst>
                                     <p:cond delay="0"/>
                                   </p:stCondLst>
                                   <p:childTnLst>
                                     <p:set>
                                       <p:cBhvr>
-                                        <p:cTn id="77" dur="1" fill="hold">
+                                        <p:cTn id="73" dur="1" fill="hold">
                                           <p:stCondLst>
                                             <p:cond delay="0"/>
                                           </p:stCondLst>
@@ -15963,20 +16875,20 @@
                           </p:cTn>
                         </p:par>
                         <p:par>
-                          <p:cTn id="78" fill="hold">
+                          <p:cTn id="74" fill="hold">
                             <p:stCondLst>
                               <p:cond delay="0"/>
                             </p:stCondLst>
                             <p:childTnLst>
                               <p:par>
-                                <p:cTn id="79" presetID="1" presetClass="entr" presetSubtype="0" fill="hold" grpId="0" nodeType="afterEffect">
+                                <p:cTn id="75" presetID="1" presetClass="entr" presetSubtype="0" fill="hold" grpId="0" nodeType="afterEffect">
                                   <p:stCondLst>
-                                    <p:cond delay="1000"/>
+                                    <p:cond delay="300"/>
                                   </p:stCondLst>
                                   <p:childTnLst>
                                     <p:set>
                                       <p:cBhvr>
-                                        <p:cTn id="80" dur="1" fill="hold">
+                                        <p:cTn id="76" dur="1" fill="hold">
                                           <p:stCondLst>
                                             <p:cond delay="0"/>
                                           </p:stCondLst>
@@ -16002,26 +16914,26 @@
                     </p:cTn>
                   </p:par>
                   <p:par>
-                    <p:cTn id="81" fill="hold">
+                    <p:cTn id="77" fill="hold">
                       <p:stCondLst>
                         <p:cond delay="indefinite"/>
                       </p:stCondLst>
                       <p:childTnLst>
                         <p:par>
-                          <p:cTn id="82" fill="hold">
+                          <p:cTn id="78" fill="hold">
                             <p:stCondLst>
                               <p:cond delay="0"/>
                             </p:stCondLst>
                             <p:childTnLst>
                               <p:par>
-                                <p:cTn id="83" presetID="1" presetClass="exit" presetSubtype="0" fill="hold" grpId="1" nodeType="clickEffect">
+                                <p:cTn id="79" presetID="1" presetClass="exit" presetSubtype="0" fill="hold" grpId="1" nodeType="clickEffect">
                                   <p:stCondLst>
                                     <p:cond delay="0"/>
                                   </p:stCondLst>
                                   <p:childTnLst>
                                     <p:set>
                                       <p:cBhvr>
-                                        <p:cTn id="84" dur="1" fill="hold">
+                                        <p:cTn id="80" dur="1" fill="hold">
                                           <p:stCondLst>
                                             <p:cond delay="0"/>
                                           </p:stCondLst>
@@ -16044,20 +16956,20 @@
                           </p:cTn>
                         </p:par>
                         <p:par>
-                          <p:cTn id="85" fill="hold">
+                          <p:cTn id="81" fill="hold">
                             <p:stCondLst>
                               <p:cond delay="0"/>
                             </p:stCondLst>
                             <p:childTnLst>
                               <p:par>
-                                <p:cTn id="86" presetID="1" presetClass="entr" presetSubtype="0" fill="hold" grpId="0" nodeType="afterEffect">
+                                <p:cTn id="82" presetID="1" presetClass="entr" presetSubtype="0" fill="hold" grpId="0" nodeType="afterEffect">
                                   <p:stCondLst>
-                                    <p:cond delay="1000"/>
+                                    <p:cond delay="2000"/>
                                   </p:stCondLst>
                                   <p:childTnLst>
                                     <p:set>
                                       <p:cBhvr>
-                                        <p:cTn id="87" dur="1" fill="hold">
+                                        <p:cTn id="83" dur="1" fill="hold">
                                           <p:stCondLst>
                                             <p:cond delay="0"/>
                                           </p:stCondLst>
@@ -16076,15 +16988,24 @@
                                   </p:childTnLst>
                                 </p:cTn>
                               </p:par>
+                            </p:childTnLst>
+                          </p:cTn>
+                        </p:par>
+                        <p:par>
+                          <p:cTn id="84" fill="hold">
+                            <p:stCondLst>
+                              <p:cond delay="2000"/>
+                            </p:stCondLst>
+                            <p:childTnLst>
                               <p:par>
-                                <p:cTn id="88" presetID="1" presetClass="entr" presetSubtype="0" fill="hold" grpId="0" nodeType="withEffect">
+                                <p:cTn id="85" presetID="1" presetClass="entr" presetSubtype="0" fill="hold" grpId="0" nodeType="afterEffect">
                                   <p:stCondLst>
-                                    <p:cond delay="1000"/>
+                                    <p:cond delay="0"/>
                                   </p:stCondLst>
                                   <p:childTnLst>
                                     <p:set>
                                       <p:cBhvr>
-                                        <p:cTn id="89" dur="1" fill="hold">
+                                        <p:cTn id="86" dur="1" fill="hold">
                                           <p:stCondLst>
                                             <p:cond delay="0"/>
                                           </p:stCondLst>
@@ -16114,26 +17035,26 @@
                     </p:cTn>
                   </p:par>
                   <p:par>
-                    <p:cTn id="90" fill="hold">
+                    <p:cTn id="87" fill="hold">
                       <p:stCondLst>
                         <p:cond delay="indefinite"/>
                       </p:stCondLst>
                       <p:childTnLst>
                         <p:par>
-                          <p:cTn id="91" fill="hold">
+                          <p:cTn id="88" fill="hold">
                             <p:stCondLst>
                               <p:cond delay="0"/>
                             </p:stCondLst>
                             <p:childTnLst>
                               <p:par>
-                                <p:cTn id="92" presetID="1" presetClass="exit" presetSubtype="0" fill="hold" grpId="1" nodeType="clickEffect">
+                                <p:cTn id="89" presetID="1" presetClass="exit" presetSubtype="0" fill="hold" grpId="1" nodeType="clickEffect">
                                   <p:stCondLst>
                                     <p:cond delay="0"/>
                                   </p:stCondLst>
                                   <p:childTnLst>
                                     <p:set>
                                       <p:cBhvr>
-                                        <p:cTn id="93" dur="1" fill="hold">
+                                        <p:cTn id="90" dur="1" fill="hold">
                                           <p:stCondLst>
                                             <p:cond delay="0"/>
                                           </p:stCondLst>
@@ -16156,20 +17077,20 @@
                           </p:cTn>
                         </p:par>
                         <p:par>
-                          <p:cTn id="94" fill="hold">
+                          <p:cTn id="91" fill="hold">
                             <p:stCondLst>
                               <p:cond delay="0"/>
                             </p:stCondLst>
                             <p:childTnLst>
                               <p:par>
-                                <p:cTn id="95" presetID="1" presetClass="entr" presetSubtype="0" fill="hold" grpId="0" nodeType="afterEffect">
+                                <p:cTn id="92" presetID="1" presetClass="entr" presetSubtype="0" fill="hold" grpId="0" nodeType="afterEffect">
                                   <p:stCondLst>
-                                    <p:cond delay="1000"/>
+                                    <p:cond delay="300"/>
                                   </p:stCondLst>
                                   <p:childTnLst>
                                     <p:set>
                                       <p:cBhvr>
-                                        <p:cTn id="96" dur="1" fill="hold">
+                                        <p:cTn id="93" dur="1" fill="hold">
                                           <p:stCondLst>
                                             <p:cond delay="0"/>
                                           </p:stCondLst>
@@ -16220,8 +17141,6 @@
       <p:bldP spid="22" grpId="1"/>
       <p:bldP spid="23" grpId="0"/>
       <p:bldP spid="23" grpId="1"/>
-      <p:bldP spid="24" grpId="0"/>
-      <p:bldP spid="24" grpId="1"/>
       <p:bldP spid="25" grpId="0"/>
       <p:bldP spid="25" grpId="1"/>
       <p:bldP spid="27" grpId="0"/>
@@ -16272,6 +17191,696 @@
       </p:grpSpPr>
       <p:sp>
         <p:nvSpPr>
+          <p:cNvPr id="12" name="CustomShape 10">
+            <a:extLst>
+              <a:ext uri="{FF2B5EF4-FFF2-40B4-BE49-F238E27FC236}">
+                <a16:creationId xmlns:a16="http://schemas.microsoft.com/office/drawing/2014/main" id="{2A9150A6-321D-4005-9FF8-354294EF19A3}"/>
+              </a:ext>
+            </a:extLst>
+          </p:cNvPr>
+          <p:cNvSpPr/>
+          <p:nvPr/>
+        </p:nvSpPr>
+        <p:spPr>
+          <a:xfrm>
+            <a:off x="0" y="3831336"/>
+            <a:ext cx="9143640" cy="1301040"/>
+          </a:xfrm>
+          <a:prstGeom prst="rect">
+            <a:avLst/>
+          </a:prstGeom>
+          <a:noFill/>
+          <a:ln>
+            <a:noFill/>
+          </a:ln>
+        </p:spPr>
+        <p:style>
+          <a:lnRef idx="0">
+            <a:scrgbClr r="0" g="0" b="0"/>
+          </a:lnRef>
+          <a:fillRef idx="0">
+            <a:scrgbClr r="0" g="0" b="0"/>
+          </a:fillRef>
+          <a:effectRef idx="0">
+            <a:scrgbClr r="0" g="0" b="0"/>
+          </a:effectRef>
+          <a:fontRef idx="minor"/>
+        </p:style>
+        <p:txBody>
+          <a:bodyPr tIns="91440" bIns="91440"/>
+          <a:lstStyle/>
+          <a:p>
+            <a:pPr>
+              <a:lnSpc>
+                <a:spcPct val="115000"/>
+              </a:lnSpc>
+            </a:pPr>
+            <a:r>
+              <a:rPr lang="en-US" sz="2400" dirty="0">
+                <a:solidFill>
+                  <a:schemeClr val="bg1"/>
+                </a:solidFill>
+                <a:latin typeface="Fira Sans Condensed"/>
+              </a:rPr>
+              <a:t>The programming errors we make usually fall into three major groups:</a:t>
+            </a:r>
+            <a:endParaRPr lang="en-US" sz="2400" b="0" strike="noStrike" spc="-1" dirty="0">
+              <a:solidFill>
+                <a:schemeClr val="bg1"/>
+              </a:solidFill>
+              <a:uFill>
+                <a:solidFill>
+                  <a:srgbClr val="FFFFFF"/>
+                </a:solidFill>
+              </a:uFill>
+              <a:latin typeface="Fira Sans Condensed"/>
+            </a:endParaRPr>
+          </a:p>
+        </p:txBody>
+      </p:sp>
+      <p:sp>
+        <p:nvSpPr>
+          <p:cNvPr id="13" name="CustomShape 10">
+            <a:extLst>
+              <a:ext uri="{FF2B5EF4-FFF2-40B4-BE49-F238E27FC236}">
+                <a16:creationId xmlns:a16="http://schemas.microsoft.com/office/drawing/2014/main" id="{BD414F2C-BEC5-4CDD-A15A-9DC7191F3E76}"/>
+              </a:ext>
+            </a:extLst>
+          </p:cNvPr>
+          <p:cNvSpPr/>
+          <p:nvPr/>
+        </p:nvSpPr>
+        <p:spPr>
+          <a:xfrm>
+            <a:off x="0" y="3831336"/>
+            <a:ext cx="9143640" cy="1301040"/>
+          </a:xfrm>
+          <a:prstGeom prst="rect">
+            <a:avLst/>
+          </a:prstGeom>
+          <a:noFill/>
+          <a:ln>
+            <a:noFill/>
+          </a:ln>
+        </p:spPr>
+        <p:style>
+          <a:lnRef idx="0">
+            <a:scrgbClr r="0" g="0" b="0"/>
+          </a:lnRef>
+          <a:fillRef idx="0">
+            <a:scrgbClr r="0" g="0" b="0"/>
+          </a:fillRef>
+          <a:effectRef idx="0">
+            <a:scrgbClr r="0" g="0" b="0"/>
+          </a:effectRef>
+          <a:fontRef idx="minor"/>
+        </p:style>
+        <p:txBody>
+          <a:bodyPr tIns="91440" bIns="91440"/>
+          <a:lstStyle/>
+          <a:p>
+            <a:pPr>
+              <a:lnSpc>
+                <a:spcPct val="115000"/>
+              </a:lnSpc>
+            </a:pPr>
+            <a:r>
+              <a:rPr lang="en-US" sz="2400" dirty="0">
+                <a:solidFill>
+                  <a:schemeClr val="bg1"/>
+                </a:solidFill>
+                <a:latin typeface="Fira Sans Condensed"/>
+              </a:rPr>
+              <a:t>Compile-time errors: these will prevent the code from being translated by the computer. The computer will refuse to try to read the code until it is grammatically correct.</a:t>
+            </a:r>
+            <a:endParaRPr lang="en-US" sz="2400" strike="noStrike" spc="-1" dirty="0">
+              <a:solidFill>
+                <a:schemeClr val="bg1"/>
+              </a:solidFill>
+              <a:uFill>
+                <a:solidFill>
+                  <a:srgbClr val="FFFFFF"/>
+                </a:solidFill>
+              </a:uFill>
+              <a:latin typeface="Fira Sans Condensed"/>
+            </a:endParaRPr>
+          </a:p>
+        </p:txBody>
+      </p:sp>
+      <p:sp>
+        <p:nvSpPr>
+          <p:cNvPr id="14" name="CustomShape 10">
+            <a:extLst>
+              <a:ext uri="{FF2B5EF4-FFF2-40B4-BE49-F238E27FC236}">
+                <a16:creationId xmlns:a16="http://schemas.microsoft.com/office/drawing/2014/main" id="{D2696E25-5C5F-46FD-9F32-3EB82168D87D}"/>
+              </a:ext>
+            </a:extLst>
+          </p:cNvPr>
+          <p:cNvSpPr/>
+          <p:nvPr/>
+        </p:nvSpPr>
+        <p:spPr>
+          <a:xfrm>
+            <a:off x="360" y="3831336"/>
+            <a:ext cx="9143640" cy="1301040"/>
+          </a:xfrm>
+          <a:prstGeom prst="rect">
+            <a:avLst/>
+          </a:prstGeom>
+          <a:noFill/>
+          <a:ln>
+            <a:noFill/>
+          </a:ln>
+        </p:spPr>
+        <p:style>
+          <a:lnRef idx="0">
+            <a:scrgbClr r="0" g="0" b="0"/>
+          </a:lnRef>
+          <a:fillRef idx="0">
+            <a:scrgbClr r="0" g="0" b="0"/>
+          </a:fillRef>
+          <a:effectRef idx="0">
+            <a:scrgbClr r="0" g="0" b="0"/>
+          </a:effectRef>
+          <a:fontRef idx="minor"/>
+        </p:style>
+        <p:txBody>
+          <a:bodyPr tIns="91440" bIns="91440"/>
+          <a:lstStyle/>
+          <a:p>
+            <a:pPr>
+              <a:lnSpc>
+                <a:spcPct val="115000"/>
+              </a:lnSpc>
+            </a:pPr>
+            <a:r>
+              <a:rPr lang="en-US" sz="2400" dirty="0">
+                <a:solidFill>
+                  <a:schemeClr val="bg1"/>
+                </a:solidFill>
+                <a:latin typeface="Fira Sans Condensed"/>
+              </a:rPr>
+              <a:t>Keep in mind that code without compile-time errors may still have other errors.</a:t>
+            </a:r>
+            <a:endParaRPr lang="en-US" sz="2400" strike="noStrike" spc="-1" dirty="0">
+              <a:solidFill>
+                <a:schemeClr val="bg1"/>
+              </a:solidFill>
+              <a:uFill>
+                <a:solidFill>
+                  <a:srgbClr val="FFFFFF"/>
+                </a:solidFill>
+              </a:uFill>
+              <a:latin typeface="Fira Sans Condensed"/>
+            </a:endParaRPr>
+          </a:p>
+        </p:txBody>
+      </p:sp>
+      <p:sp>
+        <p:nvSpPr>
+          <p:cNvPr id="15" name="CustomShape 10">
+            <a:extLst>
+              <a:ext uri="{FF2B5EF4-FFF2-40B4-BE49-F238E27FC236}">
+                <a16:creationId xmlns:a16="http://schemas.microsoft.com/office/drawing/2014/main" id="{432C8E98-C604-4B13-A742-1D2150B69852}"/>
+              </a:ext>
+            </a:extLst>
+          </p:cNvPr>
+          <p:cNvSpPr/>
+          <p:nvPr/>
+        </p:nvSpPr>
+        <p:spPr>
+          <a:xfrm>
+            <a:off x="360" y="3831336"/>
+            <a:ext cx="9143640" cy="1301040"/>
+          </a:xfrm>
+          <a:prstGeom prst="rect">
+            <a:avLst/>
+          </a:prstGeom>
+          <a:noFill/>
+          <a:ln>
+            <a:noFill/>
+          </a:ln>
+        </p:spPr>
+        <p:style>
+          <a:lnRef idx="0">
+            <a:scrgbClr r="0" g="0" b="0"/>
+          </a:lnRef>
+          <a:fillRef idx="0">
+            <a:scrgbClr r="0" g="0" b="0"/>
+          </a:fillRef>
+          <a:effectRef idx="0">
+            <a:scrgbClr r="0" g="0" b="0"/>
+          </a:effectRef>
+          <a:fontRef idx="minor"/>
+        </p:style>
+        <p:txBody>
+          <a:bodyPr tIns="91440" bIns="91440"/>
+          <a:lstStyle/>
+          <a:p>
+            <a:pPr>
+              <a:lnSpc>
+                <a:spcPct val="115000"/>
+              </a:lnSpc>
+            </a:pPr>
+            <a:r>
+              <a:rPr lang="en-US" sz="2400" dirty="0">
+                <a:solidFill>
+                  <a:schemeClr val="bg1"/>
+                </a:solidFill>
+                <a:latin typeface="Fira Sans Condensed"/>
+              </a:rPr>
+              <a:t>Putting certain smiley faces in your C++ code will cause it to fail to compile under normal conditions.</a:t>
+            </a:r>
+            <a:endParaRPr lang="en-US" sz="2400" strike="noStrike" spc="-1" dirty="0">
+              <a:solidFill>
+                <a:schemeClr val="bg1"/>
+              </a:solidFill>
+              <a:uFill>
+                <a:solidFill>
+                  <a:srgbClr val="FFFFFF"/>
+                </a:solidFill>
+              </a:uFill>
+              <a:latin typeface="Fira Sans Condensed"/>
+            </a:endParaRPr>
+          </a:p>
+        </p:txBody>
+      </p:sp>
+      <p:sp>
+        <p:nvSpPr>
+          <p:cNvPr id="16" name="CustomShape 10">
+            <a:extLst>
+              <a:ext uri="{FF2B5EF4-FFF2-40B4-BE49-F238E27FC236}">
+                <a16:creationId xmlns:a16="http://schemas.microsoft.com/office/drawing/2014/main" id="{D370FC28-E806-4B40-B466-B7AFB62FF987}"/>
+              </a:ext>
+            </a:extLst>
+          </p:cNvPr>
+          <p:cNvSpPr/>
+          <p:nvPr/>
+        </p:nvSpPr>
+        <p:spPr>
+          <a:xfrm>
+            <a:off x="0" y="3831336"/>
+            <a:ext cx="9143640" cy="1301040"/>
+          </a:xfrm>
+          <a:prstGeom prst="rect">
+            <a:avLst/>
+          </a:prstGeom>
+          <a:noFill/>
+          <a:ln>
+            <a:noFill/>
+          </a:ln>
+        </p:spPr>
+        <p:style>
+          <a:lnRef idx="0">
+            <a:scrgbClr r="0" g="0" b="0"/>
+          </a:lnRef>
+          <a:fillRef idx="0">
+            <a:scrgbClr r="0" g="0" b="0"/>
+          </a:fillRef>
+          <a:effectRef idx="0">
+            <a:scrgbClr r="0" g="0" b="0"/>
+          </a:effectRef>
+          <a:fontRef idx="minor"/>
+        </p:style>
+        <p:txBody>
+          <a:bodyPr tIns="91440" bIns="91440"/>
+          <a:lstStyle/>
+          <a:p>
+            <a:pPr>
+              <a:lnSpc>
+                <a:spcPct val="115000"/>
+              </a:lnSpc>
+            </a:pPr>
+            <a:r>
+              <a:rPr lang="en-US" sz="2400" dirty="0">
+                <a:solidFill>
+                  <a:schemeClr val="bg1"/>
+                </a:solidFill>
+                <a:latin typeface="Fira Sans Condensed"/>
+              </a:rPr>
+              <a:t>Run-time errors: these often cause the code to fail while it is running. If the error is not handled, the code will "crash" similarly to the "blue screen of death" when your computer freezes and you have to reboot it.</a:t>
+            </a:r>
+            <a:endParaRPr lang="en-US" sz="2400" strike="noStrike" spc="-1" dirty="0">
+              <a:solidFill>
+                <a:schemeClr val="bg1"/>
+              </a:solidFill>
+              <a:uFill>
+                <a:solidFill>
+                  <a:srgbClr val="FFFFFF"/>
+                </a:solidFill>
+              </a:uFill>
+              <a:latin typeface="Fira Sans Condensed"/>
+            </a:endParaRPr>
+          </a:p>
+        </p:txBody>
+      </p:sp>
+      <p:sp>
+        <p:nvSpPr>
+          <p:cNvPr id="17" name="CustomShape 10">
+            <a:extLst>
+              <a:ext uri="{FF2B5EF4-FFF2-40B4-BE49-F238E27FC236}">
+                <a16:creationId xmlns:a16="http://schemas.microsoft.com/office/drawing/2014/main" id="{D15EB167-2934-4427-A329-B30546E8D7B4}"/>
+              </a:ext>
+            </a:extLst>
+          </p:cNvPr>
+          <p:cNvSpPr/>
+          <p:nvPr/>
+        </p:nvSpPr>
+        <p:spPr>
+          <a:xfrm>
+            <a:off x="0" y="3831336"/>
+            <a:ext cx="9143640" cy="1301040"/>
+          </a:xfrm>
+          <a:prstGeom prst="rect">
+            <a:avLst/>
+          </a:prstGeom>
+          <a:noFill/>
+          <a:ln>
+            <a:noFill/>
+          </a:ln>
+        </p:spPr>
+        <p:style>
+          <a:lnRef idx="0">
+            <a:scrgbClr r="0" g="0" b="0"/>
+          </a:lnRef>
+          <a:fillRef idx="0">
+            <a:scrgbClr r="0" g="0" b="0"/>
+          </a:fillRef>
+          <a:effectRef idx="0">
+            <a:scrgbClr r="0" g="0" b="0"/>
+          </a:effectRef>
+          <a:fontRef idx="minor"/>
+        </p:style>
+        <p:txBody>
+          <a:bodyPr tIns="91440" bIns="91440"/>
+          <a:lstStyle/>
+          <a:p>
+            <a:pPr>
+              <a:lnSpc>
+                <a:spcPct val="115000"/>
+              </a:lnSpc>
+            </a:pPr>
+            <a:r>
+              <a:rPr lang="en-US" sz="2400" dirty="0">
+                <a:solidFill>
+                  <a:schemeClr val="bg1"/>
+                </a:solidFill>
+                <a:latin typeface="Fira Sans Condensed"/>
+              </a:rPr>
+              <a:t>Division by zero is undefined in C++. When this code runs it might result in a run-time error. </a:t>
+            </a:r>
+            <a:endParaRPr lang="en-US" sz="2400" strike="noStrike" spc="-1" dirty="0">
+              <a:solidFill>
+                <a:schemeClr val="bg1"/>
+              </a:solidFill>
+              <a:uFill>
+                <a:solidFill>
+                  <a:srgbClr val="FFFFFF"/>
+                </a:solidFill>
+              </a:uFill>
+              <a:latin typeface="Fira Sans Condensed"/>
+            </a:endParaRPr>
+          </a:p>
+        </p:txBody>
+      </p:sp>
+      <p:sp>
+        <p:nvSpPr>
+          <p:cNvPr id="18" name="CustomShape 10">
+            <a:extLst>
+              <a:ext uri="{FF2B5EF4-FFF2-40B4-BE49-F238E27FC236}">
+                <a16:creationId xmlns:a16="http://schemas.microsoft.com/office/drawing/2014/main" id="{86A734F9-63CB-43D0-BE98-1B8E7B28F7D0}"/>
+              </a:ext>
+            </a:extLst>
+          </p:cNvPr>
+          <p:cNvSpPr/>
+          <p:nvPr/>
+        </p:nvSpPr>
+        <p:spPr>
+          <a:xfrm>
+            <a:off x="360" y="3831336"/>
+            <a:ext cx="9143640" cy="1301040"/>
+          </a:xfrm>
+          <a:prstGeom prst="rect">
+            <a:avLst/>
+          </a:prstGeom>
+          <a:noFill/>
+          <a:ln>
+            <a:noFill/>
+          </a:ln>
+        </p:spPr>
+        <p:style>
+          <a:lnRef idx="0">
+            <a:scrgbClr r="0" g="0" b="0"/>
+          </a:lnRef>
+          <a:fillRef idx="0">
+            <a:scrgbClr r="0" g="0" b="0"/>
+          </a:fillRef>
+          <a:effectRef idx="0">
+            <a:scrgbClr r="0" g="0" b="0"/>
+          </a:effectRef>
+          <a:fontRef idx="minor"/>
+        </p:style>
+        <p:txBody>
+          <a:bodyPr tIns="91440" bIns="91440"/>
+          <a:lstStyle/>
+          <a:p>
+            <a:pPr>
+              <a:lnSpc>
+                <a:spcPct val="115000"/>
+              </a:lnSpc>
+            </a:pPr>
+            <a:r>
+              <a:rPr lang="en-US" sz="2400" dirty="0">
+                <a:solidFill>
+                  <a:schemeClr val="bg1"/>
+                </a:solidFill>
+                <a:latin typeface="Fira Sans Condensed"/>
+              </a:rPr>
+              <a:t>Logic errors: these will cause the code to give unexpected (and often incorrect) results. Logic errors may never cause the computer to crash, but they will silently change the outcome in unintended ways.</a:t>
+            </a:r>
+            <a:endParaRPr lang="en-US" sz="2400" strike="noStrike" spc="-1" dirty="0">
+              <a:solidFill>
+                <a:schemeClr val="bg1"/>
+              </a:solidFill>
+              <a:uFill>
+                <a:solidFill>
+                  <a:srgbClr val="FFFFFF"/>
+                </a:solidFill>
+              </a:uFill>
+              <a:latin typeface="Fira Sans Condensed"/>
+            </a:endParaRPr>
+          </a:p>
+        </p:txBody>
+      </p:sp>
+      <p:sp>
+        <p:nvSpPr>
+          <p:cNvPr id="19" name="CustomShape 10">
+            <a:extLst>
+              <a:ext uri="{FF2B5EF4-FFF2-40B4-BE49-F238E27FC236}">
+                <a16:creationId xmlns:a16="http://schemas.microsoft.com/office/drawing/2014/main" id="{4ACF813A-3BED-46E4-A62F-90A6E0CC8895}"/>
+              </a:ext>
+            </a:extLst>
+          </p:cNvPr>
+          <p:cNvSpPr/>
+          <p:nvPr/>
+        </p:nvSpPr>
+        <p:spPr>
+          <a:xfrm>
+            <a:off x="0" y="3831336"/>
+            <a:ext cx="9143640" cy="1301040"/>
+          </a:xfrm>
+          <a:prstGeom prst="rect">
+            <a:avLst/>
+          </a:prstGeom>
+          <a:noFill/>
+          <a:ln>
+            <a:noFill/>
+          </a:ln>
+        </p:spPr>
+        <p:style>
+          <a:lnRef idx="0">
+            <a:scrgbClr r="0" g="0" b="0"/>
+          </a:lnRef>
+          <a:fillRef idx="0">
+            <a:scrgbClr r="0" g="0" b="0"/>
+          </a:fillRef>
+          <a:effectRef idx="0">
+            <a:scrgbClr r="0" g="0" b="0"/>
+          </a:effectRef>
+          <a:fontRef idx="minor"/>
+        </p:style>
+        <p:txBody>
+          <a:bodyPr tIns="91440" bIns="91440"/>
+          <a:lstStyle/>
+          <a:p>
+            <a:pPr>
+              <a:lnSpc>
+                <a:spcPct val="115000"/>
+              </a:lnSpc>
+            </a:pPr>
+            <a:r>
+              <a:rPr lang="en-US" sz="2400" dirty="0">
+                <a:solidFill>
+                  <a:schemeClr val="bg1"/>
+                </a:solidFill>
+                <a:latin typeface="Fira Sans Condensed"/>
+              </a:rPr>
+              <a:t>Consider the following code:</a:t>
+            </a:r>
+            <a:endParaRPr lang="en-US" sz="2400" strike="noStrike" spc="-1" dirty="0">
+              <a:solidFill>
+                <a:schemeClr val="bg1"/>
+              </a:solidFill>
+              <a:uFill>
+                <a:solidFill>
+                  <a:srgbClr val="FFFFFF"/>
+                </a:solidFill>
+              </a:uFill>
+              <a:latin typeface="Fira Sans Condensed"/>
+            </a:endParaRPr>
+          </a:p>
+        </p:txBody>
+      </p:sp>
+      <p:sp>
+        <p:nvSpPr>
+          <p:cNvPr id="20" name="CustomShape 10">
+            <a:extLst>
+              <a:ext uri="{FF2B5EF4-FFF2-40B4-BE49-F238E27FC236}">
+                <a16:creationId xmlns:a16="http://schemas.microsoft.com/office/drawing/2014/main" id="{A2C1601B-25C6-4EDE-82AC-310D2A8A5693}"/>
+              </a:ext>
+            </a:extLst>
+          </p:cNvPr>
+          <p:cNvSpPr/>
+          <p:nvPr/>
+        </p:nvSpPr>
+        <p:spPr>
+          <a:xfrm>
+            <a:off x="0" y="3831336"/>
+            <a:ext cx="9143640" cy="1301040"/>
+          </a:xfrm>
+          <a:prstGeom prst="rect">
+            <a:avLst/>
+          </a:prstGeom>
+          <a:noFill/>
+          <a:ln>
+            <a:noFill/>
+          </a:ln>
+        </p:spPr>
+        <p:style>
+          <a:lnRef idx="0">
+            <a:scrgbClr r="0" g="0" b="0"/>
+          </a:lnRef>
+          <a:fillRef idx="0">
+            <a:scrgbClr r="0" g="0" b="0"/>
+          </a:fillRef>
+          <a:effectRef idx="0">
+            <a:scrgbClr r="0" g="0" b="0"/>
+          </a:effectRef>
+          <a:fontRef idx="minor"/>
+        </p:style>
+        <p:txBody>
+          <a:bodyPr tIns="91440" bIns="91440"/>
+          <a:lstStyle/>
+          <a:p>
+            <a:pPr>
+              <a:lnSpc>
+                <a:spcPct val="115000"/>
+              </a:lnSpc>
+            </a:pPr>
+            <a:r>
+              <a:rPr lang="en-US" sz="2400" dirty="0">
+                <a:solidFill>
+                  <a:schemeClr val="bg1"/>
+                </a:solidFill>
+                <a:latin typeface="Fira Sans Condensed"/>
+              </a:rPr>
+              <a:t>Due to order of operations (remember PEMDAS?), multiplication and division are calculated before addition and subtraction in C++…</a:t>
+            </a:r>
+            <a:endParaRPr lang="en-US" sz="2400" strike="noStrike" spc="-1" dirty="0">
+              <a:solidFill>
+                <a:schemeClr val="bg1"/>
+              </a:solidFill>
+              <a:uFill>
+                <a:solidFill>
+                  <a:srgbClr val="FFFFFF"/>
+                </a:solidFill>
+              </a:uFill>
+              <a:latin typeface="Fira Sans Condensed"/>
+            </a:endParaRPr>
+          </a:p>
+        </p:txBody>
+      </p:sp>
+      <p:sp>
+        <p:nvSpPr>
+          <p:cNvPr id="21" name="CustomShape 10">
+            <a:extLst>
+              <a:ext uri="{FF2B5EF4-FFF2-40B4-BE49-F238E27FC236}">
+                <a16:creationId xmlns:a16="http://schemas.microsoft.com/office/drawing/2014/main" id="{C107B04E-4695-450C-B439-2889D5101F60}"/>
+              </a:ext>
+            </a:extLst>
+          </p:cNvPr>
+          <p:cNvSpPr/>
+          <p:nvPr/>
+        </p:nvSpPr>
+        <p:spPr>
+          <a:xfrm>
+            <a:off x="0" y="3831336"/>
+            <a:ext cx="9143640" cy="1301040"/>
+          </a:xfrm>
+          <a:prstGeom prst="rect">
+            <a:avLst/>
+          </a:prstGeom>
+          <a:noFill/>
+          <a:ln>
+            <a:noFill/>
+          </a:ln>
+        </p:spPr>
+        <p:style>
+          <a:lnRef idx="0">
+            <a:scrgbClr r="0" g="0" b="0"/>
+          </a:lnRef>
+          <a:fillRef idx="0">
+            <a:scrgbClr r="0" g="0" b="0"/>
+          </a:fillRef>
+          <a:effectRef idx="0">
+            <a:scrgbClr r="0" g="0" b="0"/>
+          </a:effectRef>
+          <a:fontRef idx="minor"/>
+        </p:style>
+        <p:txBody>
+          <a:bodyPr tIns="91440" bIns="91440"/>
+          <a:lstStyle/>
+          <a:p>
+            <a:pPr>
+              <a:lnSpc>
+                <a:spcPct val="115000"/>
+              </a:lnSpc>
+            </a:pPr>
+            <a:r>
+              <a:rPr lang="en-US" sz="2400" dirty="0">
+                <a:solidFill>
+                  <a:schemeClr val="bg1"/>
+                </a:solidFill>
+                <a:latin typeface="Fira Sans Condensed"/>
+              </a:rPr>
+              <a:t>… so if the coder intended to find the average of "a" and "b" then they are getting the wrong value; they are actually getting "a" plus half of "b".</a:t>
+            </a:r>
+            <a:endParaRPr lang="en-US" sz="2400" strike="noStrike" spc="-1" dirty="0">
+              <a:solidFill>
+                <a:schemeClr val="bg1"/>
+              </a:solidFill>
+              <a:uFill>
+                <a:solidFill>
+                  <a:srgbClr val="FFFFFF"/>
+                </a:solidFill>
+              </a:uFill>
+              <a:latin typeface="Fira Sans Condensed"/>
+            </a:endParaRPr>
+          </a:p>
+        </p:txBody>
+      </p:sp>
+      <p:sp>
+        <p:nvSpPr>
           <p:cNvPr id="147" name="TextShape 1"/>
           <p:cNvSpPr txBox="1"/>
           <p:nvPr/>
@@ -16913,765 +18522,6 @@
               <a:t>Ultimately, I think the question all programmers should ask themselves after a mistake is "Did you learn from your mistake?". If you did, try not to overthink it.</a:t>
             </a:r>
             <a:endParaRPr lang="en-US" sz="2400" b="0" strike="noStrike" spc="-1" dirty="0">
-              <a:solidFill>
-                <a:schemeClr val="bg1"/>
-              </a:solidFill>
-              <a:uFill>
-                <a:solidFill>
-                  <a:srgbClr val="FFFFFF"/>
-                </a:solidFill>
-              </a:uFill>
-              <a:latin typeface="Fira Sans Condensed"/>
-            </a:endParaRPr>
-          </a:p>
-        </p:txBody>
-      </p:sp>
-      <p:sp>
-        <p:nvSpPr>
-          <p:cNvPr id="11" name="CustomShape 10">
-            <a:extLst>
-              <a:ext uri="{FF2B5EF4-FFF2-40B4-BE49-F238E27FC236}">
-                <a16:creationId xmlns:a16="http://schemas.microsoft.com/office/drawing/2014/main" id="{2E5738F0-02A0-42DB-BC02-9EB51DDA5D3A}"/>
-              </a:ext>
-            </a:extLst>
-          </p:cNvPr>
-          <p:cNvSpPr/>
-          <p:nvPr/>
-        </p:nvSpPr>
-        <p:spPr>
-          <a:xfrm>
-            <a:off x="0" y="3831336"/>
-            <a:ext cx="9143640" cy="1301040"/>
-          </a:xfrm>
-          <a:prstGeom prst="rect">
-            <a:avLst/>
-          </a:prstGeom>
-          <a:noFill/>
-          <a:ln>
-            <a:noFill/>
-          </a:ln>
-        </p:spPr>
-        <p:style>
-          <a:lnRef idx="0">
-            <a:scrgbClr r="0" g="0" b="0"/>
-          </a:lnRef>
-          <a:fillRef idx="0">
-            <a:scrgbClr r="0" g="0" b="0"/>
-          </a:fillRef>
-          <a:effectRef idx="0">
-            <a:scrgbClr r="0" g="0" b="0"/>
-          </a:effectRef>
-          <a:fontRef idx="minor"/>
-        </p:style>
-        <p:txBody>
-          <a:bodyPr tIns="91440" bIns="91440"/>
-          <a:lstStyle/>
-          <a:p>
-            <a:pPr>
-              <a:lnSpc>
-                <a:spcPct val="115000"/>
-              </a:lnSpc>
-            </a:pPr>
-            <a:r>
-              <a:rPr lang="en-US" sz="2400" dirty="0">
-                <a:solidFill>
-                  <a:schemeClr val="bg1"/>
-                </a:solidFill>
-                <a:latin typeface="Fira Sans Condensed"/>
-              </a:rPr>
-              <a:t>Ultimately, I think the question all programmers should ask themselves after a mistake is "Did you learn from your mistake?". If you did, try not to overthink it.</a:t>
-            </a:r>
-            <a:endParaRPr lang="en-US" sz="2400" b="0" strike="noStrike" spc="-1" dirty="0">
-              <a:solidFill>
-                <a:schemeClr val="bg1"/>
-              </a:solidFill>
-              <a:uFill>
-                <a:solidFill>
-                  <a:srgbClr val="FFFFFF"/>
-                </a:solidFill>
-              </a:uFill>
-              <a:latin typeface="Fira Sans Condensed"/>
-            </a:endParaRPr>
-          </a:p>
-        </p:txBody>
-      </p:sp>
-      <p:sp>
-        <p:nvSpPr>
-          <p:cNvPr id="12" name="CustomShape 10">
-            <a:extLst>
-              <a:ext uri="{FF2B5EF4-FFF2-40B4-BE49-F238E27FC236}">
-                <a16:creationId xmlns:a16="http://schemas.microsoft.com/office/drawing/2014/main" id="{2A9150A6-321D-4005-9FF8-354294EF19A3}"/>
-              </a:ext>
-            </a:extLst>
-          </p:cNvPr>
-          <p:cNvSpPr/>
-          <p:nvPr/>
-        </p:nvSpPr>
-        <p:spPr>
-          <a:xfrm>
-            <a:off x="0" y="3831336"/>
-            <a:ext cx="9143640" cy="1301040"/>
-          </a:xfrm>
-          <a:prstGeom prst="rect">
-            <a:avLst/>
-          </a:prstGeom>
-          <a:noFill/>
-          <a:ln>
-            <a:noFill/>
-          </a:ln>
-        </p:spPr>
-        <p:style>
-          <a:lnRef idx="0">
-            <a:scrgbClr r="0" g="0" b="0"/>
-          </a:lnRef>
-          <a:fillRef idx="0">
-            <a:scrgbClr r="0" g="0" b="0"/>
-          </a:fillRef>
-          <a:effectRef idx="0">
-            <a:scrgbClr r="0" g="0" b="0"/>
-          </a:effectRef>
-          <a:fontRef idx="minor"/>
-        </p:style>
-        <p:txBody>
-          <a:bodyPr tIns="91440" bIns="91440"/>
-          <a:lstStyle/>
-          <a:p>
-            <a:pPr>
-              <a:lnSpc>
-                <a:spcPct val="115000"/>
-              </a:lnSpc>
-            </a:pPr>
-            <a:r>
-              <a:rPr lang="en-US" sz="2400" dirty="0">
-                <a:solidFill>
-                  <a:schemeClr val="bg1"/>
-                </a:solidFill>
-                <a:latin typeface="Fira Sans Condensed"/>
-              </a:rPr>
-              <a:t>The programming errors we make usually fall into three major groups:</a:t>
-            </a:r>
-            <a:endParaRPr lang="en-US" sz="2400" b="0" strike="noStrike" spc="-1" dirty="0">
-              <a:solidFill>
-                <a:schemeClr val="bg1"/>
-              </a:solidFill>
-              <a:uFill>
-                <a:solidFill>
-                  <a:srgbClr val="FFFFFF"/>
-                </a:solidFill>
-              </a:uFill>
-              <a:latin typeface="Fira Sans Condensed"/>
-            </a:endParaRPr>
-          </a:p>
-        </p:txBody>
-      </p:sp>
-      <p:sp>
-        <p:nvSpPr>
-          <p:cNvPr id="13" name="CustomShape 10">
-            <a:extLst>
-              <a:ext uri="{FF2B5EF4-FFF2-40B4-BE49-F238E27FC236}">
-                <a16:creationId xmlns:a16="http://schemas.microsoft.com/office/drawing/2014/main" id="{BD414F2C-BEC5-4CDD-A15A-9DC7191F3E76}"/>
-              </a:ext>
-            </a:extLst>
-          </p:cNvPr>
-          <p:cNvSpPr/>
-          <p:nvPr/>
-        </p:nvSpPr>
-        <p:spPr>
-          <a:xfrm>
-            <a:off x="0" y="3831336"/>
-            <a:ext cx="9143640" cy="1301040"/>
-          </a:xfrm>
-          <a:prstGeom prst="rect">
-            <a:avLst/>
-          </a:prstGeom>
-          <a:noFill/>
-          <a:ln>
-            <a:noFill/>
-          </a:ln>
-        </p:spPr>
-        <p:style>
-          <a:lnRef idx="0">
-            <a:scrgbClr r="0" g="0" b="0"/>
-          </a:lnRef>
-          <a:fillRef idx="0">
-            <a:scrgbClr r="0" g="0" b="0"/>
-          </a:fillRef>
-          <a:effectRef idx="0">
-            <a:scrgbClr r="0" g="0" b="0"/>
-          </a:effectRef>
-          <a:fontRef idx="minor"/>
-        </p:style>
-        <p:txBody>
-          <a:bodyPr tIns="91440" bIns="91440"/>
-          <a:lstStyle/>
-          <a:p>
-            <a:pPr>
-              <a:lnSpc>
-                <a:spcPct val="115000"/>
-              </a:lnSpc>
-            </a:pPr>
-            <a:r>
-              <a:rPr lang="en-US" sz="2400" dirty="0">
-                <a:solidFill>
-                  <a:schemeClr val="bg1"/>
-                </a:solidFill>
-                <a:latin typeface="Fira Sans Condensed"/>
-              </a:rPr>
-              <a:t>Compile-time errors: these will prevent the code from being translated by the computer. The computer will refuse to try to read the code until it is grammatically correct.</a:t>
-            </a:r>
-            <a:endParaRPr lang="en-US" sz="2400" strike="noStrike" spc="-1" dirty="0">
-              <a:solidFill>
-                <a:schemeClr val="bg1"/>
-              </a:solidFill>
-              <a:uFill>
-                <a:solidFill>
-                  <a:srgbClr val="FFFFFF"/>
-                </a:solidFill>
-              </a:uFill>
-              <a:latin typeface="Fira Sans Condensed"/>
-            </a:endParaRPr>
-          </a:p>
-        </p:txBody>
-      </p:sp>
-      <p:sp>
-        <p:nvSpPr>
-          <p:cNvPr id="14" name="CustomShape 10">
-            <a:extLst>
-              <a:ext uri="{FF2B5EF4-FFF2-40B4-BE49-F238E27FC236}">
-                <a16:creationId xmlns:a16="http://schemas.microsoft.com/office/drawing/2014/main" id="{D2696E25-5C5F-46FD-9F32-3EB82168D87D}"/>
-              </a:ext>
-            </a:extLst>
-          </p:cNvPr>
-          <p:cNvSpPr/>
-          <p:nvPr/>
-        </p:nvSpPr>
-        <p:spPr>
-          <a:xfrm>
-            <a:off x="360" y="3831336"/>
-            <a:ext cx="9143640" cy="1301040"/>
-          </a:xfrm>
-          <a:prstGeom prst="rect">
-            <a:avLst/>
-          </a:prstGeom>
-          <a:noFill/>
-          <a:ln>
-            <a:noFill/>
-          </a:ln>
-        </p:spPr>
-        <p:style>
-          <a:lnRef idx="0">
-            <a:scrgbClr r="0" g="0" b="0"/>
-          </a:lnRef>
-          <a:fillRef idx="0">
-            <a:scrgbClr r="0" g="0" b="0"/>
-          </a:fillRef>
-          <a:effectRef idx="0">
-            <a:scrgbClr r="0" g="0" b="0"/>
-          </a:effectRef>
-          <a:fontRef idx="minor"/>
-        </p:style>
-        <p:txBody>
-          <a:bodyPr tIns="91440" bIns="91440"/>
-          <a:lstStyle/>
-          <a:p>
-            <a:pPr>
-              <a:lnSpc>
-                <a:spcPct val="115000"/>
-              </a:lnSpc>
-            </a:pPr>
-            <a:r>
-              <a:rPr lang="en-US" sz="2400" dirty="0">
-                <a:solidFill>
-                  <a:schemeClr val="bg1"/>
-                </a:solidFill>
-                <a:latin typeface="Fira Sans Condensed"/>
-              </a:rPr>
-              <a:t>Keep in mind that code without compile-time errors may still have other errors.</a:t>
-            </a:r>
-            <a:endParaRPr lang="en-US" sz="2400" strike="noStrike" spc="-1" dirty="0">
-              <a:solidFill>
-                <a:schemeClr val="bg1"/>
-              </a:solidFill>
-              <a:uFill>
-                <a:solidFill>
-                  <a:srgbClr val="FFFFFF"/>
-                </a:solidFill>
-              </a:uFill>
-              <a:latin typeface="Fira Sans Condensed"/>
-            </a:endParaRPr>
-          </a:p>
-        </p:txBody>
-      </p:sp>
-      <p:sp>
-        <p:nvSpPr>
-          <p:cNvPr id="15" name="CustomShape 10">
-            <a:extLst>
-              <a:ext uri="{FF2B5EF4-FFF2-40B4-BE49-F238E27FC236}">
-                <a16:creationId xmlns:a16="http://schemas.microsoft.com/office/drawing/2014/main" id="{432C8E98-C604-4B13-A742-1D2150B69852}"/>
-              </a:ext>
-            </a:extLst>
-          </p:cNvPr>
-          <p:cNvSpPr/>
-          <p:nvPr/>
-        </p:nvSpPr>
-        <p:spPr>
-          <a:xfrm>
-            <a:off x="360" y="3831336"/>
-            <a:ext cx="9143640" cy="1301040"/>
-          </a:xfrm>
-          <a:prstGeom prst="rect">
-            <a:avLst/>
-          </a:prstGeom>
-          <a:noFill/>
-          <a:ln>
-            <a:noFill/>
-          </a:ln>
-        </p:spPr>
-        <p:style>
-          <a:lnRef idx="0">
-            <a:scrgbClr r="0" g="0" b="0"/>
-          </a:lnRef>
-          <a:fillRef idx="0">
-            <a:scrgbClr r="0" g="0" b="0"/>
-          </a:fillRef>
-          <a:effectRef idx="0">
-            <a:scrgbClr r="0" g="0" b="0"/>
-          </a:effectRef>
-          <a:fontRef idx="minor"/>
-        </p:style>
-        <p:txBody>
-          <a:bodyPr tIns="91440" bIns="91440"/>
-          <a:lstStyle/>
-          <a:p>
-            <a:pPr>
-              <a:lnSpc>
-                <a:spcPct val="115000"/>
-              </a:lnSpc>
-            </a:pPr>
-            <a:r>
-              <a:rPr lang="en-US" sz="2400" dirty="0">
-                <a:solidFill>
-                  <a:schemeClr val="bg1"/>
-                </a:solidFill>
-                <a:latin typeface="Fira Sans Condensed"/>
-              </a:rPr>
-              <a:t>Putting certain smiley faces in your C++ code will cause it to fail to compile under normal conditions.</a:t>
-            </a:r>
-            <a:endParaRPr lang="en-US" sz="2400" strike="noStrike" spc="-1" dirty="0">
-              <a:solidFill>
-                <a:schemeClr val="bg1"/>
-              </a:solidFill>
-              <a:uFill>
-                <a:solidFill>
-                  <a:srgbClr val="FFFFFF"/>
-                </a:solidFill>
-              </a:uFill>
-              <a:latin typeface="Fira Sans Condensed"/>
-            </a:endParaRPr>
-          </a:p>
-        </p:txBody>
-      </p:sp>
-      <p:sp>
-        <p:nvSpPr>
-          <p:cNvPr id="16" name="CustomShape 10">
-            <a:extLst>
-              <a:ext uri="{FF2B5EF4-FFF2-40B4-BE49-F238E27FC236}">
-                <a16:creationId xmlns:a16="http://schemas.microsoft.com/office/drawing/2014/main" id="{D370FC28-E806-4B40-B466-B7AFB62FF987}"/>
-              </a:ext>
-            </a:extLst>
-          </p:cNvPr>
-          <p:cNvSpPr/>
-          <p:nvPr/>
-        </p:nvSpPr>
-        <p:spPr>
-          <a:xfrm>
-            <a:off x="0" y="3831336"/>
-            <a:ext cx="9143640" cy="1301040"/>
-          </a:xfrm>
-          <a:prstGeom prst="rect">
-            <a:avLst/>
-          </a:prstGeom>
-          <a:noFill/>
-          <a:ln>
-            <a:noFill/>
-          </a:ln>
-        </p:spPr>
-        <p:style>
-          <a:lnRef idx="0">
-            <a:scrgbClr r="0" g="0" b="0"/>
-          </a:lnRef>
-          <a:fillRef idx="0">
-            <a:scrgbClr r="0" g="0" b="0"/>
-          </a:fillRef>
-          <a:effectRef idx="0">
-            <a:scrgbClr r="0" g="0" b="0"/>
-          </a:effectRef>
-          <a:fontRef idx="minor"/>
-        </p:style>
-        <p:txBody>
-          <a:bodyPr tIns="91440" bIns="91440"/>
-          <a:lstStyle/>
-          <a:p>
-            <a:pPr>
-              <a:lnSpc>
-                <a:spcPct val="115000"/>
-              </a:lnSpc>
-            </a:pPr>
-            <a:r>
-              <a:rPr lang="en-US" sz="2400" dirty="0">
-                <a:solidFill>
-                  <a:schemeClr val="bg1"/>
-                </a:solidFill>
-                <a:latin typeface="Fira Sans Condensed"/>
-              </a:rPr>
-              <a:t>Run-time errors: these often cause the code to fail while it is running. If the error is not handled, the code will "crash" similarly to the "blue screen of death" when your computer freezes and you have to reboot it.</a:t>
-            </a:r>
-            <a:endParaRPr lang="en-US" sz="2400" strike="noStrike" spc="-1" dirty="0">
-              <a:solidFill>
-                <a:schemeClr val="bg1"/>
-              </a:solidFill>
-              <a:uFill>
-                <a:solidFill>
-                  <a:srgbClr val="FFFFFF"/>
-                </a:solidFill>
-              </a:uFill>
-              <a:latin typeface="Fira Sans Condensed"/>
-            </a:endParaRPr>
-          </a:p>
-        </p:txBody>
-      </p:sp>
-      <p:sp>
-        <p:nvSpPr>
-          <p:cNvPr id="17" name="CustomShape 10">
-            <a:extLst>
-              <a:ext uri="{FF2B5EF4-FFF2-40B4-BE49-F238E27FC236}">
-                <a16:creationId xmlns:a16="http://schemas.microsoft.com/office/drawing/2014/main" id="{D15EB167-2934-4427-A329-B30546E8D7B4}"/>
-              </a:ext>
-            </a:extLst>
-          </p:cNvPr>
-          <p:cNvSpPr/>
-          <p:nvPr/>
-        </p:nvSpPr>
-        <p:spPr>
-          <a:xfrm>
-            <a:off x="0" y="3831336"/>
-            <a:ext cx="9143640" cy="1301040"/>
-          </a:xfrm>
-          <a:prstGeom prst="rect">
-            <a:avLst/>
-          </a:prstGeom>
-          <a:noFill/>
-          <a:ln>
-            <a:noFill/>
-          </a:ln>
-        </p:spPr>
-        <p:style>
-          <a:lnRef idx="0">
-            <a:scrgbClr r="0" g="0" b="0"/>
-          </a:lnRef>
-          <a:fillRef idx="0">
-            <a:scrgbClr r="0" g="0" b="0"/>
-          </a:fillRef>
-          <a:effectRef idx="0">
-            <a:scrgbClr r="0" g="0" b="0"/>
-          </a:effectRef>
-          <a:fontRef idx="minor"/>
-        </p:style>
-        <p:txBody>
-          <a:bodyPr tIns="91440" bIns="91440"/>
-          <a:lstStyle/>
-          <a:p>
-            <a:pPr>
-              <a:lnSpc>
-                <a:spcPct val="115000"/>
-              </a:lnSpc>
-            </a:pPr>
-            <a:r>
-              <a:rPr lang="en-US" sz="2400" dirty="0">
-                <a:solidFill>
-                  <a:schemeClr val="bg1"/>
-                </a:solidFill>
-                <a:latin typeface="Fira Sans Condensed"/>
-              </a:rPr>
-              <a:t>Division by zero is undefined in C++. When this code runs it might result in a run-time error. </a:t>
-            </a:r>
-            <a:endParaRPr lang="en-US" sz="2400" strike="noStrike" spc="-1" dirty="0">
-              <a:solidFill>
-                <a:schemeClr val="bg1"/>
-              </a:solidFill>
-              <a:uFill>
-                <a:solidFill>
-                  <a:srgbClr val="FFFFFF"/>
-                </a:solidFill>
-              </a:uFill>
-              <a:latin typeface="Fira Sans Condensed"/>
-            </a:endParaRPr>
-          </a:p>
-        </p:txBody>
-      </p:sp>
-      <p:sp>
-        <p:nvSpPr>
-          <p:cNvPr id="18" name="CustomShape 10">
-            <a:extLst>
-              <a:ext uri="{FF2B5EF4-FFF2-40B4-BE49-F238E27FC236}">
-                <a16:creationId xmlns:a16="http://schemas.microsoft.com/office/drawing/2014/main" id="{86A734F9-63CB-43D0-BE98-1B8E7B28F7D0}"/>
-              </a:ext>
-            </a:extLst>
-          </p:cNvPr>
-          <p:cNvSpPr/>
-          <p:nvPr/>
-        </p:nvSpPr>
-        <p:spPr>
-          <a:xfrm>
-            <a:off x="360" y="3831336"/>
-            <a:ext cx="9143640" cy="1301040"/>
-          </a:xfrm>
-          <a:prstGeom prst="rect">
-            <a:avLst/>
-          </a:prstGeom>
-          <a:noFill/>
-          <a:ln>
-            <a:noFill/>
-          </a:ln>
-        </p:spPr>
-        <p:style>
-          <a:lnRef idx="0">
-            <a:scrgbClr r="0" g="0" b="0"/>
-          </a:lnRef>
-          <a:fillRef idx="0">
-            <a:scrgbClr r="0" g="0" b="0"/>
-          </a:fillRef>
-          <a:effectRef idx="0">
-            <a:scrgbClr r="0" g="0" b="0"/>
-          </a:effectRef>
-          <a:fontRef idx="minor"/>
-        </p:style>
-        <p:txBody>
-          <a:bodyPr tIns="91440" bIns="91440"/>
-          <a:lstStyle/>
-          <a:p>
-            <a:pPr>
-              <a:lnSpc>
-                <a:spcPct val="115000"/>
-              </a:lnSpc>
-            </a:pPr>
-            <a:r>
-              <a:rPr lang="en-US" sz="2400" dirty="0">
-                <a:solidFill>
-                  <a:schemeClr val="bg1"/>
-                </a:solidFill>
-                <a:latin typeface="Fira Sans Condensed"/>
-              </a:rPr>
-              <a:t>Logic errors: these will cause the code to give unexpected (and often incorrect) results. Logic errors may never cause the computer to crash, but they will silently change the outcome in unintended ways.</a:t>
-            </a:r>
-            <a:endParaRPr lang="en-US" sz="2400" strike="noStrike" spc="-1" dirty="0">
-              <a:solidFill>
-                <a:schemeClr val="bg1"/>
-              </a:solidFill>
-              <a:uFill>
-                <a:solidFill>
-                  <a:srgbClr val="FFFFFF"/>
-                </a:solidFill>
-              </a:uFill>
-              <a:latin typeface="Fira Sans Condensed"/>
-            </a:endParaRPr>
-          </a:p>
-        </p:txBody>
-      </p:sp>
-      <p:sp>
-        <p:nvSpPr>
-          <p:cNvPr id="19" name="CustomShape 10">
-            <a:extLst>
-              <a:ext uri="{FF2B5EF4-FFF2-40B4-BE49-F238E27FC236}">
-                <a16:creationId xmlns:a16="http://schemas.microsoft.com/office/drawing/2014/main" id="{4ACF813A-3BED-46E4-A62F-90A6E0CC8895}"/>
-              </a:ext>
-            </a:extLst>
-          </p:cNvPr>
-          <p:cNvSpPr/>
-          <p:nvPr/>
-        </p:nvSpPr>
-        <p:spPr>
-          <a:xfrm>
-            <a:off x="0" y="3831336"/>
-            <a:ext cx="9143640" cy="1301040"/>
-          </a:xfrm>
-          <a:prstGeom prst="rect">
-            <a:avLst/>
-          </a:prstGeom>
-          <a:noFill/>
-          <a:ln>
-            <a:noFill/>
-          </a:ln>
-        </p:spPr>
-        <p:style>
-          <a:lnRef idx="0">
-            <a:scrgbClr r="0" g="0" b="0"/>
-          </a:lnRef>
-          <a:fillRef idx="0">
-            <a:scrgbClr r="0" g="0" b="0"/>
-          </a:fillRef>
-          <a:effectRef idx="0">
-            <a:scrgbClr r="0" g="0" b="0"/>
-          </a:effectRef>
-          <a:fontRef idx="minor"/>
-        </p:style>
-        <p:txBody>
-          <a:bodyPr tIns="91440" bIns="91440"/>
-          <a:lstStyle/>
-          <a:p>
-            <a:pPr>
-              <a:lnSpc>
-                <a:spcPct val="115000"/>
-              </a:lnSpc>
-            </a:pPr>
-            <a:r>
-              <a:rPr lang="en-US" sz="2400" dirty="0">
-                <a:solidFill>
-                  <a:schemeClr val="bg1"/>
-                </a:solidFill>
-                <a:latin typeface="Fira Sans Condensed"/>
-              </a:rPr>
-              <a:t>Consider the following code:</a:t>
-            </a:r>
-            <a:endParaRPr lang="en-US" sz="2400" strike="noStrike" spc="-1" dirty="0">
-              <a:solidFill>
-                <a:schemeClr val="bg1"/>
-              </a:solidFill>
-              <a:uFill>
-                <a:solidFill>
-                  <a:srgbClr val="FFFFFF"/>
-                </a:solidFill>
-              </a:uFill>
-              <a:latin typeface="Fira Sans Condensed"/>
-            </a:endParaRPr>
-          </a:p>
-        </p:txBody>
-      </p:sp>
-      <p:sp>
-        <p:nvSpPr>
-          <p:cNvPr id="20" name="CustomShape 10">
-            <a:extLst>
-              <a:ext uri="{FF2B5EF4-FFF2-40B4-BE49-F238E27FC236}">
-                <a16:creationId xmlns:a16="http://schemas.microsoft.com/office/drawing/2014/main" id="{A2C1601B-25C6-4EDE-82AC-310D2A8A5693}"/>
-              </a:ext>
-            </a:extLst>
-          </p:cNvPr>
-          <p:cNvSpPr/>
-          <p:nvPr/>
-        </p:nvSpPr>
-        <p:spPr>
-          <a:xfrm>
-            <a:off x="0" y="3831336"/>
-            <a:ext cx="9143640" cy="1301040"/>
-          </a:xfrm>
-          <a:prstGeom prst="rect">
-            <a:avLst/>
-          </a:prstGeom>
-          <a:noFill/>
-          <a:ln>
-            <a:noFill/>
-          </a:ln>
-        </p:spPr>
-        <p:style>
-          <a:lnRef idx="0">
-            <a:scrgbClr r="0" g="0" b="0"/>
-          </a:lnRef>
-          <a:fillRef idx="0">
-            <a:scrgbClr r="0" g="0" b="0"/>
-          </a:fillRef>
-          <a:effectRef idx="0">
-            <a:scrgbClr r="0" g="0" b="0"/>
-          </a:effectRef>
-          <a:fontRef idx="minor"/>
-        </p:style>
-        <p:txBody>
-          <a:bodyPr tIns="91440" bIns="91440"/>
-          <a:lstStyle/>
-          <a:p>
-            <a:pPr>
-              <a:lnSpc>
-                <a:spcPct val="115000"/>
-              </a:lnSpc>
-            </a:pPr>
-            <a:r>
-              <a:rPr lang="en-US" sz="2400" dirty="0">
-                <a:solidFill>
-                  <a:schemeClr val="bg1"/>
-                </a:solidFill>
-                <a:latin typeface="Fira Sans Condensed"/>
-              </a:rPr>
-              <a:t>Due to order of operations (remember PEMDAS?), multiplication and division are calculated before addition and subtraction in C++…</a:t>
-            </a:r>
-            <a:endParaRPr lang="en-US" sz="2400" strike="noStrike" spc="-1" dirty="0">
-              <a:solidFill>
-                <a:schemeClr val="bg1"/>
-              </a:solidFill>
-              <a:uFill>
-                <a:solidFill>
-                  <a:srgbClr val="FFFFFF"/>
-                </a:solidFill>
-              </a:uFill>
-              <a:latin typeface="Fira Sans Condensed"/>
-            </a:endParaRPr>
-          </a:p>
-        </p:txBody>
-      </p:sp>
-      <p:sp>
-        <p:nvSpPr>
-          <p:cNvPr id="21" name="CustomShape 10">
-            <a:extLst>
-              <a:ext uri="{FF2B5EF4-FFF2-40B4-BE49-F238E27FC236}">
-                <a16:creationId xmlns:a16="http://schemas.microsoft.com/office/drawing/2014/main" id="{C107B04E-4695-450C-B439-2889D5101F60}"/>
-              </a:ext>
-            </a:extLst>
-          </p:cNvPr>
-          <p:cNvSpPr/>
-          <p:nvPr/>
-        </p:nvSpPr>
-        <p:spPr>
-          <a:xfrm>
-            <a:off x="0" y="3831336"/>
-            <a:ext cx="9143640" cy="1301040"/>
-          </a:xfrm>
-          <a:prstGeom prst="rect">
-            <a:avLst/>
-          </a:prstGeom>
-          <a:noFill/>
-          <a:ln>
-            <a:noFill/>
-          </a:ln>
-        </p:spPr>
-        <p:style>
-          <a:lnRef idx="0">
-            <a:scrgbClr r="0" g="0" b="0"/>
-          </a:lnRef>
-          <a:fillRef idx="0">
-            <a:scrgbClr r="0" g="0" b="0"/>
-          </a:fillRef>
-          <a:effectRef idx="0">
-            <a:scrgbClr r="0" g="0" b="0"/>
-          </a:effectRef>
-          <a:fontRef idx="minor"/>
-        </p:style>
-        <p:txBody>
-          <a:bodyPr tIns="91440" bIns="91440"/>
-          <a:lstStyle/>
-          <a:p>
-            <a:pPr>
-              <a:lnSpc>
-                <a:spcPct val="115000"/>
-              </a:lnSpc>
-            </a:pPr>
-            <a:r>
-              <a:rPr lang="en-US" sz="2400" dirty="0">
-                <a:solidFill>
-                  <a:schemeClr val="bg1"/>
-                </a:solidFill>
-                <a:latin typeface="Fira Sans Condensed"/>
-              </a:rPr>
-              <a:t>… so if the coder intended to find the average of "a" and "b" then they are getting the wrong value; they are actually getting "a" plus half of "b".</a:t>
-            </a:r>
-            <a:endParaRPr lang="en-US" sz="2400" strike="noStrike" spc="-1" dirty="0">
               <a:solidFill>
                 <a:schemeClr val="bg1"/>
               </a:solidFill>
@@ -17875,7 +18725,7 @@
                               <p:par>
                                 <p:cTn id="19" presetID="1" presetClass="entr" presetSubtype="0" fill="hold" grpId="0" nodeType="afterEffect">
                                   <p:stCondLst>
-                                    <p:cond delay="1000"/>
+                                    <p:cond delay="2000"/>
                                   </p:stCondLst>
                                   <p:childTnLst>
                                     <p:set>
@@ -17956,7 +18806,7 @@
                               <p:par>
                                 <p:cTn id="26" presetID="1" presetClass="entr" presetSubtype="0" fill="hold" grpId="0" nodeType="afterEffect">
                                   <p:stCondLst>
-                                    <p:cond delay="1000"/>
+                                    <p:cond delay="300"/>
                                   </p:stCondLst>
                                   <p:childTnLst>
                                     <p:set>
@@ -18037,7 +18887,7 @@
                               <p:par>
                                 <p:cTn id="33" presetID="1" presetClass="entr" presetSubtype="0" fill="hold" grpId="0" nodeType="afterEffect">
                                   <p:stCondLst>
-                                    <p:cond delay="1000"/>
+                                    <p:cond delay="300"/>
                                   </p:stCondLst>
                                   <p:childTnLst>
                                     <p:set>
@@ -18118,7 +18968,7 @@
                               <p:par>
                                 <p:cTn id="40" presetID="1" presetClass="entr" presetSubtype="0" fill="hold" grpId="0" nodeType="afterEffect">
                                   <p:stCondLst>
-                                    <p:cond delay="1000"/>
+                                    <p:cond delay="2000"/>
                                   </p:stCondLst>
                                   <p:childTnLst>
                                     <p:set>
@@ -18129,7 +18979,7 @@
                                           </p:stCondLst>
                                         </p:cTn>
                                         <p:tgtEl>
-                                          <p:spTgt spid="11"/>
+                                          <p:spTgt spid="12"/>
                                         </p:tgtEl>
                                         <p:attrNameLst>
                                           <p:attrName>style.visibility</p:attrName>
@@ -18174,7 +19024,7 @@
                                           </p:stCondLst>
                                         </p:cTn>
                                         <p:tgtEl>
-                                          <p:spTgt spid="11"/>
+                                          <p:spTgt spid="12"/>
                                         </p:tgtEl>
                                         <p:attrNameLst>
                                           <p:attrName>style.visibility</p:attrName>
@@ -18199,93 +19049,12 @@
                               <p:par>
                                 <p:cTn id="47" presetID="1" presetClass="entr" presetSubtype="0" fill="hold" grpId="0" nodeType="afterEffect">
                                   <p:stCondLst>
-                                    <p:cond delay="1000"/>
+                                    <p:cond delay="2000"/>
                                   </p:stCondLst>
                                   <p:childTnLst>
                                     <p:set>
                                       <p:cBhvr>
                                         <p:cTn id="48" dur="1" fill="hold">
-                                          <p:stCondLst>
-                                            <p:cond delay="0"/>
-                                          </p:stCondLst>
-                                        </p:cTn>
-                                        <p:tgtEl>
-                                          <p:spTgt spid="12"/>
-                                        </p:tgtEl>
-                                        <p:attrNameLst>
-                                          <p:attrName>style.visibility</p:attrName>
-                                        </p:attrNameLst>
-                                      </p:cBhvr>
-                                      <p:to>
-                                        <p:strVal val="visible"/>
-                                      </p:to>
-                                    </p:set>
-                                  </p:childTnLst>
-                                </p:cTn>
-                              </p:par>
-                            </p:childTnLst>
-                          </p:cTn>
-                        </p:par>
-                      </p:childTnLst>
-                    </p:cTn>
-                  </p:par>
-                  <p:par>
-                    <p:cTn id="49" fill="hold">
-                      <p:stCondLst>
-                        <p:cond delay="indefinite"/>
-                      </p:stCondLst>
-                      <p:childTnLst>
-                        <p:par>
-                          <p:cTn id="50" fill="hold">
-                            <p:stCondLst>
-                              <p:cond delay="0"/>
-                            </p:stCondLst>
-                            <p:childTnLst>
-                              <p:par>
-                                <p:cTn id="51" presetID="1" presetClass="exit" presetSubtype="0" fill="hold" grpId="1" nodeType="clickEffect">
-                                  <p:stCondLst>
-                                    <p:cond delay="0"/>
-                                  </p:stCondLst>
-                                  <p:childTnLst>
-                                    <p:set>
-                                      <p:cBhvr>
-                                        <p:cTn id="52" dur="1" fill="hold">
-                                          <p:stCondLst>
-                                            <p:cond delay="0"/>
-                                          </p:stCondLst>
-                                        </p:cTn>
-                                        <p:tgtEl>
-                                          <p:spTgt spid="12"/>
-                                        </p:tgtEl>
-                                        <p:attrNameLst>
-                                          <p:attrName>style.visibility</p:attrName>
-                                        </p:attrNameLst>
-                                      </p:cBhvr>
-                                      <p:to>
-                                        <p:strVal val="hidden"/>
-                                      </p:to>
-                                    </p:set>
-                                  </p:childTnLst>
-                                </p:cTn>
-                              </p:par>
-                            </p:childTnLst>
-                          </p:cTn>
-                        </p:par>
-                        <p:par>
-                          <p:cTn id="53" fill="hold">
-                            <p:stCondLst>
-                              <p:cond delay="0"/>
-                            </p:stCondLst>
-                            <p:childTnLst>
-                              <p:par>
-                                <p:cTn id="54" presetID="1" presetClass="entr" presetSubtype="0" fill="hold" grpId="0" nodeType="afterEffect">
-                                  <p:stCondLst>
-                                    <p:cond delay="1000"/>
-                                  </p:stCondLst>
-                                  <p:childTnLst>
-                                    <p:set>
-                                      <p:cBhvr>
-                                        <p:cTn id="55" dur="1" fill="hold">
                                           <p:stCondLst>
                                             <p:cond delay="0"/>
                                           </p:stCondLst>
@@ -18304,15 +19073,24 @@
                                   </p:childTnLst>
                                 </p:cTn>
                               </p:par>
+                            </p:childTnLst>
+                          </p:cTn>
+                        </p:par>
+                        <p:par>
+                          <p:cTn id="49" fill="hold">
+                            <p:stCondLst>
+                              <p:cond delay="2000"/>
+                            </p:stCondLst>
+                            <p:childTnLst>
                               <p:par>
-                                <p:cTn id="56" presetID="1" presetClass="entr" presetSubtype="0" fill="hold" grpId="0" nodeType="withEffect">
+                                <p:cTn id="50" presetID="1" presetClass="entr" presetSubtype="0" fill="hold" grpId="0" nodeType="afterEffect">
                                   <p:stCondLst>
-                                    <p:cond delay="1000"/>
+                                    <p:cond delay="0"/>
                                   </p:stCondLst>
                                   <p:childTnLst>
                                     <p:set>
                                       <p:cBhvr>
-                                        <p:cTn id="57" dur="1" fill="hold">
+                                        <p:cTn id="51" dur="1" fill="hold">
                                           <p:stCondLst>
                                             <p:cond delay="0"/>
                                           </p:stCondLst>
@@ -18342,26 +19120,26 @@
                     </p:cTn>
                   </p:par>
                   <p:par>
-                    <p:cTn id="58" fill="hold">
+                    <p:cTn id="52" fill="hold">
                       <p:stCondLst>
                         <p:cond delay="indefinite"/>
                       </p:stCondLst>
                       <p:childTnLst>
                         <p:par>
-                          <p:cTn id="59" fill="hold">
+                          <p:cTn id="53" fill="hold">
                             <p:stCondLst>
                               <p:cond delay="0"/>
                             </p:stCondLst>
                             <p:childTnLst>
                               <p:par>
-                                <p:cTn id="60" presetID="1" presetClass="exit" presetSubtype="0" fill="hold" grpId="1" nodeType="clickEffect">
+                                <p:cTn id="54" presetID="1" presetClass="exit" presetSubtype="0" fill="hold" grpId="1" nodeType="clickEffect">
                                   <p:stCondLst>
                                     <p:cond delay="0"/>
                                   </p:stCondLst>
                                   <p:childTnLst>
                                     <p:set>
                                       <p:cBhvr>
-                                        <p:cTn id="61" dur="1" fill="hold">
+                                        <p:cTn id="55" dur="1" fill="hold">
                                           <p:stCondLst>
                                             <p:cond delay="0"/>
                                           </p:stCondLst>
@@ -18384,20 +19162,20 @@
                           </p:cTn>
                         </p:par>
                         <p:par>
-                          <p:cTn id="62" fill="hold">
+                          <p:cTn id="56" fill="hold">
                             <p:stCondLst>
                               <p:cond delay="0"/>
                             </p:stCondLst>
                             <p:childTnLst>
                               <p:par>
-                                <p:cTn id="63" presetID="1" presetClass="entr" presetSubtype="0" fill="hold" grpId="0" nodeType="afterEffect">
+                                <p:cTn id="57" presetID="1" presetClass="entr" presetSubtype="0" fill="hold" grpId="0" nodeType="afterEffect">
                                   <p:stCondLst>
-                                    <p:cond delay="1000"/>
+                                    <p:cond delay="300"/>
                                   </p:stCondLst>
                                   <p:childTnLst>
                                     <p:set>
                                       <p:cBhvr>
-                                        <p:cTn id="64" dur="1" fill="hold">
+                                        <p:cTn id="58" dur="1" fill="hold">
                                           <p:stCondLst>
                                             <p:cond delay="0"/>
                                           </p:stCondLst>
@@ -18423,26 +19201,26 @@
                     </p:cTn>
                   </p:par>
                   <p:par>
-                    <p:cTn id="65" fill="hold">
+                    <p:cTn id="59" fill="hold">
                       <p:stCondLst>
                         <p:cond delay="indefinite"/>
                       </p:stCondLst>
                       <p:childTnLst>
                         <p:par>
-                          <p:cTn id="66" fill="hold">
+                          <p:cTn id="60" fill="hold">
                             <p:stCondLst>
                               <p:cond delay="0"/>
                             </p:stCondLst>
                             <p:childTnLst>
                               <p:par>
-                                <p:cTn id="67" presetID="1" presetClass="exit" presetSubtype="0" fill="hold" grpId="1" nodeType="clickEffect">
+                                <p:cTn id="61" presetID="1" presetClass="exit" presetSubtype="0" fill="hold" grpId="1" nodeType="clickEffect">
                                   <p:stCondLst>
                                     <p:cond delay="0"/>
                                   </p:stCondLst>
                                   <p:childTnLst>
                                     <p:set>
                                       <p:cBhvr>
-                                        <p:cTn id="68" dur="1" fill="hold">
+                                        <p:cTn id="62" dur="1" fill="hold">
                                           <p:stCondLst>
                                             <p:cond delay="0"/>
                                           </p:stCondLst>
@@ -18465,20 +19243,20 @@
                           </p:cTn>
                         </p:par>
                         <p:par>
-                          <p:cTn id="69" fill="hold">
+                          <p:cTn id="63" fill="hold">
                             <p:stCondLst>
                               <p:cond delay="0"/>
                             </p:stCondLst>
                             <p:childTnLst>
                               <p:par>
-                                <p:cTn id="70" presetID="1" presetClass="entr" presetSubtype="0" fill="hold" grpId="0" nodeType="afterEffect">
+                                <p:cTn id="64" presetID="1" presetClass="entr" presetSubtype="0" fill="hold" grpId="0" nodeType="afterEffect">
                                   <p:stCondLst>
-                                    <p:cond delay="1000"/>
+                                    <p:cond delay="2000"/>
                                   </p:stCondLst>
                                   <p:childTnLst>
                                     <p:set>
                                       <p:cBhvr>
-                                        <p:cTn id="71" dur="1" fill="hold">
+                                        <p:cTn id="65" dur="1" fill="hold">
                                           <p:stCondLst>
                                             <p:cond delay="0"/>
                                           </p:stCondLst>
@@ -18497,15 +19275,24 @@
                                   </p:childTnLst>
                                 </p:cTn>
                               </p:par>
+                            </p:childTnLst>
+                          </p:cTn>
+                        </p:par>
+                        <p:par>
+                          <p:cTn id="66" fill="hold">
+                            <p:stCondLst>
+                              <p:cond delay="2000"/>
+                            </p:stCondLst>
+                            <p:childTnLst>
                               <p:par>
-                                <p:cTn id="72" presetID="1" presetClass="entr" presetSubtype="0" fill="hold" grpId="0" nodeType="withEffect">
+                                <p:cTn id="67" presetID="1" presetClass="entr" presetSubtype="0" fill="hold" grpId="0" nodeType="afterEffect">
                                   <p:stCondLst>
-                                    <p:cond delay="1000"/>
+                                    <p:cond delay="0"/>
                                   </p:stCondLst>
                                   <p:childTnLst>
                                     <p:set>
                                       <p:cBhvr>
-                                        <p:cTn id="73" dur="1" fill="hold">
+                                        <p:cTn id="68" dur="1" fill="hold">
                                           <p:stCondLst>
                                             <p:cond delay="0"/>
                                           </p:stCondLst>
@@ -18535,26 +19322,26 @@
                     </p:cTn>
                   </p:par>
                   <p:par>
-                    <p:cTn id="74" fill="hold">
+                    <p:cTn id="69" fill="hold">
                       <p:stCondLst>
                         <p:cond delay="indefinite"/>
                       </p:stCondLst>
                       <p:childTnLst>
                         <p:par>
-                          <p:cTn id="75" fill="hold">
+                          <p:cTn id="70" fill="hold">
                             <p:stCondLst>
                               <p:cond delay="0"/>
                             </p:stCondLst>
                             <p:childTnLst>
                               <p:par>
-                                <p:cTn id="76" presetID="1" presetClass="exit" presetSubtype="0" fill="hold" grpId="1" nodeType="clickEffect">
+                                <p:cTn id="71" presetID="1" presetClass="exit" presetSubtype="0" fill="hold" grpId="1" nodeType="clickEffect">
                                   <p:stCondLst>
                                     <p:cond delay="0"/>
                                   </p:stCondLst>
                                   <p:childTnLst>
                                     <p:set>
                                       <p:cBhvr>
-                                        <p:cTn id="77" dur="1" fill="hold">
+                                        <p:cTn id="72" dur="1" fill="hold">
                                           <p:stCondLst>
                                             <p:cond delay="0"/>
                                           </p:stCondLst>
@@ -18577,20 +19364,20 @@
                           </p:cTn>
                         </p:par>
                         <p:par>
-                          <p:cTn id="78" fill="hold">
+                          <p:cTn id="73" fill="hold">
                             <p:stCondLst>
                               <p:cond delay="0"/>
                             </p:stCondLst>
                             <p:childTnLst>
                               <p:par>
-                                <p:cTn id="79" presetID="1" presetClass="entr" presetSubtype="0" fill="hold" grpId="0" nodeType="afterEffect">
+                                <p:cTn id="74" presetID="1" presetClass="entr" presetSubtype="0" fill="hold" grpId="0" nodeType="afterEffect">
                                   <p:stCondLst>
-                                    <p:cond delay="1000"/>
+                                    <p:cond delay="2000"/>
                                   </p:stCondLst>
                                   <p:childTnLst>
                                     <p:set>
                                       <p:cBhvr>
-                                        <p:cTn id="80" dur="1" fill="hold">
+                                        <p:cTn id="75" dur="1" fill="hold">
                                           <p:stCondLst>
                                             <p:cond delay="0"/>
                                           </p:stCondLst>
@@ -18609,15 +19396,24 @@
                                   </p:childTnLst>
                                 </p:cTn>
                               </p:par>
+                            </p:childTnLst>
+                          </p:cTn>
+                        </p:par>
+                        <p:par>
+                          <p:cTn id="76" fill="hold">
+                            <p:stCondLst>
+                              <p:cond delay="2000"/>
+                            </p:stCondLst>
+                            <p:childTnLst>
                               <p:par>
-                                <p:cTn id="81" presetID="1" presetClass="entr" presetSubtype="0" fill="hold" grpId="0" nodeType="withEffect">
+                                <p:cTn id="77" presetID="1" presetClass="entr" presetSubtype="0" fill="hold" grpId="0" nodeType="afterEffect">
                                   <p:stCondLst>
-                                    <p:cond delay="1000"/>
+                                    <p:cond delay="0"/>
                                   </p:stCondLst>
                                   <p:childTnLst>
                                     <p:set>
                                       <p:cBhvr>
-                                        <p:cTn id="82" dur="1" fill="hold">
+                                        <p:cTn id="78" dur="1" fill="hold">
                                           <p:stCondLst>
                                             <p:cond delay="0"/>
                                           </p:stCondLst>
@@ -18647,26 +19443,26 @@
                     </p:cTn>
                   </p:par>
                   <p:par>
-                    <p:cTn id="83" fill="hold">
+                    <p:cTn id="79" fill="hold">
                       <p:stCondLst>
                         <p:cond delay="indefinite"/>
                       </p:stCondLst>
                       <p:childTnLst>
                         <p:par>
-                          <p:cTn id="84" fill="hold">
+                          <p:cTn id="80" fill="hold">
                             <p:stCondLst>
                               <p:cond delay="0"/>
                             </p:stCondLst>
                             <p:childTnLst>
                               <p:par>
-                                <p:cTn id="85" presetID="1" presetClass="exit" presetSubtype="0" fill="hold" grpId="1" nodeType="clickEffect">
+                                <p:cTn id="81" presetID="1" presetClass="exit" presetSubtype="0" fill="hold" grpId="1" nodeType="clickEffect">
                                   <p:stCondLst>
                                     <p:cond delay="0"/>
                                   </p:stCondLst>
                                   <p:childTnLst>
                                     <p:set>
                                       <p:cBhvr>
-                                        <p:cTn id="86" dur="1" fill="hold">
+                                        <p:cTn id="82" dur="1" fill="hold">
                                           <p:stCondLst>
                                             <p:cond delay="0"/>
                                           </p:stCondLst>
@@ -18689,20 +19485,20 @@
                           </p:cTn>
                         </p:par>
                         <p:par>
-                          <p:cTn id="87" fill="hold">
+                          <p:cTn id="83" fill="hold">
                             <p:stCondLst>
                               <p:cond delay="0"/>
                             </p:stCondLst>
                             <p:childTnLst>
                               <p:par>
-                                <p:cTn id="88" presetID="1" presetClass="entr" presetSubtype="0" fill="hold" grpId="0" nodeType="afterEffect">
+                                <p:cTn id="84" presetID="1" presetClass="entr" presetSubtype="0" fill="hold" grpId="0" nodeType="afterEffect">
                                   <p:stCondLst>
-                                    <p:cond delay="1000"/>
+                                    <p:cond delay="2000"/>
                                   </p:stCondLst>
                                   <p:childTnLst>
                                     <p:set>
                                       <p:cBhvr>
-                                        <p:cTn id="89" dur="1" fill="hold">
+                                        <p:cTn id="85" dur="1" fill="hold">
                                           <p:stCondLst>
                                             <p:cond delay="0"/>
                                           </p:stCondLst>
@@ -18721,15 +19517,24 @@
                                   </p:childTnLst>
                                 </p:cTn>
                               </p:par>
+                            </p:childTnLst>
+                          </p:cTn>
+                        </p:par>
+                        <p:par>
+                          <p:cTn id="86" fill="hold">
+                            <p:stCondLst>
+                              <p:cond delay="2000"/>
+                            </p:stCondLst>
+                            <p:childTnLst>
                               <p:par>
-                                <p:cTn id="90" presetID="1" presetClass="entr" presetSubtype="0" fill="hold" grpId="0" nodeType="withEffect">
+                                <p:cTn id="87" presetID="1" presetClass="entr" presetSubtype="0" fill="hold" grpId="0" nodeType="afterEffect">
                                   <p:stCondLst>
-                                    <p:cond delay="1000"/>
+                                    <p:cond delay="0"/>
                                   </p:stCondLst>
                                   <p:childTnLst>
                                     <p:set>
                                       <p:cBhvr>
-                                        <p:cTn id="91" dur="1" fill="hold">
+                                        <p:cTn id="88" dur="1" fill="hold">
                                           <p:stCondLst>
                                             <p:cond delay="0"/>
                                           </p:stCondLst>
@@ -18759,26 +19564,26 @@
                     </p:cTn>
                   </p:par>
                   <p:par>
-                    <p:cTn id="92" fill="hold">
+                    <p:cTn id="89" fill="hold">
                       <p:stCondLst>
                         <p:cond delay="indefinite"/>
                       </p:stCondLst>
                       <p:childTnLst>
                         <p:par>
-                          <p:cTn id="93" fill="hold">
+                          <p:cTn id="90" fill="hold">
                             <p:stCondLst>
                               <p:cond delay="0"/>
                             </p:stCondLst>
                             <p:childTnLst>
                               <p:par>
-                                <p:cTn id="94" presetID="1" presetClass="exit" presetSubtype="0" fill="hold" grpId="1" nodeType="clickEffect">
+                                <p:cTn id="91" presetID="1" presetClass="exit" presetSubtype="0" fill="hold" grpId="1" nodeType="clickEffect">
                                   <p:stCondLst>
                                     <p:cond delay="0"/>
                                   </p:stCondLst>
                                   <p:childTnLst>
                                     <p:set>
                                       <p:cBhvr>
-                                        <p:cTn id="95" dur="1" fill="hold">
+                                        <p:cTn id="92" dur="1" fill="hold">
                                           <p:stCondLst>
                                             <p:cond delay="0"/>
                                           </p:stCondLst>
@@ -18801,20 +19606,20 @@
                           </p:cTn>
                         </p:par>
                         <p:par>
-                          <p:cTn id="96" fill="hold">
+                          <p:cTn id="93" fill="hold">
                             <p:stCondLst>
                               <p:cond delay="0"/>
                             </p:stCondLst>
                             <p:childTnLst>
                               <p:par>
-                                <p:cTn id="97" presetID="1" presetClass="entr" presetSubtype="0" fill="hold" grpId="0" nodeType="afterEffect">
+                                <p:cTn id="94" presetID="1" presetClass="entr" presetSubtype="0" fill="hold" grpId="0" nodeType="afterEffect">
                                   <p:stCondLst>
-                                    <p:cond delay="1000"/>
+                                    <p:cond delay="2000"/>
                                   </p:stCondLst>
                                   <p:childTnLst>
                                     <p:set>
                                       <p:cBhvr>
-                                        <p:cTn id="98" dur="1" fill="hold">
+                                        <p:cTn id="95" dur="1" fill="hold">
                                           <p:stCondLst>
                                             <p:cond delay="0"/>
                                           </p:stCondLst>
@@ -18833,15 +19638,24 @@
                                   </p:childTnLst>
                                 </p:cTn>
                               </p:par>
+                            </p:childTnLst>
+                          </p:cTn>
+                        </p:par>
+                        <p:par>
+                          <p:cTn id="96" fill="hold">
+                            <p:stCondLst>
+                              <p:cond delay="2000"/>
+                            </p:stCondLst>
+                            <p:childTnLst>
                               <p:par>
-                                <p:cTn id="99" presetID="1" presetClass="entr" presetSubtype="0" fill="hold" grpId="0" nodeType="withEffect">
+                                <p:cTn id="97" presetID="1" presetClass="entr" presetSubtype="0" fill="hold" grpId="0" nodeType="afterEffect">
                                   <p:stCondLst>
-                                    <p:cond delay="1000"/>
+                                    <p:cond delay="0"/>
                                   </p:stCondLst>
                                   <p:childTnLst>
                                     <p:set>
                                       <p:cBhvr>
-                                        <p:cTn id="100" dur="1" fill="hold">
+                                        <p:cTn id="98" dur="1" fill="hold">
                                           <p:stCondLst>
                                             <p:cond delay="0"/>
                                           </p:stCondLst>
@@ -18871,26 +19685,26 @@
                     </p:cTn>
                   </p:par>
                   <p:par>
-                    <p:cTn id="101" fill="hold">
+                    <p:cTn id="99" fill="hold">
                       <p:stCondLst>
                         <p:cond delay="indefinite"/>
                       </p:stCondLst>
                       <p:childTnLst>
                         <p:par>
-                          <p:cTn id="102" fill="hold">
+                          <p:cTn id="100" fill="hold">
                             <p:stCondLst>
                               <p:cond delay="0"/>
                             </p:stCondLst>
                             <p:childTnLst>
                               <p:par>
-                                <p:cTn id="103" presetID="1" presetClass="exit" presetSubtype="0" fill="hold" grpId="1" nodeType="clickEffect">
+                                <p:cTn id="101" presetID="1" presetClass="exit" presetSubtype="0" fill="hold" grpId="1" nodeType="clickEffect">
                                   <p:stCondLst>
                                     <p:cond delay="0"/>
                                   </p:stCondLst>
                                   <p:childTnLst>
                                     <p:set>
                                       <p:cBhvr>
-                                        <p:cTn id="104" dur="1" fill="hold">
+                                        <p:cTn id="102" dur="1" fill="hold">
                                           <p:stCondLst>
                                             <p:cond delay="0"/>
                                           </p:stCondLst>
@@ -18913,20 +19727,20 @@
                           </p:cTn>
                         </p:par>
                         <p:par>
-                          <p:cTn id="105" fill="hold">
+                          <p:cTn id="103" fill="hold">
                             <p:stCondLst>
                               <p:cond delay="0"/>
                             </p:stCondLst>
                             <p:childTnLst>
                               <p:par>
-                                <p:cTn id="106" presetID="1" presetClass="entr" presetSubtype="0" fill="hold" grpId="0" nodeType="afterEffect">
+                                <p:cTn id="104" presetID="1" presetClass="entr" presetSubtype="0" fill="hold" grpId="0" nodeType="afterEffect">
                                   <p:stCondLst>
-                                    <p:cond delay="1000"/>
+                                    <p:cond delay="2000"/>
                                   </p:stCondLst>
                                   <p:childTnLst>
                                     <p:set>
                                       <p:cBhvr>
-                                        <p:cTn id="107" dur="1" fill="hold">
+                                        <p:cTn id="105" dur="1" fill="hold">
                                           <p:stCondLst>
                                             <p:cond delay="0"/>
                                           </p:stCondLst>
@@ -18945,15 +19759,24 @@
                                   </p:childTnLst>
                                 </p:cTn>
                               </p:par>
+                            </p:childTnLst>
+                          </p:cTn>
+                        </p:par>
+                        <p:par>
+                          <p:cTn id="106" fill="hold">
+                            <p:stCondLst>
+                              <p:cond delay="2000"/>
+                            </p:stCondLst>
+                            <p:childTnLst>
                               <p:par>
-                                <p:cTn id="108" presetID="1" presetClass="entr" presetSubtype="0" fill="hold" grpId="0" nodeType="withEffect">
+                                <p:cTn id="107" presetID="1" presetClass="entr" presetSubtype="0" fill="hold" grpId="0" nodeType="afterEffect">
                                   <p:stCondLst>
-                                    <p:cond delay="1000"/>
+                                    <p:cond delay="0"/>
                                   </p:stCondLst>
                                   <p:childTnLst>
                                     <p:set>
                                       <p:cBhvr>
-                                        <p:cTn id="109" dur="1" fill="hold">
+                                        <p:cTn id="108" dur="1" fill="hold">
                                           <p:stCondLst>
                                             <p:cond delay="0"/>
                                           </p:stCondLst>
@@ -18983,26 +19806,26 @@
                     </p:cTn>
                   </p:par>
                   <p:par>
-                    <p:cTn id="110" fill="hold">
+                    <p:cTn id="109" fill="hold">
                       <p:stCondLst>
                         <p:cond delay="indefinite"/>
                       </p:stCondLst>
                       <p:childTnLst>
                         <p:par>
-                          <p:cTn id="111" fill="hold">
+                          <p:cTn id="110" fill="hold">
                             <p:stCondLst>
                               <p:cond delay="0"/>
                             </p:stCondLst>
                             <p:childTnLst>
                               <p:par>
-                                <p:cTn id="112" presetID="1" presetClass="exit" presetSubtype="0" fill="hold" grpId="1" nodeType="clickEffect">
+                                <p:cTn id="111" presetID="1" presetClass="exit" presetSubtype="0" fill="hold" grpId="1" nodeType="clickEffect">
                                   <p:stCondLst>
                                     <p:cond delay="0"/>
                                   </p:stCondLst>
                                   <p:childTnLst>
                                     <p:set>
                                       <p:cBhvr>
-                                        <p:cTn id="113" dur="1" fill="hold">
+                                        <p:cTn id="112" dur="1" fill="hold">
                                           <p:stCondLst>
                                             <p:cond delay="0"/>
                                           </p:stCondLst>
@@ -19025,20 +19848,20 @@
                           </p:cTn>
                         </p:par>
                         <p:par>
-                          <p:cTn id="114" fill="hold">
+                          <p:cTn id="113" fill="hold">
                             <p:stCondLst>
                               <p:cond delay="0"/>
                             </p:stCondLst>
                             <p:childTnLst>
                               <p:par>
-                                <p:cTn id="115" presetID="1" presetClass="entr" presetSubtype="0" fill="hold" grpId="0" nodeType="afterEffect">
+                                <p:cTn id="114" presetID="1" presetClass="entr" presetSubtype="0" fill="hold" grpId="0" nodeType="afterEffect">
                                   <p:stCondLst>
-                                    <p:cond delay="1000"/>
+                                    <p:cond delay="300"/>
                                   </p:stCondLst>
                                   <p:childTnLst>
                                     <p:set>
                                       <p:cBhvr>
-                                        <p:cTn id="116" dur="1" fill="hold">
+                                        <p:cTn id="115" dur="1" fill="hold">
                                           <p:stCondLst>
                                             <p:cond delay="0"/>
                                           </p:stCondLst>
@@ -19064,26 +19887,26 @@
                     </p:cTn>
                   </p:par>
                   <p:par>
-                    <p:cTn id="117" fill="hold">
+                    <p:cTn id="116" fill="hold">
                       <p:stCondLst>
                         <p:cond delay="indefinite"/>
                       </p:stCondLst>
                       <p:childTnLst>
                         <p:par>
-                          <p:cTn id="118" fill="hold">
+                          <p:cTn id="117" fill="hold">
                             <p:stCondLst>
                               <p:cond delay="0"/>
                             </p:stCondLst>
                             <p:childTnLst>
                               <p:par>
-                                <p:cTn id="119" presetID="1" presetClass="exit" presetSubtype="0" fill="hold" grpId="1" nodeType="clickEffect">
+                                <p:cTn id="118" presetID="1" presetClass="exit" presetSubtype="0" fill="hold" grpId="1" nodeType="clickEffect">
                                   <p:stCondLst>
                                     <p:cond delay="0"/>
                                   </p:stCondLst>
                                   <p:childTnLst>
                                     <p:set>
                                       <p:cBhvr>
-                                        <p:cTn id="120" dur="1" fill="hold">
+                                        <p:cTn id="119" dur="1" fill="hold">
                                           <p:stCondLst>
                                             <p:cond delay="0"/>
                                           </p:stCondLst>
@@ -19106,20 +19929,20 @@
                           </p:cTn>
                         </p:par>
                         <p:par>
-                          <p:cTn id="121" fill="hold">
+                          <p:cTn id="120" fill="hold">
                             <p:stCondLst>
                               <p:cond delay="0"/>
                             </p:stCondLst>
                             <p:childTnLst>
                               <p:par>
-                                <p:cTn id="122" presetID="1" presetClass="entr" presetSubtype="0" fill="hold" grpId="0" nodeType="afterEffect">
+                                <p:cTn id="121" presetID="1" presetClass="entr" presetSubtype="0" fill="hold" grpId="0" nodeType="afterEffect">
                                   <p:stCondLst>
-                                    <p:cond delay="1000"/>
+                                    <p:cond delay="300"/>
                                   </p:stCondLst>
                                   <p:childTnLst>
                                     <p:set>
                                       <p:cBhvr>
-                                        <p:cTn id="123" dur="1" fill="hold">
+                                        <p:cTn id="122" dur="1" fill="hold">
                                           <p:stCondLst>
                                             <p:cond delay="0"/>
                                           </p:stCondLst>
@@ -19166,19 +19989,6 @@
       </p:par>
     </p:tnLst>
     <p:bldLst>
-      <p:bldP spid="148" grpId="0" uiExpand="1" build="p"/>
-      <p:bldP spid="6" grpId="0"/>
-      <p:bldP spid="6" grpId="1"/>
-      <p:bldP spid="7" grpId="0"/>
-      <p:bldP spid="7" grpId="1"/>
-      <p:bldP spid="8" grpId="0"/>
-      <p:bldP spid="8" grpId="1"/>
-      <p:bldP spid="9" grpId="0"/>
-      <p:bldP spid="9" grpId="1"/>
-      <p:bldP spid="10" grpId="0"/>
-      <p:bldP spid="10" grpId="1"/>
-      <p:bldP spid="11" grpId="0"/>
-      <p:bldP spid="11" grpId="1"/>
       <p:bldP spid="12" grpId="0"/>
       <p:bldP spid="12" grpId="1"/>
       <p:bldP spid="13" grpId="0"/>
@@ -19198,6 +20008,17 @@
       <p:bldP spid="20" grpId="0"/>
       <p:bldP spid="20" grpId="1"/>
       <p:bldP spid="21" grpId="0"/>
+      <p:bldP spid="148" grpId="0" uiExpand="1" build="p"/>
+      <p:bldP spid="6" grpId="0"/>
+      <p:bldP spid="6" grpId="1"/>
+      <p:bldP spid="7" grpId="0"/>
+      <p:bldP spid="7" grpId="1"/>
+      <p:bldP spid="8" grpId="0"/>
+      <p:bldP spid="8" grpId="1"/>
+      <p:bldP spid="9" grpId="0"/>
+      <p:bldP spid="9" grpId="1"/>
+      <p:bldP spid="10" grpId="0"/>
+      <p:bldP spid="10" grpId="1"/>
     </p:bldLst>
   </p:timing>
 </p:sld>
@@ -21329,7 +22150,7 @@
                               <p:par>
                                 <p:cTn id="29" presetID="1" presetClass="entr" presetSubtype="0" fill="hold" grpId="0" nodeType="afterEffect">
                                   <p:stCondLst>
-                                    <p:cond delay="1000"/>
+                                    <p:cond delay="2000"/>
                                   </p:stCondLst>
                                   <p:childTnLst>
                                     <p:set>
@@ -21410,7 +22231,7 @@
                               <p:par>
                                 <p:cTn id="36" presetID="1" presetClass="entr" presetSubtype="0" fill="hold" grpId="0" nodeType="afterEffect">
                                   <p:stCondLst>
-                                    <p:cond delay="1000"/>
+                                    <p:cond delay="300"/>
                                   </p:stCondLst>
                                   <p:childTnLst>
                                     <p:set>
@@ -21572,7 +22393,7 @@
                               <p:par>
                                 <p:cTn id="50" presetID="1" presetClass="entr" presetSubtype="0" fill="hold" grpId="0" nodeType="afterEffect">
                                   <p:stCondLst>
-                                    <p:cond delay="1000"/>
+                                    <p:cond delay="2000"/>
                                   </p:stCondLst>
                                   <p:childTnLst>
                                     <p:set>
@@ -21653,7 +22474,7 @@
                               <p:par>
                                 <p:cTn id="57" presetID="1" presetClass="entr" presetSubtype="0" fill="hold" grpId="0" nodeType="afterEffect">
                                   <p:stCondLst>
-                                    <p:cond delay="1000"/>
+                                    <p:cond delay="300"/>
                                   </p:stCondLst>
                                   <p:childTnLst>
                                     <p:set>
@@ -22351,7 +23172,7 @@
         </p:nvSpPr>
         <p:spPr>
           <a:xfrm>
-            <a:off x="0" y="3831336"/>
+            <a:off x="360" y="3831336"/>
             <a:ext cx="9143640" cy="1301040"/>
           </a:xfrm>
           <a:prstGeom prst="rect">
@@ -22396,7 +23217,7 @@
                 <a:latin typeface="Fira Sans Condensed"/>
                 <a:ea typeface="Fira Sans Condensed"/>
               </a:rPr>
-              <a:t>This is the introduction to Comprehensive C++, an education series made of short, choose-your-own-difficulty tutorials that avoid assumptions about what you already know.</a:t>
+              <a:t>This is the introduction to Comprehensive C++, a programming education series made of short, choose-your-own-difficulty tutorials that avoid assumptions about what you already know.</a:t>
             </a:r>
             <a:endParaRPr lang="en-US" sz="1800" b="0" strike="noStrike" spc="-1" dirty="0">
               <a:solidFill>
@@ -22586,7 +23407,7 @@
                               <p:par>
                                 <p:cTn id="12" presetID="1" presetClass="entr" presetSubtype="0" fill="hold" grpId="0" nodeType="afterEffect">
                                   <p:stCondLst>
-                                    <p:cond delay="1000"/>
+                                    <p:cond delay="2000"/>
                                   </p:stCondLst>
                                   <p:childTnLst>
                                     <p:set>
@@ -23690,7 +24511,7 @@
                               <p:par>
                                 <p:cTn id="35" presetID="1" presetClass="entr" presetSubtype="0" fill="hold" grpId="0" nodeType="afterEffect">
                                   <p:stCondLst>
-                                    <p:cond delay="1000"/>
+                                    <p:cond delay="300"/>
                                   </p:stCondLst>
                                   <p:childTnLst>
                                     <p:set>
@@ -24993,7 +25814,7 @@
                               <p:par>
                                 <p:cTn id="12" presetID="1" presetClass="entr" presetSubtype="0" fill="hold" grpId="0" nodeType="afterEffect">
                                   <p:stCondLst>
-                                    <p:cond delay="1000"/>
+                                    <p:cond delay="2000"/>
                                   </p:stCondLst>
                                   <p:childTnLst>
                                     <p:set>
@@ -25074,7 +25895,7 @@
                               <p:par>
                                 <p:cTn id="19" presetID="1" presetClass="entr" presetSubtype="0" fill="hold" grpId="0" nodeType="afterEffect">
                                   <p:stCondLst>
-                                    <p:cond delay="1000"/>
+                                    <p:cond delay="300"/>
                                   </p:stCondLst>
                                   <p:childTnLst>
                                     <p:set>
@@ -25155,7 +25976,7 @@
                               <p:par>
                                 <p:cTn id="26" presetID="1" presetClass="entr" presetSubtype="0" fill="hold" grpId="0" nodeType="afterEffect">
                                   <p:stCondLst>
-                                    <p:cond delay="1000"/>
+                                    <p:cond delay="2000"/>
                                   </p:stCondLst>
                                   <p:childTnLst>
                                     <p:set>
@@ -25281,7 +26102,7 @@
                               <p:par>
                                 <p:cTn id="37" presetID="1" presetClass="entr" presetSubtype="0" fill="hold" grpId="0" nodeType="afterEffect">
                                   <p:stCondLst>
-                                    <p:cond delay="1000"/>
+                                    <p:cond delay="300"/>
                                   </p:stCondLst>
                                   <p:childTnLst>
                                     <p:set>
@@ -25560,7 +26381,7 @@
                               <p:par>
                                 <p:cTn id="60" presetID="1" presetClass="entr" presetSubtype="0" fill="hold" grpId="0" nodeType="afterEffect">
                                   <p:stCondLst>
-                                    <p:cond delay="1000"/>
+                                    <p:cond delay="300"/>
                                   </p:stCondLst>
                                   <p:childTnLst>
                                     <p:set>
@@ -27456,7 +28277,7 @@
                               <p:par>
                                 <p:cTn id="5" presetID="1" presetClass="entr" presetSubtype="0" fill="hold" grpId="1" nodeType="afterEffect">
                                   <p:stCondLst>
-                                    <p:cond delay="1000"/>
+                                    <p:cond delay="2000"/>
                                   </p:stCondLst>
                                   <p:childTnLst>
                                     <p:set>
@@ -29982,6 +30803,9 @@
                     <p:cTn id="3" fill="hold">
                       <p:stCondLst>
                         <p:cond delay="indefinite"/>
+                        <p:cond evt="onBegin" delay="0">
+                          <p:tn val="2"/>
+                        </p:cond>
                       </p:stCondLst>
                       <p:childTnLst>
                         <p:par>
@@ -29991,9 +30815,9 @@
                             </p:stCondLst>
                             <p:childTnLst>
                               <p:par>
-                                <p:cTn id="5" presetID="1" presetClass="exit" presetSubtype="0" fill="hold" grpId="0" nodeType="clickEffect">
+                                <p:cTn id="5" presetID="1" presetClass="entr" presetSubtype="0" fill="hold" grpId="1" nodeType="afterEffect">
                                   <p:stCondLst>
-                                    <p:cond delay="0"/>
+                                    <p:cond delay="2000"/>
                                   </p:stCondLst>
                                   <p:childTnLst>
                                     <p:set>
@@ -30011,41 +30835,32 @@
                                         </p:attrNameLst>
                                       </p:cBhvr>
                                       <p:to>
-                                        <p:strVal val="hidden"/>
-                                      </p:to>
-                                    </p:set>
-                                  </p:childTnLst>
-                                </p:cTn>
-                              </p:par>
-                              <p:par>
-                                <p:cTn id="7" presetID="1" presetClass="entr" presetSubtype="0" fill="hold" grpId="0" nodeType="withEffect">
-                                  <p:stCondLst>
-                                    <p:cond delay="0"/>
-                                  </p:stCondLst>
-                                  <p:childTnLst>
-                                    <p:set>
-                                      <p:cBhvr>
-                                        <p:cTn id="8" dur="1" fill="hold">
-                                          <p:stCondLst>
-                                            <p:cond delay="0"/>
-                                          </p:stCondLst>
-                                        </p:cTn>
-                                        <p:tgtEl>
-                                          <p:spTgt spid="49"/>
-                                        </p:tgtEl>
-                                        <p:attrNameLst>
-                                          <p:attrName>style.visibility</p:attrName>
-                                        </p:attrNameLst>
-                                      </p:cBhvr>
-                                      <p:to>
                                         <p:strVal val="visible"/>
                                       </p:to>
                                     </p:set>
                                   </p:childTnLst>
                                 </p:cTn>
                               </p:par>
+                            </p:childTnLst>
+                          </p:cTn>
+                        </p:par>
+                      </p:childTnLst>
+                    </p:cTn>
+                  </p:par>
+                  <p:par>
+                    <p:cTn id="7" fill="hold">
+                      <p:stCondLst>
+                        <p:cond delay="indefinite"/>
+                      </p:stCondLst>
+                      <p:childTnLst>
+                        <p:par>
+                          <p:cTn id="8" fill="hold">
+                            <p:stCondLst>
+                              <p:cond delay="0"/>
+                            </p:stCondLst>
+                            <p:childTnLst>
                               <p:par>
-                                <p:cTn id="9" presetID="1" presetClass="exit" presetSubtype="0" fill="hold" grpId="0" nodeType="withEffect">
+                                <p:cTn id="9" presetID="1" presetClass="exit" presetSubtype="0" fill="hold" grpId="0" nodeType="clickEffect">
                                   <p:stCondLst>
                                     <p:cond delay="0"/>
                                   </p:stCondLst>
@@ -30058,7 +30873,7 @@
                                           </p:stCondLst>
                                         </p:cTn>
                                         <p:tgtEl>
-                                          <p:spTgt spid="59"/>
+                                          <p:spTgt spid="79"/>
                                         </p:tgtEl>
                                         <p:attrNameLst>
                                           <p:attrName>style.visibility</p:attrName>
@@ -30085,6 +30900,60 @@
                                           </p:stCondLst>
                                         </p:cTn>
                                         <p:tgtEl>
+                                          <p:spTgt spid="49"/>
+                                        </p:tgtEl>
+                                        <p:attrNameLst>
+                                          <p:attrName>style.visibility</p:attrName>
+                                        </p:attrNameLst>
+                                      </p:cBhvr>
+                                      <p:to>
+                                        <p:strVal val="visible"/>
+                                      </p:to>
+                                    </p:set>
+                                  </p:childTnLst>
+                                </p:cTn>
+                              </p:par>
+                              <p:par>
+                                <p:cTn id="13" presetID="1" presetClass="exit" presetSubtype="0" fill="hold" grpId="0" nodeType="withEffect">
+                                  <p:stCondLst>
+                                    <p:cond delay="0"/>
+                                  </p:stCondLst>
+                                  <p:childTnLst>
+                                    <p:set>
+                                      <p:cBhvr>
+                                        <p:cTn id="14" dur="1" fill="hold">
+                                          <p:stCondLst>
+                                            <p:cond delay="0"/>
+                                          </p:stCondLst>
+                                        </p:cTn>
+                                        <p:tgtEl>
+                                          <p:spTgt spid="59"/>
+                                        </p:tgtEl>
+                                        <p:attrNameLst>
+                                          <p:attrName>style.visibility</p:attrName>
+                                        </p:attrNameLst>
+                                      </p:cBhvr>
+                                      <p:to>
+                                        <p:strVal val="hidden"/>
+                                      </p:to>
+                                    </p:set>
+                                  </p:childTnLst>
+                                </p:cTn>
+                              </p:par>
+                              <p:par>
+                                <p:cTn id="15" presetID="1" presetClass="entr" presetSubtype="0" fill="hold" grpId="0" nodeType="withEffect">
+                                  <p:stCondLst>
+                                    <p:cond delay="0"/>
+                                  </p:stCondLst>
+                                  <p:childTnLst>
+                                    <p:set>
+                                      <p:cBhvr>
+                                        <p:cTn id="16" dur="1" fill="hold">
+                                          <p:stCondLst>
+                                            <p:cond delay="0"/>
+                                          </p:stCondLst>
+                                        </p:cTn>
+                                        <p:tgtEl>
                                           <p:spTgt spid="66"/>
                                         </p:tgtEl>
                                         <p:attrNameLst>
@@ -30105,26 +30974,26 @@
                     </p:cTn>
                   </p:par>
                   <p:par>
-                    <p:cTn id="13" fill="hold">
+                    <p:cTn id="17" fill="hold">
                       <p:stCondLst>
                         <p:cond delay="indefinite"/>
                       </p:stCondLst>
                       <p:childTnLst>
                         <p:par>
-                          <p:cTn id="14" fill="hold">
+                          <p:cTn id="18" fill="hold">
                             <p:stCondLst>
                               <p:cond delay="0"/>
                             </p:stCondLst>
                             <p:childTnLst>
                               <p:par>
-                                <p:cTn id="15" presetID="1" presetClass="exit" presetSubtype="0" fill="hold" grpId="1" nodeType="clickEffect">
+                                <p:cTn id="19" presetID="1" presetClass="exit" presetSubtype="0" fill="hold" grpId="1" nodeType="clickEffect">
                                   <p:stCondLst>
                                     <p:cond delay="0"/>
                                   </p:stCondLst>
                                   <p:childTnLst>
                                     <p:set>
                                       <p:cBhvr>
-                                        <p:cTn id="16" dur="1" fill="hold">
+                                        <p:cTn id="20" dur="1" fill="hold">
                                           <p:stCondLst>
                                             <p:cond delay="0"/>
                                           </p:stCondLst>
@@ -30144,14 +31013,14 @@
                                 </p:cTn>
                               </p:par>
                               <p:par>
-                                <p:cTn id="17" presetID="1" presetClass="entr" presetSubtype="0" fill="hold" grpId="1" nodeType="withEffect">
+                                <p:cTn id="21" presetID="1" presetClass="entr" presetSubtype="0" fill="hold" grpId="1" nodeType="withEffect">
                                   <p:stCondLst>
                                     <p:cond delay="0"/>
                                   </p:stCondLst>
                                   <p:childTnLst>
                                     <p:set>
                                       <p:cBhvr>
-                                        <p:cTn id="18" dur="1" fill="hold">
+                                        <p:cTn id="22" dur="1" fill="hold">
                                           <p:stCondLst>
                                             <p:cond delay="0"/>
                                           </p:stCondLst>
@@ -30171,14 +31040,14 @@
                                 </p:cTn>
                               </p:par>
                               <p:par>
-                                <p:cTn id="19" presetID="1" presetClass="exit" presetSubtype="0" fill="hold" grpId="1" nodeType="withEffect">
+                                <p:cTn id="23" presetID="1" presetClass="exit" presetSubtype="0" fill="hold" grpId="1" nodeType="withEffect">
                                   <p:stCondLst>
                                     <p:cond delay="0"/>
                                   </p:stCondLst>
                                   <p:childTnLst>
                                     <p:set>
                                       <p:cBhvr>
-                                        <p:cTn id="20" dur="1" fill="hold">
+                                        <p:cTn id="24" dur="1" fill="hold">
                                           <p:stCondLst>
                                             <p:cond delay="0"/>
                                           </p:stCondLst>
@@ -30198,14 +31067,14 @@
                                 </p:cTn>
                               </p:par>
                               <p:par>
-                                <p:cTn id="21" presetID="1" presetClass="entr" presetSubtype="0" fill="hold" grpId="0" nodeType="withEffect">
+                                <p:cTn id="25" presetID="1" presetClass="entr" presetSubtype="0" fill="hold" grpId="0" nodeType="withEffect">
                                   <p:stCondLst>
                                     <p:cond delay="0"/>
                                   </p:stCondLst>
                                   <p:childTnLst>
                                     <p:set>
                                       <p:cBhvr>
-                                        <p:cTn id="22" dur="1" fill="hold">
+                                        <p:cTn id="26" dur="1" fill="hold">
                                           <p:stCondLst>
                                             <p:cond delay="0"/>
                                           </p:stCondLst>
@@ -30231,26 +31100,26 @@
                     </p:cTn>
                   </p:par>
                   <p:par>
-                    <p:cTn id="23" fill="hold">
+                    <p:cTn id="27" fill="hold">
                       <p:stCondLst>
                         <p:cond delay="indefinite"/>
                       </p:stCondLst>
                       <p:childTnLst>
                         <p:par>
-                          <p:cTn id="24" fill="hold">
+                          <p:cTn id="28" fill="hold">
                             <p:stCondLst>
                               <p:cond delay="0"/>
                             </p:stCondLst>
                             <p:childTnLst>
                               <p:par>
-                                <p:cTn id="25" presetID="1" presetClass="exit" presetSubtype="0" fill="hold" grpId="0" nodeType="clickEffect">
+                                <p:cTn id="29" presetID="1" presetClass="exit" presetSubtype="0" fill="hold" grpId="0" nodeType="clickEffect">
                                   <p:stCondLst>
                                     <p:cond delay="0"/>
                                   </p:stCondLst>
                                   <p:childTnLst>
                                     <p:set>
                                       <p:cBhvr>
-                                        <p:cTn id="26" dur="1" fill="hold">
+                                        <p:cTn id="30" dur="1" fill="hold">
                                           <p:stCondLst>
                                             <p:cond delay="0"/>
                                           </p:stCondLst>
@@ -30270,14 +31139,14 @@
                                 </p:cTn>
                               </p:par>
                               <p:par>
-                                <p:cTn id="27" presetID="1" presetClass="entr" presetSubtype="0" fill="hold" grpId="1" nodeType="withEffect">
+                                <p:cTn id="31" presetID="1" presetClass="entr" presetSubtype="0" fill="hold" grpId="1" nodeType="withEffect">
                                   <p:stCondLst>
                                     <p:cond delay="0"/>
                                   </p:stCondLst>
                                   <p:childTnLst>
                                     <p:set>
                                       <p:cBhvr>
-                                        <p:cTn id="28" dur="1" fill="hold">
+                                        <p:cTn id="32" dur="1" fill="hold">
                                           <p:stCondLst>
                                             <p:cond delay="0"/>
                                           </p:stCondLst>
@@ -30297,14 +31166,14 @@
                                 </p:cTn>
                               </p:par>
                               <p:par>
-                                <p:cTn id="29" presetID="1" presetClass="exit" presetSubtype="0" fill="hold" grpId="1" nodeType="withEffect">
+                                <p:cTn id="33" presetID="1" presetClass="exit" presetSubtype="0" fill="hold" grpId="1" nodeType="withEffect">
                                   <p:stCondLst>
                                     <p:cond delay="0"/>
                                   </p:stCondLst>
                                   <p:childTnLst>
                                     <p:set>
                                       <p:cBhvr>
-                                        <p:cTn id="30" dur="1" fill="hold">
+                                        <p:cTn id="34" dur="1" fill="hold">
                                           <p:stCondLst>
                                             <p:cond delay="0"/>
                                           </p:stCondLst>
@@ -30324,14 +31193,14 @@
                                 </p:cTn>
                               </p:par>
                               <p:par>
-                                <p:cTn id="31" presetID="1" presetClass="entr" presetSubtype="0" fill="hold" grpId="0" nodeType="withEffect">
+                                <p:cTn id="35" presetID="1" presetClass="entr" presetSubtype="0" fill="hold" grpId="0" nodeType="withEffect">
                                   <p:stCondLst>
                                     <p:cond delay="0"/>
                                   </p:stCondLst>
                                   <p:childTnLst>
                                     <p:set>
                                       <p:cBhvr>
-                                        <p:cTn id="32" dur="1" fill="hold">
+                                        <p:cTn id="36" dur="1" fill="hold">
                                           <p:stCondLst>
                                             <p:cond delay="0"/>
                                           </p:stCondLst>
@@ -30357,73 +31226,19 @@
                     </p:cTn>
                   </p:par>
                   <p:par>
-                    <p:cTn id="33" fill="hold">
+                    <p:cTn id="37" fill="hold">
                       <p:stCondLst>
                         <p:cond delay="indefinite"/>
                       </p:stCondLst>
                       <p:childTnLst>
                         <p:par>
-                          <p:cTn id="34" fill="hold">
+                          <p:cTn id="38" fill="hold">
                             <p:stCondLst>
                               <p:cond delay="0"/>
                             </p:stCondLst>
                             <p:childTnLst>
                               <p:par>
-                                <p:cTn id="35" presetID="1" presetClass="exit" presetSubtype="0" fill="hold" grpId="0" nodeType="clickEffect">
-                                  <p:stCondLst>
-                                    <p:cond delay="0"/>
-                                  </p:stCondLst>
-                                  <p:childTnLst>
-                                    <p:set>
-                                      <p:cBhvr>
-                                        <p:cTn id="36" dur="1" fill="hold">
-                                          <p:stCondLst>
-                                            <p:cond delay="0"/>
-                                          </p:stCondLst>
-                                        </p:cTn>
-                                        <p:tgtEl>
-                                          <p:spTgt spid="51"/>
-                                        </p:tgtEl>
-                                        <p:attrNameLst>
-                                          <p:attrName>style.visibility</p:attrName>
-                                        </p:attrNameLst>
-                                      </p:cBhvr>
-                                      <p:to>
-                                        <p:strVal val="hidden"/>
-                                      </p:to>
-                                    </p:set>
-                                  </p:childTnLst>
-                                </p:cTn>
-                              </p:par>
-                              <p:par>
-                                <p:cTn id="37" presetID="1" presetClass="entr" presetSubtype="0" fill="hold" grpId="1" nodeType="withEffect">
-                                  <p:stCondLst>
-                                    <p:cond delay="0"/>
-                                  </p:stCondLst>
-                                  <p:childTnLst>
-                                    <p:set>
-                                      <p:cBhvr>
-                                        <p:cTn id="38" dur="1" fill="hold">
-                                          <p:stCondLst>
-                                            <p:cond delay="0"/>
-                                          </p:stCondLst>
-                                        </p:cTn>
-                                        <p:tgtEl>
-                                          <p:spTgt spid="53"/>
-                                        </p:tgtEl>
-                                        <p:attrNameLst>
-                                          <p:attrName>style.visibility</p:attrName>
-                                        </p:attrNameLst>
-                                      </p:cBhvr>
-                                      <p:to>
-                                        <p:strVal val="visible"/>
-                                      </p:to>
-                                    </p:set>
-                                  </p:childTnLst>
-                                </p:cTn>
-                              </p:par>
-                              <p:par>
-                                <p:cTn id="39" presetID="1" presetClass="exit" presetSubtype="0" fill="hold" grpId="1" nodeType="withEffect">
+                                <p:cTn id="39" presetID="1" presetClass="exit" presetSubtype="0" fill="hold" grpId="0" nodeType="clickEffect">
                                   <p:stCondLst>
                                     <p:cond delay="0"/>
                                   </p:stCondLst>
@@ -30436,7 +31251,7 @@
                                           </p:stCondLst>
                                         </p:cTn>
                                         <p:tgtEl>
-                                          <p:spTgt spid="76"/>
+                                          <p:spTgt spid="51"/>
                                         </p:tgtEl>
                                         <p:attrNameLst>
                                           <p:attrName>style.visibility</p:attrName>
@@ -30463,6 +31278,60 @@
                                           </p:stCondLst>
                                         </p:cTn>
                                         <p:tgtEl>
+                                          <p:spTgt spid="53"/>
+                                        </p:tgtEl>
+                                        <p:attrNameLst>
+                                          <p:attrName>style.visibility</p:attrName>
+                                        </p:attrNameLst>
+                                      </p:cBhvr>
+                                      <p:to>
+                                        <p:strVal val="visible"/>
+                                      </p:to>
+                                    </p:set>
+                                  </p:childTnLst>
+                                </p:cTn>
+                              </p:par>
+                              <p:par>
+                                <p:cTn id="43" presetID="1" presetClass="exit" presetSubtype="0" fill="hold" grpId="1" nodeType="withEffect">
+                                  <p:stCondLst>
+                                    <p:cond delay="0"/>
+                                  </p:stCondLst>
+                                  <p:childTnLst>
+                                    <p:set>
+                                      <p:cBhvr>
+                                        <p:cTn id="44" dur="1" fill="hold">
+                                          <p:stCondLst>
+                                            <p:cond delay="0"/>
+                                          </p:stCondLst>
+                                        </p:cTn>
+                                        <p:tgtEl>
+                                          <p:spTgt spid="76"/>
+                                        </p:tgtEl>
+                                        <p:attrNameLst>
+                                          <p:attrName>style.visibility</p:attrName>
+                                        </p:attrNameLst>
+                                      </p:cBhvr>
+                                      <p:to>
+                                        <p:strVal val="hidden"/>
+                                      </p:to>
+                                    </p:set>
+                                  </p:childTnLst>
+                                </p:cTn>
+                              </p:par>
+                              <p:par>
+                                <p:cTn id="45" presetID="1" presetClass="entr" presetSubtype="0" fill="hold" grpId="1" nodeType="withEffect">
+                                  <p:stCondLst>
+                                    <p:cond delay="0"/>
+                                  </p:stCondLst>
+                                  <p:childTnLst>
+                                    <p:set>
+                                      <p:cBhvr>
+                                        <p:cTn id="46" dur="1" fill="hold">
+                                          <p:stCondLst>
+                                            <p:cond delay="0"/>
+                                          </p:stCondLst>
+                                        </p:cTn>
+                                        <p:tgtEl>
                                           <p:spTgt spid="69"/>
                                         </p:tgtEl>
                                         <p:attrNameLst>
@@ -30483,26 +31352,26 @@
                     </p:cTn>
                   </p:par>
                   <p:par>
-                    <p:cTn id="43" fill="hold">
+                    <p:cTn id="47" fill="hold">
                       <p:stCondLst>
                         <p:cond delay="indefinite"/>
                       </p:stCondLst>
                       <p:childTnLst>
                         <p:par>
-                          <p:cTn id="44" fill="hold">
+                          <p:cTn id="48" fill="hold">
                             <p:stCondLst>
                               <p:cond delay="0"/>
                             </p:stCondLst>
                             <p:childTnLst>
                               <p:par>
-                                <p:cTn id="45" presetID="1" presetClass="exit" presetSubtype="0" fill="hold" grpId="0" nodeType="clickEffect">
+                                <p:cTn id="49" presetID="1" presetClass="exit" presetSubtype="0" fill="hold" grpId="0" nodeType="clickEffect">
                                   <p:stCondLst>
                                     <p:cond delay="0"/>
                                   </p:stCondLst>
                                   <p:childTnLst>
                                     <p:set>
                                       <p:cBhvr>
-                                        <p:cTn id="46" dur="1" fill="hold">
+                                        <p:cTn id="50" dur="1" fill="hold">
                                           <p:stCondLst>
                                             <p:cond delay="0"/>
                                           </p:stCondLst>
@@ -30522,14 +31391,14 @@
                                 </p:cTn>
                               </p:par>
                               <p:par>
-                                <p:cTn id="47" presetID="1" presetClass="entr" presetSubtype="0" fill="hold" grpId="1" nodeType="withEffect">
+                                <p:cTn id="51" presetID="1" presetClass="entr" presetSubtype="0" fill="hold" grpId="1" nodeType="withEffect">
                                   <p:stCondLst>
                                     <p:cond delay="0"/>
                                   </p:stCondLst>
                                   <p:childTnLst>
                                     <p:set>
                                       <p:cBhvr>
-                                        <p:cTn id="48" dur="1" fill="hold">
+                                        <p:cTn id="52" dur="1" fill="hold">
                                           <p:stCondLst>
                                             <p:cond delay="0"/>
                                           </p:stCondLst>
@@ -30549,14 +31418,14 @@
                                 </p:cTn>
                               </p:par>
                               <p:par>
-                                <p:cTn id="49" presetID="1" presetClass="exit" presetSubtype="0" fill="hold" grpId="2" nodeType="withEffect">
+                                <p:cTn id="53" presetID="1" presetClass="exit" presetSubtype="0" fill="hold" grpId="2" nodeType="withEffect">
                                   <p:stCondLst>
                                     <p:cond delay="0"/>
                                   </p:stCondLst>
                                   <p:childTnLst>
                                     <p:set>
                                       <p:cBhvr>
-                                        <p:cTn id="50" dur="1" fill="hold">
+                                        <p:cTn id="54" dur="1" fill="hold">
                                           <p:stCondLst>
                                             <p:cond delay="0"/>
                                           </p:stCondLst>
@@ -30576,14 +31445,14 @@
                                 </p:cTn>
                               </p:par>
                               <p:par>
-                                <p:cTn id="51" presetID="1" presetClass="entr" presetSubtype="0" fill="hold" nodeType="withEffect">
+                                <p:cTn id="55" presetID="1" presetClass="entr" presetSubtype="0" fill="hold" nodeType="withEffect">
                                   <p:stCondLst>
                                     <p:cond delay="0"/>
                                   </p:stCondLst>
                                   <p:childTnLst>
                                     <p:set>
                                       <p:cBhvr>
-                                        <p:cTn id="52" dur="1" fill="hold">
+                                        <p:cTn id="56" dur="1" fill="hold">
                                           <p:stCondLst>
                                             <p:cond delay="0"/>
                                           </p:stCondLst>
@@ -30609,26 +31478,26 @@
                     </p:cTn>
                   </p:par>
                   <p:par>
-                    <p:cTn id="53" fill="hold">
+                    <p:cTn id="57" fill="hold">
                       <p:stCondLst>
                         <p:cond delay="indefinite"/>
                       </p:stCondLst>
                       <p:childTnLst>
                         <p:par>
-                          <p:cTn id="54" fill="hold">
+                          <p:cTn id="58" fill="hold">
                             <p:stCondLst>
                               <p:cond delay="0"/>
                             </p:stCondLst>
                             <p:childTnLst>
                               <p:par>
-                                <p:cTn id="55" presetID="1" presetClass="exit" presetSubtype="0" fill="hold" grpId="0" nodeType="clickEffect">
+                                <p:cTn id="59" presetID="1" presetClass="exit" presetSubtype="0" fill="hold" grpId="0" nodeType="clickEffect">
                                   <p:stCondLst>
                                     <p:cond delay="0"/>
                                   </p:stCondLst>
                                   <p:childTnLst>
                                     <p:set>
                                       <p:cBhvr>
-                                        <p:cTn id="56" dur="1" fill="hold">
+                                        <p:cTn id="60" dur="1" fill="hold">
                                           <p:stCondLst>
                                             <p:cond delay="0"/>
                                           </p:stCondLst>
@@ -30648,14 +31517,14 @@
                                 </p:cTn>
                               </p:par>
                               <p:par>
-                                <p:cTn id="57" presetID="1" presetClass="entr" presetSubtype="0" fill="hold" grpId="1" nodeType="withEffect">
+                                <p:cTn id="61" presetID="1" presetClass="entr" presetSubtype="0" fill="hold" grpId="1" nodeType="withEffect">
                                   <p:stCondLst>
                                     <p:cond delay="0"/>
                                   </p:stCondLst>
                                   <p:childTnLst>
                                     <p:set>
                                       <p:cBhvr>
-                                        <p:cTn id="58" dur="1" fill="hold">
+                                        <p:cTn id="62" dur="1" fill="hold">
                                           <p:stCondLst>
                                             <p:cond delay="0"/>
                                           </p:stCondLst>
@@ -30681,26 +31550,26 @@
                     </p:cTn>
                   </p:par>
                   <p:par>
-                    <p:cTn id="59" fill="hold">
+                    <p:cTn id="63" fill="hold">
                       <p:stCondLst>
                         <p:cond delay="indefinite"/>
                       </p:stCondLst>
                       <p:childTnLst>
                         <p:par>
-                          <p:cTn id="60" fill="hold">
+                          <p:cTn id="64" fill="hold">
                             <p:stCondLst>
                               <p:cond delay="0"/>
                             </p:stCondLst>
                             <p:childTnLst>
                               <p:par>
-                                <p:cTn id="61" presetID="1" presetClass="exit" presetSubtype="0" fill="hold" grpId="2" nodeType="clickEffect">
+                                <p:cTn id="65" presetID="1" presetClass="exit" presetSubtype="0" fill="hold" grpId="2" nodeType="clickEffect">
                                   <p:stCondLst>
                                     <p:cond delay="0"/>
                                   </p:stCondLst>
                                   <p:childTnLst>
                                     <p:set>
                                       <p:cBhvr>
-                                        <p:cTn id="62" dur="1" fill="hold">
+                                        <p:cTn id="66" dur="1" fill="hold">
                                           <p:stCondLst>
                                             <p:cond delay="0"/>
                                           </p:stCondLst>
@@ -30720,14 +31589,14 @@
                                 </p:cTn>
                               </p:par>
                               <p:par>
-                                <p:cTn id="63" presetID="1" presetClass="entr" presetSubtype="0" fill="hold" grpId="0" nodeType="withEffect">
+                                <p:cTn id="67" presetID="1" presetClass="entr" presetSubtype="0" fill="hold" grpId="0" nodeType="withEffect">
                                   <p:stCondLst>
                                     <p:cond delay="0"/>
                                   </p:stCondLst>
                                   <p:childTnLst>
                                     <p:set>
                                       <p:cBhvr>
-                                        <p:cTn id="64" dur="1" fill="hold">
+                                        <p:cTn id="68" dur="1" fill="hold">
                                           <p:stCondLst>
                                             <p:cond delay="0"/>
                                           </p:stCondLst>
@@ -30747,14 +31616,14 @@
                                 </p:cTn>
                               </p:par>
                               <p:par>
-                                <p:cTn id="65" presetID="1" presetClass="exit" presetSubtype="0" fill="hold" nodeType="withEffect">
+                                <p:cTn id="69" presetID="1" presetClass="exit" presetSubtype="0" fill="hold" nodeType="withEffect">
                                   <p:stCondLst>
                                     <p:cond delay="0"/>
                                   </p:stCondLst>
                                   <p:childTnLst>
                                     <p:set>
                                       <p:cBhvr>
-                                        <p:cTn id="66" dur="1" fill="hold">
+                                        <p:cTn id="70" dur="1" fill="hold">
                                           <p:stCondLst>
                                             <p:cond delay="0"/>
                                           </p:stCondLst>
@@ -30774,14 +31643,14 @@
                                 </p:cTn>
                               </p:par>
                               <p:par>
-                                <p:cTn id="67" presetID="1" presetClass="entr" presetSubtype="0" fill="hold" grpId="1" nodeType="withEffect">
+                                <p:cTn id="71" presetID="1" presetClass="entr" presetSubtype="0" fill="hold" grpId="1" nodeType="withEffect">
                                   <p:stCondLst>
                                     <p:cond delay="0"/>
                                   </p:stCondLst>
                                   <p:childTnLst>
                                     <p:set>
                                       <p:cBhvr>
-                                        <p:cTn id="68" dur="1" fill="hold">
+                                        <p:cTn id="72" dur="1" fill="hold">
                                           <p:stCondLst>
                                             <p:cond delay="0"/>
                                           </p:stCondLst>
@@ -30833,6 +31702,7 @@
       <p:bldP spid="54" grpId="0"/>
       <p:bldP spid="54" grpId="1"/>
       <p:bldP spid="79" grpId="0"/>
+      <p:bldP spid="79" grpId="1"/>
       <p:bldP spid="53" grpId="0"/>
       <p:bldP spid="53" grpId="1"/>
       <p:bldP spid="59" grpId="0"/>
@@ -31761,7 +32631,7 @@
                               <p:par>
                                 <p:cTn id="5" presetID="1" presetClass="entr" presetSubtype="0" fill="hold" grpId="0" nodeType="withEffect">
                                   <p:stCondLst>
-                                    <p:cond delay="1000"/>
+                                    <p:cond delay="2000"/>
                                   </p:stCondLst>
                                   <p:childTnLst>
                                     <p:set>
@@ -31830,15 +32700,24 @@
                                   </p:childTnLst>
                                 </p:cTn>
                               </p:par>
+                            </p:childTnLst>
+                          </p:cTn>
+                        </p:par>
+                        <p:par>
+                          <p:cTn id="11" fill="hold">
+                            <p:stCondLst>
+                              <p:cond delay="0"/>
+                            </p:stCondLst>
+                            <p:childTnLst>
                               <p:par>
-                                <p:cTn id="11" presetID="1" presetClass="entr" presetSubtype="0" fill="hold" grpId="0" nodeType="withEffect">
+                                <p:cTn id="12" presetID="1" presetClass="entr" presetSubtype="0" fill="hold" grpId="0" nodeType="afterEffect">
                                   <p:stCondLst>
-                                    <p:cond delay="1000"/>
+                                    <p:cond delay="300"/>
                                   </p:stCondLst>
                                   <p:childTnLst>
                                     <p:set>
                                       <p:cBhvr>
-                                        <p:cTn id="12" dur="1" fill="hold">
+                                        <p:cTn id="13" dur="1" fill="hold">
                                           <p:stCondLst>
                                             <p:cond delay="0"/>
                                           </p:stCondLst>
@@ -31864,26 +32743,26 @@
                     </p:cTn>
                   </p:par>
                   <p:par>
-                    <p:cTn id="13" fill="hold">
+                    <p:cTn id="14" fill="hold">
                       <p:stCondLst>
                         <p:cond delay="indefinite"/>
                       </p:stCondLst>
                       <p:childTnLst>
                         <p:par>
-                          <p:cTn id="14" fill="hold">
+                          <p:cTn id="15" fill="hold">
                             <p:stCondLst>
                               <p:cond delay="0"/>
                             </p:stCondLst>
                             <p:childTnLst>
                               <p:par>
-                                <p:cTn id="15" presetID="1" presetClass="exit" presetSubtype="0" fill="hold" grpId="1" nodeType="clickEffect">
+                                <p:cTn id="16" presetID="1" presetClass="exit" presetSubtype="0" fill="hold" grpId="1" nodeType="clickEffect">
                                   <p:stCondLst>
                                     <p:cond delay="0"/>
                                   </p:stCondLst>
                                   <p:childTnLst>
                                     <p:set>
                                       <p:cBhvr>
-                                        <p:cTn id="16" dur="1" fill="hold">
+                                        <p:cTn id="17" dur="1" fill="hold">
                                           <p:stCondLst>
                                             <p:cond delay="0"/>
                                           </p:stCondLst>
@@ -31902,15 +32781,24 @@
                                   </p:childTnLst>
                                 </p:cTn>
                               </p:par>
+                            </p:childTnLst>
+                          </p:cTn>
+                        </p:par>
+                        <p:par>
+                          <p:cTn id="18" fill="hold">
+                            <p:stCondLst>
+                              <p:cond delay="0"/>
+                            </p:stCondLst>
+                            <p:childTnLst>
                               <p:par>
-                                <p:cTn id="17" presetID="1" presetClass="entr" presetSubtype="0" fill="hold" grpId="0" nodeType="withEffect">
+                                <p:cTn id="19" presetID="1" presetClass="entr" presetSubtype="0" fill="hold" grpId="0" nodeType="afterEffect">
                                   <p:stCondLst>
-                                    <p:cond delay="1000"/>
+                                    <p:cond delay="300"/>
                                   </p:stCondLst>
                                   <p:childTnLst>
                                     <p:set>
                                       <p:cBhvr>
-                                        <p:cTn id="18" dur="1" fill="hold">
+                                        <p:cTn id="20" dur="1" fill="hold">
                                           <p:stCondLst>
                                             <p:cond delay="0"/>
                                           </p:stCondLst>
@@ -31936,26 +32824,26 @@
                     </p:cTn>
                   </p:par>
                   <p:par>
-                    <p:cTn id="19" fill="hold">
+                    <p:cTn id="21" fill="hold">
                       <p:stCondLst>
                         <p:cond delay="indefinite"/>
                       </p:stCondLst>
                       <p:childTnLst>
                         <p:par>
-                          <p:cTn id="20" fill="hold">
+                          <p:cTn id="22" fill="hold">
                             <p:stCondLst>
                               <p:cond delay="0"/>
                             </p:stCondLst>
                             <p:childTnLst>
                               <p:par>
-                                <p:cTn id="21" presetID="1" presetClass="exit" presetSubtype="0" fill="hold" grpId="1" nodeType="clickEffect">
+                                <p:cTn id="23" presetID="1" presetClass="exit" presetSubtype="0" fill="hold" grpId="1" nodeType="clickEffect">
                                   <p:stCondLst>
                                     <p:cond delay="0"/>
                                   </p:stCondLst>
                                   <p:childTnLst>
                                     <p:set>
                                       <p:cBhvr>
-                                        <p:cTn id="22" dur="1" fill="hold">
+                                        <p:cTn id="24" dur="1" fill="hold">
                                           <p:stCondLst>
                                             <p:cond delay="0"/>
                                           </p:stCondLst>
@@ -31974,15 +32862,24 @@
                                   </p:childTnLst>
                                 </p:cTn>
                               </p:par>
+                            </p:childTnLst>
+                          </p:cTn>
+                        </p:par>
+                        <p:par>
+                          <p:cTn id="25" fill="hold">
+                            <p:stCondLst>
+                              <p:cond delay="0"/>
+                            </p:stCondLst>
+                            <p:childTnLst>
                               <p:par>
-                                <p:cTn id="23" presetID="1" presetClass="entr" presetSubtype="0" fill="hold" grpId="0" nodeType="withEffect">
+                                <p:cTn id="26" presetID="1" presetClass="entr" presetSubtype="0" fill="hold" grpId="0" nodeType="afterEffect">
                                   <p:stCondLst>
-                                    <p:cond delay="1000"/>
+                                    <p:cond delay="300"/>
                                   </p:stCondLst>
                                   <p:childTnLst>
                                     <p:set>
                                       <p:cBhvr>
-                                        <p:cTn id="24" dur="1" fill="hold">
+                                        <p:cTn id="27" dur="1" fill="hold">
                                           <p:stCondLst>
                                             <p:cond delay="0"/>
                                           </p:stCondLst>
@@ -33344,7 +34241,7 @@
                               <p:par>
                                 <p:cTn id="12" presetID="1" presetClass="entr" presetSubtype="0" fill="hold" grpId="0" nodeType="afterEffect">
                                   <p:stCondLst>
-                                    <p:cond delay="1000"/>
+                                    <p:cond delay="2000"/>
                                   </p:stCondLst>
                                   <p:childTnLst>
                                     <p:set>
@@ -33425,7 +34322,7 @@
                               <p:par>
                                 <p:cTn id="19" presetID="1" presetClass="entr" presetSubtype="0" fill="hold" grpId="0" nodeType="afterEffect">
                                   <p:stCondLst>
-                                    <p:cond delay="1000"/>
+                                    <p:cond delay="2000"/>
                                   </p:stCondLst>
                                   <p:childTnLst>
                                     <p:set>
@@ -33609,7 +34506,7 @@
                               <p:par>
                                 <p:cTn id="34" presetID="1" presetClass="entr" presetSubtype="0" fill="hold" grpId="0" nodeType="afterEffect">
                                   <p:stCondLst>
-                                    <p:cond delay="0"/>
+                                    <p:cond delay="300"/>
                                   </p:stCondLst>
                                   <p:childTnLst>
                                     <p:set>
@@ -33690,7 +34587,7 @@
                               <p:par>
                                 <p:cTn id="41" presetID="1" presetClass="entr" presetSubtype="0" fill="hold" grpId="0" nodeType="afterEffect">
                                   <p:stCondLst>
-                                    <p:cond delay="1000"/>
+                                    <p:cond delay="300"/>
                                   </p:stCondLst>
                                   <p:childTnLst>
                                     <p:set>
@@ -33874,7 +34771,7 @@
                               <p:par>
                                 <p:cTn id="56" presetID="1" presetClass="entr" presetSubtype="0" fill="hold" grpId="0" nodeType="afterEffect">
                                   <p:stCondLst>
-                                    <p:cond delay="1000"/>
+                                    <p:cond delay="2000"/>
                                   </p:stCondLst>
                                   <p:childTnLst>
                                     <p:set>
@@ -34046,15 +34943,24 @@
                                   </p:childTnLst>
                                 </p:cTn>
                               </p:par>
+                            </p:childTnLst>
+                          </p:cTn>
+                        </p:par>
+                        <p:par>
+                          <p:cTn id="70" fill="hold">
+                            <p:stCondLst>
+                              <p:cond delay="0"/>
+                            </p:stCondLst>
+                            <p:childTnLst>
                               <p:par>
-                                <p:cTn id="70" presetID="1" presetClass="entr" presetSubtype="0" fill="hold" grpId="0" nodeType="withEffect">
+                                <p:cTn id="71" presetID="1" presetClass="entr" presetSubtype="0" fill="hold" grpId="0" nodeType="afterEffect">
                                   <p:stCondLst>
-                                    <p:cond delay="1000"/>
+                                    <p:cond delay="300"/>
                                   </p:stCondLst>
                                   <p:childTnLst>
                                     <p:set>
                                       <p:cBhvr>
-                                        <p:cTn id="71" dur="1" fill="hold">
+                                        <p:cTn id="72" dur="1" fill="hold">
                                           <p:stCondLst>
                                             <p:cond delay="0"/>
                                           </p:stCondLst>
@@ -36435,7 +37341,7 @@
                               <p:par>
                                 <p:cTn id="5" presetID="1" presetClass="entr" presetSubtype="0" fill="hold" grpId="0" nodeType="afterEffect">
                                   <p:stCondLst>
-                                    <p:cond delay="1000"/>
+                                    <p:cond delay="2000"/>
                                   </p:stCondLst>
                                   <p:childTnLst>
                                     <p:set>
@@ -36516,7 +37422,7 @@
                               <p:par>
                                 <p:cTn id="12" presetID="1" presetClass="entr" presetSubtype="0" fill="hold" grpId="0" nodeType="afterEffect">
                                   <p:stCondLst>
-                                    <p:cond delay="1000"/>
+                                    <p:cond delay="2000"/>
                                   </p:stCondLst>
                                   <p:childTnLst>
                                     <p:set>
@@ -36597,7 +37503,7 @@
                               <p:par>
                                 <p:cTn id="19" presetID="1" presetClass="entr" presetSubtype="0" fill="hold" grpId="0" nodeType="afterEffect">
                                   <p:stCondLst>
-                                    <p:cond delay="1000"/>
+                                    <p:cond delay="2000"/>
                                   </p:stCondLst>
                                   <p:childTnLst>
                                     <p:set>
@@ -36864,15 +37770,24 @@
                                   </p:childTnLst>
                                 </p:cTn>
                               </p:par>
+                            </p:childTnLst>
+                          </p:cTn>
+                        </p:par>
+                        <p:par>
+                          <p:cTn id="41" fill="hold">
+                            <p:stCondLst>
+                              <p:cond delay="0"/>
+                            </p:stCondLst>
+                            <p:childTnLst>
                               <p:par>
-                                <p:cTn id="41" presetID="1" presetClass="entr" presetSubtype="0" fill="hold" grpId="0" nodeType="withEffect">
+                                <p:cTn id="42" presetID="1" presetClass="entr" presetSubtype="0" fill="hold" grpId="0" nodeType="afterEffect">
                                   <p:stCondLst>
-                                    <p:cond delay="1000"/>
+                                    <p:cond delay="2000"/>
                                   </p:stCondLst>
                                   <p:childTnLst>
                                     <p:set>
                                       <p:cBhvr>
-                                        <p:cTn id="42" dur="1" fill="hold">
+                                        <p:cTn id="43" dur="1" fill="hold">
                                           <p:stCondLst>
                                             <p:cond delay="0"/>
                                           </p:stCondLst>
@@ -36898,26 +37813,26 @@
                     </p:cTn>
                   </p:par>
                   <p:par>
-                    <p:cTn id="43" fill="hold">
+                    <p:cTn id="44" fill="hold">
                       <p:stCondLst>
                         <p:cond delay="indefinite"/>
                       </p:stCondLst>
                       <p:childTnLst>
                         <p:par>
-                          <p:cTn id="44" fill="hold">
+                          <p:cTn id="45" fill="hold">
                             <p:stCondLst>
                               <p:cond delay="0"/>
                             </p:stCondLst>
                             <p:childTnLst>
                               <p:par>
-                                <p:cTn id="45" presetID="1" presetClass="exit" presetSubtype="0" fill="hold" grpId="1" nodeType="clickEffect">
+                                <p:cTn id="46" presetID="1" presetClass="exit" presetSubtype="0" fill="hold" grpId="1" nodeType="clickEffect">
                                   <p:stCondLst>
                                     <p:cond delay="0"/>
                                   </p:stCondLst>
                                   <p:childTnLst>
                                     <p:set>
                                       <p:cBhvr>
-                                        <p:cTn id="46" dur="1" fill="hold">
+                                        <p:cTn id="47" dur="1" fill="hold">
                                           <p:stCondLst>
                                             <p:cond delay="0"/>
                                           </p:stCondLst>
@@ -36937,14 +37852,14 @@
                                 </p:cTn>
                               </p:par>
                               <p:par>
-                                <p:cTn id="47" presetID="1" presetClass="entr" presetSubtype="0" fill="hold" grpId="0" nodeType="withEffect">
+                                <p:cTn id="48" presetID="1" presetClass="entr" presetSubtype="0" fill="hold" grpId="0" nodeType="withEffect">
                                   <p:stCondLst>
                                     <p:cond delay="0"/>
                                   </p:stCondLst>
                                   <p:childTnLst>
                                     <p:set>
                                       <p:cBhvr>
-                                        <p:cTn id="48" dur="1" fill="hold">
+                                        <p:cTn id="49" dur="1" fill="hold">
                                           <p:stCondLst>
                                             <p:cond delay="0"/>
                                           </p:stCondLst>
@@ -36964,14 +37879,14 @@
                                 </p:cTn>
                               </p:par>
                               <p:par>
-                                <p:cTn id="49" presetID="1" presetClass="entr" presetSubtype="0" fill="hold" nodeType="withEffect">
+                                <p:cTn id="50" presetID="1" presetClass="entr" presetSubtype="0" fill="hold" nodeType="withEffect">
                                   <p:stCondLst>
                                     <p:cond delay="0"/>
                                   </p:stCondLst>
                                   <p:childTnLst>
                                     <p:set>
                                       <p:cBhvr>
-                                        <p:cTn id="50" dur="1" fill="hold">
+                                        <p:cTn id="51" dur="1" fill="hold">
                                           <p:stCondLst>
                                             <p:cond delay="0"/>
                                           </p:stCondLst>
@@ -36997,26 +37912,26 @@
                     </p:cTn>
                   </p:par>
                   <p:par>
-                    <p:cTn id="51" fill="hold">
+                    <p:cTn id="52" fill="hold">
                       <p:stCondLst>
                         <p:cond delay="indefinite"/>
                       </p:stCondLst>
                       <p:childTnLst>
                         <p:par>
-                          <p:cTn id="52" fill="hold">
+                          <p:cTn id="53" fill="hold">
                             <p:stCondLst>
                               <p:cond delay="0"/>
                             </p:stCondLst>
                             <p:childTnLst>
                               <p:par>
-                                <p:cTn id="53" presetID="1" presetClass="exit" presetSubtype="0" fill="hold" grpId="1" nodeType="clickEffect">
+                                <p:cTn id="54" presetID="1" presetClass="exit" presetSubtype="0" fill="hold" grpId="1" nodeType="clickEffect">
                                   <p:stCondLst>
                                     <p:cond delay="0"/>
                                   </p:stCondLst>
                                   <p:childTnLst>
                                     <p:set>
                                       <p:cBhvr>
-                                        <p:cTn id="54" dur="1" fill="hold">
+                                        <p:cTn id="55" dur="1" fill="hold">
                                           <p:stCondLst>
                                             <p:cond delay="0"/>
                                           </p:stCondLst>
@@ -37036,14 +37951,14 @@
                                 </p:cTn>
                               </p:par>
                               <p:par>
-                                <p:cTn id="55" presetID="1" presetClass="entr" presetSubtype="0" fill="hold" grpId="0" nodeType="withEffect">
+                                <p:cTn id="56" presetID="1" presetClass="entr" presetSubtype="0" fill="hold" grpId="0" nodeType="withEffect">
                                   <p:stCondLst>
                                     <p:cond delay="0"/>
                                   </p:stCondLst>
                                   <p:childTnLst>
                                     <p:set>
                                       <p:cBhvr>
-                                        <p:cTn id="56" dur="1" fill="hold">
+                                        <p:cTn id="57" dur="1" fill="hold">
                                           <p:stCondLst>
                                             <p:cond delay="0"/>
                                           </p:stCondLst>
@@ -37063,14 +37978,14 @@
                                 </p:cTn>
                               </p:par>
                               <p:par>
-                                <p:cTn id="57" presetID="1" presetClass="entr" presetSubtype="0" fill="hold" nodeType="withEffect">
+                                <p:cTn id="58" presetID="1" presetClass="entr" presetSubtype="0" fill="hold" nodeType="withEffect">
                                   <p:stCondLst>
                                     <p:cond delay="0"/>
                                   </p:stCondLst>
                                   <p:childTnLst>
                                     <p:set>
                                       <p:cBhvr>
-                                        <p:cTn id="58" dur="1" fill="hold">
+                                        <p:cTn id="59" dur="1" fill="hold">
                                           <p:stCondLst>
                                             <p:cond delay="0"/>
                                           </p:stCondLst>
@@ -37096,26 +38011,26 @@
                     </p:cTn>
                   </p:par>
                   <p:par>
-                    <p:cTn id="59" fill="hold">
+                    <p:cTn id="60" fill="hold">
                       <p:stCondLst>
                         <p:cond delay="indefinite"/>
                       </p:stCondLst>
                       <p:childTnLst>
                         <p:par>
-                          <p:cTn id="60" fill="hold">
+                          <p:cTn id="61" fill="hold">
                             <p:stCondLst>
                               <p:cond delay="0"/>
                             </p:stCondLst>
                             <p:childTnLst>
                               <p:par>
-                                <p:cTn id="61" presetID="1" presetClass="exit" presetSubtype="0" fill="hold" grpId="1" nodeType="clickEffect">
+                                <p:cTn id="62" presetID="1" presetClass="exit" presetSubtype="0" fill="hold" grpId="1" nodeType="clickEffect">
                                   <p:stCondLst>
                                     <p:cond delay="0"/>
                                   </p:stCondLst>
                                   <p:childTnLst>
                                     <p:set>
                                       <p:cBhvr>
-                                        <p:cTn id="62" dur="1" fill="hold">
+                                        <p:cTn id="63" dur="1" fill="hold">
                                           <p:stCondLst>
                                             <p:cond delay="0"/>
                                           </p:stCondLst>
@@ -37134,15 +38049,24 @@
                                   </p:childTnLst>
                                 </p:cTn>
                               </p:par>
+                            </p:childTnLst>
+                          </p:cTn>
+                        </p:par>
+                        <p:par>
+                          <p:cTn id="64" fill="hold">
+                            <p:stCondLst>
+                              <p:cond delay="0"/>
+                            </p:stCondLst>
+                            <p:childTnLst>
                               <p:par>
-                                <p:cTn id="63" presetID="1" presetClass="entr" presetSubtype="0" fill="hold" grpId="0" nodeType="withEffect">
+                                <p:cTn id="65" presetID="1" presetClass="entr" presetSubtype="0" fill="hold" grpId="0" nodeType="afterEffect">
                                   <p:stCondLst>
-                                    <p:cond delay="0"/>
+                                    <p:cond delay="2000"/>
                                   </p:stCondLst>
                                   <p:childTnLst>
                                     <p:set>
                                       <p:cBhvr>
-                                        <p:cTn id="64" dur="1" fill="hold">
+                                        <p:cTn id="66" dur="1" fill="hold">
                                           <p:stCondLst>
                                             <p:cond delay="0"/>
                                           </p:stCondLst>
@@ -37168,26 +38092,26 @@
                     </p:cTn>
                   </p:par>
                   <p:par>
-                    <p:cTn id="65" fill="hold">
+                    <p:cTn id="67" fill="hold">
                       <p:stCondLst>
                         <p:cond delay="indefinite"/>
                       </p:stCondLst>
                       <p:childTnLst>
                         <p:par>
-                          <p:cTn id="66" fill="hold">
+                          <p:cTn id="68" fill="hold">
                             <p:stCondLst>
                               <p:cond delay="0"/>
                             </p:stCondLst>
                             <p:childTnLst>
                               <p:par>
-                                <p:cTn id="67" presetID="1" presetClass="exit" presetSubtype="0" fill="hold" grpId="1" nodeType="clickEffect">
+                                <p:cTn id="69" presetID="1" presetClass="exit" presetSubtype="0" fill="hold" grpId="1" nodeType="clickEffect">
                                   <p:stCondLst>
                                     <p:cond delay="0"/>
                                   </p:stCondLst>
                                   <p:childTnLst>
                                     <p:set>
                                       <p:cBhvr>
-                                        <p:cTn id="68" dur="1" fill="hold">
+                                        <p:cTn id="70" dur="1" fill="hold">
                                           <p:stCondLst>
                                             <p:cond delay="0"/>
                                           </p:stCondLst>
@@ -37207,14 +38131,14 @@
                                 </p:cTn>
                               </p:par>
                               <p:par>
-                                <p:cTn id="69" presetID="1" presetClass="entr" presetSubtype="0" fill="hold" grpId="0" nodeType="withEffect">
+                                <p:cTn id="71" presetID="1" presetClass="entr" presetSubtype="0" fill="hold" grpId="0" nodeType="withEffect">
                                   <p:stCondLst>
                                     <p:cond delay="0"/>
                                   </p:stCondLst>
                                   <p:childTnLst>
                                     <p:set>
                                       <p:cBhvr>
-                                        <p:cTn id="70" dur="1" fill="hold">
+                                        <p:cTn id="72" dur="1" fill="hold">
                                           <p:stCondLst>
                                             <p:cond delay="0"/>
                                           </p:stCondLst>
@@ -37234,14 +38158,14 @@
                                 </p:cTn>
                               </p:par>
                               <p:par>
-                                <p:cTn id="71" presetID="1" presetClass="entr" presetSubtype="0" fill="hold" nodeType="withEffect">
+                                <p:cTn id="73" presetID="1" presetClass="entr" presetSubtype="0" fill="hold" nodeType="withEffect">
                                   <p:stCondLst>
                                     <p:cond delay="0"/>
                                   </p:stCondLst>
                                   <p:childTnLst>
                                     <p:set>
                                       <p:cBhvr>
-                                        <p:cTn id="72" dur="1" fill="hold">
+                                        <p:cTn id="74" dur="1" fill="hold">
                                           <p:stCondLst>
                                             <p:cond delay="0"/>
                                           </p:stCondLst>
@@ -37267,26 +38191,26 @@
                     </p:cTn>
                   </p:par>
                   <p:par>
-                    <p:cTn id="73" fill="hold">
+                    <p:cTn id="75" fill="hold">
                       <p:stCondLst>
                         <p:cond delay="indefinite"/>
                       </p:stCondLst>
                       <p:childTnLst>
                         <p:par>
-                          <p:cTn id="74" fill="hold">
+                          <p:cTn id="76" fill="hold">
                             <p:stCondLst>
                               <p:cond delay="0"/>
                             </p:stCondLst>
                             <p:childTnLst>
                               <p:par>
-                                <p:cTn id="75" presetID="1" presetClass="exit" presetSubtype="0" fill="hold" grpId="1" nodeType="clickEffect">
+                                <p:cTn id="77" presetID="1" presetClass="exit" presetSubtype="0" fill="hold" grpId="1" nodeType="clickEffect">
                                   <p:stCondLst>
                                     <p:cond delay="0"/>
                                   </p:stCondLst>
                                   <p:childTnLst>
                                     <p:set>
                                       <p:cBhvr>
-                                        <p:cTn id="76" dur="1" fill="hold">
+                                        <p:cTn id="78" dur="1" fill="hold">
                                           <p:stCondLst>
                                             <p:cond delay="0"/>
                                           </p:stCondLst>
@@ -37309,20 +38233,20 @@
                           </p:cTn>
                         </p:par>
                         <p:par>
-                          <p:cTn id="77" fill="hold">
+                          <p:cTn id="79" fill="hold">
                             <p:stCondLst>
                               <p:cond delay="0"/>
                             </p:stCondLst>
                             <p:childTnLst>
                               <p:par>
-                                <p:cTn id="78" presetID="1" presetClass="entr" presetSubtype="0" fill="hold" grpId="0" nodeType="afterEffect">
+                                <p:cTn id="80" presetID="1" presetClass="entr" presetSubtype="0" fill="hold" grpId="0" nodeType="afterEffect">
                                   <p:stCondLst>
-                                    <p:cond delay="1000"/>
+                                    <p:cond delay="2000"/>
                                   </p:stCondLst>
                                   <p:childTnLst>
                                     <p:set>
                                       <p:cBhvr>
-                                        <p:cTn id="79" dur="1" fill="hold">
+                                        <p:cTn id="81" dur="1" fill="hold">
                                           <p:stCondLst>
                                             <p:cond delay="0"/>
                                           </p:stCondLst>
@@ -37348,26 +38272,26 @@
                     </p:cTn>
                   </p:par>
                   <p:par>
-                    <p:cTn id="80" fill="hold">
+                    <p:cTn id="82" fill="hold">
                       <p:stCondLst>
                         <p:cond delay="indefinite"/>
                       </p:stCondLst>
                       <p:childTnLst>
                         <p:par>
-                          <p:cTn id="81" fill="hold">
+                          <p:cTn id="83" fill="hold">
                             <p:stCondLst>
                               <p:cond delay="0"/>
                             </p:stCondLst>
                             <p:childTnLst>
                               <p:par>
-                                <p:cTn id="82" presetID="1" presetClass="exit" presetSubtype="0" fill="hold" grpId="1" nodeType="clickEffect">
+                                <p:cTn id="84" presetID="1" presetClass="exit" presetSubtype="0" fill="hold" grpId="1" nodeType="clickEffect">
                                   <p:stCondLst>
                                     <p:cond delay="0"/>
                                   </p:stCondLst>
                                   <p:childTnLst>
                                     <p:set>
                                       <p:cBhvr>
-                                        <p:cTn id="83" dur="1" fill="hold">
+                                        <p:cTn id="85" dur="1" fill="hold">
                                           <p:stCondLst>
                                             <p:cond delay="0"/>
                                           </p:stCondLst>
@@ -37390,20 +38314,20 @@
                           </p:cTn>
                         </p:par>
                         <p:par>
-                          <p:cTn id="84" fill="hold">
+                          <p:cTn id="86" fill="hold">
                             <p:stCondLst>
                               <p:cond delay="0"/>
                             </p:stCondLst>
                             <p:childTnLst>
                               <p:par>
-                                <p:cTn id="85" presetID="1" presetClass="entr" presetSubtype="0" fill="hold" grpId="0" nodeType="afterEffect">
+                                <p:cTn id="87" presetID="1" presetClass="entr" presetSubtype="0" fill="hold" grpId="0" nodeType="afterEffect">
                                   <p:stCondLst>
-                                    <p:cond delay="1000"/>
+                                    <p:cond delay="2000"/>
                                   </p:stCondLst>
                                   <p:childTnLst>
                                     <p:set>
                                       <p:cBhvr>
-                                        <p:cTn id="86" dur="1" fill="hold">
+                                        <p:cTn id="88" dur="1" fill="hold">
                                           <p:stCondLst>
                                             <p:cond delay="0"/>
                                           </p:stCondLst>

--- a/Comprehensive_Cpp_Intro.pptx
+++ b/Comprehensive_Cpp_Intro.pptx
@@ -217,7 +217,7 @@
           <a:p>
             <a:fld id="{3E3CD8AF-6384-4A1A-A56F-34CC2B14AA45}" type="datetimeFigureOut">
               <a:rPr lang="en-US" smtClean="0"/>
-              <a:t>6/24/2017</a:t>
+              <a:t>6/26/2017</a:t>
             </a:fld>
             <a:endParaRPr lang="en-US"/>
           </a:p>
@@ -5423,11 +5423,26 @@
                 </a:solidFill>
                 <a:latin typeface="Fira Sans Condensed"/>
               </a:rPr>
-              <a:t>The result can be returned, like before, as an output.</a:t>
+              <a:t>The result can be </a:t>
+            </a:r>
+            <a:r>
+              <a:rPr lang="en-US" sz="2400" dirty="0">
+                <a:solidFill>
+                  <a:schemeClr val="tx1">
+                    <a:lumMod val="95000"/>
+                    <a:lumOff val="5000"/>
+                  </a:schemeClr>
+                </a:solidFill>
+                <a:latin typeface="Fira Sans Condensed"/>
+              </a:rPr>
+              <a:t>returned</a:t>
             </a:r>
             <a:endParaRPr lang="en-US" sz="2400" b="0" strike="noStrike" spc="-1" dirty="0">
               <a:solidFill>
-                <a:schemeClr val="bg1"/>
+                <a:schemeClr val="tx1">
+                  <a:lumMod val="95000"/>
+                  <a:lumOff val="5000"/>
+                </a:schemeClr>
               </a:solidFill>
               <a:uFill>
                 <a:solidFill>
@@ -5493,6 +5508,75 @@
                 <a:latin typeface="Fira Sans Condensed"/>
               </a:rPr>
               <a:t>Thus, code is a list of steps that do a task. </a:t>
+            </a:r>
+            <a:endParaRPr lang="en-US" sz="2400" b="0" strike="noStrike" spc="-1" dirty="0">
+              <a:solidFill>
+                <a:schemeClr val="bg1"/>
+              </a:solidFill>
+              <a:uFill>
+                <a:solidFill>
+                  <a:srgbClr val="FFFFFF"/>
+                </a:solidFill>
+              </a:uFill>
+              <a:latin typeface="Fira Sans Condensed"/>
+            </a:endParaRPr>
+          </a:p>
+        </p:txBody>
+      </p:sp>
+      <p:sp>
+        <p:nvSpPr>
+          <p:cNvPr id="45" name="CustomShape 18">
+            <a:extLst>
+              <a:ext uri="{FF2B5EF4-FFF2-40B4-BE49-F238E27FC236}">
+                <a16:creationId xmlns:a16="http://schemas.microsoft.com/office/drawing/2014/main" id="{FE82109C-F2F9-44A4-BB22-095675FDD77E}"/>
+              </a:ext>
+            </a:extLst>
+          </p:cNvPr>
+          <p:cNvSpPr/>
+          <p:nvPr/>
+        </p:nvSpPr>
+        <p:spPr>
+          <a:xfrm>
+            <a:off x="0" y="3831336"/>
+            <a:ext cx="9143640" cy="1301040"/>
+          </a:xfrm>
+          <a:prstGeom prst="rect">
+            <a:avLst/>
+          </a:prstGeom>
+          <a:noFill/>
+          <a:ln>
+            <a:noFill/>
+          </a:ln>
+        </p:spPr>
+        <p:style>
+          <a:lnRef idx="0">
+            <a:scrgbClr r="0" g="0" b="0"/>
+          </a:lnRef>
+          <a:fillRef idx="0">
+            <a:scrgbClr r="0" g="0" b="0"/>
+          </a:fillRef>
+          <a:effectRef idx="0">
+            <a:scrgbClr r="0" g="0" b="0"/>
+          </a:effectRef>
+          <a:fontRef idx="minor"/>
+        </p:style>
+        <p:txBody>
+          <a:bodyPr tIns="91440" bIns="91440"/>
+          <a:lstStyle/>
+          <a:p>
+            <a:pPr>
+              <a:lnSpc>
+                <a:spcPct val="115000"/>
+              </a:lnSpc>
+            </a:pPr>
+            <a:r>
+              <a:rPr lang="en-US" sz="2400" dirty="0">
+                <a:solidFill>
+                  <a:schemeClr val="bg1"/>
+                </a:solidFill>
+                <a:latin typeface="Fira Sans Condensed"/>
+              </a:rPr>
+              <a:t>The result can be returned, like before, as an output.</a:t>
             </a:r>
             <a:endParaRPr lang="en-US" sz="2400" b="0" strike="noStrike" spc="-1" dirty="0">
               <a:solidFill>
@@ -6256,21 +6340,84 @@
                             </p:childTnLst>
                           </p:cTn>
                         </p:par>
+                      </p:childTnLst>
+                    </p:cTn>
+                  </p:par>
+                  <p:par>
+                    <p:cTn id="64" fill="hold">
+                      <p:stCondLst>
+                        <p:cond delay="indefinite"/>
+                      </p:stCondLst>
+                      <p:childTnLst>
                         <p:par>
-                          <p:cTn id="64" fill="hold">
+                          <p:cTn id="65" fill="hold">
                             <p:stCondLst>
-                              <p:cond delay="2000"/>
+                              <p:cond delay="0"/>
                             </p:stCondLst>
                             <p:childTnLst>
                               <p:par>
-                                <p:cTn id="65" presetID="1" presetClass="entr" presetSubtype="0" fill="hold" nodeType="afterEffect">
+                                <p:cTn id="66" presetID="1" presetClass="exit" presetSubtype="0" fill="hold" grpId="1" nodeType="clickEffect">
                                   <p:stCondLst>
                                     <p:cond delay="0"/>
                                   </p:stCondLst>
                                   <p:childTnLst>
                                     <p:set>
                                       <p:cBhvr>
-                                        <p:cTn id="66" dur="1" fill="hold">
+                                        <p:cTn id="67" dur="1" fill="hold">
+                                          <p:stCondLst>
+                                            <p:cond delay="0"/>
+                                          </p:stCondLst>
+                                        </p:cTn>
+                                        <p:tgtEl>
+                                          <p:spTgt spid="43"/>
+                                        </p:tgtEl>
+                                        <p:attrNameLst>
+                                          <p:attrName>style.visibility</p:attrName>
+                                        </p:attrNameLst>
+                                      </p:cBhvr>
+                                      <p:to>
+                                        <p:strVal val="hidden"/>
+                                      </p:to>
+                                    </p:set>
+                                  </p:childTnLst>
+                                </p:cTn>
+                              </p:par>
+                              <p:par>
+                                <p:cTn id="68" presetID="1" presetClass="entr" presetSubtype="0" fill="hold" grpId="0" nodeType="withEffect">
+                                  <p:stCondLst>
+                                    <p:cond delay="0"/>
+                                  </p:stCondLst>
+                                  <p:childTnLst>
+                                    <p:set>
+                                      <p:cBhvr>
+                                        <p:cTn id="69" dur="1" fill="hold">
+                                          <p:stCondLst>
+                                            <p:cond delay="0"/>
+                                          </p:stCondLst>
+                                        </p:cTn>
+                                        <p:tgtEl>
+                                          <p:spTgt spid="45"/>
+                                        </p:tgtEl>
+                                        <p:attrNameLst>
+                                          <p:attrName>style.visibility</p:attrName>
+                                        </p:attrNameLst>
+                                      </p:cBhvr>
+                                      <p:to>
+                                        <p:strVal val="visible"/>
+                                      </p:to>
+                                    </p:set>
+                                  </p:childTnLst>
+                                </p:cTn>
+                              </p:par>
+                              <p:par>
+                                <p:cTn id="70" presetID="1" presetClass="entr" presetSubtype="0" fill="hold" nodeType="withEffect">
+                                  <p:stCondLst>
+                                    <p:cond delay="0"/>
+                                  </p:stCondLst>
+                                  <p:childTnLst>
+                                    <p:set>
+                                      <p:cBhvr>
+                                        <p:cTn id="71" dur="1" fill="hold">
                                           <p:stCondLst>
                                             <p:cond delay="0"/>
                                           </p:stCondLst>
@@ -6296,32 +6443,32 @@
                     </p:cTn>
                   </p:par>
                   <p:par>
-                    <p:cTn id="67" fill="hold">
+                    <p:cTn id="72" fill="hold">
                       <p:stCondLst>
                         <p:cond delay="indefinite"/>
                       </p:stCondLst>
                       <p:childTnLst>
                         <p:par>
-                          <p:cTn id="68" fill="hold">
+                          <p:cTn id="73" fill="hold">
                             <p:stCondLst>
                               <p:cond delay="0"/>
                             </p:stCondLst>
                             <p:childTnLst>
                               <p:par>
-                                <p:cTn id="69" presetID="1" presetClass="exit" presetSubtype="0" fill="hold" grpId="1" nodeType="clickEffect">
+                                <p:cTn id="74" presetID="1" presetClass="exit" presetSubtype="0" fill="hold" grpId="1" nodeType="clickEffect">
                                   <p:stCondLst>
                                     <p:cond delay="0"/>
                                   </p:stCondLst>
                                   <p:childTnLst>
                                     <p:set>
                                       <p:cBhvr>
-                                        <p:cTn id="70" dur="1" fill="hold">
+                                        <p:cTn id="75" dur="1" fill="hold">
                                           <p:stCondLst>
                                             <p:cond delay="0"/>
                                           </p:stCondLst>
                                         </p:cTn>
                                         <p:tgtEl>
-                                          <p:spTgt spid="43"/>
+                                          <p:spTgt spid="45"/>
                                         </p:tgtEl>
                                         <p:attrNameLst>
                                           <p:attrName>style.visibility</p:attrName>
@@ -6338,20 +6485,20 @@
                           </p:cTn>
                         </p:par>
                         <p:par>
-                          <p:cTn id="71" fill="hold">
+                          <p:cTn id="76" fill="hold">
                             <p:stCondLst>
                               <p:cond delay="0"/>
                             </p:stCondLst>
                             <p:childTnLst>
                               <p:par>
-                                <p:cTn id="72" presetID="1" presetClass="entr" presetSubtype="0" fill="hold" grpId="0" nodeType="afterEffect">
+                                <p:cTn id="77" presetID="1" presetClass="entr" presetSubtype="0" fill="hold" grpId="0" nodeType="afterEffect">
                                   <p:stCondLst>
                                     <p:cond delay="2000"/>
                                   </p:stCondLst>
                                   <p:childTnLst>
                                     <p:set>
                                       <p:cBhvr>
-                                        <p:cTn id="73" dur="1" fill="hold">
+                                        <p:cTn id="78" dur="1" fill="hold">
                                           <p:stCondLst>
                                             <p:cond delay="0"/>
                                           </p:stCondLst>
@@ -6416,6 +6563,8 @@
       <p:bldP spid="43" grpId="0"/>
       <p:bldP spid="43" grpId="1"/>
       <p:bldP spid="44" grpId="0"/>
+      <p:bldP spid="45" grpId="0"/>
+      <p:bldP spid="45" grpId="1"/>
     </p:bldLst>
   </p:timing>
 </p:sld>
@@ -7031,7 +7180,7 @@
         </p:nvSpPr>
         <p:spPr>
           <a:xfrm>
-            <a:off x="0" y="3831336"/>
+            <a:off x="-360" y="3831336"/>
             <a:ext cx="9143640" cy="1301040"/>
           </a:xfrm>
           <a:prstGeom prst="rect">
@@ -7070,7 +7219,19 @@
                 </a:solidFill>
                 <a:latin typeface="Fira Sans Condensed"/>
               </a:rPr>
-              <a:t>C++ is compiled, which means that the human-readable code has to be translated into computer-readable code. This process takes anywhere from milliseconds to days and is done before code "works".</a:t>
+              <a:t>C++ is </a:t>
+            </a:r>
+            <a:r>
+              <a:rPr lang="en-US" sz="2400" dirty="0">
+                <a:solidFill>
+                  <a:schemeClr val="tx1">
+                    <a:lumMod val="95000"/>
+                    <a:lumOff val="5000"/>
+                  </a:schemeClr>
+                </a:solidFill>
+                <a:latin typeface="Fira Sans Condensed"/>
+              </a:rPr>
+              <a:t>compiled,</a:t>
             </a:r>
             <a:endParaRPr lang="en-US" sz="2400" b="0" strike="noStrike" spc="-1" dirty="0">
               <a:solidFill>
@@ -7100,7 +7261,7 @@
         </p:nvSpPr>
         <p:spPr>
           <a:xfrm>
-            <a:off x="0" y="3831336"/>
+            <a:off x="360" y="3831336"/>
             <a:ext cx="9143640" cy="1301040"/>
           </a:xfrm>
           <a:prstGeom prst="rect">
@@ -7144,7 +7305,154 @@
                 </a:uFill>
                 <a:latin typeface="Fira Sans Condensed"/>
               </a:rPr>
-              <a:t>Lastly, C++ is </a:t>
+              <a:t>The last </a:t>
+            </a:r>
+            <a:r>
+              <a:rPr lang="en-US" sz="2400" spc="-1" dirty="0">
+                <a:solidFill>
+                  <a:schemeClr val="bg1"/>
+                </a:solidFill>
+                <a:uFill>
+                  <a:solidFill>
+                    <a:srgbClr val="FFFFFF"/>
+                  </a:solidFill>
+                </a:uFill>
+                <a:latin typeface="Fira Sans Condensed"/>
+              </a:rPr>
+              <a:t>thing I want to mention now is that </a:t>
+            </a:r>
+            <a:r>
+              <a:rPr lang="en-US" sz="2400" b="0" strike="noStrike" spc="-1" dirty="0">
+                <a:solidFill>
+                  <a:schemeClr val="bg1"/>
+                </a:solidFill>
+                <a:uFill>
+                  <a:solidFill>
+                    <a:srgbClr val="FFFFFF"/>
+                  </a:solidFill>
+                </a:uFill>
+                <a:latin typeface="Fira Sans Condensed"/>
+              </a:rPr>
+              <a:t>C++ is </a:t>
+            </a:r>
+            <a:r>
+              <a:rPr lang="en-US" sz="2400" spc="-1" dirty="0">
+                <a:solidFill>
+                  <a:schemeClr val="tx1">
+                    <a:lumMod val="95000"/>
+                    <a:lumOff val="5000"/>
+                  </a:schemeClr>
+                </a:solidFill>
+                <a:uFill>
+                  <a:solidFill>
+                    <a:srgbClr val="FFFFFF"/>
+                  </a:solidFill>
+                </a:uFill>
+                <a:latin typeface="Fira Sans Condensed"/>
+              </a:rPr>
+              <a:t>constantly evolving.</a:t>
+            </a:r>
+            <a:endParaRPr lang="en-US" sz="2400" b="0" strike="noStrike" spc="-1" dirty="0">
+              <a:solidFill>
+                <a:schemeClr val="bg1"/>
+              </a:solidFill>
+              <a:uFill>
+                <a:solidFill>
+                  <a:srgbClr val="FFFFFF"/>
+                </a:solidFill>
+              </a:uFill>
+              <a:latin typeface="Fira Sans Condensed"/>
+            </a:endParaRPr>
+          </a:p>
+        </p:txBody>
+      </p:sp>
+      <p:sp>
+        <p:nvSpPr>
+          <p:cNvPr id="12" name="CustomShape 18">
+            <a:extLst>
+              <a:ext uri="{FF2B5EF4-FFF2-40B4-BE49-F238E27FC236}">
+                <a16:creationId xmlns:a16="http://schemas.microsoft.com/office/drawing/2014/main" id="{31BD3FA0-C457-4AB4-8691-6D9A123C7DB8}"/>
+              </a:ext>
+            </a:extLst>
+          </p:cNvPr>
+          <p:cNvSpPr/>
+          <p:nvPr/>
+        </p:nvSpPr>
+        <p:spPr>
+          <a:xfrm>
+            <a:off x="360" y="3831336"/>
+            <a:ext cx="9143640" cy="1301040"/>
+          </a:xfrm>
+          <a:prstGeom prst="rect">
+            <a:avLst/>
+          </a:prstGeom>
+          <a:noFill/>
+          <a:ln>
+            <a:noFill/>
+          </a:ln>
+        </p:spPr>
+        <p:style>
+          <a:lnRef idx="0">
+            <a:scrgbClr r="0" g="0" b="0"/>
+          </a:lnRef>
+          <a:fillRef idx="0">
+            <a:scrgbClr r="0" g="0" b="0"/>
+          </a:fillRef>
+          <a:effectRef idx="0">
+            <a:scrgbClr r="0" g="0" b="0"/>
+          </a:effectRef>
+          <a:fontRef idx="minor"/>
+        </p:style>
+        <p:txBody>
+          <a:bodyPr tIns="91440" bIns="91440"/>
+          <a:lstStyle/>
+          <a:p>
+            <a:pPr>
+              <a:lnSpc>
+                <a:spcPct val="115000"/>
+              </a:lnSpc>
+            </a:pPr>
+            <a:r>
+              <a:rPr lang="en-US" sz="2400" b="0" strike="noStrike" spc="-1" dirty="0">
+                <a:solidFill>
+                  <a:schemeClr val="bg1"/>
+                </a:solidFill>
+                <a:uFill>
+                  <a:solidFill>
+                    <a:srgbClr val="FFFFFF"/>
+                  </a:solidFill>
+                </a:uFill>
+                <a:latin typeface="Fira Sans Condensed"/>
+              </a:rPr>
+              <a:t>The last </a:t>
+            </a:r>
+            <a:r>
+              <a:rPr lang="en-US" sz="2400" spc="-1" dirty="0">
+                <a:solidFill>
+                  <a:schemeClr val="bg1"/>
+                </a:solidFill>
+                <a:uFill>
+                  <a:solidFill>
+                    <a:srgbClr val="FFFFFF"/>
+                  </a:solidFill>
+                </a:uFill>
+                <a:latin typeface="Fira Sans Condensed"/>
+              </a:rPr>
+              <a:t>thing I want to mention now is that </a:t>
+            </a:r>
+            <a:r>
+              <a:rPr lang="en-US" sz="2400" b="0" strike="noStrike" spc="-1" dirty="0">
+                <a:solidFill>
+                  <a:schemeClr val="bg1"/>
+                </a:solidFill>
+                <a:uFill>
+                  <a:solidFill>
+                    <a:srgbClr val="FFFFFF"/>
+                  </a:solidFill>
+                </a:uFill>
+                <a:latin typeface="Fira Sans Condensed"/>
+              </a:rPr>
+              <a:t>C++ is </a:t>
             </a:r>
             <a:r>
               <a:rPr lang="en-US" sz="2400" spc="-1" dirty="0">
@@ -7163,6 +7471,150 @@
             <a:endParaRPr lang="en-US" sz="2400" b="0" strike="noStrike" spc="-1" dirty="0">
               <a:solidFill>
                 <a:schemeClr val="bg1"/>
+              </a:solidFill>
+              <a:uFill>
+                <a:solidFill>
+                  <a:srgbClr val="FFFFFF"/>
+                </a:solidFill>
+              </a:uFill>
+              <a:latin typeface="Fira Sans Condensed"/>
+            </a:endParaRPr>
+          </a:p>
+        </p:txBody>
+      </p:sp>
+      <p:sp>
+        <p:nvSpPr>
+          <p:cNvPr id="13" name="CustomShape 18">
+            <a:extLst>
+              <a:ext uri="{FF2B5EF4-FFF2-40B4-BE49-F238E27FC236}">
+                <a16:creationId xmlns:a16="http://schemas.microsoft.com/office/drawing/2014/main" id="{6EF8344A-2972-4F21-B833-0B7E155FCF49}"/>
+              </a:ext>
+            </a:extLst>
+          </p:cNvPr>
+          <p:cNvSpPr/>
+          <p:nvPr/>
+        </p:nvSpPr>
+        <p:spPr>
+          <a:xfrm>
+            <a:off x="360" y="3831336"/>
+            <a:ext cx="9143640" cy="1301040"/>
+          </a:xfrm>
+          <a:prstGeom prst="rect">
+            <a:avLst/>
+          </a:prstGeom>
+          <a:noFill/>
+          <a:ln>
+            <a:noFill/>
+          </a:ln>
+        </p:spPr>
+        <p:style>
+          <a:lnRef idx="0">
+            <a:scrgbClr r="0" g="0" b="0"/>
+          </a:lnRef>
+          <a:fillRef idx="0">
+            <a:scrgbClr r="0" g="0" b="0"/>
+          </a:fillRef>
+          <a:effectRef idx="0">
+            <a:scrgbClr r="0" g="0" b="0"/>
+          </a:effectRef>
+          <a:fontRef idx="minor"/>
+        </p:style>
+        <p:txBody>
+          <a:bodyPr tIns="91440" bIns="91440"/>
+          <a:lstStyle/>
+          <a:p>
+            <a:pPr>
+              <a:lnSpc>
+                <a:spcPct val="115000"/>
+              </a:lnSpc>
+            </a:pPr>
+            <a:r>
+              <a:rPr lang="en-US" sz="2400" dirty="0">
+                <a:solidFill>
+                  <a:schemeClr val="bg1"/>
+                </a:solidFill>
+                <a:latin typeface="Fira Sans Condensed"/>
+              </a:rPr>
+              <a:t>C++ is compiled, which means that the human-readable code has to be translated into computer-readable code. This process takes anywhere from milliseconds to days and is done before code "works".</a:t>
+            </a:r>
+            <a:endParaRPr lang="en-US" sz="2400" b="0" strike="noStrike" spc="-1" dirty="0">
+              <a:solidFill>
+                <a:schemeClr val="bg1"/>
+              </a:solidFill>
+              <a:uFill>
+                <a:solidFill>
+                  <a:srgbClr val="FFFFFF"/>
+                </a:solidFill>
+              </a:uFill>
+              <a:latin typeface="Fira Sans Condensed"/>
+            </a:endParaRPr>
+          </a:p>
+        </p:txBody>
+      </p:sp>
+      <p:sp>
+        <p:nvSpPr>
+          <p:cNvPr id="15" name="CustomShape 18">
+            <a:extLst>
+              <a:ext uri="{FF2B5EF4-FFF2-40B4-BE49-F238E27FC236}">
+                <a16:creationId xmlns:a16="http://schemas.microsoft.com/office/drawing/2014/main" id="{4BCAD849-EC44-46DE-B71F-643560BEC3EE}"/>
+              </a:ext>
+            </a:extLst>
+          </p:cNvPr>
+          <p:cNvSpPr/>
+          <p:nvPr/>
+        </p:nvSpPr>
+        <p:spPr>
+          <a:xfrm>
+            <a:off x="5029200" y="0"/>
+            <a:ext cx="4114800" cy="1828800"/>
+          </a:xfrm>
+          <a:prstGeom prst="rect">
+            <a:avLst/>
+          </a:prstGeom>
+          <a:noFill/>
+          <a:ln>
+            <a:noFill/>
+          </a:ln>
+        </p:spPr>
+        <p:style>
+          <a:lnRef idx="0">
+            <a:scrgbClr r="0" g="0" b="0"/>
+          </a:lnRef>
+          <a:fillRef idx="0">
+            <a:scrgbClr r="0" g="0" b="0"/>
+          </a:fillRef>
+          <a:effectRef idx="0">
+            <a:scrgbClr r="0" g="0" b="0"/>
+          </a:effectRef>
+          <a:fontRef idx="minor"/>
+        </p:style>
+        <p:txBody>
+          <a:bodyPr tIns="91440" bIns="91440"/>
+          <a:lstStyle/>
+          <a:p>
+            <a:pPr>
+              <a:lnSpc>
+                <a:spcPct val="115000"/>
+              </a:lnSpc>
+            </a:pPr>
+            <a:r>
+              <a:rPr lang="en-US" sz="2400" dirty="0">
+                <a:solidFill>
+                  <a:schemeClr val="tx1">
+                    <a:lumMod val="75000"/>
+                    <a:lumOff val="25000"/>
+                  </a:schemeClr>
+                </a:solidFill>
+                <a:latin typeface="Fira Sans Condensed"/>
+              </a:rPr>
+              <a:t>I know what you're thinking: "With such a convincing argument, why use any other language?" &lt; humor &gt;</a:t>
+            </a:r>
+            <a:endParaRPr lang="en-US" sz="2400" b="0" strike="noStrike" spc="-1" dirty="0">
+              <a:solidFill>
+                <a:schemeClr val="tx1">
+                  <a:lumMod val="75000"/>
+                  <a:lumOff val="25000"/>
+                </a:schemeClr>
               </a:solidFill>
               <a:uFill>
                 <a:solidFill>
@@ -7508,21 +7960,84 @@
                             </p:childTnLst>
                           </p:cTn>
                         </p:par>
+                      </p:childTnLst>
+                    </p:cTn>
+                  </p:par>
+                  <p:par>
+                    <p:cTn id="30" fill="hold">
+                      <p:stCondLst>
+                        <p:cond delay="indefinite"/>
+                      </p:stCondLst>
+                      <p:childTnLst>
                         <p:par>
-                          <p:cTn id="30" fill="hold">
+                          <p:cTn id="31" fill="hold">
                             <p:stCondLst>
-                              <p:cond delay="2000"/>
+                              <p:cond delay="0"/>
                             </p:stCondLst>
                             <p:childTnLst>
                               <p:par>
-                                <p:cTn id="31" presetID="1" presetClass="entr" presetSubtype="0" fill="hold" grpId="0" nodeType="afterEffect">
+                                <p:cTn id="32" presetID="1" presetClass="exit" presetSubtype="0" fill="hold" grpId="1" nodeType="clickEffect">
                                   <p:stCondLst>
                                     <p:cond delay="0"/>
                                   </p:stCondLst>
                                   <p:childTnLst>
                                     <p:set>
                                       <p:cBhvr>
-                                        <p:cTn id="32" dur="1" fill="hold">
+                                        <p:cTn id="33" dur="1" fill="hold">
+                                          <p:stCondLst>
+                                            <p:cond delay="0"/>
+                                          </p:stCondLst>
+                                        </p:cTn>
+                                        <p:tgtEl>
+                                          <p:spTgt spid="14"/>
+                                        </p:tgtEl>
+                                        <p:attrNameLst>
+                                          <p:attrName>style.visibility</p:attrName>
+                                        </p:attrNameLst>
+                                      </p:cBhvr>
+                                      <p:to>
+                                        <p:strVal val="hidden"/>
+                                      </p:to>
+                                    </p:set>
+                                  </p:childTnLst>
+                                </p:cTn>
+                              </p:par>
+                              <p:par>
+                                <p:cTn id="34" presetID="1" presetClass="entr" presetSubtype="0" fill="hold" grpId="0" nodeType="withEffect">
+                                  <p:stCondLst>
+                                    <p:cond delay="0"/>
+                                  </p:stCondLst>
+                                  <p:childTnLst>
+                                    <p:set>
+                                      <p:cBhvr>
+                                        <p:cTn id="35" dur="1" fill="hold">
+                                          <p:stCondLst>
+                                            <p:cond delay="0"/>
+                                          </p:stCondLst>
+                                        </p:cTn>
+                                        <p:tgtEl>
+                                          <p:spTgt spid="13"/>
+                                        </p:tgtEl>
+                                        <p:attrNameLst>
+                                          <p:attrName>style.visibility</p:attrName>
+                                        </p:attrNameLst>
+                                      </p:cBhvr>
+                                      <p:to>
+                                        <p:strVal val="visible"/>
+                                      </p:to>
+                                    </p:set>
+                                  </p:childTnLst>
+                                </p:cTn>
+                              </p:par>
+                              <p:par>
+                                <p:cTn id="36" presetID="1" presetClass="entr" presetSubtype="0" fill="hold" grpId="0" nodeType="withEffect">
+                                  <p:stCondLst>
+                                    <p:cond delay="0"/>
+                                  </p:stCondLst>
+                                  <p:childTnLst>
+                                    <p:set>
+                                      <p:cBhvr>
+                                        <p:cTn id="37" dur="1" fill="hold">
                                           <p:stCondLst>
                                             <p:cond delay="0"/>
                                           </p:stCondLst>
@@ -7552,32 +8067,32 @@
                     </p:cTn>
                   </p:par>
                   <p:par>
-                    <p:cTn id="33" fill="hold">
+                    <p:cTn id="38" fill="hold">
                       <p:stCondLst>
                         <p:cond delay="indefinite"/>
                       </p:stCondLst>
                       <p:childTnLst>
                         <p:par>
-                          <p:cTn id="34" fill="hold">
+                          <p:cTn id="39" fill="hold">
                             <p:stCondLst>
                               <p:cond delay="0"/>
                             </p:stCondLst>
                             <p:childTnLst>
                               <p:par>
-                                <p:cTn id="35" presetID="1" presetClass="exit" presetSubtype="0" fill="hold" grpId="1" nodeType="clickEffect">
+                                <p:cTn id="40" presetID="1" presetClass="exit" presetSubtype="0" fill="hold" grpId="1" nodeType="clickEffect">
                                   <p:stCondLst>
                                     <p:cond delay="0"/>
                                   </p:stCondLst>
                                   <p:childTnLst>
                                     <p:set>
                                       <p:cBhvr>
-                                        <p:cTn id="36" dur="1" fill="hold">
+                                        <p:cTn id="41" dur="1" fill="hold">
                                           <p:stCondLst>
                                             <p:cond delay="0"/>
                                           </p:stCondLst>
                                         </p:cTn>
                                         <p:tgtEl>
-                                          <p:spTgt spid="14"/>
+                                          <p:spTgt spid="13"/>
                                         </p:tgtEl>
                                         <p:attrNameLst>
                                           <p:attrName>style.visibility</p:attrName>
@@ -7594,20 +8109,20 @@
                           </p:cTn>
                         </p:par>
                         <p:par>
-                          <p:cTn id="37" fill="hold">
+                          <p:cTn id="42" fill="hold">
                             <p:stCondLst>
                               <p:cond delay="0"/>
                             </p:stCondLst>
                             <p:childTnLst>
                               <p:par>
-                                <p:cTn id="38" presetID="1" presetClass="entr" presetSubtype="0" fill="hold" grpId="0" nodeType="afterEffect">
+                                <p:cTn id="43" presetID="1" presetClass="entr" presetSubtype="0" fill="hold" grpId="0" nodeType="afterEffect">
                                   <p:stCondLst>
                                     <p:cond delay="2000"/>
                                   </p:stCondLst>
                                   <p:childTnLst>
                                     <p:set>
                                       <p:cBhvr>
-                                        <p:cTn id="39" dur="1" fill="hold">
+                                        <p:cTn id="44" dur="1" fill="hold">
                                           <p:stCondLst>
                                             <p:cond delay="0"/>
                                           </p:stCondLst>
@@ -7629,21 +8144,84 @@
                             </p:childTnLst>
                           </p:cTn>
                         </p:par>
+                      </p:childTnLst>
+                    </p:cTn>
+                  </p:par>
+                  <p:par>
+                    <p:cTn id="45" fill="hold">
+                      <p:stCondLst>
+                        <p:cond delay="indefinite"/>
+                      </p:stCondLst>
+                      <p:childTnLst>
                         <p:par>
-                          <p:cTn id="40" fill="hold">
+                          <p:cTn id="46" fill="hold">
                             <p:stCondLst>
-                              <p:cond delay="2000"/>
+                              <p:cond delay="0"/>
                             </p:stCondLst>
                             <p:childTnLst>
                               <p:par>
-                                <p:cTn id="41" presetID="1" presetClass="entr" presetSubtype="0" fill="hold" grpId="0" nodeType="afterEffect">
+                                <p:cTn id="47" presetID="1" presetClass="exit" presetSubtype="0" fill="hold" grpId="1" nodeType="clickEffect">
                                   <p:stCondLst>
                                     <p:cond delay="0"/>
                                   </p:stCondLst>
                                   <p:childTnLst>
                                     <p:set>
                                       <p:cBhvr>
-                                        <p:cTn id="42" dur="1" fill="hold">
+                                        <p:cTn id="48" dur="1" fill="hold">
+                                          <p:stCondLst>
+                                            <p:cond delay="0"/>
+                                          </p:stCondLst>
+                                        </p:cTn>
+                                        <p:tgtEl>
+                                          <p:spTgt spid="16"/>
+                                        </p:tgtEl>
+                                        <p:attrNameLst>
+                                          <p:attrName>style.visibility</p:attrName>
+                                        </p:attrNameLst>
+                                      </p:cBhvr>
+                                      <p:to>
+                                        <p:strVal val="hidden"/>
+                                      </p:to>
+                                    </p:set>
+                                  </p:childTnLst>
+                                </p:cTn>
+                              </p:par>
+                              <p:par>
+                                <p:cTn id="49" presetID="1" presetClass="entr" presetSubtype="0" fill="hold" grpId="0" nodeType="withEffect">
+                                  <p:stCondLst>
+                                    <p:cond delay="0"/>
+                                  </p:stCondLst>
+                                  <p:childTnLst>
+                                    <p:set>
+                                      <p:cBhvr>
+                                        <p:cTn id="50" dur="1" fill="hold">
+                                          <p:stCondLst>
+                                            <p:cond delay="0"/>
+                                          </p:stCondLst>
+                                        </p:cTn>
+                                        <p:tgtEl>
+                                          <p:spTgt spid="12"/>
+                                        </p:tgtEl>
+                                        <p:attrNameLst>
+                                          <p:attrName>style.visibility</p:attrName>
+                                        </p:attrNameLst>
+                                      </p:cBhvr>
+                                      <p:to>
+                                        <p:strVal val="visible"/>
+                                      </p:to>
+                                    </p:set>
+                                  </p:childTnLst>
+                                </p:cTn>
+                              </p:par>
+                              <p:par>
+                                <p:cTn id="51" presetID="1" presetClass="entr" presetSubtype="0" fill="hold" grpId="0" nodeType="withEffect">
+                                  <p:stCondLst>
+                                    <p:cond delay="0"/>
+                                  </p:stCondLst>
+                                  <p:childTnLst>
+                                    <p:set>
+                                      <p:cBhvr>
+                                        <p:cTn id="52" dur="1" fill="hold">
                                           <p:stCondLst>
                                             <p:cond delay="0"/>
                                           </p:stCondLst>
@@ -7673,32 +8251,32 @@
                     </p:cTn>
                   </p:par>
                   <p:par>
-                    <p:cTn id="43" fill="hold">
+                    <p:cTn id="53" fill="hold">
                       <p:stCondLst>
                         <p:cond delay="indefinite"/>
                       </p:stCondLst>
                       <p:childTnLst>
                         <p:par>
-                          <p:cTn id="44" fill="hold">
+                          <p:cTn id="54" fill="hold">
                             <p:stCondLst>
                               <p:cond delay="0"/>
                             </p:stCondLst>
                             <p:childTnLst>
                               <p:par>
-                                <p:cTn id="45" presetID="1" presetClass="exit" presetSubtype="0" fill="hold" grpId="1" nodeType="clickEffect">
+                                <p:cTn id="55" presetID="1" presetClass="exit" presetSubtype="0" fill="hold" grpId="1" nodeType="clickEffect">
                                   <p:stCondLst>
                                     <p:cond delay="0"/>
                                   </p:stCondLst>
                                   <p:childTnLst>
                                     <p:set>
                                       <p:cBhvr>
-                                        <p:cTn id="46" dur="1" fill="hold">
+                                        <p:cTn id="56" dur="1" fill="hold">
                                           <p:stCondLst>
                                             <p:cond delay="0"/>
                                           </p:stCondLst>
                                         </p:cTn>
                                         <p:tgtEl>
-                                          <p:spTgt spid="16"/>
+                                          <p:spTgt spid="12"/>
                                         </p:tgtEl>
                                         <p:attrNameLst>
                                           <p:attrName>style.visibility</p:attrName>
@@ -7715,20 +8293,20 @@
                           </p:cTn>
                         </p:par>
                         <p:par>
-                          <p:cTn id="47" fill="hold">
+                          <p:cTn id="57" fill="hold">
                             <p:stCondLst>
                               <p:cond delay="0"/>
                             </p:stCondLst>
                             <p:childTnLst>
                               <p:par>
-                                <p:cTn id="48" presetID="1" presetClass="entr" presetSubtype="0" fill="hold" grpId="0" nodeType="afterEffect">
+                                <p:cTn id="58" presetID="1" presetClass="entr" presetSubtype="0" fill="hold" grpId="0" nodeType="afterEffect">
                                   <p:stCondLst>
                                     <p:cond delay="2000"/>
                                   </p:stCondLst>
                                   <p:childTnLst>
                                     <p:set>
                                       <p:cBhvr>
-                                        <p:cTn id="49" dur="1" fill="hold">
+                                        <p:cTn id="59" dur="1" fill="hold">
                                           <p:stCondLst>
                                             <p:cond delay="0"/>
                                           </p:stCondLst>
@@ -7754,26 +8332,26 @@
                     </p:cTn>
                   </p:par>
                   <p:par>
-                    <p:cTn id="50" fill="hold">
+                    <p:cTn id="60" fill="hold">
                       <p:stCondLst>
                         <p:cond delay="indefinite"/>
                       </p:stCondLst>
                       <p:childTnLst>
                         <p:par>
-                          <p:cTn id="51" fill="hold">
+                          <p:cTn id="61" fill="hold">
                             <p:stCondLst>
                               <p:cond delay="0"/>
                             </p:stCondLst>
                             <p:childTnLst>
                               <p:par>
-                                <p:cTn id="52" presetID="1" presetClass="exit" presetSubtype="0" fill="hold" grpId="1" nodeType="clickEffect">
+                                <p:cTn id="62" presetID="1" presetClass="exit" presetSubtype="0" fill="hold" grpId="1" nodeType="clickEffect">
                                   <p:stCondLst>
                                     <p:cond delay="0"/>
                                   </p:stCondLst>
                                   <p:childTnLst>
                                     <p:set>
                                       <p:cBhvr>
-                                        <p:cTn id="53" dur="1" fill="hold">
+                                        <p:cTn id="63" dur="1" fill="hold">
                                           <p:stCondLst>
                                             <p:cond delay="0"/>
                                           </p:stCondLst>
@@ -7796,20 +8374,20 @@
                           </p:cTn>
                         </p:par>
                         <p:par>
-                          <p:cTn id="54" fill="hold">
+                          <p:cTn id="64" fill="hold">
                             <p:stCondLst>
                               <p:cond delay="0"/>
                             </p:stCondLst>
                             <p:childTnLst>
                               <p:par>
-                                <p:cTn id="55" presetID="1" presetClass="entr" presetSubtype="0" fill="hold" grpId="0" nodeType="afterEffect">
+                                <p:cTn id="65" presetID="1" presetClass="entr" presetSubtype="0" fill="hold" grpId="0" nodeType="afterEffect">
                                   <p:stCondLst>
                                     <p:cond delay="1000"/>
                                   </p:stCondLst>
                                   <p:childTnLst>
                                     <p:set>
                                       <p:cBhvr>
-                                        <p:cTn id="56" dur="1" fill="hold">
+                                        <p:cTn id="66" dur="1" fill="hold">
                                           <p:stCondLst>
                                             <p:cond delay="0"/>
                                           </p:stCondLst>
@@ -7835,26 +8413,26 @@
                     </p:cTn>
                   </p:par>
                   <p:par>
-                    <p:cTn id="57" fill="hold">
+                    <p:cTn id="67" fill="hold">
                       <p:stCondLst>
                         <p:cond delay="indefinite"/>
                       </p:stCondLst>
                       <p:childTnLst>
                         <p:par>
-                          <p:cTn id="58" fill="hold">
+                          <p:cTn id="68" fill="hold">
                             <p:stCondLst>
                               <p:cond delay="0"/>
                             </p:stCondLst>
                             <p:childTnLst>
                               <p:par>
-                                <p:cTn id="59" presetID="1" presetClass="exit" presetSubtype="0" fill="hold" grpId="1" nodeType="clickEffect">
+                                <p:cTn id="69" presetID="1" presetClass="exit" presetSubtype="0" fill="hold" grpId="1" nodeType="clickEffect">
                                   <p:stCondLst>
                                     <p:cond delay="0"/>
                                   </p:stCondLst>
                                   <p:childTnLst>
                                     <p:set>
                                       <p:cBhvr>
-                                        <p:cTn id="60" dur="1" fill="hold">
+                                        <p:cTn id="70" dur="1" fill="hold">
                                           <p:stCondLst>
                                             <p:cond delay="0"/>
                                           </p:stCondLst>
@@ -7873,24 +8451,51 @@
                                   </p:childTnLst>
                                 </p:cTn>
                               </p:par>
+                              <p:par>
+                                <p:cTn id="71" presetID="1" presetClass="entr" presetSubtype="0" fill="hold" grpId="0" nodeType="withEffect">
+                                  <p:stCondLst>
+                                    <p:cond delay="0"/>
+                                  </p:stCondLst>
+                                  <p:childTnLst>
+                                    <p:set>
+                                      <p:cBhvr>
+                                        <p:cTn id="72" dur="1" fill="hold">
+                                          <p:stCondLst>
+                                            <p:cond delay="0"/>
+                                          </p:stCondLst>
+                                        </p:cTn>
+                                        <p:tgtEl>
+                                          <p:spTgt spid="15"/>
+                                        </p:tgtEl>
+                                        <p:attrNameLst>
+                                          <p:attrName>style.visibility</p:attrName>
+                                        </p:attrNameLst>
+                                      </p:cBhvr>
+                                      <p:to>
+                                        <p:strVal val="visible"/>
+                                      </p:to>
+                                    </p:set>
+                                  </p:childTnLst>
+                                </p:cTn>
+                              </p:par>
                             </p:childTnLst>
                           </p:cTn>
                         </p:par>
                         <p:par>
-                          <p:cTn id="61" fill="hold">
+                          <p:cTn id="73" fill="hold">
                             <p:stCondLst>
                               <p:cond delay="0"/>
                             </p:stCondLst>
                             <p:childTnLst>
                               <p:par>
-                                <p:cTn id="62" presetID="1" presetClass="entr" presetSubtype="0" fill="hold" grpId="0" nodeType="afterEffect">
+                                <p:cTn id="74" presetID="1" presetClass="entr" presetSubtype="0" fill="hold" grpId="0" nodeType="afterEffect">
                                   <p:stCondLst>
                                     <p:cond delay="300"/>
                                   </p:stCondLst>
                                   <p:childTnLst>
                                     <p:set>
                                       <p:cBhvr>
-                                        <p:cTn id="63" dur="1" fill="hold">
+                                        <p:cTn id="75" dur="1" fill="hold">
                                           <p:stCondLst>
                                             <p:cond delay="0"/>
                                           </p:stCondLst>
@@ -7953,6 +8558,11 @@
       <p:bldP spid="14" grpId="1"/>
       <p:bldP spid="16" grpId="0"/>
       <p:bldP spid="16" grpId="1"/>
+      <p:bldP spid="12" grpId="0"/>
+      <p:bldP spid="12" grpId="1"/>
+      <p:bldP spid="13" grpId="0"/>
+      <p:bldP spid="13" grpId="1"/>
+      <p:bldP spid="15" grpId="0"/>
     </p:bldLst>
   </p:timing>
 </p:sld>
@@ -8569,7 +9179,7 @@
         </p:nvSpPr>
         <p:spPr>
           <a:xfrm>
-            <a:off x="0" y="3831336"/>
+            <a:off x="360" y="3831336"/>
             <a:ext cx="9143640" cy="1301040"/>
           </a:xfrm>
           <a:prstGeom prst="rect">
@@ -8608,7 +9218,7 @@
                 </a:solidFill>
                 <a:latin typeface="Fira Sans Condensed"/>
               </a:rPr>
-              <a:t>Sometimes code is flawed; other times, changing the ordering of instructions can drastically change the meaning. Either way, the code will do what it's told.</a:t>
+              <a:t>Sometimes code is flawed; other times, changing the ordering of steps can drastically change the meaning. Either way, the code will do what it's told.</a:t>
             </a:r>
             <a:endParaRPr lang="en-US" sz="2400" b="0" strike="noStrike" spc="-1" dirty="0">
               <a:solidFill>
@@ -11560,7 +12170,7 @@
         </p:nvSpPr>
         <p:spPr>
           <a:xfrm>
-            <a:off x="360" y="3831336"/>
+            <a:off x="-360" y="3831336"/>
             <a:ext cx="9143640" cy="1301040"/>
           </a:xfrm>
           <a:prstGeom prst="rect">
@@ -11599,7 +12209,7 @@
                 </a:solidFill>
                 <a:latin typeface="Fira Sans Condensed"/>
               </a:rPr>
-              <a:t>Mid-level programming languages take most of the features from low-level programming languages but remove manual data management (alongside other systems) to make it harder to shoot yourself in the foot. </a:t>
+              <a:t>Mid-level programming languages take most of the features from low-level programming languages but remove manual data management (alongside other systems) so mistakes are harder to make.</a:t>
             </a:r>
             <a:endParaRPr lang="en-US" sz="2400" strike="noStrike" spc="-1" dirty="0">
               <a:solidFill>
@@ -13774,7 +14384,7 @@
                 </a:solidFill>
                 <a:latin typeface="Fira Sans Condensed"/>
               </a:rPr>
-              <a:t>When your computer runs code it attempts to do the instructions in the code and--therefore--whatever task was asked of it.</a:t>
+              <a:t>When your computer runs code it attempts to follow the steps given to it and--therefore--the given task.</a:t>
             </a:r>
             <a:endParaRPr lang="en-US" sz="2400" strike="noStrike" spc="-1" dirty="0">
               <a:solidFill>
@@ -13873,7 +14483,7 @@
         </p:nvSpPr>
         <p:spPr>
           <a:xfrm>
-            <a:off x="360" y="3831336"/>
+            <a:off x="-360" y="3831336"/>
             <a:ext cx="9143640" cy="1301040"/>
           </a:xfrm>
           <a:prstGeom prst="rect">
@@ -13912,7 +14522,7 @@
                 </a:solidFill>
                 <a:latin typeface="Fira Sans Condensed"/>
               </a:rPr>
-              <a:t>The skills that programmers usually forget about are often really important, though, namely:</a:t>
+              <a:t>The skills that programmers sometimes forget are really important, though, namely:</a:t>
             </a:r>
             <a:endParaRPr lang="en-US" sz="2400" strike="noStrike" spc="-1" dirty="0">
               <a:solidFill>
@@ -14952,6 +15562,228 @@
       </p:grpSpPr>
       <p:sp>
         <p:nvSpPr>
+          <p:cNvPr id="144" name="TextShape 2"/>
+          <p:cNvSpPr txBox="1"/>
+          <p:nvPr/>
+        </p:nvSpPr>
+        <p:spPr>
+          <a:xfrm>
+            <a:off x="311760" y="883800"/>
+            <a:ext cx="8520120" cy="3702600"/>
+          </a:xfrm>
+          <a:prstGeom prst="rect">
+            <a:avLst/>
+          </a:prstGeom>
+          <a:noFill/>
+          <a:ln>
+            <a:noFill/>
+          </a:ln>
+        </p:spPr>
+        <p:txBody>
+          <a:bodyPr tIns="91440" bIns="91440"/>
+          <a:lstStyle/>
+          <a:p>
+            <a:pPr>
+              <a:lnSpc>
+                <a:spcPct val="100000"/>
+              </a:lnSpc>
+            </a:pPr>
+            <a:r>
+              <a:rPr lang="en-US" sz="3000" b="0" strike="noStrike" spc="-1" dirty="0">
+                <a:solidFill>
+                  <a:srgbClr val="00BF00"/>
+                </a:solidFill>
+                <a:uFill>
+                  <a:solidFill>
+                    <a:srgbClr val="FFFFFF"/>
+                  </a:solidFill>
+                </a:uFill>
+                <a:latin typeface="Consolas"/>
+                <a:ea typeface="Consolas"/>
+              </a:rPr>
+              <a:t>Documenting</a:t>
+            </a:r>
+            <a:endParaRPr lang="en-US" sz="3200" b="0" strike="noStrike" spc="-1" dirty="0">
+              <a:solidFill>
+                <a:srgbClr val="FFFFFF"/>
+              </a:solidFill>
+              <a:uFill>
+                <a:solidFill>
+                  <a:srgbClr val="FFFFFF"/>
+                </a:solidFill>
+              </a:uFill>
+              <a:latin typeface="Cambria"/>
+            </a:endParaRPr>
+          </a:p>
+          <a:p>
+            <a:pPr>
+              <a:lnSpc>
+                <a:spcPct val="100000"/>
+              </a:lnSpc>
+            </a:pPr>
+            <a:r>
+              <a:rPr lang="en-US" sz="3000" b="0" strike="noStrike" spc="-1" dirty="0">
+                <a:solidFill>
+                  <a:srgbClr val="00BF00"/>
+                </a:solidFill>
+                <a:uFill>
+                  <a:solidFill>
+                    <a:srgbClr val="FFFFFF"/>
+                  </a:solidFill>
+                </a:uFill>
+                <a:latin typeface="Consolas"/>
+                <a:ea typeface="Consolas"/>
+              </a:rPr>
+              <a:t>Styling</a:t>
+            </a:r>
+            <a:endParaRPr lang="en-US" sz="3600" spc="-1" dirty="0">
+              <a:solidFill>
+                <a:srgbClr val="FFFFFF"/>
+              </a:solidFill>
+              <a:uFill>
+                <a:solidFill>
+                  <a:srgbClr val="FFFFFF"/>
+                </a:solidFill>
+              </a:uFill>
+              <a:latin typeface="Cambria"/>
+            </a:endParaRPr>
+          </a:p>
+          <a:p>
+            <a:pPr>
+              <a:lnSpc>
+                <a:spcPct val="100000"/>
+              </a:lnSpc>
+            </a:pPr>
+            <a:r>
+              <a:rPr lang="en-US" sz="3000" spc="-1" dirty="0">
+                <a:solidFill>
+                  <a:srgbClr val="00BF00"/>
+                </a:solidFill>
+                <a:uFill>
+                  <a:solidFill>
+                    <a:srgbClr val="FFFFFF"/>
+                  </a:solidFill>
+                </a:uFill>
+                <a:latin typeface="Consolas" panose="020B0609020204030204" pitchFamily="49" charset="0"/>
+                <a:ea typeface="Consolas"/>
+              </a:rPr>
+              <a:t>Compiling</a:t>
+            </a:r>
+            <a:endParaRPr lang="en-US" sz="3000" spc="-1" dirty="0">
+              <a:solidFill>
+                <a:srgbClr val="FFFFFF"/>
+              </a:solidFill>
+              <a:uFill>
+                <a:solidFill>
+                  <a:srgbClr val="FFFFFF"/>
+                </a:solidFill>
+              </a:uFill>
+              <a:latin typeface="Consolas" panose="020B0609020204030204" pitchFamily="49" charset="0"/>
+            </a:endParaRPr>
+          </a:p>
+          <a:p>
+            <a:pPr>
+              <a:lnSpc>
+                <a:spcPct val="100000"/>
+              </a:lnSpc>
+            </a:pPr>
+            <a:r>
+              <a:rPr lang="en-US" sz="3000" spc="-1" dirty="0">
+                <a:solidFill>
+                  <a:srgbClr val="00BF00"/>
+                </a:solidFill>
+                <a:uFill>
+                  <a:solidFill>
+                    <a:srgbClr val="FFFFFF"/>
+                  </a:solidFill>
+                </a:uFill>
+                <a:latin typeface="Consolas" panose="020B0609020204030204" pitchFamily="49" charset="0"/>
+                <a:ea typeface="Consolas"/>
+              </a:rPr>
+              <a:t>Running</a:t>
+            </a:r>
+            <a:endParaRPr lang="en-US" sz="3000" b="0" strike="noStrike" spc="-1" dirty="0">
+              <a:solidFill>
+                <a:srgbClr val="FFFFFF"/>
+              </a:solidFill>
+              <a:uFill>
+                <a:solidFill>
+                  <a:srgbClr val="FFFFFF"/>
+                </a:solidFill>
+              </a:uFill>
+              <a:latin typeface="Consolas" panose="020B0609020204030204" pitchFamily="49" charset="0"/>
+            </a:endParaRPr>
+          </a:p>
+          <a:p>
+            <a:pPr>
+              <a:lnSpc>
+                <a:spcPct val="100000"/>
+              </a:lnSpc>
+            </a:pPr>
+            <a:r>
+              <a:rPr lang="en-US" sz="3000" b="0" strike="noStrike" spc="-1" dirty="0">
+                <a:solidFill>
+                  <a:srgbClr val="00BF00"/>
+                </a:solidFill>
+                <a:uFill>
+                  <a:solidFill>
+                    <a:srgbClr val="FFFFFF"/>
+                  </a:solidFill>
+                </a:uFill>
+                <a:latin typeface="Consolas"/>
+                <a:ea typeface="Consolas"/>
+              </a:rPr>
+              <a:t>Testing</a:t>
+            </a:r>
+            <a:endParaRPr lang="en-US" sz="3200" b="0" strike="noStrike" spc="-1" dirty="0">
+              <a:solidFill>
+                <a:srgbClr val="FFFFFF"/>
+              </a:solidFill>
+              <a:uFill>
+                <a:solidFill>
+                  <a:srgbClr val="FFFFFF"/>
+                </a:solidFill>
+              </a:uFill>
+              <a:latin typeface="Cambria"/>
+            </a:endParaRPr>
+          </a:p>
+          <a:p>
+            <a:pPr>
+              <a:lnSpc>
+                <a:spcPct val="100000"/>
+              </a:lnSpc>
+            </a:pPr>
+            <a:r>
+              <a:rPr lang="en-US" sz="3000" b="0" strike="noStrike" spc="-1" dirty="0">
+                <a:solidFill>
+                  <a:srgbClr val="00BF00"/>
+                </a:solidFill>
+                <a:uFill>
+                  <a:solidFill>
+                    <a:srgbClr val="FFFFFF"/>
+                  </a:solidFill>
+                </a:uFill>
+                <a:latin typeface="Consolas"/>
+                <a:ea typeface="Consolas"/>
+              </a:rPr>
+              <a:t>Saving</a:t>
+            </a:r>
+            <a:endParaRPr lang="en-US" sz="3200" b="0" strike="noStrike" spc="-1" dirty="0">
+              <a:solidFill>
+                <a:srgbClr val="FFFFFF"/>
+              </a:solidFill>
+              <a:uFill>
+                <a:solidFill>
+                  <a:srgbClr val="FFFFFF"/>
+                </a:solidFill>
+              </a:uFill>
+              <a:latin typeface="Cambria"/>
+            </a:endParaRPr>
+          </a:p>
+        </p:txBody>
+      </p:sp>
+      <p:sp>
+        <p:nvSpPr>
           <p:cNvPr id="22" name="CustomShape 4">
             <a:extLst>
               <a:ext uri="{FF2B5EF4-FFF2-40B4-BE49-F238E27FC236}">
@@ -15788,14 +16620,20 @@
       </p:sp>
       <p:sp>
         <p:nvSpPr>
-          <p:cNvPr id="144" name="TextShape 2"/>
-          <p:cNvSpPr txBox="1"/>
+          <p:cNvPr id="15" name="CustomShape 4">
+            <a:extLst>
+              <a:ext uri="{FF2B5EF4-FFF2-40B4-BE49-F238E27FC236}">
+                <a16:creationId xmlns:a16="http://schemas.microsoft.com/office/drawing/2014/main" id="{4DA772C7-703D-4CEC-921B-E6B5E1F18AFE}"/>
+              </a:ext>
+            </a:extLst>
+          </p:cNvPr>
+          <p:cNvSpPr/>
           <p:nvPr/>
         </p:nvSpPr>
         <p:spPr>
           <a:xfrm>
-            <a:off x="311760" y="883800"/>
-            <a:ext cx="8520120" cy="3702600"/>
+            <a:off x="-360" y="3831336"/>
+            <a:ext cx="9143640" cy="1301040"/>
           </a:xfrm>
           <a:prstGeom prst="rect">
             <a:avLst/>
@@ -15805,205 +16643,46 @@
             <a:noFill/>
           </a:ln>
         </p:spPr>
+        <p:style>
+          <a:lnRef idx="0">
+            <a:scrgbClr r="0" g="0" b="0"/>
+          </a:lnRef>
+          <a:fillRef idx="0">
+            <a:scrgbClr r="0" g="0" b="0"/>
+          </a:fillRef>
+          <a:effectRef idx="0">
+            <a:scrgbClr r="0" g="0" b="0"/>
+          </a:effectRef>
+          <a:fontRef idx="minor"/>
+        </p:style>
         <p:txBody>
           <a:bodyPr tIns="91440" bIns="91440"/>
           <a:lstStyle/>
           <a:p>
             <a:pPr>
               <a:lnSpc>
-                <a:spcPct val="100000"/>
+                <a:spcPct val="115000"/>
               </a:lnSpc>
             </a:pPr>
             <a:r>
-              <a:rPr lang="en-US" sz="3000" b="0" strike="noStrike" spc="-1" dirty="0">
-                <a:solidFill>
-                  <a:srgbClr val="00BF00"/>
-                </a:solidFill>
-                <a:uFill>
-                  <a:solidFill>
-                    <a:srgbClr val="FFFFFF"/>
-                  </a:solidFill>
-                </a:uFill>
-                <a:latin typeface="Consolas"/>
-                <a:ea typeface="Consolas"/>
+              <a:rPr lang="en-US" sz="2400" dirty="0">
+                <a:solidFill>
+                  <a:schemeClr val="bg1"/>
+                </a:solidFill>
+                <a:latin typeface="Fira Sans Condensed"/>
               </a:rPr>
-              <a:t>Documenting</a:t>
+              <a:t>While programmers can get by with compiling and running their code, it is generally in their interest to document, style, test, and save their code as well.</a:t>
             </a:r>
-            <a:endParaRPr lang="en-US" sz="3200" b="0" strike="noStrike" spc="-1" dirty="0">
+            <a:endParaRPr lang="en-US" sz="2400" strike="noStrike" spc="-1" dirty="0">
               <a:solidFill>
-                <a:srgbClr val="FFFFFF"/>
+                <a:schemeClr val="bg1"/>
               </a:solidFill>
               <a:uFill>
                 <a:solidFill>
                   <a:srgbClr val="FFFFFF"/>
                 </a:solidFill>
               </a:uFill>
-              <a:latin typeface="Cambria"/>
-            </a:endParaRPr>
-          </a:p>
-          <a:p>
-            <a:pPr>
-              <a:lnSpc>
-                <a:spcPct val="100000"/>
-              </a:lnSpc>
-            </a:pPr>
-            <a:r>
-              <a:rPr lang="en-US" sz="3000" b="0" strike="noStrike" spc="-1" dirty="0">
-                <a:solidFill>
-                  <a:srgbClr val="00BF00"/>
-                </a:solidFill>
-                <a:uFill>
-                  <a:solidFill>
-                    <a:srgbClr val="FFFFFF"/>
-                  </a:solidFill>
-                </a:uFill>
-                <a:latin typeface="Consolas"/>
-                <a:ea typeface="Consolas"/>
-              </a:rPr>
-              <a:t>Styling</a:t>
-            </a:r>
-            <a:endParaRPr lang="en-US" sz="3600" spc="-1" dirty="0">
-              <a:solidFill>
-                <a:srgbClr val="FFFFFF"/>
-              </a:solidFill>
-              <a:uFill>
-                <a:solidFill>
-                  <a:srgbClr val="FFFFFF"/>
-                </a:solidFill>
-              </a:uFill>
-              <a:latin typeface="Cambria"/>
-            </a:endParaRPr>
-          </a:p>
-          <a:p>
-            <a:pPr>
-              <a:lnSpc>
-                <a:spcPct val="100000"/>
-              </a:lnSpc>
-            </a:pPr>
-            <a:r>
-              <a:rPr lang="en-US" sz="3000" spc="-1" dirty="0">
-                <a:solidFill>
-                  <a:srgbClr val="00BF00"/>
-                </a:solidFill>
-                <a:uFill>
-                  <a:solidFill>
-                    <a:srgbClr val="FFFFFF"/>
-                  </a:solidFill>
-                </a:uFill>
-                <a:latin typeface="Consolas" panose="020B0609020204030204" pitchFamily="49" charset="0"/>
-                <a:ea typeface="Consolas"/>
-              </a:rPr>
-              <a:t>Compiling</a:t>
-            </a:r>
-            <a:endParaRPr lang="en-US" sz="3000" spc="-1" dirty="0">
-              <a:solidFill>
-                <a:srgbClr val="FFFFFF"/>
-              </a:solidFill>
-              <a:uFill>
-                <a:solidFill>
-                  <a:srgbClr val="FFFFFF"/>
-                </a:solidFill>
-              </a:uFill>
-              <a:latin typeface="Consolas" panose="020B0609020204030204" pitchFamily="49" charset="0"/>
-            </a:endParaRPr>
-          </a:p>
-          <a:p>
-            <a:pPr>
-              <a:lnSpc>
-                <a:spcPct val="100000"/>
-              </a:lnSpc>
-            </a:pPr>
-            <a:r>
-              <a:rPr lang="en-US" sz="3000" spc="-1" dirty="0">
-                <a:solidFill>
-                  <a:srgbClr val="00BF00"/>
-                </a:solidFill>
-                <a:uFill>
-                  <a:solidFill>
-                    <a:srgbClr val="FFFFFF"/>
-                  </a:solidFill>
-                </a:uFill>
-                <a:latin typeface="Consolas" panose="020B0609020204030204" pitchFamily="49" charset="0"/>
-                <a:ea typeface="Consolas"/>
-              </a:rPr>
-              <a:t>Running</a:t>
-            </a:r>
-            <a:endParaRPr lang="en-US" sz="3000" b="0" strike="noStrike" spc="-1" dirty="0">
-              <a:solidFill>
-                <a:srgbClr val="FFFFFF"/>
-              </a:solidFill>
-              <a:uFill>
-                <a:solidFill>
-                  <a:srgbClr val="FFFFFF"/>
-                </a:solidFill>
-              </a:uFill>
-              <a:latin typeface="Consolas" panose="020B0609020204030204" pitchFamily="49" charset="0"/>
-            </a:endParaRPr>
-          </a:p>
-          <a:p>
-            <a:pPr>
-              <a:lnSpc>
-                <a:spcPct val="100000"/>
-              </a:lnSpc>
-            </a:pPr>
-            <a:r>
-              <a:rPr lang="en-US" sz="3000" b="0" strike="noStrike" spc="-1" dirty="0">
-                <a:solidFill>
-                  <a:srgbClr val="00BF00"/>
-                </a:solidFill>
-                <a:uFill>
-                  <a:solidFill>
-                    <a:srgbClr val="FFFFFF"/>
-                  </a:solidFill>
-                </a:uFill>
-                <a:latin typeface="Consolas"/>
-                <a:ea typeface="Consolas"/>
-              </a:rPr>
-              <a:t>Testing</a:t>
-            </a:r>
-            <a:endParaRPr lang="en-US" sz="3200" b="0" strike="noStrike" spc="-1" dirty="0">
-              <a:solidFill>
-                <a:srgbClr val="FFFFFF"/>
-              </a:solidFill>
-              <a:uFill>
-                <a:solidFill>
-                  <a:srgbClr val="FFFFFF"/>
-                </a:solidFill>
-              </a:uFill>
-              <a:latin typeface="Cambria"/>
-            </a:endParaRPr>
-          </a:p>
-          <a:p>
-            <a:pPr>
-              <a:lnSpc>
-                <a:spcPct val="100000"/>
-              </a:lnSpc>
-            </a:pPr>
-            <a:r>
-              <a:rPr lang="en-US" sz="3000" b="0" strike="noStrike" spc="-1" dirty="0">
-                <a:solidFill>
-                  <a:srgbClr val="00BF00"/>
-                </a:solidFill>
-                <a:uFill>
-                  <a:solidFill>
-                    <a:srgbClr val="FFFFFF"/>
-                  </a:solidFill>
-                </a:uFill>
-                <a:latin typeface="Consolas"/>
-                <a:ea typeface="Consolas"/>
-              </a:rPr>
-              <a:t>Saving</a:t>
-            </a:r>
-            <a:endParaRPr lang="en-US" sz="3200" b="0" strike="noStrike" spc="-1" dirty="0">
-              <a:solidFill>
-                <a:srgbClr val="FFFFFF"/>
-              </a:solidFill>
-              <a:uFill>
-                <a:solidFill>
-                  <a:srgbClr val="FFFFFF"/>
-                </a:solidFill>
-              </a:uFill>
-              <a:latin typeface="Cambria"/>
+              <a:latin typeface="Fira Sans Condensed"/>
             </a:endParaRPr>
           </a:p>
         </p:txBody>
@@ -17115,6 +17794,87 @@
                       </p:childTnLst>
                     </p:cTn>
                   </p:par>
+                  <p:par>
+                    <p:cTn id="94" fill="hold">
+                      <p:stCondLst>
+                        <p:cond delay="indefinite"/>
+                      </p:stCondLst>
+                      <p:childTnLst>
+                        <p:par>
+                          <p:cTn id="95" fill="hold">
+                            <p:stCondLst>
+                              <p:cond delay="0"/>
+                            </p:stCondLst>
+                            <p:childTnLst>
+                              <p:par>
+                                <p:cTn id="96" presetID="1" presetClass="exit" presetSubtype="0" fill="hold" grpId="1" nodeType="clickEffect">
+                                  <p:stCondLst>
+                                    <p:cond delay="0"/>
+                                  </p:stCondLst>
+                                  <p:childTnLst>
+                                    <p:set>
+                                      <p:cBhvr>
+                                        <p:cTn id="97" dur="1" fill="hold">
+                                          <p:stCondLst>
+                                            <p:cond delay="0"/>
+                                          </p:stCondLst>
+                                        </p:cTn>
+                                        <p:tgtEl>
+                                          <p:spTgt spid="28"/>
+                                        </p:tgtEl>
+                                        <p:attrNameLst>
+                                          <p:attrName>style.visibility</p:attrName>
+                                        </p:attrNameLst>
+                                      </p:cBhvr>
+                                      <p:to>
+                                        <p:strVal val="hidden"/>
+                                      </p:to>
+                                    </p:set>
+                                  </p:childTnLst>
+                                </p:cTn>
+                              </p:par>
+                            </p:childTnLst>
+                          </p:cTn>
+                        </p:par>
+                        <p:par>
+                          <p:cTn id="98" fill="hold">
+                            <p:stCondLst>
+                              <p:cond delay="0"/>
+                            </p:stCondLst>
+                            <p:childTnLst>
+                              <p:par>
+                                <p:cTn id="99" presetID="1" presetClass="entr" presetSubtype="0" fill="hold" grpId="0" nodeType="afterEffect">
+                                  <p:stCondLst>
+                                    <p:cond delay="2000"/>
+                                  </p:stCondLst>
+                                  <p:childTnLst>
+                                    <p:set>
+                                      <p:cBhvr>
+                                        <p:cTn id="100" dur="1" fill="hold">
+                                          <p:stCondLst>
+                                            <p:cond delay="0"/>
+                                          </p:stCondLst>
+                                        </p:cTn>
+                                        <p:tgtEl>
+                                          <p:spTgt spid="15"/>
+                                        </p:tgtEl>
+                                        <p:attrNameLst>
+                                          <p:attrName>style.visibility</p:attrName>
+                                        </p:attrNameLst>
+                                      </p:cBhvr>
+                                      <p:to>
+                                        <p:strVal val="visible"/>
+                                      </p:to>
+                                    </p:set>
+                                  </p:childTnLst>
+                                </p:cTn>
+                              </p:par>
+                            </p:childTnLst>
+                          </p:cTn>
+                        </p:par>
+                      </p:childTnLst>
+                    </p:cTn>
+                  </p:par>
                 </p:childTnLst>
               </p:cTn>
               <p:prevCondLst>
@@ -17137,6 +17897,7 @@
       </p:par>
     </p:tnLst>
     <p:bldLst>
+      <p:bldP spid="144" grpId="0" uiExpand="1" build="p"/>
       <p:bldP spid="22" grpId="0"/>
       <p:bldP spid="22" grpId="1"/>
       <p:bldP spid="23" grpId="0"/>
@@ -17148,6 +17909,7 @@
       <p:bldP spid="26" grpId="0"/>
       <p:bldP spid="26" grpId="1"/>
       <p:bldP spid="28" grpId="0"/>
+      <p:bldP spid="28" grpId="1"/>
       <p:bldP spid="17" grpId="0"/>
       <p:bldP spid="17" grpId="1"/>
       <p:bldP spid="18" grpId="0"/>
@@ -17158,7 +17920,7 @@
       <p:bldP spid="20" grpId="1"/>
       <p:bldP spid="21" grpId="0"/>
       <p:bldP spid="21" grpId="1"/>
-      <p:bldP spid="144" grpId="0" uiExpand="1" build="p"/>
+      <p:bldP spid="15" grpId="0"/>
     </p:bldLst>
   </p:timing>
 </p:sld>
@@ -17189,6 +17951,258 @@
           <a:chExt cx="0" cy="0"/>
         </a:xfrm>
       </p:grpSpPr>
+      <p:sp>
+        <p:nvSpPr>
+          <p:cNvPr id="148" name="TextShape 2"/>
+          <p:cNvSpPr txBox="1"/>
+          <p:nvPr/>
+        </p:nvSpPr>
+        <p:spPr>
+          <a:xfrm>
+            <a:off x="311760" y="883800"/>
+            <a:ext cx="8520120" cy="3702600"/>
+          </a:xfrm>
+          <a:prstGeom prst="rect">
+            <a:avLst/>
+          </a:prstGeom>
+          <a:noFill/>
+          <a:ln>
+            <a:noFill/>
+          </a:ln>
+        </p:spPr>
+        <p:txBody>
+          <a:bodyPr tIns="91440" bIns="91440"/>
+          <a:lstStyle/>
+          <a:p>
+            <a:pPr>
+              <a:lnSpc>
+                <a:spcPct val="100000"/>
+              </a:lnSpc>
+            </a:pPr>
+            <a:r>
+              <a:rPr lang="en-US" sz="3000" b="0" strike="noStrike" spc="-1" dirty="0">
+                <a:solidFill>
+                  <a:srgbClr val="00BF00"/>
+                </a:solidFill>
+                <a:uFill>
+                  <a:solidFill>
+                    <a:srgbClr val="FFFFFF"/>
+                  </a:solidFill>
+                </a:uFill>
+                <a:latin typeface="Consolas"/>
+                <a:ea typeface="Consolas"/>
+              </a:rPr>
+              <a:t> Compile-time errors </a:t>
+            </a:r>
+            <a:endParaRPr lang="en-US" sz="3200" b="0" strike="noStrike" spc="-1" dirty="0">
+              <a:solidFill>
+                <a:srgbClr val="FFFFFF"/>
+              </a:solidFill>
+              <a:uFill>
+                <a:solidFill>
+                  <a:srgbClr val="FFFFFF"/>
+                </a:solidFill>
+              </a:uFill>
+              <a:latin typeface="Cambria"/>
+            </a:endParaRPr>
+          </a:p>
+          <a:p>
+            <a:pPr>
+              <a:lnSpc>
+                <a:spcPct val="100000"/>
+              </a:lnSpc>
+            </a:pPr>
+            <a:r>
+              <a:rPr lang="en-US" sz="3000" b="0" strike="noStrike" spc="-1" dirty="0">
+                <a:solidFill>
+                  <a:srgbClr val="666666"/>
+                </a:solidFill>
+                <a:uFill>
+                  <a:solidFill>
+                    <a:srgbClr val="FFFFFF"/>
+                  </a:solidFill>
+                </a:uFill>
+                <a:latin typeface="Consolas"/>
+                <a:ea typeface="Consolas"/>
+              </a:rPr>
+              <a:t>   ^-^</a:t>
+            </a:r>
+            <a:endParaRPr lang="en-US" sz="3200" b="0" strike="noStrike" spc="-1" dirty="0">
+              <a:solidFill>
+                <a:srgbClr val="FFFFFF"/>
+              </a:solidFill>
+              <a:uFill>
+                <a:solidFill>
+                  <a:srgbClr val="FFFFFF"/>
+                </a:solidFill>
+              </a:uFill>
+              <a:latin typeface="Cambria"/>
+            </a:endParaRPr>
+          </a:p>
+          <a:p>
+            <a:pPr>
+              <a:lnSpc>
+                <a:spcPct val="100000"/>
+              </a:lnSpc>
+            </a:pPr>
+            <a:r>
+              <a:rPr lang="en-US" sz="3000" b="0" strike="noStrike" spc="-1" dirty="0">
+                <a:solidFill>
+                  <a:srgbClr val="00BF00"/>
+                </a:solidFill>
+                <a:uFill>
+                  <a:solidFill>
+                    <a:srgbClr val="FFFFFF"/>
+                  </a:solidFill>
+                </a:uFill>
+                <a:latin typeface="Consolas"/>
+                <a:ea typeface="Consolas"/>
+              </a:rPr>
+              <a:t> Run-time errors</a:t>
+            </a:r>
+            <a:endParaRPr lang="en-US" sz="3200" b="0" strike="noStrike" spc="-1" dirty="0">
+              <a:solidFill>
+                <a:srgbClr val="FFFFFF"/>
+              </a:solidFill>
+              <a:uFill>
+                <a:solidFill>
+                  <a:srgbClr val="FFFFFF"/>
+                </a:solidFill>
+              </a:uFill>
+              <a:latin typeface="Cambria"/>
+            </a:endParaRPr>
+          </a:p>
+          <a:p>
+            <a:pPr>
+              <a:lnSpc>
+                <a:spcPct val="100000"/>
+              </a:lnSpc>
+            </a:pPr>
+            <a:r>
+              <a:rPr lang="en-US" sz="3000" b="0" strike="noStrike" spc="-1" dirty="0">
+                <a:solidFill>
+                  <a:srgbClr val="00BF00"/>
+                </a:solidFill>
+                <a:uFill>
+                  <a:solidFill>
+                    <a:srgbClr val="FFFFFF"/>
+                  </a:solidFill>
+                </a:uFill>
+                <a:latin typeface="Consolas"/>
+                <a:ea typeface="Consolas"/>
+              </a:rPr>
+              <a:t>   </a:t>
+            </a:r>
+            <a:r>
+              <a:rPr lang="en-US" sz="3000" b="0" strike="noStrike" spc="-1" dirty="0">
+                <a:solidFill>
+                  <a:srgbClr val="666666"/>
+                </a:solidFill>
+                <a:uFill>
+                  <a:solidFill>
+                    <a:srgbClr val="FFFFFF"/>
+                  </a:solidFill>
+                </a:uFill>
+                <a:latin typeface="Consolas"/>
+                <a:ea typeface="Consolas"/>
+              </a:rPr>
+              <a:t>1/0</a:t>
+            </a:r>
+            <a:endParaRPr lang="en-US" sz="3200" b="0" strike="noStrike" spc="-1" dirty="0">
+              <a:solidFill>
+                <a:srgbClr val="FFFFFF"/>
+              </a:solidFill>
+              <a:uFill>
+                <a:solidFill>
+                  <a:srgbClr val="FFFFFF"/>
+                </a:solidFill>
+              </a:uFill>
+              <a:latin typeface="Cambria"/>
+            </a:endParaRPr>
+          </a:p>
+          <a:p>
+            <a:pPr>
+              <a:lnSpc>
+                <a:spcPct val="100000"/>
+              </a:lnSpc>
+            </a:pPr>
+            <a:r>
+              <a:rPr lang="en-US" sz="3000" b="0" strike="noStrike" spc="-1" dirty="0">
+                <a:solidFill>
+                  <a:srgbClr val="00BF00"/>
+                </a:solidFill>
+                <a:uFill>
+                  <a:solidFill>
+                    <a:srgbClr val="FFFFFF"/>
+                  </a:solidFill>
+                </a:uFill>
+                <a:latin typeface="Consolas"/>
+                <a:ea typeface="Consolas"/>
+              </a:rPr>
+              <a:t> Logic errors</a:t>
+            </a:r>
+            <a:endParaRPr lang="en-US" sz="3200" b="0" strike="noStrike" spc="-1" dirty="0">
+              <a:solidFill>
+                <a:srgbClr val="FFFFFF"/>
+              </a:solidFill>
+              <a:uFill>
+                <a:solidFill>
+                  <a:srgbClr val="FFFFFF"/>
+                </a:solidFill>
+              </a:uFill>
+              <a:latin typeface="Cambria"/>
+            </a:endParaRPr>
+          </a:p>
+          <a:p>
+            <a:pPr>
+              <a:lnSpc>
+                <a:spcPct val="100000"/>
+              </a:lnSpc>
+            </a:pPr>
+            <a:r>
+              <a:rPr lang="en-US" sz="3000" b="0" strike="noStrike" spc="-1" dirty="0">
+                <a:solidFill>
+                  <a:srgbClr val="00BF00"/>
+                </a:solidFill>
+                <a:uFill>
+                  <a:solidFill>
+                    <a:srgbClr val="FFFFFF"/>
+                  </a:solidFill>
+                </a:uFill>
+                <a:latin typeface="Consolas"/>
+                <a:ea typeface="Consolas"/>
+              </a:rPr>
+              <a:t>   </a:t>
+            </a:r>
+            <a:r>
+              <a:rPr lang="en-US" sz="3000" b="0" strike="noStrike" spc="-1" dirty="0">
+                <a:solidFill>
+                  <a:srgbClr val="666666"/>
+                </a:solidFill>
+                <a:uFill>
+                  <a:solidFill>
+                    <a:srgbClr val="FFFFFF"/>
+                  </a:solidFill>
+                </a:uFill>
+                <a:latin typeface="Consolas"/>
+                <a:ea typeface="Consolas"/>
+              </a:rPr>
+              <a:t>a + b / 2</a:t>
+            </a:r>
+            <a:endParaRPr lang="en-US" sz="3200" b="0" strike="noStrike" spc="-1" dirty="0">
+              <a:solidFill>
+                <a:srgbClr val="FFFFFF"/>
+              </a:solidFill>
+              <a:uFill>
+                <a:solidFill>
+                  <a:srgbClr val="FFFFFF"/>
+                </a:solidFill>
+              </a:uFill>
+              <a:latin typeface="Cambria"/>
+            </a:endParaRPr>
+          </a:p>
+        </p:txBody>
+      </p:sp>
       <p:sp>
         <p:nvSpPr>
           <p:cNvPr id="12" name="CustomShape 10">
@@ -17824,7 +18838,7 @@
         </p:nvSpPr>
         <p:spPr>
           <a:xfrm>
-            <a:off x="0" y="3831336"/>
+            <a:off x="360" y="3831336"/>
             <a:ext cx="9143640" cy="1301040"/>
           </a:xfrm>
           <a:prstGeom prst="rect">
@@ -17940,258 +18954,6 @@
       </p:sp>
       <p:sp>
         <p:nvSpPr>
-          <p:cNvPr id="148" name="TextShape 2"/>
-          <p:cNvSpPr txBox="1"/>
-          <p:nvPr/>
-        </p:nvSpPr>
-        <p:spPr>
-          <a:xfrm>
-            <a:off x="311760" y="883800"/>
-            <a:ext cx="8520120" cy="3702600"/>
-          </a:xfrm>
-          <a:prstGeom prst="rect">
-            <a:avLst/>
-          </a:prstGeom>
-          <a:noFill/>
-          <a:ln>
-            <a:noFill/>
-          </a:ln>
-        </p:spPr>
-        <p:txBody>
-          <a:bodyPr tIns="91440" bIns="91440"/>
-          <a:lstStyle/>
-          <a:p>
-            <a:pPr>
-              <a:lnSpc>
-                <a:spcPct val="100000"/>
-              </a:lnSpc>
-            </a:pPr>
-            <a:r>
-              <a:rPr lang="en-US" sz="3000" b="0" strike="noStrike" spc="-1" dirty="0">
-                <a:solidFill>
-                  <a:srgbClr val="00BF00"/>
-                </a:solidFill>
-                <a:uFill>
-                  <a:solidFill>
-                    <a:srgbClr val="FFFFFF"/>
-                  </a:solidFill>
-                </a:uFill>
-                <a:latin typeface="Consolas"/>
-                <a:ea typeface="Consolas"/>
-              </a:rPr>
-              <a:t> Compile-time errors </a:t>
-            </a:r>
-            <a:endParaRPr lang="en-US" sz="3200" b="0" strike="noStrike" spc="-1" dirty="0">
-              <a:solidFill>
-                <a:srgbClr val="FFFFFF"/>
-              </a:solidFill>
-              <a:uFill>
-                <a:solidFill>
-                  <a:srgbClr val="FFFFFF"/>
-                </a:solidFill>
-              </a:uFill>
-              <a:latin typeface="Cambria"/>
-            </a:endParaRPr>
-          </a:p>
-          <a:p>
-            <a:pPr>
-              <a:lnSpc>
-                <a:spcPct val="100000"/>
-              </a:lnSpc>
-            </a:pPr>
-            <a:r>
-              <a:rPr lang="en-US" sz="3000" b="0" strike="noStrike" spc="-1" dirty="0">
-                <a:solidFill>
-                  <a:srgbClr val="666666"/>
-                </a:solidFill>
-                <a:uFill>
-                  <a:solidFill>
-                    <a:srgbClr val="FFFFFF"/>
-                  </a:solidFill>
-                </a:uFill>
-                <a:latin typeface="Consolas"/>
-                <a:ea typeface="Consolas"/>
-              </a:rPr>
-              <a:t>   ^-^</a:t>
-            </a:r>
-            <a:endParaRPr lang="en-US" sz="3200" b="0" strike="noStrike" spc="-1" dirty="0">
-              <a:solidFill>
-                <a:srgbClr val="FFFFFF"/>
-              </a:solidFill>
-              <a:uFill>
-                <a:solidFill>
-                  <a:srgbClr val="FFFFFF"/>
-                </a:solidFill>
-              </a:uFill>
-              <a:latin typeface="Cambria"/>
-            </a:endParaRPr>
-          </a:p>
-          <a:p>
-            <a:pPr>
-              <a:lnSpc>
-                <a:spcPct val="100000"/>
-              </a:lnSpc>
-            </a:pPr>
-            <a:r>
-              <a:rPr lang="en-US" sz="3000" b="0" strike="noStrike" spc="-1" dirty="0">
-                <a:solidFill>
-                  <a:srgbClr val="00BF00"/>
-                </a:solidFill>
-                <a:uFill>
-                  <a:solidFill>
-                    <a:srgbClr val="FFFFFF"/>
-                  </a:solidFill>
-                </a:uFill>
-                <a:latin typeface="Consolas"/>
-                <a:ea typeface="Consolas"/>
-              </a:rPr>
-              <a:t> Run-time errors</a:t>
-            </a:r>
-            <a:endParaRPr lang="en-US" sz="3200" b="0" strike="noStrike" spc="-1" dirty="0">
-              <a:solidFill>
-                <a:srgbClr val="FFFFFF"/>
-              </a:solidFill>
-              <a:uFill>
-                <a:solidFill>
-                  <a:srgbClr val="FFFFFF"/>
-                </a:solidFill>
-              </a:uFill>
-              <a:latin typeface="Cambria"/>
-            </a:endParaRPr>
-          </a:p>
-          <a:p>
-            <a:pPr>
-              <a:lnSpc>
-                <a:spcPct val="100000"/>
-              </a:lnSpc>
-            </a:pPr>
-            <a:r>
-              <a:rPr lang="en-US" sz="3000" b="0" strike="noStrike" spc="-1" dirty="0">
-                <a:solidFill>
-                  <a:srgbClr val="00BF00"/>
-                </a:solidFill>
-                <a:uFill>
-                  <a:solidFill>
-                    <a:srgbClr val="FFFFFF"/>
-                  </a:solidFill>
-                </a:uFill>
-                <a:latin typeface="Consolas"/>
-                <a:ea typeface="Consolas"/>
-              </a:rPr>
-              <a:t>   </a:t>
-            </a:r>
-            <a:r>
-              <a:rPr lang="en-US" sz="3000" b="0" strike="noStrike" spc="-1" dirty="0">
-                <a:solidFill>
-                  <a:srgbClr val="666666"/>
-                </a:solidFill>
-                <a:uFill>
-                  <a:solidFill>
-                    <a:srgbClr val="FFFFFF"/>
-                  </a:solidFill>
-                </a:uFill>
-                <a:latin typeface="Consolas"/>
-                <a:ea typeface="Consolas"/>
-              </a:rPr>
-              <a:t>1/0</a:t>
-            </a:r>
-            <a:endParaRPr lang="en-US" sz="3200" b="0" strike="noStrike" spc="-1" dirty="0">
-              <a:solidFill>
-                <a:srgbClr val="FFFFFF"/>
-              </a:solidFill>
-              <a:uFill>
-                <a:solidFill>
-                  <a:srgbClr val="FFFFFF"/>
-                </a:solidFill>
-              </a:uFill>
-              <a:latin typeface="Cambria"/>
-            </a:endParaRPr>
-          </a:p>
-          <a:p>
-            <a:pPr>
-              <a:lnSpc>
-                <a:spcPct val="100000"/>
-              </a:lnSpc>
-            </a:pPr>
-            <a:r>
-              <a:rPr lang="en-US" sz="3000" b="0" strike="noStrike" spc="-1" dirty="0">
-                <a:solidFill>
-                  <a:srgbClr val="00BF00"/>
-                </a:solidFill>
-                <a:uFill>
-                  <a:solidFill>
-                    <a:srgbClr val="FFFFFF"/>
-                  </a:solidFill>
-                </a:uFill>
-                <a:latin typeface="Consolas"/>
-                <a:ea typeface="Consolas"/>
-              </a:rPr>
-              <a:t> Logic errors</a:t>
-            </a:r>
-            <a:endParaRPr lang="en-US" sz="3200" b="0" strike="noStrike" spc="-1" dirty="0">
-              <a:solidFill>
-                <a:srgbClr val="FFFFFF"/>
-              </a:solidFill>
-              <a:uFill>
-                <a:solidFill>
-                  <a:srgbClr val="FFFFFF"/>
-                </a:solidFill>
-              </a:uFill>
-              <a:latin typeface="Cambria"/>
-            </a:endParaRPr>
-          </a:p>
-          <a:p>
-            <a:pPr>
-              <a:lnSpc>
-                <a:spcPct val="100000"/>
-              </a:lnSpc>
-            </a:pPr>
-            <a:r>
-              <a:rPr lang="en-US" sz="3000" b="0" strike="noStrike" spc="-1" dirty="0">
-                <a:solidFill>
-                  <a:srgbClr val="00BF00"/>
-                </a:solidFill>
-                <a:uFill>
-                  <a:solidFill>
-                    <a:srgbClr val="FFFFFF"/>
-                  </a:solidFill>
-                </a:uFill>
-                <a:latin typeface="Consolas"/>
-                <a:ea typeface="Consolas"/>
-              </a:rPr>
-              <a:t>   </a:t>
-            </a:r>
-            <a:r>
-              <a:rPr lang="en-US" sz="3000" b="0" strike="noStrike" spc="-1" dirty="0">
-                <a:solidFill>
-                  <a:srgbClr val="666666"/>
-                </a:solidFill>
-                <a:uFill>
-                  <a:solidFill>
-                    <a:srgbClr val="FFFFFF"/>
-                  </a:solidFill>
-                </a:uFill>
-                <a:latin typeface="Consolas"/>
-                <a:ea typeface="Consolas"/>
-              </a:rPr>
-              <a:t>a + b / 2</a:t>
-            </a:r>
-            <a:endParaRPr lang="en-US" sz="3200" b="0" strike="noStrike" spc="-1" dirty="0">
-              <a:solidFill>
-                <a:srgbClr val="FFFFFF"/>
-              </a:solidFill>
-              <a:uFill>
-                <a:solidFill>
-                  <a:srgbClr val="FFFFFF"/>
-                </a:solidFill>
-              </a:uFill>
-              <a:latin typeface="Cambria"/>
-            </a:endParaRPr>
-          </a:p>
-        </p:txBody>
-      </p:sp>
-      <p:sp>
-        <p:nvSpPr>
           <p:cNvPr id="6" name="CustomShape 10">
             <a:extLst>
               <a:ext uri="{FF2B5EF4-FFF2-40B4-BE49-F238E27FC236}">
@@ -18524,6 +19286,155 @@
             <a:endParaRPr lang="en-US" sz="2400" b="0" strike="noStrike" spc="-1" dirty="0">
               <a:solidFill>
                 <a:schemeClr val="bg1"/>
+              </a:solidFill>
+              <a:uFill>
+                <a:solidFill>
+                  <a:srgbClr val="FFFFFF"/>
+                </a:solidFill>
+              </a:uFill>
+              <a:latin typeface="Fira Sans Condensed"/>
+            </a:endParaRPr>
+          </a:p>
+        </p:txBody>
+      </p:sp>
+      <p:sp>
+        <p:nvSpPr>
+          <p:cNvPr id="22" name="CustomShape 10">
+            <a:extLst>
+              <a:ext uri="{FF2B5EF4-FFF2-40B4-BE49-F238E27FC236}">
+                <a16:creationId xmlns:a16="http://schemas.microsoft.com/office/drawing/2014/main" id="{B05B1932-6472-46D3-95C9-F76F931F3B67}"/>
+              </a:ext>
+            </a:extLst>
+          </p:cNvPr>
+          <p:cNvSpPr/>
+          <p:nvPr/>
+        </p:nvSpPr>
+        <p:spPr>
+          <a:xfrm>
+            <a:off x="0" y="3831336"/>
+            <a:ext cx="9143640" cy="1301040"/>
+          </a:xfrm>
+          <a:prstGeom prst="rect">
+            <a:avLst/>
+          </a:prstGeom>
+          <a:noFill/>
+          <a:ln>
+            <a:noFill/>
+          </a:ln>
+        </p:spPr>
+        <p:style>
+          <a:lnRef idx="0">
+            <a:scrgbClr r="0" g="0" b="0"/>
+          </a:lnRef>
+          <a:fillRef idx="0">
+            <a:scrgbClr r="0" g="0" b="0"/>
+          </a:fillRef>
+          <a:effectRef idx="0">
+            <a:scrgbClr r="0" g="0" b="0"/>
+          </a:effectRef>
+          <a:fontRef idx="minor"/>
+        </p:style>
+        <p:txBody>
+          <a:bodyPr tIns="91440" bIns="91440"/>
+          <a:lstStyle/>
+          <a:p>
+            <a:pPr>
+              <a:lnSpc>
+                <a:spcPct val="115000"/>
+              </a:lnSpc>
+            </a:pPr>
+            <a:r>
+              <a:rPr lang="en-US" sz="2400" spc="-1" dirty="0">
+                <a:solidFill>
+                  <a:schemeClr val="bg1"/>
+                </a:solidFill>
+                <a:uFill>
+                  <a:solidFill>
+                    <a:srgbClr val="FFFFFF"/>
+                  </a:solidFill>
+                </a:uFill>
+                <a:latin typeface="Fira Sans Condensed"/>
+              </a:rPr>
+              <a:t>Knowing the types of errors that may arise helps programmers find and fix errors (and avoid them altogether).</a:t>
+            </a:r>
+            <a:endParaRPr lang="en-US" sz="2400" b="0" strike="noStrike" spc="-1" dirty="0">
+              <a:solidFill>
+                <a:schemeClr val="bg1"/>
+              </a:solidFill>
+              <a:uFill>
+                <a:solidFill>
+                  <a:srgbClr val="FFFFFF"/>
+                </a:solidFill>
+              </a:uFill>
+              <a:latin typeface="Fira Sans Condensed"/>
+            </a:endParaRPr>
+          </a:p>
+        </p:txBody>
+      </p:sp>
+      <p:sp>
+        <p:nvSpPr>
+          <p:cNvPr id="23" name="CustomShape 18">
+            <a:extLst>
+              <a:ext uri="{FF2B5EF4-FFF2-40B4-BE49-F238E27FC236}">
+                <a16:creationId xmlns:a16="http://schemas.microsoft.com/office/drawing/2014/main" id="{5B5079B6-F2FA-4A7D-9790-1EE93F58222E}"/>
+              </a:ext>
+            </a:extLst>
+          </p:cNvPr>
+          <p:cNvSpPr/>
+          <p:nvPr/>
+        </p:nvSpPr>
+        <p:spPr>
+          <a:xfrm>
+            <a:off x="5028480" y="0"/>
+            <a:ext cx="4114800" cy="1828800"/>
+          </a:xfrm>
+          <a:prstGeom prst="rect">
+            <a:avLst/>
+          </a:prstGeom>
+          <a:noFill/>
+          <a:ln>
+            <a:noFill/>
+          </a:ln>
+        </p:spPr>
+        <p:style>
+          <a:lnRef idx="0">
+            <a:scrgbClr r="0" g="0" b="0"/>
+          </a:lnRef>
+          <a:fillRef idx="0">
+            <a:scrgbClr r="0" g="0" b="0"/>
+          </a:fillRef>
+          <a:effectRef idx="0">
+            <a:scrgbClr r="0" g="0" b="0"/>
+          </a:effectRef>
+          <a:fontRef idx="minor"/>
+        </p:style>
+        <p:txBody>
+          <a:bodyPr tIns="91440" bIns="91440"/>
+          <a:lstStyle/>
+          <a:p>
+            <a:pPr>
+              <a:lnSpc>
+                <a:spcPct val="115000"/>
+              </a:lnSpc>
+            </a:pPr>
+            <a:r>
+              <a:rPr lang="en-US" sz="2400" dirty="0">
+                <a:solidFill>
+                  <a:schemeClr val="tx1">
+                    <a:lumMod val="75000"/>
+                    <a:lumOff val="25000"/>
+                  </a:schemeClr>
+                </a:solidFill>
+                <a:latin typeface="Fira Sans Condensed"/>
+              </a:rPr>
+              <a:t>Division by zero? OH SHI-- *black hole* &lt; humor &gt;</a:t>
+            </a:r>
+            <a:endParaRPr lang="en-US" sz="2400" b="0" strike="noStrike" spc="-1" dirty="0">
+              <a:solidFill>
+                <a:schemeClr val="tx1">
+                  <a:lumMod val="75000"/>
+                  <a:lumOff val="25000"/>
+                </a:schemeClr>
               </a:solidFill>
               <a:uFill>
                 <a:solidFill>
@@ -19560,30 +20471,66 @@
                             </p:childTnLst>
                           </p:cTn>
                         </p:par>
+                        <p:par>
+                          <p:cTn id="89" fill="hold">
+                            <p:stCondLst>
+                              <p:cond delay="2000"/>
+                            </p:stCondLst>
+                            <p:childTnLst>
+                              <p:par>
+                                <p:cTn id="90" presetID="1" presetClass="entr" presetSubtype="0" fill="hold" grpId="0" nodeType="afterEffect">
+                                  <p:stCondLst>
+                                    <p:cond delay="2000"/>
+                                  </p:stCondLst>
+                                  <p:childTnLst>
+                                    <p:set>
+                                      <p:cBhvr>
+                                        <p:cTn id="91" dur="1" fill="hold">
+                                          <p:stCondLst>
+                                            <p:cond delay="0"/>
+                                          </p:stCondLst>
+                                        </p:cTn>
+                                        <p:tgtEl>
+                                          <p:spTgt spid="23"/>
+                                        </p:tgtEl>
+                                        <p:attrNameLst>
+                                          <p:attrName>style.visibility</p:attrName>
+                                        </p:attrNameLst>
+                                      </p:cBhvr>
+                                      <p:to>
+                                        <p:strVal val="visible"/>
+                                      </p:to>
+                                    </p:set>
+                                  </p:childTnLst>
+                                </p:cTn>
+                              </p:par>
+                            </p:childTnLst>
+                          </p:cTn>
+                        </p:par>
                       </p:childTnLst>
                     </p:cTn>
                   </p:par>
                   <p:par>
-                    <p:cTn id="89" fill="hold">
+                    <p:cTn id="92" fill="hold">
                       <p:stCondLst>
                         <p:cond delay="indefinite"/>
                       </p:stCondLst>
                       <p:childTnLst>
                         <p:par>
-                          <p:cTn id="90" fill="hold">
+                          <p:cTn id="93" fill="hold">
                             <p:stCondLst>
                               <p:cond delay="0"/>
                             </p:stCondLst>
                             <p:childTnLst>
                               <p:par>
-                                <p:cTn id="91" presetID="1" presetClass="exit" presetSubtype="0" fill="hold" grpId="1" nodeType="clickEffect">
+                                <p:cTn id="94" presetID="1" presetClass="exit" presetSubtype="0" fill="hold" grpId="1" nodeType="clickEffect">
                                   <p:stCondLst>
                                     <p:cond delay="0"/>
                                   </p:stCondLst>
                                   <p:childTnLst>
                                     <p:set>
                                       <p:cBhvr>
-                                        <p:cTn id="92" dur="1" fill="hold">
+                                        <p:cTn id="95" dur="1" fill="hold">
                                           <p:stCondLst>
                                             <p:cond delay="0"/>
                                           </p:stCondLst>
@@ -19602,24 +20549,51 @@
                                   </p:childTnLst>
                                 </p:cTn>
                               </p:par>
+                              <p:par>
+                                <p:cTn id="96" presetID="1" presetClass="exit" presetSubtype="0" fill="hold" grpId="1" nodeType="withEffect">
+                                  <p:stCondLst>
+                                    <p:cond delay="0"/>
+                                  </p:stCondLst>
+                                  <p:childTnLst>
+                                    <p:set>
+                                      <p:cBhvr>
+                                        <p:cTn id="97" dur="1" fill="hold">
+                                          <p:stCondLst>
+                                            <p:cond delay="0"/>
+                                          </p:stCondLst>
+                                        </p:cTn>
+                                        <p:tgtEl>
+                                          <p:spTgt spid="23"/>
+                                        </p:tgtEl>
+                                        <p:attrNameLst>
+                                          <p:attrName>style.visibility</p:attrName>
+                                        </p:attrNameLst>
+                                      </p:cBhvr>
+                                      <p:to>
+                                        <p:strVal val="hidden"/>
+                                      </p:to>
+                                    </p:set>
+                                  </p:childTnLst>
+                                </p:cTn>
+                              </p:par>
                             </p:childTnLst>
                           </p:cTn>
                         </p:par>
                         <p:par>
-                          <p:cTn id="93" fill="hold">
+                          <p:cTn id="98" fill="hold">
                             <p:stCondLst>
                               <p:cond delay="0"/>
                             </p:stCondLst>
                             <p:childTnLst>
                               <p:par>
-                                <p:cTn id="94" presetID="1" presetClass="entr" presetSubtype="0" fill="hold" grpId="0" nodeType="afterEffect">
+                                <p:cTn id="99" presetID="1" presetClass="entr" presetSubtype="0" fill="hold" grpId="0" nodeType="afterEffect">
                                   <p:stCondLst>
                                     <p:cond delay="2000"/>
                                   </p:stCondLst>
                                   <p:childTnLst>
                                     <p:set>
                                       <p:cBhvr>
-                                        <p:cTn id="95" dur="1" fill="hold">
+                                        <p:cTn id="100" dur="1" fill="hold">
                                           <p:stCondLst>
                                             <p:cond delay="0"/>
                                           </p:stCondLst>
@@ -19642,20 +20616,20 @@
                           </p:cTn>
                         </p:par>
                         <p:par>
-                          <p:cTn id="96" fill="hold">
+                          <p:cTn id="101" fill="hold">
                             <p:stCondLst>
                               <p:cond delay="2000"/>
                             </p:stCondLst>
                             <p:childTnLst>
                               <p:par>
-                                <p:cTn id="97" presetID="1" presetClass="entr" presetSubtype="0" fill="hold" grpId="0" nodeType="afterEffect">
+                                <p:cTn id="102" presetID="1" presetClass="entr" presetSubtype="0" fill="hold" grpId="0" nodeType="afterEffect">
                                   <p:stCondLst>
                                     <p:cond delay="0"/>
                                   </p:stCondLst>
                                   <p:childTnLst>
                                     <p:set>
                                       <p:cBhvr>
-                                        <p:cTn id="98" dur="1" fill="hold">
+                                        <p:cTn id="103" dur="1" fill="hold">
                                           <p:stCondLst>
                                             <p:cond delay="0"/>
                                           </p:stCondLst>
@@ -19685,26 +20659,26 @@
                     </p:cTn>
                   </p:par>
                   <p:par>
-                    <p:cTn id="99" fill="hold">
+                    <p:cTn id="104" fill="hold">
                       <p:stCondLst>
                         <p:cond delay="indefinite"/>
                       </p:stCondLst>
                       <p:childTnLst>
                         <p:par>
-                          <p:cTn id="100" fill="hold">
+                          <p:cTn id="105" fill="hold">
                             <p:stCondLst>
                               <p:cond delay="0"/>
                             </p:stCondLst>
                             <p:childTnLst>
                               <p:par>
-                                <p:cTn id="101" presetID="1" presetClass="exit" presetSubtype="0" fill="hold" grpId="1" nodeType="clickEffect">
+                                <p:cTn id="106" presetID="1" presetClass="exit" presetSubtype="0" fill="hold" grpId="1" nodeType="clickEffect">
                                   <p:stCondLst>
                                     <p:cond delay="0"/>
                                   </p:stCondLst>
                                   <p:childTnLst>
                                     <p:set>
                                       <p:cBhvr>
-                                        <p:cTn id="102" dur="1" fill="hold">
+                                        <p:cTn id="107" dur="1" fill="hold">
                                           <p:stCondLst>
                                             <p:cond delay="0"/>
                                           </p:stCondLst>
@@ -19727,20 +20701,20 @@
                           </p:cTn>
                         </p:par>
                         <p:par>
-                          <p:cTn id="103" fill="hold">
+                          <p:cTn id="108" fill="hold">
                             <p:stCondLst>
                               <p:cond delay="0"/>
                             </p:stCondLst>
                             <p:childTnLst>
                               <p:par>
-                                <p:cTn id="104" presetID="1" presetClass="entr" presetSubtype="0" fill="hold" grpId="0" nodeType="afterEffect">
+                                <p:cTn id="109" presetID="1" presetClass="entr" presetSubtype="0" fill="hold" grpId="0" nodeType="afterEffect">
                                   <p:stCondLst>
                                     <p:cond delay="2000"/>
                                   </p:stCondLst>
                                   <p:childTnLst>
                                     <p:set>
                                       <p:cBhvr>
-                                        <p:cTn id="105" dur="1" fill="hold">
+                                        <p:cTn id="110" dur="1" fill="hold">
                                           <p:stCondLst>
                                             <p:cond delay="0"/>
                                           </p:stCondLst>
@@ -19763,20 +20737,20 @@
                           </p:cTn>
                         </p:par>
                         <p:par>
-                          <p:cTn id="106" fill="hold">
+                          <p:cTn id="111" fill="hold">
                             <p:stCondLst>
                               <p:cond delay="2000"/>
                             </p:stCondLst>
                             <p:childTnLst>
                               <p:par>
-                                <p:cTn id="107" presetID="1" presetClass="entr" presetSubtype="0" fill="hold" grpId="0" nodeType="afterEffect">
+                                <p:cTn id="112" presetID="1" presetClass="entr" presetSubtype="0" fill="hold" grpId="0" nodeType="afterEffect">
                                   <p:stCondLst>
                                     <p:cond delay="0"/>
                                   </p:stCondLst>
                                   <p:childTnLst>
                                     <p:set>
                                       <p:cBhvr>
-                                        <p:cTn id="108" dur="1" fill="hold">
+                                        <p:cTn id="113" dur="1" fill="hold">
                                           <p:stCondLst>
                                             <p:cond delay="0"/>
                                           </p:stCondLst>
@@ -19806,26 +20780,26 @@
                     </p:cTn>
                   </p:par>
                   <p:par>
-                    <p:cTn id="109" fill="hold">
+                    <p:cTn id="114" fill="hold">
                       <p:stCondLst>
                         <p:cond delay="indefinite"/>
                       </p:stCondLst>
                       <p:childTnLst>
                         <p:par>
-                          <p:cTn id="110" fill="hold">
+                          <p:cTn id="115" fill="hold">
                             <p:stCondLst>
                               <p:cond delay="0"/>
                             </p:stCondLst>
                             <p:childTnLst>
                               <p:par>
-                                <p:cTn id="111" presetID="1" presetClass="exit" presetSubtype="0" fill="hold" grpId="1" nodeType="clickEffect">
+                                <p:cTn id="116" presetID="1" presetClass="exit" presetSubtype="0" fill="hold" grpId="1" nodeType="clickEffect">
                                   <p:stCondLst>
                                     <p:cond delay="0"/>
                                   </p:stCondLst>
                                   <p:childTnLst>
                                     <p:set>
                                       <p:cBhvr>
-                                        <p:cTn id="112" dur="1" fill="hold">
+                                        <p:cTn id="117" dur="1" fill="hold">
                                           <p:stCondLst>
                                             <p:cond delay="0"/>
                                           </p:stCondLst>
@@ -19848,20 +20822,20 @@
                           </p:cTn>
                         </p:par>
                         <p:par>
-                          <p:cTn id="113" fill="hold">
+                          <p:cTn id="118" fill="hold">
                             <p:stCondLst>
                               <p:cond delay="0"/>
                             </p:stCondLst>
                             <p:childTnLst>
                               <p:par>
-                                <p:cTn id="114" presetID="1" presetClass="entr" presetSubtype="0" fill="hold" grpId="0" nodeType="afterEffect">
+                                <p:cTn id="119" presetID="1" presetClass="entr" presetSubtype="0" fill="hold" grpId="0" nodeType="afterEffect">
                                   <p:stCondLst>
                                     <p:cond delay="300"/>
                                   </p:stCondLst>
                                   <p:childTnLst>
                                     <p:set>
                                       <p:cBhvr>
-                                        <p:cTn id="115" dur="1" fill="hold">
+                                        <p:cTn id="120" dur="1" fill="hold">
                                           <p:stCondLst>
                                             <p:cond delay="0"/>
                                           </p:stCondLst>
@@ -19887,26 +20861,26 @@
                     </p:cTn>
                   </p:par>
                   <p:par>
-                    <p:cTn id="116" fill="hold">
+                    <p:cTn id="121" fill="hold">
                       <p:stCondLst>
                         <p:cond delay="indefinite"/>
                       </p:stCondLst>
                       <p:childTnLst>
                         <p:par>
-                          <p:cTn id="117" fill="hold">
+                          <p:cTn id="122" fill="hold">
                             <p:stCondLst>
                               <p:cond delay="0"/>
                             </p:stCondLst>
                             <p:childTnLst>
                               <p:par>
-                                <p:cTn id="118" presetID="1" presetClass="exit" presetSubtype="0" fill="hold" grpId="1" nodeType="clickEffect">
+                                <p:cTn id="123" presetID="1" presetClass="exit" presetSubtype="0" fill="hold" grpId="1" nodeType="clickEffect">
                                   <p:stCondLst>
                                     <p:cond delay="0"/>
                                   </p:stCondLst>
                                   <p:childTnLst>
                                     <p:set>
                                       <p:cBhvr>
-                                        <p:cTn id="119" dur="1" fill="hold">
+                                        <p:cTn id="124" dur="1" fill="hold">
                                           <p:stCondLst>
                                             <p:cond delay="0"/>
                                           </p:stCondLst>
@@ -19929,26 +20903,107 @@
                           </p:cTn>
                         </p:par>
                         <p:par>
-                          <p:cTn id="120" fill="hold">
+                          <p:cTn id="125" fill="hold">
                             <p:stCondLst>
                               <p:cond delay="0"/>
                             </p:stCondLst>
                             <p:childTnLst>
                               <p:par>
-                                <p:cTn id="121" presetID="1" presetClass="entr" presetSubtype="0" fill="hold" grpId="0" nodeType="afterEffect">
+                                <p:cTn id="126" presetID="1" presetClass="entr" presetSubtype="0" fill="hold" grpId="0" nodeType="afterEffect">
                                   <p:stCondLst>
                                     <p:cond delay="300"/>
                                   </p:stCondLst>
                                   <p:childTnLst>
                                     <p:set>
                                       <p:cBhvr>
-                                        <p:cTn id="122" dur="1" fill="hold">
+                                        <p:cTn id="127" dur="1" fill="hold">
                                           <p:stCondLst>
                                             <p:cond delay="0"/>
                                           </p:stCondLst>
                                         </p:cTn>
                                         <p:tgtEl>
                                           <p:spTgt spid="21"/>
+                                        </p:tgtEl>
+                                        <p:attrNameLst>
+                                          <p:attrName>style.visibility</p:attrName>
+                                        </p:attrNameLst>
+                                      </p:cBhvr>
+                                      <p:to>
+                                        <p:strVal val="visible"/>
+                                      </p:to>
+                                    </p:set>
+                                  </p:childTnLst>
+                                </p:cTn>
+                              </p:par>
+                            </p:childTnLst>
+                          </p:cTn>
+                        </p:par>
+                      </p:childTnLst>
+                    </p:cTn>
+                  </p:par>
+                  <p:par>
+                    <p:cTn id="128" fill="hold">
+                      <p:stCondLst>
+                        <p:cond delay="indefinite"/>
+                      </p:stCondLst>
+                      <p:childTnLst>
+                        <p:par>
+                          <p:cTn id="129" fill="hold">
+                            <p:stCondLst>
+                              <p:cond delay="0"/>
+                            </p:stCondLst>
+                            <p:childTnLst>
+                              <p:par>
+                                <p:cTn id="130" presetID="1" presetClass="exit" presetSubtype="0" fill="hold" grpId="1" nodeType="clickEffect">
+                                  <p:stCondLst>
+                                    <p:cond delay="0"/>
+                                  </p:stCondLst>
+                                  <p:childTnLst>
+                                    <p:set>
+                                      <p:cBhvr>
+                                        <p:cTn id="131" dur="1" fill="hold">
+                                          <p:stCondLst>
+                                            <p:cond delay="0"/>
+                                          </p:stCondLst>
+                                        </p:cTn>
+                                        <p:tgtEl>
+                                          <p:spTgt spid="21"/>
+                                        </p:tgtEl>
+                                        <p:attrNameLst>
+                                          <p:attrName>style.visibility</p:attrName>
+                                        </p:attrNameLst>
+                                      </p:cBhvr>
+                                      <p:to>
+                                        <p:strVal val="hidden"/>
+                                      </p:to>
+                                    </p:set>
+                                  </p:childTnLst>
+                                </p:cTn>
+                              </p:par>
+                            </p:childTnLst>
+                          </p:cTn>
+                        </p:par>
+                        <p:par>
+                          <p:cTn id="132" fill="hold">
+                            <p:stCondLst>
+                              <p:cond delay="0"/>
+                            </p:stCondLst>
+                            <p:childTnLst>
+                              <p:par>
+                                <p:cTn id="133" presetID="1" presetClass="entr" presetSubtype="0" fill="hold" grpId="0" nodeType="afterEffect">
+                                  <p:stCondLst>
+                                    <p:cond delay="2000"/>
+                                  </p:stCondLst>
+                                  <p:childTnLst>
+                                    <p:set>
+                                      <p:cBhvr>
+                                        <p:cTn id="134" dur="1" fill="hold">
+                                          <p:stCondLst>
+                                            <p:cond delay="0"/>
+                                          </p:stCondLst>
+                                        </p:cTn>
+                                        <p:tgtEl>
+                                          <p:spTgt spid="22"/>
                                         </p:tgtEl>
                                         <p:attrNameLst>
                                           <p:attrName>style.visibility</p:attrName>
@@ -19989,6 +21044,7 @@
       </p:par>
     </p:tnLst>
     <p:bldLst>
+      <p:bldP spid="148" grpId="0" uiExpand="1" build="p"/>
       <p:bldP spid="12" grpId="0"/>
       <p:bldP spid="12" grpId="1"/>
       <p:bldP spid="13" grpId="0"/>
@@ -20008,7 +21064,7 @@
       <p:bldP spid="20" grpId="0"/>
       <p:bldP spid="20" grpId="1"/>
       <p:bldP spid="21" grpId="0"/>
-      <p:bldP spid="148" grpId="0" uiExpand="1" build="p"/>
+      <p:bldP spid="21" grpId="1"/>
       <p:bldP spid="6" grpId="0"/>
       <p:bldP spid="6" grpId="1"/>
       <p:bldP spid="7" grpId="0"/>
@@ -20019,6 +21075,9 @@
       <p:bldP spid="9" grpId="1"/>
       <p:bldP spid="10" grpId="0"/>
       <p:bldP spid="10" grpId="1"/>
+      <p:bldP spid="22" grpId="0"/>
+      <p:bldP spid="23" grpId="0"/>
+      <p:bldP spid="23" grpId="1"/>
     </p:bldLst>
   </p:timing>
 </p:sld>
@@ -23860,7 +24919,7 @@
         </p:nvSpPr>
         <p:spPr>
           <a:xfrm>
-            <a:off x="0" y="3831336"/>
+            <a:off x="360" y="3831336"/>
             <a:ext cx="9143640" cy="1301040"/>
           </a:xfrm>
           <a:prstGeom prst="rect">
@@ -23899,7 +24958,7 @@
                 </a:solidFill>
                 <a:latin typeface="Fira Sans Condensed"/>
               </a:rPr>
-              <a:t>The first question any programmer needs to answer for themselves is "What, exactly, is programming?"</a:t>
+              <a:t>The first question any programmer needs to answer for themselves is "What, exactly, is programming?".</a:t>
             </a:r>
             <a:endParaRPr lang="en-US" sz="2400" b="0" strike="noStrike" spc="-1" dirty="0">
               <a:solidFill>
@@ -24224,7 +25283,7 @@
                               <p:par>
                                 <p:cTn id="12" presetID="1" presetClass="entr" presetSubtype="0" fill="hold" grpId="0" nodeType="afterEffect">
                                   <p:stCondLst>
-                                    <p:cond delay="1000"/>
+                                    <p:cond delay="2000"/>
                                   </p:stCondLst>
                                   <p:childTnLst>
                                     <p:set>
@@ -25091,7 +26150,7 @@
                 </a:solidFill>
                 <a:latin typeface="Fira Sans Condensed"/>
               </a:rPr>
-              <a:t>name</a:t>
+              <a:t>name.</a:t>
             </a:r>
             <a:endParaRPr lang="en-US" sz="2400" i="1" strike="noStrike" spc="-1" dirty="0">
               <a:solidFill>
@@ -26494,7 +27553,7 @@
         </p:nvSpPr>
         <p:spPr>
           <a:xfrm>
-            <a:off x="0" y="3831336"/>
+            <a:off x="360" y="3831336"/>
             <a:ext cx="9143640" cy="1301040"/>
           </a:xfrm>
           <a:prstGeom prst="rect">
@@ -26563,7 +27622,7 @@
                 </a:solidFill>
                 <a:latin typeface="Fira Sans Condensed"/>
               </a:rPr>
-              <a:t>… or even 13)</a:t>
+              <a:t>… or even 13).</a:t>
             </a:r>
             <a:endParaRPr lang="en-US" sz="2400" strike="noStrike" spc="-1" dirty="0">
               <a:solidFill>
@@ -32874,7 +33933,7 @@
                               <p:par>
                                 <p:cTn id="26" presetID="1" presetClass="entr" presetSubtype="0" fill="hold" grpId="0" nodeType="afterEffect">
                                   <p:stCondLst>
-                                    <p:cond delay="300"/>
+                                    <p:cond delay="2000"/>
                                   </p:stCondLst>
                                   <p:childTnLst>
                                     <p:set>
